--- a/Whiteboard design session/WDS trainer presentation - Cognitive Services and deep learning.pptx
+++ b/Whiteboard design session/WDS trainer presentation - Cognitive Services and deep learning.pptx
@@ -6,7 +6,7 @@
     <p:sldMasterId id="2147483665" r:id="rId2"/>
   </p:sldMasterIdLst>
   <p:notesMasterIdLst>
-    <p:notesMasterId r:id="rId36"/>
+    <p:notesMasterId r:id="rId38"/>
   </p:notesMasterIdLst>
   <p:sldIdLst>
     <p:sldId id="300" r:id="rId3"/>
@@ -25,23 +25,25 @@
     <p:sldId id="316" r:id="rId16"/>
     <p:sldId id="319" r:id="rId17"/>
     <p:sldId id="318" r:id="rId18"/>
-    <p:sldId id="326" r:id="rId19"/>
-    <p:sldId id="327" r:id="rId20"/>
-    <p:sldId id="328" r:id="rId21"/>
-    <p:sldId id="329" r:id="rId22"/>
-    <p:sldId id="330" r:id="rId23"/>
-    <p:sldId id="331" r:id="rId24"/>
-    <p:sldId id="332" r:id="rId25"/>
-    <p:sldId id="333" r:id="rId26"/>
-    <p:sldId id="334" r:id="rId27"/>
-    <p:sldId id="335" r:id="rId28"/>
-    <p:sldId id="336" r:id="rId29"/>
-    <p:sldId id="337" r:id="rId30"/>
-    <p:sldId id="338" r:id="rId31"/>
-    <p:sldId id="340" r:id="rId32"/>
-    <p:sldId id="341" r:id="rId33"/>
-    <p:sldId id="339" r:id="rId34"/>
-    <p:sldId id="315" r:id="rId35"/>
+    <p:sldId id="343" r:id="rId19"/>
+    <p:sldId id="344" r:id="rId20"/>
+    <p:sldId id="326" r:id="rId21"/>
+    <p:sldId id="327" r:id="rId22"/>
+    <p:sldId id="328" r:id="rId23"/>
+    <p:sldId id="329" r:id="rId24"/>
+    <p:sldId id="330" r:id="rId25"/>
+    <p:sldId id="331" r:id="rId26"/>
+    <p:sldId id="332" r:id="rId27"/>
+    <p:sldId id="333" r:id="rId28"/>
+    <p:sldId id="334" r:id="rId29"/>
+    <p:sldId id="335" r:id="rId30"/>
+    <p:sldId id="336" r:id="rId31"/>
+    <p:sldId id="337" r:id="rId32"/>
+    <p:sldId id="338" r:id="rId33"/>
+    <p:sldId id="340" r:id="rId34"/>
+    <p:sldId id="341" r:id="rId35"/>
+    <p:sldId id="339" r:id="rId36"/>
+    <p:sldId id="315" r:id="rId37"/>
   </p:sldIdLst>
   <p:sldSz cx="12192000" cy="6858000"/>
   <p:notesSz cx="6858000" cy="9144000"/>
@@ -233,7 +235,7 @@
           <a:p>
             <a:fld id="{52A13B17-C506-4D51-BB37-16B365906619}" type="datetimeFigureOut">
               <a:rPr lang="en-US" smtClean="0"/>
-              <a:t>6/6/19</a:t>
+              <a:t>11/16/19</a:t>
             </a:fld>
             <a:endParaRPr lang="en-US" dirty="0"/>
           </a:p>
@@ -1448,7 +1450,7 @@
     </p:spTree>
     <p:extLst>
       <p:ext uri="{BB962C8B-B14F-4D97-AF65-F5344CB8AC3E}">
-        <p14:creationId xmlns:p14="http://schemas.microsoft.com/office/powerpoint/2010/main" val="2718068953"/>
+        <p14:creationId xmlns:p14="http://schemas.microsoft.com/office/powerpoint/2010/main" val="3093105476"/>
       </p:ext>
     </p:extLst>
   </p:cSld>
@@ -1532,7 +1534,7 @@
     </p:spTree>
     <p:extLst>
       <p:ext uri="{BB962C8B-B14F-4D97-AF65-F5344CB8AC3E}">
-        <p14:creationId xmlns:p14="http://schemas.microsoft.com/office/powerpoint/2010/main" val="3408877057"/>
+        <p14:creationId xmlns:p14="http://schemas.microsoft.com/office/powerpoint/2010/main" val="2239593520"/>
       </p:ext>
     </p:extLst>
   </p:cSld>
@@ -1616,7 +1618,7 @@
     </p:spTree>
     <p:extLst>
       <p:ext uri="{BB962C8B-B14F-4D97-AF65-F5344CB8AC3E}">
-        <p14:creationId xmlns:p14="http://schemas.microsoft.com/office/powerpoint/2010/main" val="853637438"/>
+        <p14:creationId xmlns:p14="http://schemas.microsoft.com/office/powerpoint/2010/main" val="2718068953"/>
       </p:ext>
     </p:extLst>
   </p:cSld>
@@ -1784,7 +1786,7 @@
     </p:spTree>
     <p:extLst>
       <p:ext uri="{BB962C8B-B14F-4D97-AF65-F5344CB8AC3E}">
-        <p14:creationId xmlns:p14="http://schemas.microsoft.com/office/powerpoint/2010/main" val="3609394473"/>
+        <p14:creationId xmlns:p14="http://schemas.microsoft.com/office/powerpoint/2010/main" val="3408877057"/>
       </p:ext>
     </p:extLst>
   </p:cSld>
@@ -1868,7 +1870,7 @@
     </p:spTree>
     <p:extLst>
       <p:ext uri="{BB962C8B-B14F-4D97-AF65-F5344CB8AC3E}">
-        <p14:creationId xmlns:p14="http://schemas.microsoft.com/office/powerpoint/2010/main" val="3315246842"/>
+        <p14:creationId xmlns:p14="http://schemas.microsoft.com/office/powerpoint/2010/main" val="853637438"/>
       </p:ext>
     </p:extLst>
   </p:cSld>
@@ -1952,7 +1954,7 @@
     </p:spTree>
     <p:extLst>
       <p:ext uri="{BB962C8B-B14F-4D97-AF65-F5344CB8AC3E}">
-        <p14:creationId xmlns:p14="http://schemas.microsoft.com/office/powerpoint/2010/main" val="2715782299"/>
+        <p14:creationId xmlns:p14="http://schemas.microsoft.com/office/powerpoint/2010/main" val="3609394473"/>
       </p:ext>
     </p:extLst>
   </p:cSld>
@@ -2036,7 +2038,7 @@
     </p:spTree>
     <p:extLst>
       <p:ext uri="{BB962C8B-B14F-4D97-AF65-F5344CB8AC3E}">
-        <p14:creationId xmlns:p14="http://schemas.microsoft.com/office/powerpoint/2010/main" val="183691693"/>
+        <p14:creationId xmlns:p14="http://schemas.microsoft.com/office/powerpoint/2010/main" val="3315246842"/>
       </p:ext>
     </p:extLst>
   </p:cSld>
@@ -2120,7 +2122,7 @@
     </p:spTree>
     <p:extLst>
       <p:ext uri="{BB962C8B-B14F-4D97-AF65-F5344CB8AC3E}">
-        <p14:creationId xmlns:p14="http://schemas.microsoft.com/office/powerpoint/2010/main" val="1879846257"/>
+        <p14:creationId xmlns:p14="http://schemas.microsoft.com/office/powerpoint/2010/main" val="2715782299"/>
       </p:ext>
     </p:extLst>
   </p:cSld>
@@ -2204,7 +2206,7 @@
     </p:spTree>
     <p:extLst>
       <p:ext uri="{BB962C8B-B14F-4D97-AF65-F5344CB8AC3E}">
-        <p14:creationId xmlns:p14="http://schemas.microsoft.com/office/powerpoint/2010/main" val="3096093301"/>
+        <p14:creationId xmlns:p14="http://schemas.microsoft.com/office/powerpoint/2010/main" val="183691693"/>
       </p:ext>
     </p:extLst>
   </p:cSld>
@@ -2288,7 +2290,7 @@
     </p:spTree>
     <p:extLst>
       <p:ext uri="{BB962C8B-B14F-4D97-AF65-F5344CB8AC3E}">
-        <p14:creationId xmlns:p14="http://schemas.microsoft.com/office/powerpoint/2010/main" val="4275802852"/>
+        <p14:creationId xmlns:p14="http://schemas.microsoft.com/office/powerpoint/2010/main" val="1879846257"/>
       </p:ext>
     </p:extLst>
   </p:cSld>
@@ -2372,7 +2374,7 @@
     </p:spTree>
     <p:extLst>
       <p:ext uri="{BB962C8B-B14F-4D97-AF65-F5344CB8AC3E}">
-        <p14:creationId xmlns:p14="http://schemas.microsoft.com/office/powerpoint/2010/main" val="1449139343"/>
+        <p14:creationId xmlns:p14="http://schemas.microsoft.com/office/powerpoint/2010/main" val="3096093301"/>
       </p:ext>
     </p:extLst>
   </p:cSld>
@@ -2456,7 +2458,7 @@
     </p:spTree>
     <p:extLst>
       <p:ext uri="{BB962C8B-B14F-4D97-AF65-F5344CB8AC3E}">
-        <p14:creationId xmlns:p14="http://schemas.microsoft.com/office/powerpoint/2010/main" val="2700474992"/>
+        <p14:creationId xmlns:p14="http://schemas.microsoft.com/office/powerpoint/2010/main" val="4275802852"/>
       </p:ext>
     </p:extLst>
   </p:cSld>
@@ -2540,7 +2542,7 @@
     </p:spTree>
     <p:extLst>
       <p:ext uri="{BB962C8B-B14F-4D97-AF65-F5344CB8AC3E}">
-        <p14:creationId xmlns:p14="http://schemas.microsoft.com/office/powerpoint/2010/main" val="376445730"/>
+        <p14:creationId xmlns:p14="http://schemas.microsoft.com/office/powerpoint/2010/main" val="1449139343"/>
       </p:ext>
     </p:extLst>
   </p:cSld>
@@ -2708,7 +2710,7 @@
     </p:spTree>
     <p:extLst>
       <p:ext uri="{BB962C8B-B14F-4D97-AF65-F5344CB8AC3E}">
-        <p14:creationId xmlns:p14="http://schemas.microsoft.com/office/powerpoint/2010/main" val="366044158"/>
+        <p14:creationId xmlns:p14="http://schemas.microsoft.com/office/powerpoint/2010/main" val="2700474992"/>
       </p:ext>
     </p:extLst>
   </p:cSld>
@@ -2792,7 +2794,7 @@
     </p:spTree>
     <p:extLst>
       <p:ext uri="{BB962C8B-B14F-4D97-AF65-F5344CB8AC3E}">
-        <p14:creationId xmlns:p14="http://schemas.microsoft.com/office/powerpoint/2010/main" val="2866128362"/>
+        <p14:creationId xmlns:p14="http://schemas.microsoft.com/office/powerpoint/2010/main" val="376445730"/>
       </p:ext>
     </p:extLst>
   </p:cSld>
@@ -2876,6 +2878,174 @@
     </p:spTree>
     <p:extLst>
       <p:ext uri="{BB962C8B-B14F-4D97-AF65-F5344CB8AC3E}">
+        <p14:creationId xmlns:p14="http://schemas.microsoft.com/office/powerpoint/2010/main" val="366044158"/>
+      </p:ext>
+    </p:extLst>
+  </p:cSld>
+  <p:clrMapOvr>
+    <a:masterClrMapping/>
+  </p:clrMapOvr>
+</p:notes>
+</file>
+
+<file path=ppt/notesSlides/notesSlide33.xml><?xml version="1.0" encoding="utf-8"?>
+<p:notes xmlns:a="http://schemas.openxmlformats.org/drawingml/2006/main" xmlns:r="http://schemas.openxmlformats.org/officeDocument/2006/relationships" xmlns:p="http://schemas.openxmlformats.org/presentationml/2006/main">
+  <p:cSld>
+    <p:spTree>
+      <p:nvGrpSpPr>
+        <p:cNvPr id="1" name=""/>
+        <p:cNvGrpSpPr/>
+        <p:nvPr/>
+      </p:nvGrpSpPr>
+      <p:grpSpPr>
+        <a:xfrm>
+          <a:off x="0" y="0"/>
+          <a:ext cx="0" cy="0"/>
+          <a:chOff x="0" y="0"/>
+          <a:chExt cx="0" cy="0"/>
+        </a:xfrm>
+      </p:grpSpPr>
+      <p:sp>
+        <p:nvSpPr>
+          <p:cNvPr id="2" name="Slide Image Placeholder 1"/>
+          <p:cNvSpPr>
+            <a:spLocks noGrp="1" noRot="1" noChangeAspect="1"/>
+          </p:cNvSpPr>
+          <p:nvPr>
+            <p:ph type="sldImg"/>
+          </p:nvPr>
+        </p:nvSpPr>
+        <p:spPr/>
+      </p:sp>
+      <p:sp>
+        <p:nvSpPr>
+          <p:cNvPr id="3" name="Notes Placeholder 2"/>
+          <p:cNvSpPr>
+            <a:spLocks noGrp="1"/>
+          </p:cNvSpPr>
+          <p:nvPr>
+            <p:ph type="body" idx="1"/>
+          </p:nvPr>
+        </p:nvSpPr>
+        <p:spPr/>
+        <p:txBody>
+          <a:bodyPr/>
+          <a:lstStyle/>
+          <a:p>
+            <a:endParaRPr lang="en-US" dirty="0"/>
+          </a:p>
+        </p:txBody>
+      </p:sp>
+      <p:sp>
+        <p:nvSpPr>
+          <p:cNvPr id="4" name="Slide Number Placeholder 3"/>
+          <p:cNvSpPr>
+            <a:spLocks noGrp="1"/>
+          </p:cNvSpPr>
+          <p:nvPr>
+            <p:ph type="sldNum" sz="quarter" idx="10"/>
+          </p:nvPr>
+        </p:nvSpPr>
+        <p:spPr/>
+        <p:txBody>
+          <a:bodyPr/>
+          <a:lstStyle/>
+          <a:p>
+            <a:fld id="{0998D5BB-B127-481F-BC0A-2F77C576BB34}" type="slidenum">
+              <a:rPr lang="en-US" smtClean="0"/>
+              <a:t>33</a:t>
+            </a:fld>
+            <a:endParaRPr lang="en-US" dirty="0"/>
+          </a:p>
+        </p:txBody>
+      </p:sp>
+    </p:spTree>
+    <p:extLst>
+      <p:ext uri="{BB962C8B-B14F-4D97-AF65-F5344CB8AC3E}">
+        <p14:creationId xmlns:p14="http://schemas.microsoft.com/office/powerpoint/2010/main" val="2866128362"/>
+      </p:ext>
+    </p:extLst>
+  </p:cSld>
+  <p:clrMapOvr>
+    <a:masterClrMapping/>
+  </p:clrMapOvr>
+</p:notes>
+</file>
+
+<file path=ppt/notesSlides/notesSlide34.xml><?xml version="1.0" encoding="utf-8"?>
+<p:notes xmlns:a="http://schemas.openxmlformats.org/drawingml/2006/main" xmlns:r="http://schemas.openxmlformats.org/officeDocument/2006/relationships" xmlns:p="http://schemas.openxmlformats.org/presentationml/2006/main">
+  <p:cSld>
+    <p:spTree>
+      <p:nvGrpSpPr>
+        <p:cNvPr id="1" name=""/>
+        <p:cNvGrpSpPr/>
+        <p:nvPr/>
+      </p:nvGrpSpPr>
+      <p:grpSpPr>
+        <a:xfrm>
+          <a:off x="0" y="0"/>
+          <a:ext cx="0" cy="0"/>
+          <a:chOff x="0" y="0"/>
+          <a:chExt cx="0" cy="0"/>
+        </a:xfrm>
+      </p:grpSpPr>
+      <p:sp>
+        <p:nvSpPr>
+          <p:cNvPr id="2" name="Slide Image Placeholder 1"/>
+          <p:cNvSpPr>
+            <a:spLocks noGrp="1" noRot="1" noChangeAspect="1"/>
+          </p:cNvSpPr>
+          <p:nvPr>
+            <p:ph type="sldImg"/>
+          </p:nvPr>
+        </p:nvSpPr>
+        <p:spPr/>
+      </p:sp>
+      <p:sp>
+        <p:nvSpPr>
+          <p:cNvPr id="3" name="Notes Placeholder 2"/>
+          <p:cNvSpPr>
+            <a:spLocks noGrp="1"/>
+          </p:cNvSpPr>
+          <p:nvPr>
+            <p:ph type="body" idx="1"/>
+          </p:nvPr>
+        </p:nvSpPr>
+        <p:spPr/>
+        <p:txBody>
+          <a:bodyPr/>
+          <a:lstStyle/>
+          <a:p>
+            <a:endParaRPr lang="en-US" dirty="0"/>
+          </a:p>
+        </p:txBody>
+      </p:sp>
+      <p:sp>
+        <p:nvSpPr>
+          <p:cNvPr id="4" name="Slide Number Placeholder 3"/>
+          <p:cNvSpPr>
+            <a:spLocks noGrp="1"/>
+          </p:cNvSpPr>
+          <p:nvPr>
+            <p:ph type="sldNum" sz="quarter" idx="10"/>
+          </p:nvPr>
+        </p:nvSpPr>
+        <p:spPr/>
+        <p:txBody>
+          <a:bodyPr/>
+          <a:lstStyle/>
+          <a:p>
+            <a:fld id="{0998D5BB-B127-481F-BC0A-2F77C576BB34}" type="slidenum">
+              <a:rPr lang="en-US" smtClean="0"/>
+              <a:t>34</a:t>
+            </a:fld>
+            <a:endParaRPr lang="en-US" dirty="0"/>
+          </a:p>
+        </p:txBody>
+      </p:sp>
+    </p:spTree>
+    <p:extLst>
+      <p:ext uri="{BB962C8B-B14F-4D97-AF65-F5344CB8AC3E}">
         <p14:creationId xmlns:p14="http://schemas.microsoft.com/office/powerpoint/2010/main" val="2007135944"/>
       </p:ext>
     </p:extLst>
@@ -2886,7 +3056,7 @@
 </p:notes>
 </file>
 
-<file path=ppt/notesSlides/notesSlide33.xml><?xml version="1.0" encoding="utf-8"?>
+<file path=ppt/notesSlides/notesSlide35.xml><?xml version="1.0" encoding="utf-8"?>
 <p:notes xmlns:a="http://schemas.openxmlformats.org/drawingml/2006/main" xmlns:r="http://schemas.openxmlformats.org/officeDocument/2006/relationships" xmlns:p="http://schemas.openxmlformats.org/presentationml/2006/main">
   <p:cSld>
     <p:spTree>
@@ -2993,7 +3163,7 @@
                   <a:prstClr val="black"/>
                 </a:solidFill>
               </a:rPr>
-              <a:t>6/6/19 7:26 PM</a:t>
+              <a:t>11/16/19 9:33 AM</a:t>
             </a:fld>
             <a:endParaRPr lang="en-US" dirty="0">
               <a:solidFill>
@@ -3025,7 +3195,7 @@
                 </a:solidFill>
               </a:rPr>
               <a:pPr/>
-              <a:t>33</a:t>
+              <a:t>35</a:t>
             </a:fld>
             <a:endParaRPr lang="en-US" dirty="0">
               <a:solidFill>
@@ -3807,7 +3977,7 @@
       </p:transition>
     </mc:Fallback>
   </mc:AlternateContent>
-  <p:extLst mod="1">
+  <p:extLst>
     <p:ext uri="{DCECCB84-F9BA-43D5-87BE-67443E8EF086}">
       <p15:sldGuideLst xmlns:p15="http://schemas.microsoft.com/office/powerpoint/2012/main">
         <p15:guide id="1" pos="288">
@@ -14710,7 +14880,7 @@
       </a:lvl9pPr>
     </p:otherStyle>
   </p:txStyles>
-  <p:extLst mod="1">
+  <p:extLst>
     <p:ext uri="{27BBF7A9-308A-43DC-89C8-2F10F3537804}">
       <p15:sldGuideLst xmlns:p15="http://schemas.microsoft.com/office/powerpoint/2012/main">
         <p15:guide id="1" orient="horz" pos="187">
@@ -15325,7 +15495,7 @@
       </a:lvl9pPr>
     </p:otherStyle>
   </p:txStyles>
-  <p:extLst mod="1">
+  <p:extLst>
     <p:ext uri="{27BBF7A9-308A-43DC-89C8-2F10F3537804}">
       <p15:sldGuideLst xmlns:p15="http://schemas.microsoft.com/office/powerpoint/2012/main">
         <p15:guide id="1" orient="horz" pos="187">
@@ -17411,48 +17581,6 @@
               </a:rPr>
               <a:t>Contoso would need to have a certain amount of historical claim text and have it labeled as home or auto in order to train a model.</a:t>
             </a:r>
-          </a:p>
-          <a:p>
-            <a:endParaRPr lang="en-US" sz="1600" dirty="0">
-              <a:solidFill>
-                <a:schemeClr val="tx1"/>
-              </a:solidFill>
-            </a:endParaRPr>
-          </a:p>
-          <a:p>
-            <a:pPr marL="0" indent="0">
-              <a:buNone/>
-            </a:pPr>
-            <a:r>
-              <a:rPr lang="en-US" sz="2800" dirty="0">
-                <a:solidFill>
-                  <a:schemeClr val="tx1"/>
-                </a:solidFill>
-              </a:rPr>
-              <a:t>Could they use a Deep Neural Networks (DNN) for this? </a:t>
-            </a:r>
-            <a:br>
-              <a:rPr lang="en-US" sz="2800" dirty="0">
-                <a:solidFill>
-                  <a:schemeClr val="tx1"/>
-                </a:solidFill>
-              </a:rPr>
-            </a:br>
-            <a:endParaRPr lang="en-US" sz="2800" dirty="0">
-              <a:solidFill>
-                <a:schemeClr val="tx1"/>
-              </a:solidFill>
-            </a:endParaRPr>
-          </a:p>
-          <a:p>
-            <a:r>
-              <a:rPr lang="en-US" sz="2400" dirty="0">
-                <a:solidFill>
-                  <a:schemeClr val="tx1"/>
-                </a:solidFill>
-              </a:rPr>
-              <a:t>Yes, they could build a DNN that performs classification against the document tensors (or vectors of word frequencies).</a:t>
-            </a:r>
             <a:br>
               <a:rPr lang="en-US" sz="2400" dirty="0">
                 <a:solidFill>
@@ -17576,7 +17704,7 @@
         </p:nvSpPr>
         <p:spPr>
           <a:xfrm>
-            <a:off x="269240" y="1189176"/>
+            <a:off x="269240" y="1202695"/>
             <a:ext cx="11655840" cy="899665"/>
           </a:xfrm>
           <a:prstGeom prst="rect">
@@ -17643,8 +17771,8 @@
         </p:nvSpPr>
         <p:spPr>
           <a:xfrm>
-            <a:off x="271557" y="2005605"/>
-            <a:ext cx="11653523" cy="4678224"/>
+            <a:off x="271557" y="1868557"/>
+            <a:ext cx="11653523" cy="4699932"/>
           </a:xfrm>
         </p:spPr>
         <p:txBody>
@@ -17662,31 +17790,13 @@
                   <a:schemeClr val="tx1"/>
                 </a:solidFill>
               </a:rPr>
-              <a:t>Would </a:t>
-            </a:r>
-            <a:r>
-              <a:rPr lang="en-US" sz="2800" dirty="0" err="1">
-                <a:solidFill>
-                  <a:schemeClr val="tx1"/>
-                </a:solidFill>
-              </a:rPr>
-              <a:t>Keras</a:t>
-            </a:r>
-            <a:r>
-              <a:rPr lang="en-US" sz="2800" dirty="0">
-                <a:solidFill>
-                  <a:schemeClr val="tx1"/>
-                </a:solidFill>
-              </a:rPr>
-              <a:t> provide a good starting point for them to work with DNN’s and TensorFlow?</a:t>
-            </a:r>
-            <a:br>
-              <a:rPr lang="en-US" sz="2800" dirty="0">
-                <a:solidFill>
-                  <a:schemeClr val="tx1"/>
-                </a:solidFill>
-              </a:rPr>
-            </a:br>
+              <a:t>What are the common approaches to handle texts for machine learning? Is there a recommended approach to dealing with long descriptive texts that are typically found in claims data?</a:t>
+            </a:r>
+          </a:p>
+          <a:p>
+            <a:pPr marL="0" indent="0">
+              <a:buNone/>
+            </a:pPr>
             <a:endParaRPr lang="en-US" sz="2800" dirty="0">
               <a:solidFill>
                 <a:schemeClr val="tx1"/>
@@ -17694,6 +17804,9 @@
             </a:endParaRPr>
           </a:p>
           <a:p>
+            <a:pPr marL="0" indent="0">
+              <a:buNone/>
+            </a:pPr>
             <a:r>
               <a:rPr lang="en-US" sz="2400" dirty="0">
                 <a:solidFill>
@@ -17701,10 +17814,8 @@
                 </a:solidFill>
                 <a:latin typeface="+mn-lt"/>
               </a:rPr>
-              <a:t>Yes</a:t>
-            </a:r>
-          </a:p>
-          <a:p>
+              <a:t>There are several approaches to vectorize textual data, that include approaches like Term Frequency-Inverse Document Frequency (TF-IDF) vectorization, or use of word embedding like Word2vec or Global Vectors (</a:t>
+            </a:r>
             <a:r>
               <a:rPr lang="en-US" sz="2400" dirty="0" err="1">
                 <a:solidFill>
@@ -17712,7 +17823,7 @@
                 </a:solidFill>
                 <a:latin typeface="+mn-lt"/>
               </a:rPr>
-              <a:t>TensorFlow</a:t>
+              <a:t>GloVe</a:t>
             </a:r>
             <a:r>
               <a:rPr lang="en-US" sz="2400" dirty="0">
@@ -17721,10 +17832,17 @@
                 </a:solidFill>
                 <a:latin typeface="+mn-lt"/>
               </a:rPr>
-              <a:t> is a robust framework for performing machine learning, including building neural networks</a:t>
-            </a:r>
-          </a:p>
-          <a:p>
+              <a:t>). The use of embedding to represent words or sentences is considered the-state-of-the art in NLP field. Both Word2vec and </a:t>
+            </a:r>
+            <a:r>
+              <a:rPr lang="en-US" sz="2400" dirty="0" err="1">
+                <a:solidFill>
+                  <a:schemeClr val="tx1"/>
+                </a:solidFill>
+                <a:latin typeface="+mn-lt"/>
+              </a:rPr>
+              <a:t>GloVe</a:t>
+            </a:r>
             <a:r>
               <a:rPr lang="en-US" sz="2400" dirty="0">
                 <a:solidFill>
@@ -17732,7 +17850,7 @@
                 </a:solidFill>
                 <a:latin typeface="+mn-lt"/>
               </a:rPr>
-              <a:t>The </a:t>
+              <a:t> are known to perform similarly, with </a:t>
             </a:r>
             <a:r>
               <a:rPr lang="en-US" sz="2400" dirty="0" err="1">
@@ -17741,7 +17859,7 @@
                 </a:solidFill>
                 <a:latin typeface="+mn-lt"/>
               </a:rPr>
-              <a:t>Keras</a:t>
+              <a:t>GloVe</a:t>
             </a:r>
             <a:r>
               <a:rPr lang="en-US" sz="2400" dirty="0">
@@ -17750,10 +17868,17 @@
                 </a:solidFill>
                 <a:latin typeface="+mn-lt"/>
               </a:rPr>
-              <a:t> library builds upon TensorFlow and provides an easy-to-use and understand high-level API for implementing deep neural networks, complete with tutorials and examples</a:t>
-            </a:r>
-          </a:p>
-          <a:p>
+              <a:t> claiming to outperform its peers on similarity tasks and named entity recognition. In the scenario, given the descriptive nature of the claims data, it is recommended that Contoso use pretrained </a:t>
+            </a:r>
+            <a:r>
+              <a:rPr lang="en-US" sz="2400" dirty="0" err="1">
+                <a:solidFill>
+                  <a:schemeClr val="tx1"/>
+                </a:solidFill>
+                <a:latin typeface="+mn-lt"/>
+              </a:rPr>
+              <a:t>GloVe</a:t>
+            </a:r>
             <a:r>
               <a:rPr lang="en-US" sz="2400" dirty="0">
                 <a:solidFill>
@@ -17761,7 +17886,7 @@
                 </a:solidFill>
                 <a:latin typeface="+mn-lt"/>
               </a:rPr>
-              <a:t>Models built with </a:t>
+              <a:t> word embedding from </a:t>
             </a:r>
             <a:r>
               <a:rPr lang="en-US" sz="2400" dirty="0" err="1">
@@ -17770,7 +17895,7 @@
                 </a:solidFill>
                 <a:latin typeface="+mn-lt"/>
               </a:rPr>
-              <a:t>Keras</a:t>
+              <a:t>nlp.stanford.edu</a:t>
             </a:r>
             <a:r>
               <a:rPr lang="en-US" sz="2400" dirty="0">
@@ -17779,25 +17904,20 @@
                 </a:solidFill>
                 <a:latin typeface="+mn-lt"/>
               </a:rPr>
-              <a:t> are TensorFlow models, so if they choose to move fully towards the lower level TensorFlow API’s they could do so without having to </a:t>
+              <a:t> for vector representation of words.</a:t>
             </a:r>
             <a:br>
               <a:rPr lang="en-US" sz="2400" dirty="0">
                 <a:solidFill>
                   <a:schemeClr val="tx1"/>
                 </a:solidFill>
-                <a:latin typeface="+mn-lt"/>
               </a:rPr>
             </a:br>
-            <a:r>
-              <a:rPr lang="en-US" sz="2400" dirty="0">
-                <a:solidFill>
-                  <a:schemeClr val="tx1"/>
-                </a:solidFill>
-                <a:latin typeface="+mn-lt"/>
-              </a:rPr>
-              <a:t>re-create the models</a:t>
-            </a:r>
+            <a:endParaRPr lang="en-US" sz="2400" dirty="0">
+              <a:solidFill>
+                <a:schemeClr val="tx1"/>
+              </a:solidFill>
+            </a:endParaRPr>
           </a:p>
           <a:p>
             <a:pPr marL="0" indent="0">
@@ -17830,7 +17950,7 @@
     </p:spTree>
     <p:extLst>
       <p:ext uri="{BB962C8B-B14F-4D97-AF65-F5344CB8AC3E}">
-        <p14:creationId xmlns:p14="http://schemas.microsoft.com/office/powerpoint/2010/main" val="2426135919"/>
+        <p14:creationId xmlns:p14="http://schemas.microsoft.com/office/powerpoint/2010/main" val="2267999406"/>
       </p:ext>
     </p:extLst>
   </p:cSld>
@@ -17878,7 +17998,7 @@
         <p:spPr/>
         <p:txBody>
           <a:bodyPr>
-            <a:normAutofit fontScale="90000"/>
+            <a:normAutofit/>
           </a:bodyPr>
           <a:lstStyle/>
           <a:p>
@@ -17890,14 +18010,6 @@
               </a:rPr>
               <a:t>Preferred solution</a:t>
             </a:r>
-            <a:br>
-              <a:rPr lang="en-US" dirty="0">
-                <a:solidFill>
-                  <a:schemeClr val="tx1"/>
-                </a:solidFill>
-                <a:latin typeface="Segoe UI" panose="020B0502040204020203" pitchFamily="34" charset="0"/>
-              </a:rPr>
-            </a:br>
             <a:endParaRPr lang="en-US" sz="3236" dirty="0">
               <a:solidFill>
                 <a:schemeClr val="tx1"/>
@@ -17909,7 +18021,7 @@
       </p:sp>
       <p:sp>
         <p:nvSpPr>
-          <p:cNvPr id="5" name="Title 1"/>
+          <p:cNvPr id="4" name="Title 1"/>
           <p:cNvSpPr txBox="1">
             <a:spLocks/>
           </p:cNvSpPr>
@@ -17917,7 +18029,7 @@
         </p:nvSpPr>
         <p:spPr>
           <a:xfrm>
-            <a:off x="269240" y="1130942"/>
+            <a:off x="269240" y="1202695"/>
             <a:ext cx="11655840" cy="899665"/>
           </a:xfrm>
           <a:prstGeom prst="rect">
@@ -17984,8 +18096,8 @@
         </p:nvSpPr>
         <p:spPr>
           <a:xfrm>
-            <a:off x="269240" y="2405742"/>
-            <a:ext cx="4243729" cy="3407229"/>
+            <a:off x="271557" y="2194365"/>
+            <a:ext cx="11653523" cy="3945177"/>
           </a:xfrm>
         </p:spPr>
         <p:txBody>
@@ -18003,7 +18115,7 @@
                   <a:schemeClr val="tx1"/>
                 </a:solidFill>
               </a:rPr>
-              <a:t>What would a very simple DNN that performs this classification look like? </a:t>
+              <a:t>Could they use a Deep Neural Networks (DNN) for this? </a:t>
             </a:r>
             <a:br>
               <a:rPr lang="en-US" sz="2800" dirty="0">
@@ -18019,17 +18131,42 @@
             </a:endParaRPr>
           </a:p>
           <a:p>
-            <a:pPr marL="0" indent="0">
-              <a:buNone/>
-            </a:pPr>
-            <a:r>
-              <a:rPr lang="en-US" sz="2800" dirty="0">
+            <a:r>
+              <a:rPr lang="en-US" sz="2400" dirty="0">
                 <a:solidFill>
                   <a:schemeClr val="tx1"/>
                 </a:solidFill>
               </a:rPr>
-              <a:t>Sketch the graph of input nodes, hidden layer nodes, and output nodes.</a:t>
-            </a:r>
+              <a:t>Yes, they could use a type of DNN called the Long Short-Term Memory (LSTM) recurrent neural network that is shown to work well for text classification problems, especially when used in conjunction with word embedding such as </a:t>
+            </a:r>
+            <a:r>
+              <a:rPr lang="en-US" sz="2400" dirty="0" err="1">
+                <a:solidFill>
+                  <a:schemeClr val="tx1"/>
+                </a:solidFill>
+              </a:rPr>
+              <a:t>GloVe</a:t>
+            </a:r>
+            <a:r>
+              <a:rPr lang="en-US" sz="2400" dirty="0">
+                <a:solidFill>
+                  <a:schemeClr val="tx1"/>
+                </a:solidFill>
+              </a:rPr>
+              <a:t> for word vectorization.</a:t>
+            </a:r>
+            <a:br>
+              <a:rPr lang="en-US" sz="2400" dirty="0">
+                <a:solidFill>
+                  <a:schemeClr val="tx1"/>
+                </a:solidFill>
+              </a:rPr>
+            </a:br>
+            <a:endParaRPr lang="en-US" sz="2400" dirty="0">
+              <a:solidFill>
+                <a:schemeClr val="tx1"/>
+              </a:solidFill>
+            </a:endParaRPr>
           </a:p>
           <a:p>
             <a:pPr marL="0" indent="0">
@@ -18059,46 +18196,10 @@
           </a:p>
         </p:txBody>
       </p:sp>
-      <p:pic>
-        <p:nvPicPr>
-          <p:cNvPr id="4" name="Picture 3" descr="Input of terms (size of vocab) nodes point to hidden layers nodes, which point to output layer (binary classifier has two outputs) nodes: 1 (auto), and 0 (home)." title="Graph of input nodes, hidden layer nodes, and output nodes">
-            <a:extLst>
-              <a:ext uri="{FF2B5EF4-FFF2-40B4-BE49-F238E27FC236}">
-                <a16:creationId xmlns:a16="http://schemas.microsoft.com/office/drawing/2014/main" id="{840B91B4-C6A9-4BBD-95C7-A8E0BD523D10}"/>
-              </a:ext>
-            </a:extLst>
-          </p:cNvPr>
-          <p:cNvPicPr/>
-          <p:nvPr/>
-        </p:nvPicPr>
-        <p:blipFill>
-          <a:blip r:embed="rId3"/>
-          <a:stretch>
-            <a:fillRect/>
-          </a:stretch>
-        </p:blipFill>
-        <p:spPr>
-          <a:xfrm>
-            <a:off x="4591487" y="2405742"/>
-            <a:ext cx="7409793" cy="3532516"/>
-          </a:xfrm>
-          <a:prstGeom prst="rect">
-            <a:avLst/>
-          </a:prstGeom>
-          <a:ln>
-            <a:solidFill>
-              <a:schemeClr val="tx1">
-                <a:lumMod val="60000"/>
-                <a:lumOff val="40000"/>
-              </a:schemeClr>
-            </a:solidFill>
-          </a:ln>
-        </p:spPr>
-      </p:pic>
     </p:spTree>
     <p:extLst>
       <p:ext uri="{BB962C8B-B14F-4D97-AF65-F5344CB8AC3E}">
-        <p14:creationId xmlns:p14="http://schemas.microsoft.com/office/powerpoint/2010/main" val="2476342957"/>
+        <p14:creationId xmlns:p14="http://schemas.microsoft.com/office/powerpoint/2010/main" val="2463893165"/>
       </p:ext>
     </p:extLst>
   </p:cSld>
@@ -18151,14 +18252,14 @@
           <a:lstStyle/>
           <a:p>
             <a:r>
-              <a:rPr lang="en-US" sz="4400" dirty="0">
+              <a:rPr lang="en-US" sz="4900" dirty="0">
                 <a:solidFill>
                   <a:schemeClr val="tx1"/>
                 </a:solidFill>
               </a:rPr>
               <a:t>Preferred solution</a:t>
             </a:r>
-            <a:endParaRPr lang="en-US" sz="4400" dirty="0">
+            <a:endParaRPr lang="en-US" sz="3236" dirty="0">
               <a:solidFill>
                 <a:schemeClr val="tx1"/>
               </a:solidFill>
@@ -18169,7 +18270,7 @@
       </p:sp>
       <p:sp>
         <p:nvSpPr>
-          <p:cNvPr id="6" name="Title 1"/>
+          <p:cNvPr id="4" name="Title 1"/>
           <p:cNvSpPr txBox="1">
             <a:spLocks/>
           </p:cNvSpPr>
@@ -18177,7 +18278,7 @@
         </p:nvSpPr>
         <p:spPr>
           <a:xfrm>
-            <a:off x="269240" y="1180923"/>
+            <a:off x="269240" y="1189176"/>
             <a:ext cx="11655840" cy="899665"/>
           </a:xfrm>
           <a:prstGeom prst="rect">
@@ -18244,8 +18345,8 @@
         </p:nvSpPr>
         <p:spPr>
           <a:xfrm>
-            <a:off x="269240" y="2080588"/>
-            <a:ext cx="11653523" cy="751114"/>
+            <a:off x="271557" y="2005605"/>
+            <a:ext cx="11653523" cy="4678224"/>
           </a:xfrm>
         </p:spPr>
         <p:txBody>
@@ -18258,40 +18359,146 @@
               <a:buNone/>
             </a:pPr>
             <a:r>
+              <a:rPr lang="en-US" sz="2800" dirty="0">
+                <a:solidFill>
+                  <a:schemeClr val="tx1"/>
+                </a:solidFill>
+              </a:rPr>
+              <a:t>Would </a:t>
+            </a:r>
+            <a:r>
               <a:rPr lang="en-US" sz="2800" dirty="0" err="1">
                 <a:solidFill>
                   <a:schemeClr val="tx1"/>
                 </a:solidFill>
-                <a:latin typeface="+mn-lt"/>
-              </a:rPr>
-              <a:t>Psuedo</a:t>
+              </a:rPr>
+              <a:t>Keras</a:t>
             </a:r>
             <a:r>
               <a:rPr lang="en-US" sz="2800" dirty="0">
                 <a:solidFill>
                   <a:schemeClr val="tx1"/>
                 </a:solidFill>
-                <a:latin typeface="+mn-lt"/>
-              </a:rPr>
-              <a:t> code of network using </a:t>
-            </a:r>
-            <a:r>
-              <a:rPr lang="en-US" sz="2800" dirty="0" err="1">
+              </a:rPr>
+              <a:t> provide a good starting point for them to work with DNN’s and TensorFlow?</a:t>
+            </a:r>
+            <a:br>
+              <a:rPr lang="en-US" sz="2800" dirty="0">
+                <a:solidFill>
+                  <a:schemeClr val="tx1"/>
+                </a:solidFill>
+              </a:rPr>
+            </a:br>
+            <a:endParaRPr lang="en-US" sz="2800" dirty="0">
+              <a:solidFill>
+                <a:schemeClr val="tx1"/>
+              </a:solidFill>
+            </a:endParaRPr>
+          </a:p>
+          <a:p>
+            <a:r>
+              <a:rPr lang="en-US" sz="2400" dirty="0">
                 <a:solidFill>
                   <a:schemeClr val="tx1"/>
                 </a:solidFill>
                 <a:latin typeface="+mn-lt"/>
               </a:rPr>
-              <a:t>Keras</a:t>
-            </a:r>
-            <a:r>
-              <a:rPr lang="en-US" sz="2800" dirty="0">
+              <a:t>Yes</a:t>
+            </a:r>
+          </a:p>
+          <a:p>
+            <a:r>
+              <a:rPr lang="en-US" sz="2400" dirty="0" err="1">
                 <a:solidFill>
                   <a:schemeClr val="tx1"/>
                 </a:solidFill>
                 <a:latin typeface="+mn-lt"/>
               </a:rPr>
-              <a:t>:</a:t>
+              <a:t>TensorFlow</a:t>
+            </a:r>
+            <a:r>
+              <a:rPr lang="en-US" sz="2400" dirty="0">
+                <a:solidFill>
+                  <a:schemeClr val="tx1"/>
+                </a:solidFill>
+                <a:latin typeface="+mn-lt"/>
+              </a:rPr>
+              <a:t> is a robust framework for performing machine learning, including building neural networks</a:t>
+            </a:r>
+          </a:p>
+          <a:p>
+            <a:r>
+              <a:rPr lang="en-US" sz="2400" dirty="0">
+                <a:solidFill>
+                  <a:schemeClr val="tx1"/>
+                </a:solidFill>
+                <a:latin typeface="+mn-lt"/>
+              </a:rPr>
+              <a:t>The </a:t>
+            </a:r>
+            <a:r>
+              <a:rPr lang="en-US" sz="2400" dirty="0" err="1">
+                <a:solidFill>
+                  <a:schemeClr val="tx1"/>
+                </a:solidFill>
+                <a:latin typeface="+mn-lt"/>
+              </a:rPr>
+              <a:t>Keras</a:t>
+            </a:r>
+            <a:r>
+              <a:rPr lang="en-US" sz="2400" dirty="0">
+                <a:solidFill>
+                  <a:schemeClr val="tx1"/>
+                </a:solidFill>
+                <a:latin typeface="+mn-lt"/>
+              </a:rPr>
+              <a:t> library builds upon TensorFlow and provides an easy-to-use and understand high-level API for implementing deep neural networks, complete with tutorials and examples</a:t>
+            </a:r>
+          </a:p>
+          <a:p>
+            <a:r>
+              <a:rPr lang="en-US" sz="2400" dirty="0">
+                <a:solidFill>
+                  <a:schemeClr val="tx1"/>
+                </a:solidFill>
+                <a:latin typeface="+mn-lt"/>
+              </a:rPr>
+              <a:t>Models built with </a:t>
+            </a:r>
+            <a:r>
+              <a:rPr lang="en-US" sz="2400" dirty="0" err="1">
+                <a:solidFill>
+                  <a:schemeClr val="tx1"/>
+                </a:solidFill>
+                <a:latin typeface="+mn-lt"/>
+              </a:rPr>
+              <a:t>Keras</a:t>
+            </a:r>
+            <a:r>
+              <a:rPr lang="en-US" sz="2400" dirty="0">
+                <a:solidFill>
+                  <a:schemeClr val="tx1"/>
+                </a:solidFill>
+                <a:latin typeface="+mn-lt"/>
+              </a:rPr>
+              <a:t> are TensorFlow models, so if they choose to move fully towards the lower level TensorFlow API’s they could do so without having to </a:t>
+            </a:r>
+            <a:br>
+              <a:rPr lang="en-US" sz="2400" dirty="0">
+                <a:solidFill>
+                  <a:schemeClr val="tx1"/>
+                </a:solidFill>
+                <a:latin typeface="+mn-lt"/>
+              </a:rPr>
+            </a:br>
+            <a:r>
+              <a:rPr lang="en-US" sz="2400" dirty="0">
+                <a:solidFill>
+                  <a:schemeClr val="tx1"/>
+                </a:solidFill>
+                <a:latin typeface="+mn-lt"/>
+              </a:rPr>
+              <a:t>re-create the models</a:t>
             </a:r>
           </a:p>
           <a:p>
@@ -18307,165 +18514,25 @@
               </a:solidFill>
             </a:endParaRPr>
           </a:p>
-        </p:txBody>
-      </p:sp>
-      <p:sp>
-        <p:nvSpPr>
-          <p:cNvPr id="5" name="Rectangle 4">
-            <a:extLst>
-              <a:ext uri="{FF2B5EF4-FFF2-40B4-BE49-F238E27FC236}">
-                <a16:creationId xmlns:a16="http://schemas.microsoft.com/office/drawing/2014/main" id="{E9F78DCE-1BB2-449A-A112-2254F0827F75}"/>
-              </a:ext>
-            </a:extLst>
-          </p:cNvPr>
-          <p:cNvSpPr/>
-          <p:nvPr/>
-        </p:nvSpPr>
-        <p:spPr>
-          <a:xfrm>
-            <a:off x="814180" y="3026288"/>
-            <a:ext cx="8965324" cy="2100575"/>
-          </a:xfrm>
-          <a:prstGeom prst="rect">
-            <a:avLst/>
-          </a:prstGeom>
-        </p:spPr>
-        <p:txBody>
-          <a:bodyPr wrap="square">
-            <a:spAutoFit/>
-          </a:bodyPr>
-          <a:lstStyle/>
-          <a:p>
-            <a:pPr marL="457200" marR="78105">
-              <a:lnSpc>
-                <a:spcPct val="104000"/>
-              </a:lnSpc>
-              <a:spcBef>
-                <a:spcPts val="0"/>
-              </a:spcBef>
+          <a:p>
+            <a:pPr marL="0" indent="0">
               <a:spcAft>
-                <a:spcPts val="200"/>
+                <a:spcPts val="882"/>
               </a:spcAft>
+              <a:buNone/>
             </a:pPr>
-            <a:r>
-              <a:rPr lang="en-US" sz="2400" dirty="0"/>
-              <a:t>model = Sequential()</a:t>
-            </a:r>
-          </a:p>
-          <a:p>
-            <a:pPr marL="457200" marR="78105">
-              <a:lnSpc>
-                <a:spcPct val="104000"/>
-              </a:lnSpc>
-              <a:spcBef>
-                <a:spcPts val="0"/>
-              </a:spcBef>
-              <a:spcAft>
-                <a:spcPts val="200"/>
-              </a:spcAft>
-            </a:pPr>
-            <a:r>
-              <a:rPr lang="en-US" sz="2400" dirty="0" err="1"/>
-              <a:t>model.add</a:t>
-            </a:r>
-            <a:r>
-              <a:rPr lang="en-US" sz="2400" dirty="0"/>
-              <a:t>(Dense(..., </a:t>
-            </a:r>
-            <a:r>
-              <a:rPr lang="en-US" sz="2400" dirty="0" err="1"/>
-              <a:t>input_dim</a:t>
-            </a:r>
-            <a:r>
-              <a:rPr lang="en-US" sz="2400" dirty="0"/>
-              <a:t>=..., </a:t>
-            </a:r>
-            <a:r>
-              <a:rPr lang="en-US" sz="2400" dirty="0" err="1"/>
-              <a:t>kernel_regularizer</a:t>
-            </a:r>
-            <a:r>
-              <a:rPr lang="en-US" sz="2400" dirty="0"/>
-              <a:t>=...))</a:t>
-            </a:r>
-          </a:p>
-          <a:p>
-            <a:pPr marL="457200" marR="78105">
-              <a:lnSpc>
-                <a:spcPct val="104000"/>
-              </a:lnSpc>
-              <a:spcBef>
-                <a:spcPts val="0"/>
-              </a:spcBef>
-              <a:spcAft>
-                <a:spcPts val="200"/>
-              </a:spcAft>
-            </a:pPr>
-            <a:r>
-              <a:rPr lang="en-US" sz="2400" dirty="0" err="1"/>
-              <a:t>model.add</a:t>
-            </a:r>
-            <a:r>
-              <a:rPr lang="en-US" sz="2400" dirty="0"/>
-              <a:t>(Activation('</a:t>
-            </a:r>
-            <a:r>
-              <a:rPr lang="en-US" sz="2400" dirty="0" err="1"/>
-              <a:t>relu</a:t>
-            </a:r>
-            <a:r>
-              <a:rPr lang="en-US" sz="2400" dirty="0"/>
-              <a:t>'))</a:t>
-            </a:r>
-          </a:p>
-          <a:p>
-            <a:pPr marL="457200" marR="78105">
-              <a:lnSpc>
-                <a:spcPct val="104000"/>
-              </a:lnSpc>
-              <a:spcBef>
-                <a:spcPts val="0"/>
-              </a:spcBef>
-              <a:spcAft>
-                <a:spcPts val="200"/>
-              </a:spcAft>
-            </a:pPr>
-            <a:r>
-              <a:rPr lang="en-US" sz="2400" dirty="0" err="1"/>
-              <a:t>model.add</a:t>
-            </a:r>
-            <a:r>
-              <a:rPr lang="en-US" sz="2400" dirty="0"/>
-              <a:t>(Dense(2))</a:t>
-            </a:r>
-          </a:p>
-          <a:p>
-            <a:pPr marL="457200" marR="78105">
-              <a:lnSpc>
-                <a:spcPct val="104000"/>
-              </a:lnSpc>
-              <a:spcBef>
-                <a:spcPts val="0"/>
-              </a:spcBef>
-              <a:spcAft>
-                <a:spcPts val="200"/>
-              </a:spcAft>
-            </a:pPr>
-            <a:r>
-              <a:rPr lang="en-US" sz="2400" dirty="0" err="1"/>
-              <a:t>model.add</a:t>
-            </a:r>
-            <a:r>
-              <a:rPr lang="en-US" sz="2400" dirty="0"/>
-              <a:t>(Activation('sigmoid'))</a:t>
-            </a:r>
+            <a:endParaRPr lang="en-US" sz="1800" dirty="0">
+              <a:solidFill>
+                <a:schemeClr val="tx1"/>
+              </a:solidFill>
+            </a:endParaRPr>
           </a:p>
         </p:txBody>
       </p:sp>
     </p:spTree>
     <p:extLst>
       <p:ext uri="{BB962C8B-B14F-4D97-AF65-F5344CB8AC3E}">
-        <p14:creationId xmlns:p14="http://schemas.microsoft.com/office/powerpoint/2010/main" val="3758182020"/>
+        <p14:creationId xmlns:p14="http://schemas.microsoft.com/office/powerpoint/2010/main" val="2426135919"/>
       </p:ext>
     </p:extLst>
   </p:cSld>
@@ -18689,6 +18756,625 @@
 </file>
 
 <file path=ppt/slides/slide20.xml><?xml version="1.0" encoding="utf-8"?>
+<p:sld xmlns:a="http://schemas.openxmlformats.org/drawingml/2006/main" xmlns:r="http://schemas.openxmlformats.org/officeDocument/2006/relationships" xmlns:p="http://schemas.openxmlformats.org/presentationml/2006/main">
+  <p:cSld>
+    <p:spTree>
+      <p:nvGrpSpPr>
+        <p:cNvPr id="1" name=""/>
+        <p:cNvGrpSpPr/>
+        <p:nvPr/>
+      </p:nvGrpSpPr>
+      <p:grpSpPr>
+        <a:xfrm>
+          <a:off x="0" y="0"/>
+          <a:ext cx="0" cy="0"/>
+          <a:chOff x="0" y="0"/>
+          <a:chExt cx="0" cy="0"/>
+        </a:xfrm>
+      </p:grpSpPr>
+      <p:sp>
+        <p:nvSpPr>
+          <p:cNvPr id="2" name="Title 1"/>
+          <p:cNvSpPr>
+            <a:spLocks noGrp="1"/>
+          </p:cNvSpPr>
+          <p:nvPr>
+            <p:ph type="title"/>
+          </p:nvPr>
+        </p:nvSpPr>
+        <p:spPr/>
+        <p:txBody>
+          <a:bodyPr>
+            <a:normAutofit fontScale="90000"/>
+          </a:bodyPr>
+          <a:lstStyle/>
+          <a:p>
+            <a:r>
+              <a:rPr lang="en-US" sz="4900" dirty="0">
+                <a:solidFill>
+                  <a:schemeClr val="tx1"/>
+                </a:solidFill>
+              </a:rPr>
+              <a:t>Preferred solution</a:t>
+            </a:r>
+            <a:br>
+              <a:rPr lang="en-US" dirty="0">
+                <a:solidFill>
+                  <a:schemeClr val="tx1"/>
+                </a:solidFill>
+                <a:latin typeface="Segoe UI" panose="020B0502040204020203" pitchFamily="34" charset="0"/>
+              </a:rPr>
+            </a:br>
+            <a:endParaRPr lang="en-US" sz="3236" dirty="0">
+              <a:solidFill>
+                <a:schemeClr val="tx1"/>
+              </a:solidFill>
+              <a:latin typeface="Segoe UI" panose="020B0502040204020203" pitchFamily="34" charset="0"/>
+            </a:endParaRPr>
+          </a:p>
+        </p:txBody>
+      </p:sp>
+      <p:sp>
+        <p:nvSpPr>
+          <p:cNvPr id="5" name="Title 1"/>
+          <p:cNvSpPr txBox="1">
+            <a:spLocks/>
+          </p:cNvSpPr>
+          <p:nvPr/>
+        </p:nvSpPr>
+        <p:spPr>
+          <a:xfrm>
+            <a:off x="269240" y="1130942"/>
+            <a:ext cx="11655840" cy="899665"/>
+          </a:xfrm>
+          <a:prstGeom prst="rect">
+            <a:avLst/>
+          </a:prstGeom>
+        </p:spPr>
+        <p:txBody>
+          <a:bodyPr vert="horz" wrap="square" lIns="146304" tIns="91440" rIns="146304" bIns="91440" rtlCol="0" anchor="t">
+            <a:noAutofit/>
+          </a:bodyPr>
+          <a:lstStyle>
+            <a:lvl1pPr algn="l" defTabSz="914367" rtl="0" eaLnBrk="1" latinLnBrk="0" hangingPunct="1">
+              <a:lnSpc>
+                <a:spcPct val="90000"/>
+              </a:lnSpc>
+              <a:spcBef>
+                <a:spcPct val="0"/>
+              </a:spcBef>
+              <a:buNone/>
+              <a:defRPr lang="en-US" sz="4705" b="0" kern="1200" cap="none" spc="-100" baseline="0" dirty="0" smtClean="0">
+                <a:ln w="3175">
+                  <a:noFill/>
+                </a:ln>
+                <a:gradFill>
+                  <a:gsLst>
+                    <a:gs pos="1250">
+                      <a:schemeClr val="tx1"/>
+                    </a:gs>
+                    <a:gs pos="100000">
+                      <a:schemeClr val="tx1"/>
+                    </a:gs>
+                  </a:gsLst>
+                  <a:lin ang="5400000" scaled="0"/>
+                </a:gradFill>
+                <a:effectLst/>
+                <a:latin typeface="+mj-lt"/>
+                <a:ea typeface="+mn-ea"/>
+                <a:cs typeface="Segoe UI" pitchFamily="34" charset="0"/>
+              </a:defRPr>
+            </a:lvl1pPr>
+          </a:lstStyle>
+          <a:p>
+            <a:r>
+              <a:rPr lang="en-US" sz="3600" dirty="0">
+                <a:solidFill>
+                  <a:schemeClr val="tx1"/>
+                </a:solidFill>
+                <a:latin typeface="+mn-lt"/>
+              </a:rPr>
+              <a:t>Classifying claim-text data</a:t>
+            </a:r>
+          </a:p>
+        </p:txBody>
+      </p:sp>
+      <p:sp>
+        <p:nvSpPr>
+          <p:cNvPr id="3" name="Content Placeholder 2"/>
+          <p:cNvSpPr>
+            <a:spLocks noGrp="1"/>
+          </p:cNvSpPr>
+          <p:nvPr>
+            <p:ph type="body" sz="quarter" idx="10"/>
+          </p:nvPr>
+        </p:nvSpPr>
+        <p:spPr>
+          <a:xfrm>
+            <a:off x="269240" y="2405742"/>
+            <a:ext cx="4243729" cy="4162747"/>
+          </a:xfrm>
+        </p:spPr>
+        <p:txBody>
+          <a:bodyPr>
+            <a:noAutofit/>
+          </a:bodyPr>
+          <a:lstStyle/>
+          <a:p>
+            <a:pPr marL="0" indent="0">
+              <a:buNone/>
+            </a:pPr>
+            <a:r>
+              <a:rPr lang="en-US" sz="2800" dirty="0">
+                <a:solidFill>
+                  <a:schemeClr val="tx1"/>
+                </a:solidFill>
+              </a:rPr>
+              <a:t>What would a LSTM recurrent neural network that performs this classification look like?  </a:t>
+            </a:r>
+            <a:br>
+              <a:rPr lang="en-US" sz="2800" dirty="0">
+                <a:solidFill>
+                  <a:schemeClr val="tx1"/>
+                </a:solidFill>
+              </a:rPr>
+            </a:br>
+            <a:endParaRPr lang="en-US" sz="2800" dirty="0">
+              <a:solidFill>
+                <a:schemeClr val="tx1"/>
+              </a:solidFill>
+            </a:endParaRPr>
+          </a:p>
+          <a:p>
+            <a:pPr marL="0" indent="0">
+              <a:buNone/>
+            </a:pPr>
+            <a:r>
+              <a:rPr lang="en-US" sz="2800" dirty="0">
+                <a:solidFill>
+                  <a:schemeClr val="tx1"/>
+                </a:solidFill>
+              </a:rPr>
+              <a:t>Show a snippet of a single layer of an unrolled LSTM network, and the binary classification output at the last step of the network.</a:t>
+            </a:r>
+          </a:p>
+          <a:p>
+            <a:pPr marL="0" indent="0">
+              <a:spcAft>
+                <a:spcPts val="882"/>
+              </a:spcAft>
+              <a:buNone/>
+            </a:pPr>
+            <a:endParaRPr lang="en-US" sz="1800" dirty="0">
+              <a:solidFill>
+                <a:schemeClr val="tx1"/>
+              </a:solidFill>
+            </a:endParaRPr>
+          </a:p>
+          <a:p>
+            <a:pPr marL="0" indent="0">
+              <a:spcAft>
+                <a:spcPts val="882"/>
+              </a:spcAft>
+              <a:buNone/>
+            </a:pPr>
+            <a:endParaRPr lang="en-US" sz="1800" dirty="0">
+              <a:solidFill>
+                <a:schemeClr val="tx1"/>
+              </a:solidFill>
+            </a:endParaRPr>
+          </a:p>
+        </p:txBody>
+      </p:sp>
+      <p:pic>
+        <p:nvPicPr>
+          <p:cNvPr id="7" name="Picture 6">
+            <a:extLst>
+              <a:ext uri="{FF2B5EF4-FFF2-40B4-BE49-F238E27FC236}">
+                <a16:creationId xmlns:a16="http://schemas.microsoft.com/office/drawing/2014/main" id="{5ACB076E-8BB8-BA42-AC1D-D41DB54984B6}"/>
+              </a:ext>
+            </a:extLst>
+          </p:cNvPr>
+          <p:cNvPicPr>
+            <a:picLocks noChangeAspect="1"/>
+          </p:cNvPicPr>
+          <p:nvPr/>
+        </p:nvPicPr>
+        <p:blipFill>
+          <a:blip r:embed="rId3">
+            <a:extLst>
+              <a:ext uri="{28A0092B-C50C-407E-A947-70E740481C1C}">
+                <a14:useLocalDpi xmlns:a14="http://schemas.microsoft.com/office/drawing/2010/main" val="0"/>
+              </a:ext>
+            </a:extLst>
+          </a:blip>
+          <a:stretch>
+            <a:fillRect/>
+          </a:stretch>
+        </p:blipFill>
+        <p:spPr>
+          <a:xfrm>
+            <a:off x="4910814" y="2853944"/>
+            <a:ext cx="6531610" cy="2908681"/>
+          </a:xfrm>
+          <a:prstGeom prst="rect">
+            <a:avLst/>
+          </a:prstGeom>
+        </p:spPr>
+      </p:pic>
+    </p:spTree>
+    <p:extLst>
+      <p:ext uri="{BB962C8B-B14F-4D97-AF65-F5344CB8AC3E}">
+        <p14:creationId xmlns:p14="http://schemas.microsoft.com/office/powerpoint/2010/main" val="2476342957"/>
+      </p:ext>
+    </p:extLst>
+  </p:cSld>
+  <p:clrMapOvr>
+    <a:masterClrMapping/>
+  </p:clrMapOvr>
+  <mc:AlternateContent xmlns:mc="http://schemas.openxmlformats.org/markup-compatibility/2006" xmlns:p14="http://schemas.microsoft.com/office/powerpoint/2010/main">
+    <mc:Choice Requires="p14">
+      <p:transition p14:dur="0"/>
+    </mc:Choice>
+    <mc:Fallback xmlns="">
+      <p:transition/>
+    </mc:Fallback>
+  </mc:AlternateContent>
+</p:sld>
+</file>
+
+<file path=ppt/slides/slide21.xml><?xml version="1.0" encoding="utf-8"?>
+<p:sld xmlns:a="http://schemas.openxmlformats.org/drawingml/2006/main" xmlns:r="http://schemas.openxmlformats.org/officeDocument/2006/relationships" xmlns:p="http://schemas.openxmlformats.org/presentationml/2006/main">
+  <p:cSld>
+    <p:spTree>
+      <p:nvGrpSpPr>
+        <p:cNvPr id="1" name=""/>
+        <p:cNvGrpSpPr/>
+        <p:nvPr/>
+      </p:nvGrpSpPr>
+      <p:grpSpPr>
+        <a:xfrm>
+          <a:off x="0" y="0"/>
+          <a:ext cx="0" cy="0"/>
+          <a:chOff x="0" y="0"/>
+          <a:chExt cx="0" cy="0"/>
+        </a:xfrm>
+      </p:grpSpPr>
+      <p:sp>
+        <p:nvSpPr>
+          <p:cNvPr id="2" name="Title 1"/>
+          <p:cNvSpPr>
+            <a:spLocks noGrp="1"/>
+          </p:cNvSpPr>
+          <p:nvPr>
+            <p:ph type="title"/>
+          </p:nvPr>
+        </p:nvSpPr>
+        <p:spPr/>
+        <p:txBody>
+          <a:bodyPr>
+            <a:normAutofit/>
+          </a:bodyPr>
+          <a:lstStyle/>
+          <a:p>
+            <a:r>
+              <a:rPr lang="en-US" sz="4400" dirty="0">
+                <a:solidFill>
+                  <a:schemeClr val="tx1"/>
+                </a:solidFill>
+              </a:rPr>
+              <a:t>Preferred solution</a:t>
+            </a:r>
+            <a:endParaRPr lang="en-US" sz="4400" dirty="0">
+              <a:solidFill>
+                <a:schemeClr val="tx1"/>
+              </a:solidFill>
+              <a:latin typeface="Segoe UI" panose="020B0502040204020203" pitchFamily="34" charset="0"/>
+            </a:endParaRPr>
+          </a:p>
+        </p:txBody>
+      </p:sp>
+      <p:sp>
+        <p:nvSpPr>
+          <p:cNvPr id="6" name="Title 1"/>
+          <p:cNvSpPr txBox="1">
+            <a:spLocks/>
+          </p:cNvSpPr>
+          <p:nvPr/>
+        </p:nvSpPr>
+        <p:spPr>
+          <a:xfrm>
+            <a:off x="269240" y="1180923"/>
+            <a:ext cx="11655840" cy="899665"/>
+          </a:xfrm>
+          <a:prstGeom prst="rect">
+            <a:avLst/>
+          </a:prstGeom>
+        </p:spPr>
+        <p:txBody>
+          <a:bodyPr vert="horz" wrap="square" lIns="146304" tIns="91440" rIns="146304" bIns="91440" rtlCol="0" anchor="t">
+            <a:noAutofit/>
+          </a:bodyPr>
+          <a:lstStyle>
+            <a:lvl1pPr algn="l" defTabSz="914367" rtl="0" eaLnBrk="1" latinLnBrk="0" hangingPunct="1">
+              <a:lnSpc>
+                <a:spcPct val="90000"/>
+              </a:lnSpc>
+              <a:spcBef>
+                <a:spcPct val="0"/>
+              </a:spcBef>
+              <a:buNone/>
+              <a:defRPr lang="en-US" sz="4705" b="0" kern="1200" cap="none" spc="-100" baseline="0" dirty="0" smtClean="0">
+                <a:ln w="3175">
+                  <a:noFill/>
+                </a:ln>
+                <a:gradFill>
+                  <a:gsLst>
+                    <a:gs pos="1250">
+                      <a:schemeClr val="tx1"/>
+                    </a:gs>
+                    <a:gs pos="100000">
+                      <a:schemeClr val="tx1"/>
+                    </a:gs>
+                  </a:gsLst>
+                  <a:lin ang="5400000" scaled="0"/>
+                </a:gradFill>
+                <a:effectLst/>
+                <a:latin typeface="+mj-lt"/>
+                <a:ea typeface="+mn-ea"/>
+                <a:cs typeface="Segoe UI" pitchFamily="34" charset="0"/>
+              </a:defRPr>
+            </a:lvl1pPr>
+          </a:lstStyle>
+          <a:p>
+            <a:r>
+              <a:rPr lang="en-US" sz="3600" dirty="0">
+                <a:solidFill>
+                  <a:schemeClr val="tx1"/>
+                </a:solidFill>
+                <a:latin typeface="+mn-lt"/>
+              </a:rPr>
+              <a:t>Classifying claim-text data</a:t>
+            </a:r>
+          </a:p>
+        </p:txBody>
+      </p:sp>
+      <p:sp>
+        <p:nvSpPr>
+          <p:cNvPr id="3" name="Content Placeholder 2"/>
+          <p:cNvSpPr>
+            <a:spLocks noGrp="1"/>
+          </p:cNvSpPr>
+          <p:nvPr>
+            <p:ph type="body" sz="quarter" idx="10"/>
+          </p:nvPr>
+        </p:nvSpPr>
+        <p:spPr>
+          <a:xfrm>
+            <a:off x="269240" y="2080588"/>
+            <a:ext cx="11653523" cy="751114"/>
+          </a:xfrm>
+        </p:spPr>
+        <p:txBody>
+          <a:bodyPr>
+            <a:noAutofit/>
+          </a:bodyPr>
+          <a:lstStyle/>
+          <a:p>
+            <a:pPr marL="0" indent="0">
+              <a:buNone/>
+            </a:pPr>
+            <a:r>
+              <a:rPr lang="en-US" sz="2800" dirty="0" err="1">
+                <a:solidFill>
+                  <a:schemeClr val="tx1"/>
+                </a:solidFill>
+                <a:latin typeface="+mn-lt"/>
+              </a:rPr>
+              <a:t>Psuedo</a:t>
+            </a:r>
+            <a:r>
+              <a:rPr lang="en-US" sz="2800" dirty="0">
+                <a:solidFill>
+                  <a:schemeClr val="tx1"/>
+                </a:solidFill>
+                <a:latin typeface="+mn-lt"/>
+              </a:rPr>
+              <a:t> code of network using </a:t>
+            </a:r>
+            <a:r>
+              <a:rPr lang="en-US" sz="2800" dirty="0" err="1">
+                <a:solidFill>
+                  <a:schemeClr val="tx1"/>
+                </a:solidFill>
+                <a:latin typeface="+mn-lt"/>
+              </a:rPr>
+              <a:t>Keras</a:t>
+            </a:r>
+            <a:r>
+              <a:rPr lang="en-US" sz="2800" dirty="0">
+                <a:solidFill>
+                  <a:schemeClr val="tx1"/>
+                </a:solidFill>
+                <a:latin typeface="+mn-lt"/>
+              </a:rPr>
+              <a:t>:</a:t>
+            </a:r>
+          </a:p>
+          <a:p>
+            <a:pPr marL="0" indent="0">
+              <a:spcAft>
+                <a:spcPts val="882"/>
+              </a:spcAft>
+              <a:buNone/>
+            </a:pPr>
+            <a:endParaRPr lang="en-US" sz="1800" dirty="0">
+              <a:solidFill>
+                <a:schemeClr val="tx1"/>
+              </a:solidFill>
+            </a:endParaRPr>
+          </a:p>
+        </p:txBody>
+      </p:sp>
+      <p:sp>
+        <p:nvSpPr>
+          <p:cNvPr id="5" name="Rectangle 4">
+            <a:extLst>
+              <a:ext uri="{FF2B5EF4-FFF2-40B4-BE49-F238E27FC236}">
+                <a16:creationId xmlns:a16="http://schemas.microsoft.com/office/drawing/2014/main" id="{E9F78DCE-1BB2-449A-A112-2254F0827F75}"/>
+              </a:ext>
+            </a:extLst>
+          </p:cNvPr>
+          <p:cNvSpPr/>
+          <p:nvPr/>
+        </p:nvSpPr>
+        <p:spPr>
+          <a:xfrm>
+            <a:off x="814180" y="3026288"/>
+            <a:ext cx="8965324" cy="2100575"/>
+          </a:xfrm>
+          <a:prstGeom prst="rect">
+            <a:avLst/>
+          </a:prstGeom>
+        </p:spPr>
+        <p:txBody>
+          <a:bodyPr wrap="square">
+            <a:spAutoFit/>
+          </a:bodyPr>
+          <a:lstStyle/>
+          <a:p>
+            <a:pPr marL="457200" marR="78105">
+              <a:lnSpc>
+                <a:spcPct val="104000"/>
+              </a:lnSpc>
+              <a:spcBef>
+                <a:spcPts val="0"/>
+              </a:spcBef>
+              <a:spcAft>
+                <a:spcPts val="200"/>
+              </a:spcAft>
+            </a:pPr>
+            <a:r>
+              <a:rPr lang="en-US" sz="2400" dirty="0"/>
+              <a:t>model = Sequential()</a:t>
+            </a:r>
+          </a:p>
+          <a:p>
+            <a:pPr marL="457200" marR="78105">
+              <a:lnSpc>
+                <a:spcPct val="104000"/>
+              </a:lnSpc>
+              <a:spcBef>
+                <a:spcPts val="0"/>
+              </a:spcBef>
+              <a:spcAft>
+                <a:spcPts val="200"/>
+              </a:spcAft>
+            </a:pPr>
+            <a:r>
+              <a:rPr lang="en-US" sz="2400" dirty="0" err="1"/>
+              <a:t>model.add</a:t>
+            </a:r>
+            <a:r>
+              <a:rPr lang="en-US" sz="2400" dirty="0"/>
+              <a:t>(</a:t>
+            </a:r>
+            <a:r>
+              <a:rPr lang="en-US" sz="2400" dirty="0" err="1"/>
+              <a:t>embedding_layer</a:t>
+            </a:r>
+            <a:r>
+              <a:rPr lang="en-US" sz="2400" dirty="0"/>
+              <a:t>)</a:t>
+            </a:r>
+          </a:p>
+          <a:p>
+            <a:pPr marL="457200" marR="78105">
+              <a:lnSpc>
+                <a:spcPct val="104000"/>
+              </a:lnSpc>
+              <a:spcBef>
+                <a:spcPts val="0"/>
+              </a:spcBef>
+              <a:spcAft>
+                <a:spcPts val="200"/>
+              </a:spcAft>
+            </a:pPr>
+            <a:r>
+              <a:rPr lang="en-US" sz="2400" dirty="0" err="1"/>
+              <a:t>model.add</a:t>
+            </a:r>
+            <a:r>
+              <a:rPr lang="en-US" sz="2400" dirty="0"/>
+              <a:t>(LSTM(100, ..., ...))</a:t>
+            </a:r>
+          </a:p>
+          <a:p>
+            <a:pPr marL="457200" marR="78105">
+              <a:lnSpc>
+                <a:spcPct val="104000"/>
+              </a:lnSpc>
+              <a:spcBef>
+                <a:spcPts val="0"/>
+              </a:spcBef>
+              <a:spcAft>
+                <a:spcPts val="200"/>
+              </a:spcAft>
+            </a:pPr>
+            <a:r>
+              <a:rPr lang="en-US" sz="2400" dirty="0" err="1"/>
+              <a:t>model.add</a:t>
+            </a:r>
+            <a:r>
+              <a:rPr lang="en-US" sz="2400" dirty="0"/>
+              <a:t>(Dense(2))</a:t>
+            </a:r>
+          </a:p>
+          <a:p>
+            <a:pPr marL="457200" marR="78105">
+              <a:lnSpc>
+                <a:spcPct val="104000"/>
+              </a:lnSpc>
+              <a:spcBef>
+                <a:spcPts val="0"/>
+              </a:spcBef>
+              <a:spcAft>
+                <a:spcPts val="200"/>
+              </a:spcAft>
+            </a:pPr>
+            <a:r>
+              <a:rPr lang="en-US" sz="2400" dirty="0" err="1"/>
+              <a:t>model.add</a:t>
+            </a:r>
+            <a:r>
+              <a:rPr lang="en-US" sz="2400" dirty="0"/>
+              <a:t>(Activation('sigmoid'))</a:t>
+            </a:r>
+          </a:p>
+        </p:txBody>
+      </p:sp>
+    </p:spTree>
+    <p:extLst>
+      <p:ext uri="{BB962C8B-B14F-4D97-AF65-F5344CB8AC3E}">
+        <p14:creationId xmlns:p14="http://schemas.microsoft.com/office/powerpoint/2010/main" val="3758182020"/>
+      </p:ext>
+    </p:extLst>
+  </p:cSld>
+  <p:clrMapOvr>
+    <a:masterClrMapping/>
+  </p:clrMapOvr>
+  <mc:AlternateContent xmlns:mc="http://schemas.openxmlformats.org/markup-compatibility/2006" xmlns:p14="http://schemas.microsoft.com/office/powerpoint/2010/main">
+    <mc:Choice Requires="p14">
+      <p:transition p14:dur="0"/>
+    </mc:Choice>
+    <mc:Fallback xmlns="">
+      <p:transition/>
+    </mc:Fallback>
+  </mc:AlternateContent>
+</p:sld>
+</file>
+
+<file path=ppt/slides/slide22.xml><?xml version="1.0" encoding="utf-8"?>
 <p:sld xmlns:a="http://schemas.openxmlformats.org/drawingml/2006/main" xmlns:r="http://schemas.openxmlformats.org/officeDocument/2006/relationships" xmlns:p="http://schemas.openxmlformats.org/presentationml/2006/main">
   <p:cSld>
     <p:spTree>
@@ -19339,8 +20025,8 @@
         </p:nvSpPr>
         <p:spPr>
           <a:xfrm>
-            <a:off x="2249213" y="4491693"/>
-            <a:ext cx="8965324" cy="2363468"/>
+            <a:off x="2249213" y="4670595"/>
+            <a:ext cx="8965324" cy="1613903"/>
           </a:xfrm>
           <a:prstGeom prst="rect">
             <a:avLst/>
@@ -19371,27 +20057,6 @@
             </a:r>
             <a:br>
               <a:rPr lang="en-US" sz="2400" dirty="0">
-                <a:cs typeface="Segoe UI" panose="020B0502040204020203" pitchFamily="34" charset="0"/>
-              </a:rPr>
-            </a:br>
-            <a:r>
-              <a:rPr lang="en-US" sz="2400" dirty="0">
-                <a:cs typeface="Segoe UI" panose="020B0502040204020203" pitchFamily="34" charset="0"/>
-              </a:rPr>
-              <a:t>test_claim = normalize_text(test_claim)</a:t>
-            </a:r>
-            <a:endParaRPr lang="en-US" sz="2400" dirty="0"/>
-          </a:p>
-          <a:p>
-            <a:r>
-              <a:rPr lang="en-US" sz="2400" dirty="0">
-                <a:ea typeface="Segoe UI" panose="020B0502040204020203" pitchFamily="34" charset="0"/>
-                <a:cs typeface="Segoe UI" panose="020B0502040204020203" pitchFamily="34" charset="0"/>
-              </a:rPr>
-              <a:t>test_claim = extract_features(test_claim)</a:t>
-            </a:r>
-            <a:br>
-              <a:rPr lang="en-US" sz="2400" dirty="0">
                 <a:ea typeface="Segoe UI" panose="020B0502040204020203" pitchFamily="34" charset="0"/>
                 <a:cs typeface="Segoe UI" panose="020B0502040204020203" pitchFamily="34" charset="0"/>
               </a:rPr>
@@ -19446,7 +20111,7 @@
               <a:rPr lang="en-US" sz="2400" dirty="0">
                 <a:cs typeface="Segoe UI" panose="020B0502040204020203" pitchFamily="34" charset="0"/>
               </a:rPr>
-              <a:t># predicts class 1 (column 1 of data) with confidence of 78%</a:t>
+              <a:t># predicts class 1 ("auto insurance claim") with confidence of 78%</a:t>
             </a:r>
           </a:p>
         </p:txBody>
@@ -19472,7 +20137,7 @@
 </p:sld>
 </file>
 
-<file path=ppt/slides/slide21.xml><?xml version="1.0" encoding="utf-8"?>
+<file path=ppt/slides/slide23.xml><?xml version="1.0" encoding="utf-8"?>
 <p:sld xmlns:a="http://schemas.openxmlformats.org/drawingml/2006/main" xmlns:r="http://schemas.openxmlformats.org/officeDocument/2006/relationships" xmlns:p="http://schemas.openxmlformats.org/presentationml/2006/main">
   <p:cSld>
     <p:spTree>
@@ -19609,7 +20274,7 @@
         <p:spPr>
           <a:xfrm>
             <a:off x="269240" y="1798778"/>
-            <a:ext cx="11653523" cy="5379312"/>
+            <a:ext cx="11653523" cy="4769711"/>
           </a:xfrm>
         </p:spPr>
         <p:txBody>
@@ -19633,34 +20298,6 @@
             <a:endParaRPr lang="en-US" sz="1800" dirty="0"/>
           </a:p>
           <a:p>
-            <a:pPr marL="0" indent="0">
-              <a:buNone/>
-            </a:pPr>
-            <a:r>
-              <a:rPr lang="en-US" sz="2400" dirty="0">
-                <a:solidFill>
-                  <a:schemeClr val="tx1"/>
-                </a:solidFill>
-                <a:latin typeface="+mn-lt"/>
-              </a:rPr>
-              <a:t>The trained model is saved to a file. </a:t>
-            </a:r>
-            <a:br>
-              <a:rPr lang="en-US" sz="2400" dirty="0">
-                <a:solidFill>
-                  <a:schemeClr val="tx1"/>
-                </a:solidFill>
-                <a:latin typeface="+mn-lt"/>
-              </a:rPr>
-            </a:br>
-            <a:endParaRPr lang="en-US" sz="1800" dirty="0">
-              <a:solidFill>
-                <a:schemeClr val="tx1"/>
-              </a:solidFill>
-              <a:latin typeface="+mn-lt"/>
-            </a:endParaRPr>
-          </a:p>
-          <a:p>
             <a:r>
               <a:rPr lang="en-US" sz="2200" dirty="0">
                 <a:solidFill>
@@ -19668,7 +20305,7 @@
                 </a:solidFill>
                 <a:latin typeface="+mn-lt"/>
               </a:rPr>
-              <a:t>This file is loaded by web service code that re-creates the DNN and loads the model weights. </a:t>
+              <a:t>The trained model is saved to a file.</a:t>
             </a:r>
           </a:p>
           <a:p>
@@ -19679,7 +20316,7 @@
                 </a:solidFill>
                 <a:latin typeface="+mn-lt"/>
               </a:rPr>
-              <a:t>The web service code can then run classifications using the model. </a:t>
+              <a:t>This file is loaded by web service code that re-creates the model architecture and loads the model weights. </a:t>
             </a:r>
           </a:p>
           <a:p>
@@ -19690,7 +20327,7 @@
                 </a:solidFill>
                 <a:latin typeface="+mn-lt"/>
               </a:rPr>
-              <a:t>Any text provided to the web service for classification must still be processed by the normalize and extract_features routines as was done when training the model. </a:t>
+              <a:t>The web service code can then run classifications using the model. </a:t>
             </a:r>
           </a:p>
           <a:p>
@@ -19714,27 +20351,6 @@
               </a:rPr>
               <a:t>This captures the web service in a container, deploy the container to Azure Container Service where it can be invoked by any REST client. </a:t>
             </a:r>
-          </a:p>
-          <a:p>
-            <a:pPr marL="0" indent="0">
-              <a:spcAft>
-                <a:spcPts val="882"/>
-              </a:spcAft>
-              <a:buNone/>
-            </a:pPr>
-            <a:endParaRPr lang="en-US" sz="1800" dirty="0">
-              <a:solidFill>
-                <a:schemeClr val="tx1"/>
-              </a:solidFill>
-            </a:endParaRPr>
-          </a:p>
-          <a:p>
-            <a:pPr marL="0" indent="0">
-              <a:spcAft>
-                <a:spcPts val="882"/>
-              </a:spcAft>
-              <a:buNone/>
-            </a:pPr>
             <a:endParaRPr lang="en-US" sz="1800" dirty="0">
               <a:solidFill>
                 <a:schemeClr val="tx1"/>
@@ -19777,7 +20393,7 @@
 </p:sld>
 </file>
 
-<file path=ppt/slides/slide22.xml><?xml version="1.0" encoding="utf-8"?>
+<file path=ppt/slides/slide24.xml><?xml version="1.0" encoding="utf-8"?>
 <p:sld xmlns:a="http://schemas.openxmlformats.org/drawingml/2006/main" xmlns:r="http://schemas.openxmlformats.org/officeDocument/2006/relationships" xmlns:p="http://schemas.openxmlformats.org/presentationml/2006/main">
   <p:cSld>
     <p:spTree>
@@ -20045,7 +20661,7 @@
 </p:sld>
 </file>
 
-<file path=ppt/slides/slide23.xml><?xml version="1.0" encoding="utf-8"?>
+<file path=ppt/slides/slide25.xml><?xml version="1.0" encoding="utf-8"?>
 <p:sld xmlns:a="http://schemas.openxmlformats.org/drawingml/2006/main" xmlns:r="http://schemas.openxmlformats.org/officeDocument/2006/relationships" xmlns:p="http://schemas.openxmlformats.org/presentationml/2006/main">
   <p:cSld>
     <p:spTree>
@@ -20291,7 +20907,7 @@
 </p:sld>
 </file>
 
-<file path=ppt/slides/slide24.xml><?xml version="1.0" encoding="utf-8"?>
+<file path=ppt/slides/slide26.xml><?xml version="1.0" encoding="utf-8"?>
 <p:sld xmlns:a="http://schemas.openxmlformats.org/drawingml/2006/main" xmlns:r="http://schemas.openxmlformats.org/officeDocument/2006/relationships" xmlns:p="http://schemas.openxmlformats.org/presentationml/2006/main">
   <p:cSld>
     <p:spTree>
@@ -20499,7 +21115,7 @@
 </p:sld>
 </file>
 
-<file path=ppt/slides/slide25.xml><?xml version="1.0" encoding="utf-8"?>
+<file path=ppt/slides/slide27.xml><?xml version="1.0" encoding="utf-8"?>
 <p:sld xmlns:a="http://schemas.openxmlformats.org/drawingml/2006/main" xmlns:r="http://schemas.openxmlformats.org/officeDocument/2006/relationships" xmlns:p="http://schemas.openxmlformats.org/presentationml/2006/main">
   <p:cSld>
     <p:spTree>
@@ -21339,7 +21955,7 @@
 </p:sld>
 </file>
 
-<file path=ppt/slides/slide26.xml><?xml version="1.0" encoding="utf-8"?>
+<file path=ppt/slides/slide28.xml><?xml version="1.0" encoding="utf-8"?>
 <p:sld xmlns:a="http://schemas.openxmlformats.org/drawingml/2006/main" xmlns:r="http://schemas.openxmlformats.org/officeDocument/2006/relationships" xmlns:p="http://schemas.openxmlformats.org/presentationml/2006/main">
   <p:cSld>
     <p:spTree>
@@ -21542,7 +22158,7 @@
 </p:sld>
 </file>
 
-<file path=ppt/slides/slide27.xml><?xml version="1.0" encoding="utf-8"?>
+<file path=ppt/slides/slide29.xml><?xml version="1.0" encoding="utf-8"?>
 <p:sld xmlns:a="http://schemas.openxmlformats.org/drawingml/2006/main" xmlns:r="http://schemas.openxmlformats.org/officeDocument/2006/relationships" xmlns:p="http://schemas.openxmlformats.org/presentationml/2006/main">
   <p:cSld>
     <p:spTree>
@@ -22058,396 +22674,6 @@
     <p:extLst>
       <p:ext uri="{BB962C8B-B14F-4D97-AF65-F5344CB8AC3E}">
         <p14:creationId xmlns:p14="http://schemas.microsoft.com/office/powerpoint/2010/main" val="2080938092"/>
-      </p:ext>
-    </p:extLst>
-  </p:cSld>
-  <p:clrMapOvr>
-    <a:masterClrMapping/>
-  </p:clrMapOvr>
-  <mc:AlternateContent xmlns:mc="http://schemas.openxmlformats.org/markup-compatibility/2006" xmlns:p14="http://schemas.microsoft.com/office/powerpoint/2010/main">
-    <mc:Choice Requires="p14">
-      <p:transition p14:dur="0"/>
-    </mc:Choice>
-    <mc:Fallback xmlns="">
-      <p:transition/>
-    </mc:Fallback>
-  </mc:AlternateContent>
-</p:sld>
-</file>
-
-<file path=ppt/slides/slide28.xml><?xml version="1.0" encoding="utf-8"?>
-<p:sld xmlns:a="http://schemas.openxmlformats.org/drawingml/2006/main" xmlns:r="http://schemas.openxmlformats.org/officeDocument/2006/relationships" xmlns:p="http://schemas.openxmlformats.org/presentationml/2006/main">
-  <p:cSld>
-    <p:spTree>
-      <p:nvGrpSpPr>
-        <p:cNvPr id="1" name=""/>
-        <p:cNvGrpSpPr/>
-        <p:nvPr/>
-      </p:nvGrpSpPr>
-      <p:grpSpPr>
-        <a:xfrm>
-          <a:off x="0" y="0"/>
-          <a:ext cx="0" cy="0"/>
-          <a:chOff x="0" y="0"/>
-          <a:chExt cx="0" cy="0"/>
-        </a:xfrm>
-      </p:grpSpPr>
-      <p:sp>
-        <p:nvSpPr>
-          <p:cNvPr id="2" name="Title 1"/>
-          <p:cNvSpPr>
-            <a:spLocks noGrp="1"/>
-          </p:cNvSpPr>
-          <p:nvPr>
-            <p:ph type="title"/>
-          </p:nvPr>
-        </p:nvSpPr>
-        <p:spPr/>
-        <p:txBody>
-          <a:bodyPr>
-            <a:normAutofit/>
-          </a:bodyPr>
-          <a:lstStyle/>
-          <a:p>
-            <a:r>
-              <a:rPr lang="en-US" sz="4400" dirty="0">
-                <a:solidFill>
-                  <a:schemeClr val="tx1"/>
-                </a:solidFill>
-              </a:rPr>
-              <a:t>Preferred solution</a:t>
-            </a:r>
-            <a:endParaRPr lang="en-US" sz="4400" dirty="0">
-              <a:solidFill>
-                <a:schemeClr val="tx1"/>
-              </a:solidFill>
-              <a:latin typeface="Segoe UI" panose="020B0502040204020203" pitchFamily="34" charset="0"/>
-            </a:endParaRPr>
-          </a:p>
-        </p:txBody>
-      </p:sp>
-      <p:sp>
-        <p:nvSpPr>
-          <p:cNvPr id="5" name="Title 1"/>
-          <p:cNvSpPr txBox="1">
-            <a:spLocks/>
-          </p:cNvSpPr>
-          <p:nvPr/>
-        </p:nvSpPr>
-        <p:spPr>
-          <a:xfrm>
-            <a:off x="269240" y="1189176"/>
-            <a:ext cx="11655840" cy="899665"/>
-          </a:xfrm>
-          <a:prstGeom prst="rect">
-            <a:avLst/>
-          </a:prstGeom>
-        </p:spPr>
-        <p:txBody>
-          <a:bodyPr vert="horz" wrap="square" lIns="146304" tIns="91440" rIns="146304" bIns="91440" rtlCol="0" anchor="t">
-            <a:normAutofit/>
-          </a:bodyPr>
-          <a:lstStyle>
-            <a:lvl1pPr algn="l" defTabSz="914367" rtl="0" eaLnBrk="1" latinLnBrk="0" hangingPunct="1">
-              <a:lnSpc>
-                <a:spcPct val="90000"/>
-              </a:lnSpc>
-              <a:spcBef>
-                <a:spcPct val="0"/>
-              </a:spcBef>
-              <a:buNone/>
-              <a:defRPr lang="en-US" sz="4705" b="0" kern="1200" cap="none" spc="-100" baseline="0" dirty="0" smtClean="0">
-                <a:ln w="3175">
-                  <a:noFill/>
-                </a:ln>
-                <a:gradFill>
-                  <a:gsLst>
-                    <a:gs pos="1250">
-                      <a:schemeClr val="tx1"/>
-                    </a:gs>
-                    <a:gs pos="100000">
-                      <a:schemeClr val="tx1"/>
-                    </a:gs>
-                  </a:gsLst>
-                  <a:lin ang="5400000" scaled="0"/>
-                </a:gradFill>
-                <a:effectLst/>
-                <a:latin typeface="+mj-lt"/>
-                <a:ea typeface="+mn-ea"/>
-                <a:cs typeface="Segoe UI" pitchFamily="34" charset="0"/>
-              </a:defRPr>
-            </a:lvl1pPr>
-          </a:lstStyle>
-          <a:p>
-            <a:r>
-              <a:rPr lang="en-US" sz="3600" dirty="0">
-                <a:solidFill>
-                  <a:schemeClr val="tx1"/>
-                </a:solidFill>
-              </a:rPr>
-              <a:t>Enabling search</a:t>
-            </a:r>
-            <a:endParaRPr lang="en-US" sz="3600" dirty="0">
-              <a:solidFill>
-                <a:schemeClr val="tx1"/>
-              </a:solidFill>
-              <a:latin typeface="Segoe UI" panose="020B0502040204020203" pitchFamily="34" charset="0"/>
-            </a:endParaRPr>
-          </a:p>
-        </p:txBody>
-      </p:sp>
-      <p:sp>
-        <p:nvSpPr>
-          <p:cNvPr id="3" name="Content Placeholder 2"/>
-          <p:cNvSpPr>
-            <a:spLocks noGrp="1"/>
-          </p:cNvSpPr>
-          <p:nvPr>
-            <p:ph type="body" sz="quarter" idx="10"/>
-          </p:nvPr>
-        </p:nvSpPr>
-        <p:spPr>
-          <a:xfrm>
-            <a:off x="269240" y="1972948"/>
-            <a:ext cx="11653523" cy="5379312"/>
-          </a:xfrm>
-        </p:spPr>
-        <p:txBody>
-          <a:bodyPr>
-            <a:noAutofit/>
-          </a:bodyPr>
-          <a:lstStyle/>
-          <a:p>
-            <a:pPr marL="0" indent="0">
-              <a:buNone/>
-            </a:pPr>
-            <a:r>
-              <a:rPr lang="en-US" sz="2400" dirty="0"/>
-              <a:t>What service would you recommend Contoso use to enable greater searchability over the claim data, inclusive of the new data fields created by your text processing and image processing components?</a:t>
-            </a:r>
-            <a:br>
-              <a:rPr lang="en-US" sz="2400" dirty="0">
-                <a:latin typeface="+mn-lt"/>
-              </a:rPr>
-            </a:br>
-            <a:endParaRPr lang="en-US" sz="1800" dirty="0">
-              <a:latin typeface="+mn-lt"/>
-            </a:endParaRPr>
-          </a:p>
-          <a:p>
-            <a:r>
-              <a:rPr lang="en-US" sz="2200" dirty="0">
-                <a:latin typeface="+mn-lt"/>
-              </a:rPr>
-              <a:t>Contoso should use Azure Search to create an Index for the claim data as it enters their system, and augmented by the results of the text and image processing components</a:t>
-            </a:r>
-            <a:endParaRPr lang="en-US" sz="2400" dirty="0">
-              <a:latin typeface="+mn-lt"/>
-            </a:endParaRPr>
-          </a:p>
-          <a:p>
-            <a:pPr marL="0" indent="0">
-              <a:buNone/>
-            </a:pPr>
-            <a:endParaRPr lang="en-US" sz="1800" dirty="0">
-              <a:latin typeface="+mn-lt"/>
-            </a:endParaRPr>
-          </a:p>
-          <a:p>
-            <a:pPr marL="0" indent="0">
-              <a:buNone/>
-            </a:pPr>
-            <a:r>
-              <a:rPr lang="en-US" sz="2400" dirty="0"/>
-              <a:t>Would they be able to keep their claims data in the existing database and layer in this search capability? If so, explain how.</a:t>
-            </a:r>
-            <a:br>
-              <a:rPr lang="en-US" sz="2400" dirty="0">
-                <a:latin typeface="+mn-lt"/>
-              </a:rPr>
-            </a:br>
-            <a:endParaRPr lang="en-US" sz="1800" dirty="0">
-              <a:latin typeface="+mn-lt"/>
-            </a:endParaRPr>
-          </a:p>
-          <a:p>
-            <a:r>
-              <a:rPr lang="en-US" sz="2200" dirty="0">
-                <a:latin typeface="+mn-lt"/>
-              </a:rPr>
-              <a:t>Yes, the data in the Azure Search index would augment the data already stored in their SQL Database. The data in the Azure Search index would tie back to the data in SQL Database via values used as the primary key in the SQL Database (such as the claim ID, image ID, attachment ID, etc.).</a:t>
-            </a:r>
-            <a:br>
-              <a:rPr lang="en-US" sz="2400" dirty="0">
-                <a:latin typeface="+mn-lt"/>
-              </a:rPr>
-            </a:br>
-            <a:br>
-              <a:rPr lang="en-US" sz="2400" dirty="0">
-                <a:latin typeface="+mn-lt"/>
-              </a:rPr>
-            </a:br>
-            <a:endParaRPr lang="en-US" sz="2400" dirty="0">
-              <a:solidFill>
-                <a:schemeClr val="tx1"/>
-              </a:solidFill>
-              <a:latin typeface="+mn-lt"/>
-            </a:endParaRPr>
-          </a:p>
-        </p:txBody>
-      </p:sp>
-    </p:spTree>
-    <p:extLst>
-      <p:ext uri="{BB962C8B-B14F-4D97-AF65-F5344CB8AC3E}">
-        <p14:creationId xmlns:p14="http://schemas.microsoft.com/office/powerpoint/2010/main" val="2266996835"/>
-      </p:ext>
-    </p:extLst>
-  </p:cSld>
-  <p:clrMapOvr>
-    <a:masterClrMapping/>
-  </p:clrMapOvr>
-  <mc:AlternateContent xmlns:mc="http://schemas.openxmlformats.org/markup-compatibility/2006" xmlns:p14="http://schemas.microsoft.com/office/powerpoint/2010/main">
-    <mc:Choice Requires="p14">
-      <p:transition p14:dur="0"/>
-    </mc:Choice>
-    <mc:Fallback xmlns="">
-      <p:transition/>
-    </mc:Fallback>
-  </mc:AlternateContent>
-</p:sld>
-</file>
-
-<file path=ppt/slides/slide29.xml><?xml version="1.0" encoding="utf-8"?>
-<p:sld xmlns:a="http://schemas.openxmlformats.org/drawingml/2006/main" xmlns:r="http://schemas.openxmlformats.org/officeDocument/2006/relationships" xmlns:p="http://schemas.openxmlformats.org/presentationml/2006/main">
-  <p:cSld>
-    <p:spTree>
-      <p:nvGrpSpPr>
-        <p:cNvPr id="1" name=""/>
-        <p:cNvGrpSpPr/>
-        <p:nvPr/>
-      </p:nvGrpSpPr>
-      <p:grpSpPr>
-        <a:xfrm>
-          <a:off x="0" y="0"/>
-          <a:ext cx="0" cy="0"/>
-          <a:chOff x="0" y="0"/>
-          <a:chExt cx="0" cy="0"/>
-        </a:xfrm>
-      </p:grpSpPr>
-      <p:sp>
-        <p:nvSpPr>
-          <p:cNvPr id="2" name="Title 1"/>
-          <p:cNvSpPr>
-            <a:spLocks noGrp="1"/>
-          </p:cNvSpPr>
-          <p:nvPr>
-            <p:ph type="title"/>
-          </p:nvPr>
-        </p:nvSpPr>
-        <p:spPr/>
-        <p:txBody>
-          <a:bodyPr>
-            <a:normAutofit fontScale="90000"/>
-          </a:bodyPr>
-          <a:lstStyle/>
-          <a:p>
-            <a:r>
-              <a:rPr lang="en-US" sz="4900" dirty="0">
-                <a:solidFill>
-                  <a:schemeClr val="tx1"/>
-                </a:solidFill>
-                <a:cs typeface="Segoe UI" panose="020B0502040204020203" pitchFamily="34" charset="0"/>
-              </a:rPr>
-              <a:t>Preferred objections handling</a:t>
-            </a:r>
-            <a:br>
-              <a:rPr lang="en-US" dirty="0">
-                <a:solidFill>
-                  <a:schemeClr val="tx1"/>
-                </a:solidFill>
-                <a:latin typeface="Segoe UI" panose="020B0502040204020203" pitchFamily="34" charset="0"/>
-              </a:rPr>
-            </a:br>
-            <a:endParaRPr lang="en-US" sz="3236" dirty="0">
-              <a:solidFill>
-                <a:schemeClr val="tx1"/>
-              </a:solidFill>
-              <a:latin typeface="Segoe UI" panose="020B0502040204020203" pitchFamily="34" charset="0"/>
-            </a:endParaRPr>
-          </a:p>
-        </p:txBody>
-      </p:sp>
-      <p:sp>
-        <p:nvSpPr>
-          <p:cNvPr id="3" name="Content Placeholder 2"/>
-          <p:cNvSpPr>
-            <a:spLocks noGrp="1"/>
-          </p:cNvSpPr>
-          <p:nvPr>
-            <p:ph type="body" sz="quarter" idx="10"/>
-          </p:nvPr>
-        </p:nvSpPr>
-        <p:spPr>
-          <a:xfrm>
-            <a:off x="269240" y="1189176"/>
-            <a:ext cx="11215190" cy="5179873"/>
-          </a:xfrm>
-        </p:spPr>
-        <p:txBody>
-          <a:bodyPr>
-            <a:noAutofit/>
-          </a:bodyPr>
-          <a:lstStyle/>
-          <a:p>
-            <a:pPr marL="0" indent="0">
-              <a:spcAft>
-                <a:spcPts val="882"/>
-              </a:spcAft>
-              <a:buNone/>
-            </a:pPr>
-            <a:r>
-              <a:rPr lang="en-US" sz="2800" dirty="0"/>
-              <a:t>We are skeptical about all the hype surrounding these “AI” solutions. It’s hard to know what is feasible versus what not possible with today’s technology and Azure.</a:t>
-            </a:r>
-          </a:p>
-          <a:p>
-            <a:pPr>
-              <a:spcAft>
-                <a:spcPts val="882"/>
-              </a:spcAft>
-            </a:pPr>
-            <a:r>
-              <a:rPr lang="en-US" sz="2400" dirty="0">
-                <a:solidFill>
-                  <a:schemeClr val="tx1"/>
-                </a:solidFill>
-                <a:latin typeface="+mn-lt"/>
-              </a:rPr>
-              <a:t>While it is true there is a lot of hype around AI, the ability to deploy solutions that use data, machine learning, and deep learning to create an application with “AI” capabilities is real, and is possible in Azure</a:t>
-            </a:r>
-          </a:p>
-          <a:p>
-            <a:pPr>
-              <a:spcAft>
-                <a:spcPts val="882"/>
-              </a:spcAft>
-            </a:pPr>
-            <a:r>
-              <a:rPr lang="en-US" sz="2400" dirty="0">
-                <a:solidFill>
-                  <a:schemeClr val="tx1"/>
-                </a:solidFill>
-                <a:latin typeface="+mn-lt"/>
-              </a:rPr>
-              <a:t>Azure provides a wide range of services to address the needs of AI from pre-built AI capabilities in Cognitive Services to services that help you to build, train, and deploy your custom AI capabilities using Azure Machine Learning and other services from the Microsoft AI stack</a:t>
-            </a:r>
-          </a:p>
-        </p:txBody>
-      </p:sp>
-    </p:spTree>
-    <p:extLst>
-      <p:ext uri="{BB962C8B-B14F-4D97-AF65-F5344CB8AC3E}">
-        <p14:creationId xmlns:p14="http://schemas.microsoft.com/office/powerpoint/2010/main" val="1491462391"/>
       </p:ext>
     </p:extLst>
   </p:cSld>
@@ -22677,28 +22903,89 @@
         <p:spPr/>
         <p:txBody>
           <a:bodyPr>
-            <a:normAutofit fontScale="90000"/>
+            <a:normAutofit/>
           </a:bodyPr>
           <a:lstStyle/>
           <a:p>
             <a:r>
-              <a:rPr lang="en-US" sz="4900" dirty="0">
+              <a:rPr lang="en-US" sz="4400" dirty="0">
                 <a:solidFill>
                   <a:schemeClr val="tx1"/>
                 </a:solidFill>
-                <a:cs typeface="Segoe UI" panose="020B0502040204020203" pitchFamily="34" charset="0"/>
-              </a:rPr>
-              <a:t>Preferred objections handling</a:t>
-            </a:r>
-            <a:br>
-              <a:rPr lang="en-US" dirty="0">
+              </a:rPr>
+              <a:t>Preferred solution</a:t>
+            </a:r>
+            <a:endParaRPr lang="en-US" sz="4400" dirty="0">
+              <a:solidFill>
+                <a:schemeClr val="tx1"/>
+              </a:solidFill>
+              <a:latin typeface="Segoe UI" panose="020B0502040204020203" pitchFamily="34" charset="0"/>
+            </a:endParaRPr>
+          </a:p>
+        </p:txBody>
+      </p:sp>
+      <p:sp>
+        <p:nvSpPr>
+          <p:cNvPr id="5" name="Title 1"/>
+          <p:cNvSpPr txBox="1">
+            <a:spLocks/>
+          </p:cNvSpPr>
+          <p:nvPr/>
+        </p:nvSpPr>
+        <p:spPr>
+          <a:xfrm>
+            <a:off x="269240" y="1189176"/>
+            <a:ext cx="11655840" cy="899665"/>
+          </a:xfrm>
+          <a:prstGeom prst="rect">
+            <a:avLst/>
+          </a:prstGeom>
+        </p:spPr>
+        <p:txBody>
+          <a:bodyPr vert="horz" wrap="square" lIns="146304" tIns="91440" rIns="146304" bIns="91440" rtlCol="0" anchor="t">
+            <a:normAutofit/>
+          </a:bodyPr>
+          <a:lstStyle>
+            <a:lvl1pPr algn="l" defTabSz="914367" rtl="0" eaLnBrk="1" latinLnBrk="0" hangingPunct="1">
+              <a:lnSpc>
+                <a:spcPct val="90000"/>
+              </a:lnSpc>
+              <a:spcBef>
+                <a:spcPct val="0"/>
+              </a:spcBef>
+              <a:buNone/>
+              <a:defRPr lang="en-US" sz="4705" b="0" kern="1200" cap="none" spc="-100" baseline="0" dirty="0" smtClean="0">
+                <a:ln w="3175">
+                  <a:noFill/>
+                </a:ln>
+                <a:gradFill>
+                  <a:gsLst>
+                    <a:gs pos="1250">
+                      <a:schemeClr val="tx1"/>
+                    </a:gs>
+                    <a:gs pos="100000">
+                      <a:schemeClr val="tx1"/>
+                    </a:gs>
+                  </a:gsLst>
+                  <a:lin ang="5400000" scaled="0"/>
+                </a:gradFill>
+                <a:effectLst/>
+                <a:latin typeface="+mj-lt"/>
+                <a:ea typeface="+mn-ea"/>
+                <a:cs typeface="Segoe UI" pitchFamily="34" charset="0"/>
+              </a:defRPr>
+            </a:lvl1pPr>
+          </a:lstStyle>
+          <a:p>
+            <a:r>
+              <a:rPr lang="en-US" sz="3600" dirty="0">
                 <a:solidFill>
                   <a:schemeClr val="tx1"/>
                 </a:solidFill>
-                <a:latin typeface="Segoe UI" panose="020B0502040204020203" pitchFamily="34" charset="0"/>
-              </a:rPr>
-            </a:br>
-            <a:endParaRPr lang="en-US" sz="3236" dirty="0">
+              </a:rPr>
+              <a:t>Enabling search</a:t>
+            </a:r>
+            <a:endParaRPr lang="en-US" sz="3600" dirty="0">
               <a:solidFill>
                 <a:schemeClr val="tx1"/>
               </a:solidFill>
@@ -22719,8 +23006,8 @@
         </p:nvSpPr>
         <p:spPr>
           <a:xfrm>
-            <a:off x="269240" y="1189176"/>
-            <a:ext cx="10649132" cy="5179873"/>
+            <a:off x="269240" y="1972948"/>
+            <a:ext cx="11653523" cy="5379312"/>
           </a:xfrm>
         </p:spPr>
         <p:txBody>
@@ -22730,54 +23017,87 @@
           <a:lstStyle/>
           <a:p>
             <a:pPr marL="0" indent="0">
-              <a:spcAft>
-                <a:spcPts val="882"/>
-              </a:spcAft>
               <a:buNone/>
             </a:pPr>
             <a:r>
-              <a:rPr lang="en-US" sz="2800" dirty="0"/>
-              <a:t>We know that are both pre-built AI and custom AI options. We are confused as to when to choose one over the other. </a:t>
-            </a:r>
-          </a:p>
-          <a:p>
-            <a:pPr>
-              <a:spcAft>
-                <a:spcPts val="882"/>
-              </a:spcAft>
+              <a:rPr lang="en-US" sz="2400" dirty="0"/>
+              <a:t>What service would you recommend Contoso use to enable greater searchability over the claim data, inclusive of the new data fields created by your text processing and image processing components?</a:t>
+            </a:r>
+            <a:br>
+              <a:rPr lang="en-US" sz="2400" dirty="0">
+                <a:latin typeface="+mn-lt"/>
+              </a:rPr>
+            </a:br>
+            <a:endParaRPr lang="en-US" sz="1800" dirty="0">
+              <a:latin typeface="+mn-lt"/>
+            </a:endParaRPr>
+          </a:p>
+          <a:p>
+            <a:r>
+              <a:rPr lang="en-US" sz="2200" dirty="0">
+                <a:latin typeface="+mn-lt"/>
+              </a:rPr>
+              <a:t>Contoso should use Azure Search to create an Index for the claim data as it enters their system, and augmented by the results of the text and image processing components</a:t>
+            </a:r>
+            <a:endParaRPr lang="en-US" sz="2400" dirty="0">
+              <a:latin typeface="+mn-lt"/>
+            </a:endParaRPr>
+          </a:p>
+          <a:p>
+            <a:pPr marL="0" indent="0">
+              <a:buNone/>
             </a:pPr>
-            <a:r>
+            <a:endParaRPr lang="en-US" sz="1800" dirty="0">
+              <a:latin typeface="+mn-lt"/>
+            </a:endParaRPr>
+          </a:p>
+          <a:p>
+            <a:pPr marL="0" indent="0">
+              <a:buNone/>
+            </a:pPr>
+            <a:r>
+              <a:rPr lang="en-US" sz="2400" dirty="0"/>
+              <a:t>Would they be able to keep their claims data in the existing database and layer in this search capability? If so, explain how.</a:t>
+            </a:r>
+            <a:br>
               <a:rPr lang="en-US" sz="2400" dirty="0">
-                <a:solidFill>
-                  <a:schemeClr val="tx1"/>
-                </a:solidFill>
                 <a:latin typeface="+mn-lt"/>
               </a:rPr>
-              <a:t>You should consider pre-built AI options first, and only having ruled them out as not fitting your requirements should you then explore the custom AI options</a:t>
-            </a:r>
-          </a:p>
-          <a:p>
-            <a:pPr>
-              <a:spcAft>
-                <a:spcPts val="882"/>
-              </a:spcAft>
-            </a:pPr>
-            <a:r>
+            </a:br>
+            <a:endParaRPr lang="en-US" sz="1800" dirty="0">
+              <a:latin typeface="+mn-lt"/>
+            </a:endParaRPr>
+          </a:p>
+          <a:p>
+            <a:r>
+              <a:rPr lang="en-US" sz="2200" dirty="0">
+                <a:latin typeface="+mn-lt"/>
+              </a:rPr>
+              <a:t>Yes, the data in the Azure Search index would augment the data already stored in their SQL Database. The data in the Azure Search index would tie back to the data in SQL Database via values used as the primary key in the SQL Database (such as the claim ID, image ID, attachment ID, etc.).</a:t>
+            </a:r>
+            <a:br>
               <a:rPr lang="en-US" sz="2400" dirty="0">
-                <a:solidFill>
-                  <a:schemeClr val="tx1"/>
-                </a:solidFill>
                 <a:latin typeface="+mn-lt"/>
               </a:rPr>
-              <a:t>The advantage of pre-built AI options like Cognitive Services is that the models they use under the covers do not need to be trained by you, and you do not need to have the data to train them as a pre-requisite</a:t>
-            </a:r>
+            </a:br>
+            <a:br>
+              <a:rPr lang="en-US" sz="2400" dirty="0">
+                <a:latin typeface="+mn-lt"/>
+              </a:rPr>
+            </a:br>
+            <a:endParaRPr lang="en-US" sz="2400" dirty="0">
+              <a:solidFill>
+                <a:schemeClr val="tx1"/>
+              </a:solidFill>
+              <a:latin typeface="+mn-lt"/>
+            </a:endParaRPr>
           </a:p>
         </p:txBody>
       </p:sp>
     </p:spTree>
     <p:extLst>
       <p:ext uri="{BB962C8B-B14F-4D97-AF65-F5344CB8AC3E}">
-        <p14:creationId xmlns:p14="http://schemas.microsoft.com/office/powerpoint/2010/main" val="1459427465"/>
+        <p14:creationId xmlns:p14="http://schemas.microsoft.com/office/powerpoint/2010/main" val="2266996835"/>
       </p:ext>
     </p:extLst>
   </p:cSld>
@@ -22825,19 +23145,28 @@
         <p:spPr/>
         <p:txBody>
           <a:bodyPr>
-            <a:normAutofit/>
+            <a:normAutofit fontScale="90000"/>
           </a:bodyPr>
           <a:lstStyle/>
           <a:p>
             <a:r>
-              <a:rPr lang="en-US" sz="4400" dirty="0">
+              <a:rPr lang="en-US" sz="4900" dirty="0">
                 <a:solidFill>
                   <a:schemeClr val="tx1"/>
                 </a:solidFill>
+                <a:cs typeface="Segoe UI" panose="020B0502040204020203" pitchFamily="34" charset="0"/>
               </a:rPr>
               <a:t>Preferred objections handling</a:t>
             </a:r>
-            <a:endParaRPr lang="en-US" sz="4400" dirty="0">
+            <a:br>
+              <a:rPr lang="en-US" dirty="0">
+                <a:solidFill>
+                  <a:schemeClr val="tx1"/>
+                </a:solidFill>
+                <a:latin typeface="Segoe UI" panose="020B0502040204020203" pitchFamily="34" charset="0"/>
+              </a:rPr>
+            </a:br>
+            <a:endParaRPr lang="en-US" sz="3236" dirty="0">
               <a:solidFill>
                 <a:schemeClr val="tx1"/>
               </a:solidFill>
@@ -22858,8 +23187,8 @@
         </p:nvSpPr>
         <p:spPr>
           <a:xfrm>
-            <a:off x="269239" y="1189176"/>
-            <a:ext cx="11160761" cy="5179873"/>
+            <a:off x="269240" y="1189176"/>
+            <a:ext cx="11215190" cy="5179873"/>
           </a:xfrm>
         </p:spPr>
         <p:txBody>
@@ -22876,7 +23205,7 @@
             </a:pPr>
             <a:r>
               <a:rPr lang="en-US" sz="2800" dirty="0"/>
-              <a:t>We expect some part of our solution would require deep learning, do you have any prescriptive guidance on how we might choose between investing in learning and using TensorFlow or the Microsoft Cognitive Toolkit (CNTK)?</a:t>
+              <a:t>We are skeptical about all the hype surrounding these “AI” solutions. It’s hard to know what is feasible versus what not possible with today’s technology and Azure.</a:t>
             </a:r>
           </a:p>
           <a:p>
@@ -22892,7 +23221,7 @@
                 </a:solidFill>
                 <a:latin typeface="+mn-lt"/>
               </a:rPr>
-              <a:t>Both TensorFlow and the Microsoft Cognitive Toolkit solve similar problems and have been used successfully by many companies for deep learning</a:t>
+              <a:t>While it is true there is a lot of hype around AI, the ability to deploy solutions that use data, machine learning, and deep learning to create an application with “AI” capabilities is real, and is possible in Azure</a:t>
             </a:r>
           </a:p>
           <a:p>
@@ -22908,64 +23237,15 @@
                 </a:solidFill>
                 <a:latin typeface="+mn-lt"/>
               </a:rPr>
-              <a:t>At present, it appears that TensorFlow has a much larger community interest level, which can be measured by the number of stars it has in its GitHub project (which is an order of magnitude larger than that of the Microsoft Cognitive Toolkit)</a:t>
-            </a:r>
-          </a:p>
-          <a:p>
-            <a:pPr>
-              <a:spcAft>
-                <a:spcPts val="882"/>
-              </a:spcAft>
-            </a:pPr>
-            <a:r>
-              <a:rPr lang="en-US" sz="2400" dirty="0">
-                <a:solidFill>
-                  <a:schemeClr val="tx1"/>
-                </a:solidFill>
-                <a:latin typeface="+mn-lt"/>
-              </a:rPr>
-              <a:t>The size of the community means that is likely you will more easily find help online for issues with </a:t>
-            </a:r>
-            <a:r>
-              <a:rPr lang="en-US" sz="2400" dirty="0" err="1">
-                <a:solidFill>
-                  <a:schemeClr val="tx1"/>
-                </a:solidFill>
-                <a:latin typeface="+mn-lt"/>
-              </a:rPr>
-              <a:t>TensorFlow</a:t>
-            </a:r>
-            <a:r>
-              <a:rPr lang="en-US" sz="2400" dirty="0">
-                <a:solidFill>
-                  <a:schemeClr val="tx1"/>
-                </a:solidFill>
-                <a:latin typeface="+mn-lt"/>
-              </a:rPr>
-              <a:t> versus the Microsoft Cognitive Toolkit, which is why it may be a good reason to start with </a:t>
-            </a:r>
-            <a:r>
-              <a:rPr lang="en-US" sz="2400" dirty="0" err="1">
-                <a:solidFill>
-                  <a:schemeClr val="tx1"/>
-                </a:solidFill>
-                <a:latin typeface="+mn-lt"/>
-              </a:rPr>
-              <a:t>TensorFlow</a:t>
-            </a:r>
-            <a:endParaRPr lang="en-US" sz="2400" dirty="0">
-              <a:solidFill>
-                <a:schemeClr val="tx1"/>
-              </a:solidFill>
-              <a:latin typeface="+mn-lt"/>
-            </a:endParaRPr>
+              <a:t>Azure provides a wide range of services to address the needs of AI from pre-built AI capabilities in Cognitive Services to services that help you to build, train, and deploy your custom AI capabilities using Azure Machine Learning and other services from the Microsoft AI stack</a:t>
+            </a:r>
           </a:p>
         </p:txBody>
       </p:sp>
     </p:spTree>
     <p:extLst>
       <p:ext uri="{BB962C8B-B14F-4D97-AF65-F5344CB8AC3E}">
-        <p14:creationId xmlns:p14="http://schemas.microsoft.com/office/powerpoint/2010/main" val="4153529075"/>
+        <p14:creationId xmlns:p14="http://schemas.microsoft.com/office/powerpoint/2010/main" val="1491462391"/>
       </p:ext>
     </p:extLst>
   </p:cSld>
@@ -23024,6 +23304,342 @@
                 </a:solidFill>
                 <a:cs typeface="Segoe UI" panose="020B0502040204020203" pitchFamily="34" charset="0"/>
               </a:rPr>
+              <a:t>Preferred objections handling</a:t>
+            </a:r>
+            <a:br>
+              <a:rPr lang="en-US" dirty="0">
+                <a:solidFill>
+                  <a:schemeClr val="tx1"/>
+                </a:solidFill>
+                <a:latin typeface="Segoe UI" panose="020B0502040204020203" pitchFamily="34" charset="0"/>
+              </a:rPr>
+            </a:br>
+            <a:endParaRPr lang="en-US" sz="3236" dirty="0">
+              <a:solidFill>
+                <a:schemeClr val="tx1"/>
+              </a:solidFill>
+              <a:latin typeface="Segoe UI" panose="020B0502040204020203" pitchFamily="34" charset="0"/>
+            </a:endParaRPr>
+          </a:p>
+        </p:txBody>
+      </p:sp>
+      <p:sp>
+        <p:nvSpPr>
+          <p:cNvPr id="3" name="Content Placeholder 2"/>
+          <p:cNvSpPr>
+            <a:spLocks noGrp="1"/>
+          </p:cNvSpPr>
+          <p:nvPr>
+            <p:ph type="body" sz="quarter" idx="10"/>
+          </p:nvPr>
+        </p:nvSpPr>
+        <p:spPr>
+          <a:xfrm>
+            <a:off x="269240" y="1189176"/>
+            <a:ext cx="10649132" cy="5179873"/>
+          </a:xfrm>
+        </p:spPr>
+        <p:txBody>
+          <a:bodyPr>
+            <a:noAutofit/>
+          </a:bodyPr>
+          <a:lstStyle/>
+          <a:p>
+            <a:pPr marL="0" indent="0">
+              <a:spcAft>
+                <a:spcPts val="882"/>
+              </a:spcAft>
+              <a:buNone/>
+            </a:pPr>
+            <a:r>
+              <a:rPr lang="en-US" sz="2800" dirty="0"/>
+              <a:t>We know that are both pre-built AI and custom AI options. We are confused as to when to choose one over the other. </a:t>
+            </a:r>
+          </a:p>
+          <a:p>
+            <a:pPr>
+              <a:spcAft>
+                <a:spcPts val="882"/>
+              </a:spcAft>
+            </a:pPr>
+            <a:r>
+              <a:rPr lang="en-US" sz="2400" dirty="0">
+                <a:solidFill>
+                  <a:schemeClr val="tx1"/>
+                </a:solidFill>
+                <a:latin typeface="+mn-lt"/>
+              </a:rPr>
+              <a:t>You should consider pre-built AI options first, and only having ruled them out as not fitting your requirements should you then explore the custom AI options</a:t>
+            </a:r>
+          </a:p>
+          <a:p>
+            <a:pPr>
+              <a:spcAft>
+                <a:spcPts val="882"/>
+              </a:spcAft>
+            </a:pPr>
+            <a:r>
+              <a:rPr lang="en-US" sz="2400" dirty="0">
+                <a:solidFill>
+                  <a:schemeClr val="tx1"/>
+                </a:solidFill>
+                <a:latin typeface="+mn-lt"/>
+              </a:rPr>
+              <a:t>The advantage of pre-built AI options like Cognitive Services is that the models they use under the covers do not need to be trained by you, and you do not need to have the data to train them as a pre-requisite</a:t>
+            </a:r>
+          </a:p>
+        </p:txBody>
+      </p:sp>
+    </p:spTree>
+    <p:extLst>
+      <p:ext uri="{BB962C8B-B14F-4D97-AF65-F5344CB8AC3E}">
+        <p14:creationId xmlns:p14="http://schemas.microsoft.com/office/powerpoint/2010/main" val="1459427465"/>
+      </p:ext>
+    </p:extLst>
+  </p:cSld>
+  <p:clrMapOvr>
+    <a:masterClrMapping/>
+  </p:clrMapOvr>
+  <mc:AlternateContent xmlns:mc="http://schemas.openxmlformats.org/markup-compatibility/2006" xmlns:p14="http://schemas.microsoft.com/office/powerpoint/2010/main">
+    <mc:Choice Requires="p14">
+      <p:transition p14:dur="0"/>
+    </mc:Choice>
+    <mc:Fallback xmlns="">
+      <p:transition/>
+    </mc:Fallback>
+  </mc:AlternateContent>
+</p:sld>
+</file>
+
+<file path=ppt/slides/slide33.xml><?xml version="1.0" encoding="utf-8"?>
+<p:sld xmlns:a="http://schemas.openxmlformats.org/drawingml/2006/main" xmlns:r="http://schemas.openxmlformats.org/officeDocument/2006/relationships" xmlns:p="http://schemas.openxmlformats.org/presentationml/2006/main">
+  <p:cSld>
+    <p:spTree>
+      <p:nvGrpSpPr>
+        <p:cNvPr id="1" name=""/>
+        <p:cNvGrpSpPr/>
+        <p:nvPr/>
+      </p:nvGrpSpPr>
+      <p:grpSpPr>
+        <a:xfrm>
+          <a:off x="0" y="0"/>
+          <a:ext cx="0" cy="0"/>
+          <a:chOff x="0" y="0"/>
+          <a:chExt cx="0" cy="0"/>
+        </a:xfrm>
+      </p:grpSpPr>
+      <p:sp>
+        <p:nvSpPr>
+          <p:cNvPr id="2" name="Title 1"/>
+          <p:cNvSpPr>
+            <a:spLocks noGrp="1"/>
+          </p:cNvSpPr>
+          <p:nvPr>
+            <p:ph type="title"/>
+          </p:nvPr>
+        </p:nvSpPr>
+        <p:spPr/>
+        <p:txBody>
+          <a:bodyPr>
+            <a:normAutofit/>
+          </a:bodyPr>
+          <a:lstStyle/>
+          <a:p>
+            <a:r>
+              <a:rPr lang="en-US" sz="4400" dirty="0">
+                <a:solidFill>
+                  <a:schemeClr val="tx1"/>
+                </a:solidFill>
+              </a:rPr>
+              <a:t>Preferred objections handling</a:t>
+            </a:r>
+            <a:endParaRPr lang="en-US" sz="4400" dirty="0">
+              <a:solidFill>
+                <a:schemeClr val="tx1"/>
+              </a:solidFill>
+              <a:latin typeface="Segoe UI" panose="020B0502040204020203" pitchFamily="34" charset="0"/>
+            </a:endParaRPr>
+          </a:p>
+        </p:txBody>
+      </p:sp>
+      <p:sp>
+        <p:nvSpPr>
+          <p:cNvPr id="3" name="Content Placeholder 2"/>
+          <p:cNvSpPr>
+            <a:spLocks noGrp="1"/>
+          </p:cNvSpPr>
+          <p:nvPr>
+            <p:ph type="body" sz="quarter" idx="10"/>
+          </p:nvPr>
+        </p:nvSpPr>
+        <p:spPr>
+          <a:xfrm>
+            <a:off x="269239" y="1189176"/>
+            <a:ext cx="11160761" cy="5179873"/>
+          </a:xfrm>
+        </p:spPr>
+        <p:txBody>
+          <a:bodyPr>
+            <a:noAutofit/>
+          </a:bodyPr>
+          <a:lstStyle/>
+          <a:p>
+            <a:pPr marL="0" indent="0">
+              <a:spcAft>
+                <a:spcPts val="882"/>
+              </a:spcAft>
+              <a:buNone/>
+            </a:pPr>
+            <a:r>
+              <a:rPr lang="en-US" sz="2800" dirty="0"/>
+              <a:t>We expect some part of our solution would require deep learning, do you have any prescriptive guidance on how we might choose between investing in learning and using TensorFlow or the Microsoft Cognitive Toolkit (CNTK)?</a:t>
+            </a:r>
+          </a:p>
+          <a:p>
+            <a:pPr>
+              <a:spcAft>
+                <a:spcPts val="882"/>
+              </a:spcAft>
+            </a:pPr>
+            <a:r>
+              <a:rPr lang="en-US" sz="2400" dirty="0">
+                <a:solidFill>
+                  <a:schemeClr val="tx1"/>
+                </a:solidFill>
+                <a:latin typeface="+mn-lt"/>
+              </a:rPr>
+              <a:t>Both TensorFlow and the Microsoft Cognitive Toolkit solve similar problems and have been used successfully by many companies for deep learning</a:t>
+            </a:r>
+          </a:p>
+          <a:p>
+            <a:pPr>
+              <a:spcAft>
+                <a:spcPts val="882"/>
+              </a:spcAft>
+            </a:pPr>
+            <a:r>
+              <a:rPr lang="en-US" sz="2400" dirty="0">
+                <a:solidFill>
+                  <a:schemeClr val="tx1"/>
+                </a:solidFill>
+                <a:latin typeface="+mn-lt"/>
+              </a:rPr>
+              <a:t>At present, it appears that TensorFlow has a much larger community interest level, which can be measured by the number of stars it has in its GitHub project (which is an order of magnitude larger than that of the Microsoft Cognitive Toolkit)</a:t>
+            </a:r>
+          </a:p>
+          <a:p>
+            <a:pPr>
+              <a:spcAft>
+                <a:spcPts val="882"/>
+              </a:spcAft>
+            </a:pPr>
+            <a:r>
+              <a:rPr lang="en-US" sz="2400" dirty="0">
+                <a:solidFill>
+                  <a:schemeClr val="tx1"/>
+                </a:solidFill>
+                <a:latin typeface="+mn-lt"/>
+              </a:rPr>
+              <a:t>The size of the community means that is likely you will more easily find help online for issues with </a:t>
+            </a:r>
+            <a:r>
+              <a:rPr lang="en-US" sz="2400" dirty="0" err="1">
+                <a:solidFill>
+                  <a:schemeClr val="tx1"/>
+                </a:solidFill>
+                <a:latin typeface="+mn-lt"/>
+              </a:rPr>
+              <a:t>TensorFlow</a:t>
+            </a:r>
+            <a:r>
+              <a:rPr lang="en-US" sz="2400" dirty="0">
+                <a:solidFill>
+                  <a:schemeClr val="tx1"/>
+                </a:solidFill>
+                <a:latin typeface="+mn-lt"/>
+              </a:rPr>
+              <a:t> versus the Microsoft Cognitive Toolkit, which is why it may be a good reason to start with </a:t>
+            </a:r>
+            <a:r>
+              <a:rPr lang="en-US" sz="2400" dirty="0" err="1">
+                <a:solidFill>
+                  <a:schemeClr val="tx1"/>
+                </a:solidFill>
+                <a:latin typeface="+mn-lt"/>
+              </a:rPr>
+              <a:t>TensorFlow</a:t>
+            </a:r>
+            <a:endParaRPr lang="en-US" sz="2400" dirty="0">
+              <a:solidFill>
+                <a:schemeClr val="tx1"/>
+              </a:solidFill>
+              <a:latin typeface="+mn-lt"/>
+            </a:endParaRPr>
+          </a:p>
+        </p:txBody>
+      </p:sp>
+    </p:spTree>
+    <p:extLst>
+      <p:ext uri="{BB962C8B-B14F-4D97-AF65-F5344CB8AC3E}">
+        <p14:creationId xmlns:p14="http://schemas.microsoft.com/office/powerpoint/2010/main" val="4153529075"/>
+      </p:ext>
+    </p:extLst>
+  </p:cSld>
+  <p:clrMapOvr>
+    <a:masterClrMapping/>
+  </p:clrMapOvr>
+  <mc:AlternateContent xmlns:mc="http://schemas.openxmlformats.org/markup-compatibility/2006" xmlns:p14="http://schemas.microsoft.com/office/powerpoint/2010/main">
+    <mc:Choice Requires="p14">
+      <p:transition p14:dur="0"/>
+    </mc:Choice>
+    <mc:Fallback xmlns="">
+      <p:transition/>
+    </mc:Fallback>
+  </mc:AlternateContent>
+</p:sld>
+</file>
+
+<file path=ppt/slides/slide34.xml><?xml version="1.0" encoding="utf-8"?>
+<p:sld xmlns:a="http://schemas.openxmlformats.org/drawingml/2006/main" xmlns:r="http://schemas.openxmlformats.org/officeDocument/2006/relationships" xmlns:p="http://schemas.openxmlformats.org/presentationml/2006/main">
+  <p:cSld>
+    <p:spTree>
+      <p:nvGrpSpPr>
+        <p:cNvPr id="1" name=""/>
+        <p:cNvGrpSpPr/>
+        <p:nvPr/>
+      </p:nvGrpSpPr>
+      <p:grpSpPr>
+        <a:xfrm>
+          <a:off x="0" y="0"/>
+          <a:ext cx="0" cy="0"/>
+          <a:chOff x="0" y="0"/>
+          <a:chExt cx="0" cy="0"/>
+        </a:xfrm>
+      </p:grpSpPr>
+      <p:sp>
+        <p:nvSpPr>
+          <p:cNvPr id="2" name="Title 1"/>
+          <p:cNvSpPr>
+            <a:spLocks noGrp="1"/>
+          </p:cNvSpPr>
+          <p:nvPr>
+            <p:ph type="title"/>
+          </p:nvPr>
+        </p:nvSpPr>
+        <p:spPr/>
+        <p:txBody>
+          <a:bodyPr>
+            <a:normAutofit fontScale="90000"/>
+          </a:bodyPr>
+          <a:lstStyle/>
+          <a:p>
+            <a:r>
+              <a:rPr lang="en-US" sz="4900" dirty="0">
+                <a:solidFill>
+                  <a:schemeClr val="tx1"/>
+                </a:solidFill>
+                <a:cs typeface="Segoe UI" panose="020B0502040204020203" pitchFamily="34" charset="0"/>
+              </a:rPr>
               <a:t>Customer quote</a:t>
             </a:r>
             <a:br>
@@ -23150,7 +23766,7 @@
 </p:sld>
 </file>
 
-<file path=ppt/slides/slide33.xml><?xml version="1.0" encoding="utf-8"?>
+<file path=ppt/slides/slide35.xml><?xml version="1.0" encoding="utf-8"?>
 <p:sld xmlns:a="http://schemas.openxmlformats.org/drawingml/2006/main" xmlns:r="http://schemas.openxmlformats.org/officeDocument/2006/relationships" xmlns:p="http://schemas.openxmlformats.org/presentationml/2006/main">
   <p:cSld>
     <p:bg>

--- a/Whiteboard design session/WDS trainer presentation - Cognitive Services and deep learning.pptx
+++ b/Whiteboard design session/WDS trainer presentation - Cognitive Services and deep learning.pptx
@@ -235,7 +235,7 @@
           <a:p>
             <a:fld id="{52A13B17-C506-4D51-BB37-16B365906619}" type="datetimeFigureOut">
               <a:rPr lang="en-US" smtClean="0"/>
-              <a:t>11/16/19</a:t>
+              <a:t>12/15/19</a:t>
             </a:fld>
             <a:endParaRPr lang="en-US" dirty="0"/>
           </a:p>
@@ -3163,7 +3163,7 @@
                   <a:prstClr val="black"/>
                 </a:solidFill>
               </a:rPr>
-              <a:t>11/16/19 9:33 AM</a:t>
+              <a:t>12/15/19 7:53 PM</a:t>
             </a:fld>
             <a:endParaRPr lang="en-US" dirty="0">
               <a:solidFill>
@@ -24763,7 +24763,7 @@
               <a:rPr lang="en-US" sz="2400" dirty="0">
                 <a:latin typeface="+mn-lt"/>
               </a:rPr>
-              <a:t>We receive a lot of useful information in the free text responses, but because they can be long agents sometimes skip over them, miss important details or must spend too much time looking for a particular detail when returning to a claim. We aren’t certain this can be automated, but we would like to have a standardized process the identifies the key entities in a claim and pulls them out into a separate list that agents can more easily review and then click to view the entity in the context of the claim.  </a:t>
+              <a:t>We receive a lot of useful information in the free text responses, but because they can be long agents sometimes skip over them, miss important details or must spend too much time looking for a particular detail when returning to a claim. We aren’t certain this can be automated, but we would like to have a standardized process the identifies the key entities in a claim and pulls them out into a separate list that agents can more easily review and then select to view the entity in the context of the claim. </a:t>
             </a:r>
             <a:br>
               <a:rPr lang="en-US" sz="2400" dirty="0">
@@ -24780,7 +24780,7 @@
               <a:rPr lang="en-US" sz="2400" dirty="0">
                 <a:latin typeface="+mn-lt"/>
               </a:rPr>
-              <a:t>We need a solution that can “look” at a photo and give us a description of the content of the photo, and tag the photo with keywords so agents can more easily find and refer to the photo later</a:t>
+              <a:t>We need a solution that can “look” at a photo and give us a description of the content of the photo, and tag the photo with keywords so agents can more easily find and refer to the photo later.</a:t>
             </a:r>
             <a:br>
               <a:rPr lang="en-US" sz="2400" dirty="0">

--- a/Whiteboard design session/WDS trainer presentation - Cognitive Services and deep learning.pptx
+++ b/Whiteboard design session/WDS trainer presentation - Cognitive Services and deep learning.pptx
@@ -235,7 +235,7 @@
           <a:p>
             <a:fld id="{52A13B17-C506-4D51-BB37-16B365906619}" type="datetimeFigureOut">
               <a:rPr lang="en-US" smtClean="0"/>
-              <a:t>12/15/19</a:t>
+              <a:t>12/16/2019</a:t>
             </a:fld>
             <a:endParaRPr lang="en-US" dirty="0"/>
           </a:p>
@@ -3163,7 +3163,7 @@
                   <a:prstClr val="black"/>
                 </a:solidFill>
               </a:rPr>
-              <a:t>12/15/19 7:53 PM</a:t>
+              <a:t>12/16/2019 9:05 AM</a:t>
             </a:fld>
             <a:endParaRPr lang="en-US" dirty="0">
               <a:solidFill>
@@ -15813,7 +15813,7 @@
         </p:nvSpPr>
         <p:spPr>
           <a:xfrm>
-            <a:off x="362057" y="1741246"/>
+            <a:off x="291012" y="1189176"/>
             <a:ext cx="10652686" cy="2930033"/>
           </a:xfrm>
           <a:prstGeom prst="rect">
@@ -15920,14 +15920,14 @@
           <p:nvPr>
             <p:extLst>
               <p:ext uri="{D42A27DB-BD31-4B8C-83A1-F6EECF244321}">
-                <p14:modId xmlns:p14="http://schemas.microsoft.com/office/powerpoint/2010/main" val="474751724"/>
+                <p14:modId xmlns:p14="http://schemas.microsoft.com/office/powerpoint/2010/main" val="4122891498"/>
               </p:ext>
             </p:extLst>
           </p:nvPr>
         </p:nvGraphicFramePr>
         <p:xfrm>
-          <a:off x="3095545" y="3791921"/>
-          <a:ext cx="8040154" cy="2420452"/>
+          <a:off x="3236222" y="2800627"/>
+          <a:ext cx="8040154" cy="3767862"/>
         </p:xfrm>
         <a:graphic>
           <a:graphicData uri="http://schemas.openxmlformats.org/drawingml/2006/table">
@@ -15958,14 +15958,14 @@
                     <a:lstStyle/>
                     <a:p>
                       <a:r>
-                        <a:rPr lang="en-US" sz="1300" b="1" i="1" dirty="0">
+                        <a:rPr lang="en-US" sz="1800" b="1" i="1" dirty="0">
                           <a:latin typeface="Segoe UI" panose="020B0502040204020203" pitchFamily="34" charset="0"/>
                           <a:cs typeface="Segoe UI" panose="020B0502040204020203" pitchFamily="34" charset="0"/>
                         </a:rPr>
                         <a:t>Business</a:t>
                       </a:r>
                       <a:r>
-                        <a:rPr lang="en-US" sz="1300" b="1" i="1" kern="1200" dirty="0">
+                        <a:rPr lang="en-US" sz="1800" b="1" i="1" kern="1200" dirty="0">
                           <a:solidFill>
                             <a:schemeClr val="dk1"/>
                           </a:solidFill>
@@ -15978,19 +15978,19 @@
                     </a:p>
                     <a:p>
                       <a:r>
-                        <a:rPr lang="en-US" sz="1300" b="0" i="0" dirty="0">
+                        <a:rPr lang="en-US" sz="1800" b="0" i="0" dirty="0">
                           <a:latin typeface="Segoe UI" panose="020B0502040204020203" pitchFamily="34" charset="0"/>
                           <a:cs typeface="Segoe UI" panose="020B0502040204020203" pitchFamily="34" charset="0"/>
                         </a:rPr>
                         <a:t>(10 minutes)</a:t>
                       </a:r>
                       <a:br>
-                        <a:rPr lang="en-US" sz="1300" b="0" i="0" dirty="0">
+                        <a:rPr lang="en-US" sz="1800" b="0" i="0" dirty="0">
                           <a:latin typeface="Segoe UI" panose="020B0502040204020203" pitchFamily="34" charset="0"/>
                           <a:cs typeface="Segoe UI" panose="020B0502040204020203" pitchFamily="34" charset="0"/>
                         </a:rPr>
                       </a:br>
-                      <a:endParaRPr lang="en-US" sz="1300" b="0" i="0" dirty="0">
+                      <a:endParaRPr lang="en-US" sz="1800" b="0" i="0" dirty="0">
                         <a:latin typeface="Segoe UI" panose="020B0502040204020203" pitchFamily="34" charset="0"/>
                         <a:cs typeface="Segoe UI" panose="020B0502040204020203" pitchFamily="34" charset="0"/>
                       </a:endParaRPr>
@@ -16021,7 +16021,7 @@
                         <a:defRPr/>
                       </a:pPr>
                       <a:r>
-                        <a:rPr lang="en-US" sz="1300" b="0" dirty="0">
+                        <a:rPr lang="en-US" sz="1800" b="0" dirty="0">
                           <a:solidFill>
                             <a:schemeClr val="bg1"/>
                           </a:solidFill>
@@ -16032,7 +16032,7 @@
                       </a:r>
                     </a:p>
                     <a:p>
-                      <a:endParaRPr lang="en-US" sz="1300" b="0" dirty="0">
+                      <a:endParaRPr lang="en-US" sz="1800" b="0" dirty="0">
                         <a:latin typeface="Segoe UI" panose="020B0502040204020203" pitchFamily="34" charset="0"/>
                         <a:cs typeface="Segoe UI" panose="020B0502040204020203" pitchFamily="34" charset="0"/>
                       </a:endParaRPr>
@@ -16053,7 +16053,7 @@
                     <a:lstStyle/>
                     <a:p>
                       <a:r>
-                        <a:rPr lang="en-US" sz="1300" b="1" i="1" dirty="0">
+                        <a:rPr lang="en-US" sz="1800" b="1" i="1" dirty="0">
                           <a:latin typeface="Segoe UI" panose="020B0502040204020203" pitchFamily="34" charset="0"/>
                           <a:cs typeface="Segoe UI" panose="020B0502040204020203" pitchFamily="34" charset="0"/>
                         </a:rPr>
@@ -16063,7 +16063,7 @@
                     <a:p>
                       <a:pPr marL="0" algn="l" defTabSz="932742" rtl="0" eaLnBrk="1" latinLnBrk="0" hangingPunct="1"/>
                       <a:r>
-                        <a:rPr lang="en-US" sz="1300" b="0" i="0" kern="1200" dirty="0">
+                        <a:rPr lang="en-US" sz="1800" b="0" i="0" kern="1200" dirty="0">
                           <a:solidFill>
                             <a:schemeClr val="dk1"/>
                           </a:solidFill>
@@ -16074,7 +16074,7 @@
                         <a:t>(35 minutes)</a:t>
                       </a:r>
                       <a:br>
-                        <a:rPr lang="en-US" sz="1300" b="0" i="0" kern="1200" dirty="0">
+                        <a:rPr lang="en-US" sz="1800" b="0" i="0" kern="1200" dirty="0">
                           <a:solidFill>
                             <a:schemeClr val="dk1"/>
                           </a:solidFill>
@@ -16083,7 +16083,7 @@
                           <a:cs typeface="Segoe UI" panose="020B0502040204020203" pitchFamily="34" charset="0"/>
                         </a:rPr>
                       </a:br>
-                      <a:endParaRPr lang="en-US" sz="1300" b="0" i="0" kern="1200" dirty="0">
+                      <a:endParaRPr lang="en-US" sz="1800" b="0" i="0" kern="1200" dirty="0">
                         <a:solidFill>
                           <a:schemeClr val="dk1"/>
                         </a:solidFill>
@@ -16118,7 +16118,7 @@
                         <a:defRPr/>
                       </a:pPr>
                       <a:r>
-                        <a:rPr lang="en-US" sz="1300" kern="1200" baseline="0" dirty="0">
+                        <a:rPr lang="en-US" sz="1800" kern="1200" baseline="0" dirty="0">
                           <a:solidFill>
                             <a:schemeClr val="bg1"/>
                           </a:solidFill>
@@ -16130,7 +16130,7 @@
                       </a:r>
                     </a:p>
                     <a:p>
-                      <a:endParaRPr lang="en-US" sz="1300" dirty="0">
+                      <a:endParaRPr lang="en-US" sz="1800" dirty="0">
                         <a:latin typeface="Segoe UI" panose="020B0502040204020203" pitchFamily="34" charset="0"/>
                         <a:cs typeface="Segoe UI" panose="020B0502040204020203" pitchFamily="34" charset="0"/>
                       </a:endParaRPr>
@@ -16151,7 +16151,7 @@
                     <a:lstStyle/>
                     <a:p>
                       <a:r>
-                        <a:rPr lang="en-US" sz="1300" b="1" i="1" dirty="0">
+                        <a:rPr lang="en-US" sz="1800" b="1" i="1" dirty="0">
                           <a:latin typeface="Segoe UI" panose="020B0502040204020203" pitchFamily="34" charset="0"/>
                           <a:cs typeface="Segoe UI" panose="020B0502040204020203" pitchFamily="34" charset="0"/>
                         </a:rPr>
@@ -16177,7 +16177,7 @@
                         <a:defRPr/>
                       </a:pPr>
                       <a:r>
-                        <a:rPr lang="en-US" sz="1300" b="0" i="0" kern="1200" dirty="0">
+                        <a:rPr lang="en-US" sz="1800" b="0" i="0" kern="1200" dirty="0">
                           <a:solidFill>
                             <a:schemeClr val="dk1"/>
                           </a:solidFill>
@@ -16189,7 +16189,7 @@
                       </a:r>
                     </a:p>
                     <a:p>
-                      <a:endParaRPr lang="en-US" sz="1300" b="1" i="1" dirty="0">
+                      <a:endParaRPr lang="en-US" sz="1800" b="1" i="1" dirty="0">
                         <a:latin typeface="Segoe UI" panose="020B0502040204020203" pitchFamily="34" charset="0"/>
                         <a:cs typeface="Segoe UI" panose="020B0502040204020203" pitchFamily="34" charset="0"/>
                       </a:endParaRPr>
@@ -16207,7 +16207,7 @@
                         <a:buChar char="•"/>
                       </a:pPr>
                       <a:r>
-                        <a:rPr lang="en-US" sz="1300" dirty="0">
+                        <a:rPr lang="en-US" sz="1800" dirty="0">
                           <a:latin typeface="Segoe UI" panose="020B0502040204020203" pitchFamily="34" charset="0"/>
                           <a:cs typeface="Segoe UI" panose="020B0502040204020203" pitchFamily="34" charset="0"/>
                         </a:rPr>
@@ -16220,7 +16220,7 @@
                         <a:buChar char="•"/>
                       </a:pPr>
                       <a:r>
-                        <a:rPr lang="en-US" sz="1300" dirty="0">
+                        <a:rPr lang="en-US" sz="1800" dirty="0">
                           <a:latin typeface="Segoe UI" panose="020B0502040204020203" pitchFamily="34" charset="0"/>
                           <a:cs typeface="Segoe UI" panose="020B0502040204020203" pitchFamily="34" charset="0"/>
                         </a:rPr>
@@ -16233,7 +16233,7 @@
                         <a:buChar char="•"/>
                       </a:pPr>
                       <a:r>
-                        <a:rPr lang="en-US" sz="1300" dirty="0">
+                        <a:rPr lang="en-US" sz="1800" dirty="0">
                           <a:latin typeface="Segoe UI" panose="020B0502040204020203" pitchFamily="34" charset="0"/>
                           <a:cs typeface="Segoe UI" panose="020B0502040204020203" pitchFamily="34" charset="0"/>
                         </a:rPr>
@@ -16246,19 +16246,19 @@
                         <a:buChar char="•"/>
                       </a:pPr>
                       <a:r>
-                        <a:rPr lang="en-US" sz="1300" dirty="0">
+                        <a:rPr lang="en-US" sz="1800" dirty="0">
                           <a:latin typeface="Segoe UI" panose="020B0502040204020203" pitchFamily="34" charset="0"/>
                           <a:cs typeface="Segoe UI" panose="020B0502040204020203" pitchFamily="34" charset="0"/>
                         </a:rPr>
                         <a:t>Prepare for a 15-minute presentation to the customer.</a:t>
                       </a:r>
                       <a:br>
-                        <a:rPr lang="en-US" sz="1300" dirty="0">
+                        <a:rPr lang="en-US" sz="1800" dirty="0">
                           <a:latin typeface="Segoe UI" panose="020B0502040204020203" pitchFamily="34" charset="0"/>
                           <a:cs typeface="Segoe UI" panose="020B0502040204020203" pitchFamily="34" charset="0"/>
                         </a:rPr>
                       </a:br>
-                      <a:endParaRPr lang="en-US" sz="1300" dirty="0">
+                      <a:endParaRPr lang="en-US" sz="1800" dirty="0">
                         <a:latin typeface="Segoe UI" panose="020B0502040204020203" pitchFamily="34" charset="0"/>
                         <a:cs typeface="Segoe UI" panose="020B0502040204020203" pitchFamily="34" charset="0"/>
                       </a:endParaRPr>
@@ -17136,7 +17136,7 @@
       </p:pic>
       <p:pic>
         <p:nvPicPr>
-          <p:cNvPr id="4" name="Picture 3">
+          <p:cNvPr id="4" name="Picture 3" descr="High level architecture diagram of the preferred solution.">
             <a:extLst>
               <a:ext uri="{FF2B5EF4-FFF2-40B4-BE49-F238E27FC236}">
                 <a16:creationId xmlns:a16="http://schemas.microsoft.com/office/drawing/2014/main" id="{3AF682CB-71B7-144B-B00C-C6E80DA789D0}"/>
@@ -17162,7 +17162,7 @@
         </p:blipFill>
         <p:spPr>
           <a:xfrm>
-            <a:off x="1298448" y="1819656"/>
+            <a:off x="1256245" y="1833724"/>
             <a:ext cx="5440680" cy="4836160"/>
           </a:xfrm>
           <a:prstGeom prst="rect">
@@ -18968,7 +18968,7 @@
       </p:sp>
       <p:pic>
         <p:nvPicPr>
-          <p:cNvPr id="7" name="Picture 6">
+          <p:cNvPr id="7" name="Picture 6" descr="Classifying clam-text data diagram.  Diagram depicts the flow of the neural network classification.">
             <a:extLst>
               <a:ext uri="{FF2B5EF4-FFF2-40B4-BE49-F238E27FC236}">
                 <a16:creationId xmlns:a16="http://schemas.microsoft.com/office/drawing/2014/main" id="{5ACB076E-8BB8-BA42-AC1D-D41DB54984B6}"/>
@@ -18981,7 +18981,7 @@
           <p:nvPr/>
         </p:nvPicPr>
         <p:blipFill>
-          <a:blip r:embed="rId3">
+          <a:blip r:embed="rId3" cstate="print">
             <a:extLst>
               <a:ext uri="{28A0092B-C50C-407E-A947-70E740481C1C}">
                 <a14:useLocalDpi xmlns:a14="http://schemas.microsoft.com/office/drawing/2010/main" val="0"/>
@@ -21396,7 +21396,7 @@
       </p:sp>
       <p:sp>
         <p:nvSpPr>
-          <p:cNvPr id="4" name="Rectangle 3">
+          <p:cNvPr id="4" name="Rectangle 3" descr="An example of the JSON response from the processing.">
             <a:extLst>
               <a:ext uri="{FF2B5EF4-FFF2-40B4-BE49-F238E27FC236}">
                 <a16:creationId xmlns:a16="http://schemas.microsoft.com/office/drawing/2014/main" id="{2834E07D-362C-4CBB-B7E4-ABD61E2A0F03}"/>
@@ -22450,7 +22450,7 @@
       </p:sp>
       <p:sp>
         <p:nvSpPr>
-          <p:cNvPr id="4" name="Rectangle 3">
+          <p:cNvPr id="4" name="Rectangle 3" descr="An example of the JSON response from the processing.">
             <a:extLst>
               <a:ext uri="{FF2B5EF4-FFF2-40B4-BE49-F238E27FC236}">
                 <a16:creationId xmlns:a16="http://schemas.microsoft.com/office/drawing/2014/main" id="{2834E07D-362C-4CBB-B7E4-ABD61E2A0F03}"/>

--- a/Whiteboard design session/WDS trainer presentation - Cognitive Services and deep learning.pptx
+++ b/Whiteboard design session/WDS trainer presentation - Cognitive Services and deep learning.pptx
@@ -3163,7 +3163,7 @@
                   <a:prstClr val="black"/>
                 </a:solidFill>
               </a:rPr>
-              <a:t>12/16/2019 9:05 AM</a:t>
+              <a:t>12/16/2019 9:16 AM</a:t>
             </a:fld>
             <a:endParaRPr lang="en-US" dirty="0">
               <a:solidFill>
@@ -17094,6 +17094,42 @@
       </p:sp>
       <p:pic>
         <p:nvPicPr>
+          <p:cNvPr id="4" name="Picture 3" descr="High level architecture diagram of the preferred solution.">
+            <a:extLst>
+              <a:ext uri="{FF2B5EF4-FFF2-40B4-BE49-F238E27FC236}">
+                <a16:creationId xmlns:a16="http://schemas.microsoft.com/office/drawing/2014/main" id="{3AF682CB-71B7-144B-B00C-C6E80DA789D0}"/>
+              </a:ext>
+            </a:extLst>
+          </p:cNvPr>
+          <p:cNvPicPr>
+            <a:picLocks noChangeAspect="1"/>
+          </p:cNvPicPr>
+          <p:nvPr/>
+        </p:nvPicPr>
+        <p:blipFill>
+          <a:blip r:embed="rId3">
+            <a:extLst>
+              <a:ext uri="{28A0092B-C50C-407E-A947-70E740481C1C}">
+                <a14:useLocalDpi xmlns:a14="http://schemas.microsoft.com/office/drawing/2010/main" val="0"/>
+              </a:ext>
+            </a:extLst>
+          </a:blip>
+          <a:stretch>
+            <a:fillRect/>
+          </a:stretch>
+        </p:blipFill>
+        <p:spPr>
+          <a:xfrm>
+            <a:off x="1256245" y="1833724"/>
+            <a:ext cx="5440680" cy="4836160"/>
+          </a:xfrm>
+          <a:prstGeom prst="rect">
+            <a:avLst/>
+          </a:prstGeom>
+        </p:spPr>
+      </p:pic>
+      <p:pic>
+        <p:nvPicPr>
           <p:cNvPr id="7" name="Picture 6" descr="In the Claim image processing diagram, Function (claim text processing) points to Sentiment, classification and summary, Text Analytics, and Containerized services comprised of Classification Service and Summary Service." title="Claim image processing diagram">
             <a:extLst>
               <a:ext uri="{FF2B5EF4-FFF2-40B4-BE49-F238E27FC236}">
@@ -17105,7 +17141,7 @@
           <p:nvPr/>
         </p:nvPicPr>
         <p:blipFill>
-          <a:blip r:embed="rId3">
+          <a:blip r:embed="rId4">
             <a:extLst>
               <a:ext uri="{28A0092B-C50C-407E-A947-70E740481C1C}">
                 <a14:useLocalDpi xmlns:a14="http://schemas.microsoft.com/office/drawing/2010/main" val="0"/>
@@ -17132,42 +17168,6 @@
               </a:schemeClr>
             </a:solidFill>
           </a:ln>
-        </p:spPr>
-      </p:pic>
-      <p:pic>
-        <p:nvPicPr>
-          <p:cNvPr id="4" name="Picture 3" descr="High level architecture diagram of the preferred solution.">
-            <a:extLst>
-              <a:ext uri="{FF2B5EF4-FFF2-40B4-BE49-F238E27FC236}">
-                <a16:creationId xmlns:a16="http://schemas.microsoft.com/office/drawing/2014/main" id="{3AF682CB-71B7-144B-B00C-C6E80DA789D0}"/>
-              </a:ext>
-            </a:extLst>
-          </p:cNvPr>
-          <p:cNvPicPr>
-            <a:picLocks noChangeAspect="1"/>
-          </p:cNvPicPr>
-          <p:nvPr/>
-        </p:nvPicPr>
-        <p:blipFill>
-          <a:blip r:embed="rId4">
-            <a:extLst>
-              <a:ext uri="{28A0092B-C50C-407E-A947-70E740481C1C}">
-                <a14:useLocalDpi xmlns:a14="http://schemas.microsoft.com/office/drawing/2010/main" val="0"/>
-              </a:ext>
-            </a:extLst>
-          </a:blip>
-          <a:stretch>
-            <a:fillRect/>
-          </a:stretch>
-        </p:blipFill>
-        <p:spPr>
-          <a:xfrm>
-            <a:off x="1256245" y="1833724"/>
-            <a:ext cx="5440680" cy="4836160"/>
-          </a:xfrm>
-          <a:prstGeom prst="rect">
-            <a:avLst/>
-          </a:prstGeom>
         </p:spPr>
       </p:pic>
     </p:spTree>
@@ -17308,56 +17308,6 @@
           </a:p>
         </p:txBody>
       </p:sp>
-      <p:sp>
-        <p:nvSpPr>
-          <p:cNvPr id="3" name="Content Placeholder 2"/>
-          <p:cNvSpPr>
-            <a:spLocks noGrp="1"/>
-          </p:cNvSpPr>
-          <p:nvPr>
-            <p:ph type="body" sz="quarter" idx="10"/>
-          </p:nvPr>
-        </p:nvSpPr>
-        <p:spPr>
-          <a:xfrm>
-            <a:off x="9443754" y="3219186"/>
-            <a:ext cx="2282217" cy="2052030"/>
-          </a:xfrm>
-        </p:spPr>
-        <p:txBody>
-          <a:bodyPr>
-            <a:noAutofit/>
-          </a:bodyPr>
-          <a:lstStyle/>
-          <a:p>
-            <a:pPr marL="0" indent="0">
-              <a:buNone/>
-            </a:pPr>
-            <a:r>
-              <a:rPr lang="en-US" sz="2800" dirty="0">
-                <a:solidFill>
-                  <a:schemeClr val="tx1"/>
-                </a:solidFill>
-                <a:latin typeface="+mn-lt"/>
-              </a:rPr>
-              <a:t>General pipeline for text analytics</a:t>
-            </a:r>
-          </a:p>
-          <a:p>
-            <a:pPr marL="0" indent="0">
-              <a:spcAft>
-                <a:spcPts val="882"/>
-              </a:spcAft>
-              <a:buNone/>
-            </a:pPr>
-            <a:endParaRPr lang="en-US" sz="1400" dirty="0">
-              <a:solidFill>
-                <a:schemeClr val="tx1"/>
-              </a:solidFill>
-            </a:endParaRPr>
-          </a:p>
-        </p:txBody>
-      </p:sp>
       <p:pic>
         <p:nvPicPr>
           <p:cNvPr id="4" name="Picture 3" descr="In the high-level steps for traning a classification model with text diagram, Document labels points to Supervised ML or DL Algorithm, which points to Classification Model. Documents points to Text Normalization, which points to Feature Extraction, which points to Supervised ML or DL Algorithm." title="High-level steps for traning a classification model with text"/>
@@ -17388,6 +17338,56 @@
           </a:prstGeom>
         </p:spPr>
       </p:pic>
+      <p:sp>
+        <p:nvSpPr>
+          <p:cNvPr id="3" name="Content Placeholder 2"/>
+          <p:cNvSpPr>
+            <a:spLocks noGrp="1"/>
+          </p:cNvSpPr>
+          <p:nvPr>
+            <p:ph type="body" sz="quarter" idx="10"/>
+          </p:nvPr>
+        </p:nvSpPr>
+        <p:spPr>
+          <a:xfrm>
+            <a:off x="9443754" y="3219186"/>
+            <a:ext cx="2282217" cy="2052030"/>
+          </a:xfrm>
+        </p:spPr>
+        <p:txBody>
+          <a:bodyPr>
+            <a:noAutofit/>
+          </a:bodyPr>
+          <a:lstStyle/>
+          <a:p>
+            <a:pPr marL="0" indent="0">
+              <a:buNone/>
+            </a:pPr>
+            <a:r>
+              <a:rPr lang="en-US" sz="2800" dirty="0">
+                <a:solidFill>
+                  <a:schemeClr val="tx1"/>
+                </a:solidFill>
+                <a:latin typeface="+mn-lt"/>
+              </a:rPr>
+              <a:t>General pipeline for text analytics</a:t>
+            </a:r>
+          </a:p>
+          <a:p>
+            <a:pPr marL="0" indent="0">
+              <a:spcAft>
+                <a:spcPts val="882"/>
+              </a:spcAft>
+              <a:buNone/>
+            </a:pPr>
+            <a:endParaRPr lang="en-US" sz="1400" dirty="0">
+              <a:solidFill>
+                <a:schemeClr val="tx1"/>
+              </a:solidFill>
+            </a:endParaRPr>
+          </a:p>
+        </p:txBody>
+      </p:sp>
     </p:spTree>
     <p:extLst>
       <p:ext uri="{BB962C8B-B14F-4D97-AF65-F5344CB8AC3E}">
@@ -24208,42 +24208,6 @@
               </a:solidFill>
               <a:latin typeface="Segoe UI" panose="020B0502040204020203" pitchFamily="34" charset="0"/>
             </a:endParaRPr>
-          </a:p>
-        </p:txBody>
-      </p:sp>
-      <p:sp>
-        <p:nvSpPr>
-          <p:cNvPr id="3" name="Content Placeholder 2"/>
-          <p:cNvSpPr>
-            <a:spLocks noGrp="1"/>
-          </p:cNvSpPr>
-          <p:nvPr>
-            <p:ph type="body" sz="quarter" idx="10"/>
-          </p:nvPr>
-        </p:nvSpPr>
-        <p:spPr>
-          <a:xfrm>
-            <a:off x="269240" y="1189177"/>
-            <a:ext cx="11302076" cy="4990906"/>
-          </a:xfrm>
-        </p:spPr>
-        <p:txBody>
-          <a:bodyPr>
-            <a:noAutofit/>
-          </a:bodyPr>
-          <a:lstStyle/>
-          <a:p>
-            <a:pPr marL="0" indent="0">
-              <a:buNone/>
-            </a:pPr>
-            <a:r>
-              <a:rPr lang="en-US" sz="3600" dirty="0"/>
-              <a:t>Two sets of issues where they envision amplifying the capabilities of their agents with AI:</a:t>
-            </a:r>
-            <a:br>
-              <a:rPr lang="en-US" sz="2800" dirty="0"/>
-            </a:br>
-            <a:endParaRPr lang="en-US" sz="2800" dirty="0"/>
           </a:p>
         </p:txBody>
       </p:sp>
@@ -24582,12 +24546,48 @@
           </a:p>
         </p:txBody>
       </p:sp>
+      <p:sp>
+        <p:nvSpPr>
+          <p:cNvPr id="3" name="Content Placeholder 2"/>
+          <p:cNvSpPr>
+            <a:spLocks noGrp="1"/>
+          </p:cNvSpPr>
+          <p:nvPr>
+            <p:ph type="body" sz="quarter" idx="10"/>
+          </p:nvPr>
+        </p:nvSpPr>
+        <p:spPr>
+          <a:xfrm>
+            <a:off x="269240" y="1189177"/>
+            <a:ext cx="11302076" cy="4990906"/>
+          </a:xfrm>
+        </p:spPr>
+        <p:txBody>
+          <a:bodyPr>
+            <a:noAutofit/>
+          </a:bodyPr>
+          <a:lstStyle/>
+          <a:p>
+            <a:pPr marL="0" indent="0">
+              <a:buNone/>
+            </a:pPr>
+            <a:r>
+              <a:rPr lang="en-US" sz="3600" dirty="0"/>
+              <a:t>Two sets of issues where they envision amplifying the capabilities of their agents with AI:</a:t>
+            </a:r>
+            <a:br>
+              <a:rPr lang="en-US" sz="2800" dirty="0"/>
+            </a:br>
+            <a:endParaRPr lang="en-US" sz="2800" dirty="0"/>
+          </a:p>
+        </p:txBody>
+      </p:sp>
       <p:pic>
         <p:nvPicPr>
-          <p:cNvPr id="6" name="Graphic 5" descr="Camera icon" title="Camera icon">
+          <p:cNvPr id="9" name="Graphic 8" descr="Document icon" title="Document icon">
             <a:extLst>
               <a:ext uri="{FF2B5EF4-FFF2-40B4-BE49-F238E27FC236}">
-                <a16:creationId xmlns:a16="http://schemas.microsoft.com/office/drawing/2014/main" id="{CB31A0D8-66D0-4EA6-85BA-5BDB60A60FB5}"/>
+                <a16:creationId xmlns:a16="http://schemas.microsoft.com/office/drawing/2014/main" id="{3921AFBD-AD85-44C2-84BD-B02CA71ACC29}"/>
               </a:ext>
             </a:extLst>
           </p:cNvPr>
@@ -24613,8 +24613,8 @@
         </p:blipFill>
         <p:spPr>
           <a:xfrm>
-            <a:off x="759386" y="4625853"/>
-            <a:ext cx="1486376" cy="1486376"/>
+            <a:off x="888542" y="2672136"/>
+            <a:ext cx="1213946" cy="1213946"/>
           </a:xfrm>
           <a:prstGeom prst="rect">
             <a:avLst/>
@@ -24623,10 +24623,10 @@
       </p:pic>
       <p:pic>
         <p:nvPicPr>
-          <p:cNvPr id="9" name="Graphic 8" descr="Document icon" title="Document icon">
+          <p:cNvPr id="6" name="Graphic 5" descr="Camera icon" title="Camera icon">
             <a:extLst>
               <a:ext uri="{FF2B5EF4-FFF2-40B4-BE49-F238E27FC236}">
-                <a16:creationId xmlns:a16="http://schemas.microsoft.com/office/drawing/2014/main" id="{3921AFBD-AD85-44C2-84BD-B02CA71ACC29}"/>
+                <a16:creationId xmlns:a16="http://schemas.microsoft.com/office/drawing/2014/main" id="{CB31A0D8-66D0-4EA6-85BA-5BDB60A60FB5}"/>
               </a:ext>
             </a:extLst>
           </p:cNvPr>
@@ -24652,8 +24652,8 @@
         </p:blipFill>
         <p:spPr>
           <a:xfrm>
-            <a:off x="888542" y="2672136"/>
-            <a:ext cx="1213946" cy="1213946"/>
+            <a:off x="759386" y="4625853"/>
+            <a:ext cx="1486376" cy="1486376"/>
           </a:xfrm>
           <a:prstGeom prst="rect">
             <a:avLst/>

--- a/Whiteboard design session/WDS trainer presentation - Cognitive Services and deep learning.pptx
+++ b/Whiteboard design session/WDS trainer presentation - Cognitive Services and deep learning.pptx
@@ -235,7 +235,7 @@
           <a:p>
             <a:fld id="{52A13B17-C506-4D51-BB37-16B365906619}" type="datetimeFigureOut">
               <a:rPr lang="en-US" smtClean="0"/>
-              <a:t>12/16/2019</a:t>
+              <a:t>12/20/19</a:t>
             </a:fld>
             <a:endParaRPr lang="en-US" dirty="0"/>
           </a:p>
@@ -3163,7 +3163,7 @@
                   <a:prstClr val="black"/>
                 </a:solidFill>
               </a:rPr>
-              <a:t>12/16/2019 9:16 AM</a:t>
+              <a:t>12/20/19 8:17 PM</a:t>
             </a:fld>
             <a:endParaRPr lang="en-US" dirty="0">
               <a:solidFill>
@@ -20817,7 +20817,7 @@
             </a:pPr>
             <a:r>
               <a:rPr lang="en-US" sz="2800" dirty="0"/>
-              <a:t>Can they deploy a predictive web service to Azure Machine Learning services that does not utilize an external model (as in the case with gensim for summarization) or would support an unsupervised approach (such as clustering)?</a:t>
+              <a:t>Can they deploy a predictive web service to Azure Machine Learning services that does not utilize an external model (as in the case with Gensim for summarization) or would support an unsupervised approach (such as clustering)?</a:t>
             </a:r>
             <a:br>
               <a:rPr lang="en-US" sz="2800" dirty="0">
@@ -20849,7 +20849,7 @@
               <a:rPr lang="en-US" sz="2400" dirty="0">
                 <a:latin typeface="+mn-lt"/>
               </a:rPr>
-              <a:t>Therefore, Contoso could deploy a web service that uses gensim to perform summarization</a:t>
+              <a:t>Therefore, Contoso could deploy a web service that uses Gensim to perform summarization</a:t>
             </a:r>
             <a:endParaRPr lang="en-US" sz="2400" dirty="0">
               <a:solidFill>

--- a/Whiteboard design session/WDS trainer presentation - Cognitive Services and deep learning.pptx
+++ b/Whiteboard design session/WDS trainer presentation - Cognitive Services and deep learning.pptx
@@ -235,7 +235,7 @@
           <a:p>
             <a:fld id="{52A13B17-C506-4D51-BB37-16B365906619}" type="datetimeFigureOut">
               <a:rPr lang="en-US" smtClean="0"/>
-              <a:t>12/20/19</a:t>
+              <a:t>6/24/20</a:t>
             </a:fld>
             <a:endParaRPr lang="en-US" dirty="0"/>
           </a:p>
@@ -1137,7 +1137,31 @@
                 <a:ea typeface="+mn-ea"/>
                 <a:cs typeface="+mn-cs"/>
               </a:rPr>
-              <a:t>The claim image processing functions would invoke the Computer Vision Cognitive Service for automatically creating the caption and the tags from any supplied claim images. A mixture of pre-built AI, in the form of Cognitive Services and custom AI in the form of Azure ML services, would be used to process the claim text. The models used for processing the claims text would be trained in Azure Notebooks. These models could also then be directly deployed from Azure Notebooks using the Azure Machine Learning Service Python SDK. Azure Functions would be used to coordinate the calls to the classifications and summary AI services, which would run as containerized web services in Azure Container Service, while the Text Analytics API could be invoked directly to provide a sentiment score for each claim text.</a:t>
+              <a:t>The claim image processing functions would invoke the Computer Vision Cognitive Service for automatically creating the caption and the tags from any supplied claim images. A mixture of pre-built AI, in the form of Cognitive Services and custom AI in the form of Azure ML services, would be used to process the claim text. The models used for processing the claims text would be trained in Azure Machine Learning compute instance. These models could also then be directly deployed from Azure Machine Learning </a:t>
+            </a:r>
+            <a:r>
+              <a:rPr lang="en-US" sz="1200" b="0" kern="1200">
+                <a:solidFill>
+                  <a:schemeClr val="tx1"/>
+                </a:solidFill>
+                <a:effectLst/>
+                <a:latin typeface="+mn-lt"/>
+                <a:ea typeface="+mn-ea"/>
+                <a:cs typeface="+mn-cs"/>
+              </a:rPr>
+              <a:t>compute instance using </a:t>
+            </a:r>
+            <a:r>
+              <a:rPr lang="en-US" sz="1200" b="0" kern="1200" dirty="0">
+                <a:solidFill>
+                  <a:schemeClr val="tx1"/>
+                </a:solidFill>
+                <a:effectLst/>
+                <a:latin typeface="+mn-lt"/>
+                <a:ea typeface="+mn-ea"/>
+                <a:cs typeface="+mn-cs"/>
+              </a:rPr>
+              <a:t>the Azure Machine Learning Service Python SDK. Azure Functions would be used to coordinate the calls to the classifications and summary AI services, which would run as containerized web services in Azure Container Service, while the Text Analytics API could be invoked directly to provide a sentiment score for each claim text.</a:t>
             </a:r>
           </a:p>
           <a:p>
@@ -3163,7 +3187,7 @@
                   <a:prstClr val="black"/>
                 </a:solidFill>
               </a:rPr>
-              <a:t>12/20/19 8:17 PM</a:t>
+              <a:t>6/24/20 3:14 PM</a:t>
             </a:fld>
             <a:endParaRPr lang="en-US" dirty="0">
               <a:solidFill>
@@ -18620,7 +18644,7 @@
         <p:spPr>
           <a:xfrm>
             <a:off x="269240" y="1189176"/>
-            <a:ext cx="10748129" cy="5336846"/>
+            <a:ext cx="10748129" cy="5004447"/>
           </a:xfrm>
           <a:prstGeom prst="rect">
             <a:avLst/>
@@ -18667,7 +18691,7 @@
             </a:pPr>
             <a:r>
               <a:rPr lang="en-US" dirty="0"/>
-              <a:t>Azure Notebooks</a:t>
+              <a:t>Cognitive Services</a:t>
             </a:r>
           </a:p>
           <a:p>
@@ -18677,7 +18701,7 @@
             </a:pPr>
             <a:r>
               <a:rPr lang="en-US" dirty="0"/>
-              <a:t>Cognitive Services</a:t>
+              <a:t>Computer Vision API</a:t>
             </a:r>
           </a:p>
           <a:p>
@@ -18687,7 +18711,7 @@
             </a:pPr>
             <a:r>
               <a:rPr lang="en-US" dirty="0"/>
-              <a:t>Computer Vision API</a:t>
+              <a:t>Text Analytics API</a:t>
             </a:r>
           </a:p>
           <a:p>
@@ -18696,9 +18720,10 @@
               <a:buChar char="•"/>
             </a:pPr>
             <a:r>
-              <a:rPr lang="en-US" dirty="0"/>
-              <a:t>Text Analytics API</a:t>
-            </a:r>
+              <a:rPr lang="en-US" dirty="0" err="1"/>
+              <a:t>Keras</a:t>
+            </a:r>
+            <a:endParaRPr lang="en-US" dirty="0"/>
           </a:p>
           <a:p>
             <a:pPr marL="285750" indent="-285750">
@@ -18706,10 +18731,9 @@
               <a:buChar char="•"/>
             </a:pPr>
             <a:r>
-              <a:rPr lang="en-US" dirty="0" err="1"/>
-              <a:t>Keras</a:t>
-            </a:r>
-            <a:endParaRPr lang="en-US" dirty="0"/>
+              <a:rPr lang="en-US" dirty="0"/>
+              <a:t>TensorFlow</a:t>
+            </a:r>
           </a:p>
           <a:p>
             <a:pPr marL="285750" indent="-285750">
@@ -18718,19 +18742,8 @@
             </a:pPr>
             <a:r>
               <a:rPr lang="en-US" dirty="0"/>
-              <a:t>TensorFlow</a:t>
-            </a:r>
-          </a:p>
-          <a:p>
-            <a:pPr>
-              <a:lnSpc>
-                <a:spcPct val="90000"/>
-              </a:lnSpc>
-              <a:spcAft>
-                <a:spcPts val="600"/>
-              </a:spcAft>
-            </a:pPr>
-            <a:endParaRPr lang="en-US" sz="2400" dirty="0"/>
+              <a:t>ONNX</a:t>
+            </a:r>
           </a:p>
         </p:txBody>
       </p:sp>

--- a/Whiteboard design session/WDS trainer presentation - Cognitive Services and deep learning.pptx
+++ b/Whiteboard design session/WDS trainer presentation - Cognitive Services and deep learning.pptx
@@ -235,7 +235,7 @@
           <a:p>
             <a:fld id="{52A13B17-C506-4D51-BB37-16B365906619}" type="datetimeFigureOut">
               <a:rPr lang="en-US" smtClean="0"/>
-              <a:t>6/24/20</a:t>
+              <a:t>1/27/2021</a:t>
             </a:fld>
             <a:endParaRPr lang="en-US" dirty="0"/>
           </a:p>
@@ -1093,10 +1093,32 @@
                 <a:ea typeface="+mn-ea"/>
                 <a:cs typeface="+mn-cs"/>
               </a:rPr>
-              <a:t>After speaking with its team at Microsoft, Contoso decided to design their proof of concept (</a:t>
-            </a:r>
-            <a:r>
-              <a:rPr lang="en-US" sz="1200" kern="1200" dirty="0" err="1">
+              <a:t>After speaking with its team at Microsoft, Contoso decided to design their PoC solution in Azure. They would continue to use the web app and SQL database they already have running in Azure to handle claim submissions. They could build a claim enrichment pipeline by invoking a sequence of Azure Functions, where each of the coordinates calls to various AI-powered services.</a:t>
+            </a:r>
+          </a:p>
+          <a:p>
+            <a:pPr marL="0" marR="0" lvl="0" indent="0" algn="l" defTabSz="914400" rtl="0" eaLnBrk="1" fontAlgn="auto" latinLnBrk="0" hangingPunct="1">
+              <a:lnSpc>
+                <a:spcPct val="100000"/>
+              </a:lnSpc>
+              <a:spcBef>
+                <a:spcPts val="0"/>
+              </a:spcBef>
+              <a:spcAft>
+                <a:spcPts val="0"/>
+              </a:spcAft>
+              <a:buClrTx/>
+              <a:buSzTx/>
+              <a:buFontTx/>
+              <a:buNone/>
+              <a:tabLst/>
+              <a:defRPr/>
+            </a:pPr>
+            <a:endParaRPr lang="en-US" dirty="0"/>
+          </a:p>
+          <a:p>
+            <a:r>
+              <a:rPr lang="en-US" sz="1200" b="0" kern="1200" dirty="0">
                 <a:solidFill>
                   <a:schemeClr val="tx1"/>
                 </a:solidFill>
@@ -1105,8 +1127,13 @@
                 <a:ea typeface="+mn-ea"/>
                 <a:cs typeface="+mn-cs"/>
               </a:rPr>
-              <a:t>PoC</a:t>
-            </a:r>
+              <a:t>The claim image processing functions would invoke the Computer Vision Cognitive Service for automatically creating the caption and the tags from any supplied claim images. A mixture of pre-built AI, in the form of Cognitive Services and custom AI in the form of Azure ML services, would be used to process the claim text. The models used for processing claims' text would be trained in Azure Machine Learning compute instance. These models could also be directly deployed from Azure Machine Learning compute instance using the Azure Machine Learning Service Python SDK. Azure Functions would coordinate the calls to the classifications and summary AI services, which would run as containerized web services in Azure Container Service. Simultaneously, the Text Analytics API could be invoked directly to provide a sentiment score for each claim text.</a:t>
+            </a:r>
+          </a:p>
+          <a:p>
+            <a:endParaRPr lang="en-US" dirty="0"/>
+          </a:p>
+          <a:p>
             <a:r>
               <a:rPr lang="en-US" sz="1200" kern="1200" dirty="0">
                 <a:solidFill>
@@ -1117,68 +1144,7 @@
                 <a:ea typeface="+mn-ea"/>
                 <a:cs typeface="+mn-cs"/>
               </a:rPr>
-              <a:t>) solution in Azure. They would continue the leverage the web app and SQL database that they already have running in Azure to handle claim submission. They could build a claim enrichment pipeline by invoking a sequence of Azure Functions, each of which coordinates calls to various AI-powered services. </a:t>
-            </a:r>
-            <a:endParaRPr lang="en-US" dirty="0">
-              <a:effectLst/>
-            </a:endParaRPr>
-          </a:p>
-          <a:p>
-            <a:endParaRPr lang="en-US" dirty="0"/>
-          </a:p>
-          <a:p>
-            <a:r>
-              <a:rPr lang="en-US" sz="1200" b="0" kern="1200" dirty="0">
-                <a:solidFill>
-                  <a:schemeClr val="tx1"/>
-                </a:solidFill>
-                <a:effectLst/>
-                <a:latin typeface="+mn-lt"/>
-                <a:ea typeface="+mn-ea"/>
-                <a:cs typeface="+mn-cs"/>
-              </a:rPr>
-              <a:t>The claim image processing functions would invoke the Computer Vision Cognitive Service for automatically creating the caption and the tags from any supplied claim images. A mixture of pre-built AI, in the form of Cognitive Services and custom AI in the form of Azure ML services, would be used to process the claim text. The models used for processing the claims text would be trained in Azure Machine Learning compute instance. These models could also then be directly deployed from Azure Machine Learning </a:t>
-            </a:r>
-            <a:r>
-              <a:rPr lang="en-US" sz="1200" b="0" kern="1200">
-                <a:solidFill>
-                  <a:schemeClr val="tx1"/>
-                </a:solidFill>
-                <a:effectLst/>
-                <a:latin typeface="+mn-lt"/>
-                <a:ea typeface="+mn-ea"/>
-                <a:cs typeface="+mn-cs"/>
-              </a:rPr>
-              <a:t>compute instance using </a:t>
-            </a:r>
-            <a:r>
-              <a:rPr lang="en-US" sz="1200" b="0" kern="1200" dirty="0">
-                <a:solidFill>
-                  <a:schemeClr val="tx1"/>
-                </a:solidFill>
-                <a:effectLst/>
-                <a:latin typeface="+mn-lt"/>
-                <a:ea typeface="+mn-ea"/>
-                <a:cs typeface="+mn-cs"/>
-              </a:rPr>
-              <a:t>the Azure Machine Learning Service Python SDK. Azure Functions would be used to coordinate the calls to the classifications and summary AI services, which would run as containerized web services in Azure Container Service, while the Text Analytics API could be invoked directly to provide a sentiment score for each claim text.</a:t>
-            </a:r>
-          </a:p>
-          <a:p>
-            <a:endParaRPr lang="en-US" dirty="0"/>
-          </a:p>
-          <a:p>
-            <a:r>
-              <a:rPr lang="en-US" sz="1200" kern="1200" dirty="0">
-                <a:solidFill>
-                  <a:schemeClr val="tx1"/>
-                </a:solidFill>
-                <a:effectLst/>
-                <a:latin typeface="+mn-lt"/>
-                <a:ea typeface="+mn-ea"/>
-                <a:cs typeface="+mn-cs"/>
-              </a:rPr>
-              <a:t>Once all claim processing has completed one final Azure Function could be used to insert the complete claim document into Azure Search. The document inserted would contain the claim number as a field, so that it could always be tied back to the record store in Azure SQL Database.</a:t>
+              <a:t>Once all claim processing has been completed, one final Azure Function could be used to insert the complete claim document into Azure Cognitive Search. The inserted document would contain the claim number as a field to always be tied back to the record store in Azure SQL Database.</a:t>
             </a:r>
             <a:endParaRPr lang="en-US" dirty="0"/>
           </a:p>
@@ -1274,7 +1240,7 @@
                 <a:ea typeface="+mn-ea"/>
                 <a:cs typeface="+mn-cs"/>
               </a:rPr>
-              <a:t>The general pipeline begins by pre-processing or normalizing the text. This step typically includes such tasks as breaking the text into sentence and word tokens, standardizing the spelling of words, removing overly common words (called stop words). The output of this phase is typically a multi-dimensional array consisting of an array of documents, each having an array of sentences, with each sentence has its own array of words. The next step is feature extraction, which creates a numeric representation of the textual documents. During feature extraction, a “vocabulary” of unique words is identified, and each word becomes a column in the output. Each row represents a document. The value in each cell is typically a measure of the relative importance of that word in the document, where if a word from the vocabulary does not appear that cell has a zero value in that column. This approach enables machine learning algorithms, which operate against arrays of numbers, to also operate against text. Deep learning algorithms operate on tensors, which are also vectors (or arrays of numbers) and so this approach is also valid for preparing text for use with a deep learning algorithm.</a:t>
+              <a:t>The general pipeline begins by pre-processing or normalizing the text. This step typically includes breaking the text into sentences and word tokens, standardizing the spelling of words, and removing overly common words (called stop words). This phase's output is typically a multi-dimensional array consisting of an array of documents, each having an array of sentences, with each sentence having an array of words. The next step is feature extraction, which creates a numeric representation of the textual documents. A "vocabulary" of unique words is identified during feature extraction, and each word becomes a column in the output. Each row represents a document. The value in each cell is typically a measure of the relative importance of that word in the document. If a word from the vocabulary does not appear, then that cell has a zero value in that column. This approach enables machine learning algorithms, which operate against arrays of numbers, to also run against text. Deep learning algorithms operate on tensors, which are also vectors (or arrays of numbers), so this approach is also valid for preparing text for use with a deep learning algorithm.</a:t>
             </a:r>
             <a:endParaRPr lang="en-US" dirty="0"/>
           </a:p>
@@ -3187,7 +3153,7 @@
                   <a:prstClr val="black"/>
                 </a:solidFill>
               </a:rPr>
-              <a:t>6/24/20 3:14 PM</a:t>
+              <a:t>1/27/2021 1:37 PM</a:t>
             </a:fld>
             <a:endParaRPr lang="en-US" dirty="0">
               <a:solidFill>
@@ -16924,7 +16890,7 @@
                 </a:solidFill>
                 <a:latin typeface="+mn-lt"/>
               </a:rPr>
-              <a:t>The primary audience is the business decision makers and technology decision makers. From the case study scenario, this would include the Director of Analytics. </a:t>
+              <a:t>The primary audience is the business and technology decision-makers. From the case study scenario, this would include the Director of Analytics. </a:t>
             </a:r>
           </a:p>
           <a:p>
@@ -16940,16 +16906,8 @@
                 </a:solidFill>
                 <a:latin typeface="+mn-lt"/>
               </a:rPr>
-              <a:t>Usually we talk to the infrastructure managers who report to the chief information officers (CIOs), or to application sponsors (like a vice president [VP] line of business [LOB], or chief marketing officer [CMO]), or to those that represent the business unit IT or developers that report to application sponsors.</a:t>
-            </a:r>
-          </a:p>
-          <a:p>
-            <a:pPr marL="0" indent="0">
-              <a:spcAft>
-                <a:spcPts val="882"/>
-              </a:spcAft>
-              <a:buNone/>
-            </a:pPr>
+              <a:t>Usually, we talk to the infrastructure managers, who report to the chief information officers (CIOs), or application sponsors, like a vice president (VP) line of business (LOB), or chief marketing officer (CMO), or to those that represent the business unit IT or developers that report to application sponsors.</a:t>
+            </a:r>
             <a:endParaRPr lang="en-US" sz="1800" dirty="0">
               <a:solidFill>
                 <a:schemeClr val="tx1"/>
@@ -17603,7 +17561,7 @@
                 </a:solidFill>
                 <a:latin typeface="+mn-lt"/>
               </a:rPr>
-              <a:t>Contoso would need to have a certain amount of historical claim text and have it labeled as home or auto in order to train a model.</a:t>
+              <a:t>Contoso would need to have a certain amount of historical claim text and have it labeled as home or auto to train a model.</a:t>
             </a:r>
             <a:br>
               <a:rPr lang="en-US" sz="2400" dirty="0">
@@ -17838,7 +17796,7 @@
                 </a:solidFill>
                 <a:latin typeface="+mn-lt"/>
               </a:rPr>
-              <a:t>There are several approaches to vectorize textual data, that include approaches like Term Frequency-Inverse Document Frequency (TF-IDF) vectorization, or use of word embedding like Word2vec or Global Vectors (</a:t>
+              <a:t>There are several approaches to vectorize textual data, that include approaches like Term Frequency-Inverse Document Frequency (TF-IDF) vectorization or use of word embedding like Word2vec or Global Vectors (</a:t>
             </a:r>
             <a:r>
               <a:rPr lang="en-US" sz="2400" dirty="0" err="1">
@@ -18179,26 +18137,6 @@
               </a:rPr>
               <a:t> for word vectorization.</a:t>
             </a:r>
-            <a:br>
-              <a:rPr lang="en-US" sz="2400" dirty="0">
-                <a:solidFill>
-                  <a:schemeClr val="tx1"/>
-                </a:solidFill>
-              </a:rPr>
-            </a:br>
-            <a:endParaRPr lang="en-US" sz="2400" dirty="0">
-              <a:solidFill>
-                <a:schemeClr val="tx1"/>
-              </a:solidFill>
-            </a:endParaRPr>
-          </a:p>
-          <a:p>
-            <a:pPr marL="0" indent="0">
-              <a:spcAft>
-                <a:spcPts val="882"/>
-              </a:spcAft>
-              <a:buNone/>
-            </a:pPr>
             <a:endParaRPr lang="en-US" sz="1800" dirty="0">
               <a:solidFill>
                 <a:schemeClr val="tx1"/>
@@ -18505,7 +18443,7 @@
                 </a:solidFill>
                 <a:latin typeface="+mn-lt"/>
               </a:rPr>
-              <a:t> are TensorFlow models, so if they choose to move fully towards the lower level TensorFlow API’s they could do so without having to </a:t>
+              <a:t> are TensorFlow models, so if they choose to move fully towards the lower-level TensorFlow API’s they could do so without having to </a:t>
             </a:r>
             <a:br>
               <a:rPr lang="en-US" sz="2400" dirty="0">
@@ -18644,7 +18582,7 @@
         <p:spPr>
           <a:xfrm>
             <a:off x="269240" y="1189176"/>
-            <a:ext cx="10748129" cy="5004447"/>
+            <a:ext cx="10748129" cy="4727448"/>
           </a:xfrm>
           <a:prstGeom prst="rect">
             <a:avLst/>
@@ -18659,10 +18597,8 @@
           <a:p>
             <a:r>
               <a:rPr lang="en-US" dirty="0"/>
-              <a:t>In this workshop, you will learn to combine both pre-built artificial intelligence (AI) in the form of various Cognitive Services, with custom AI in the form of services built and deployed with Azure Machine Learning service. You will learn to create intelligent solutions atop unstructured text data by designing and implementing a text analytics pipeline. You will also learn how to build a binary classifier using a simple neural network that can be used to classify the textual data. Also, you will learn how to deploy multiple kinds of predictive services using Azure Machine Learning and learn to integrate with the Computer Vision API and the Text Analytics API from Cognitive Services.</a:t>
-            </a:r>
-          </a:p>
-          <a:p>
+              <a:t>In this workshop, you learn to combine both pre-built artificial intelligence (AI) in the form of various Cognitive Services with custom AI in the form of services built and deployed with Azure Machine Learning service. You will learn to create intelligent solutions atop unstructured text data by designing and implementing a text analytics pipeline. You will also learn how to build a binary classifier using a recurrent neural network that can be used to classify the textual data. You will also learn how to deploy multiple kinds of predictive services using Azure Machine Learning and learn to integrate with the Computer Vision API and the Text Analytics API from Cognitive Services.</a:t>
+            </a:r>
             <a:br>
               <a:rPr lang="en-US" dirty="0"/>
             </a:br>
@@ -20038,7 +19974,7 @@
         </p:nvSpPr>
         <p:spPr>
           <a:xfrm>
-            <a:off x="2249213" y="4670595"/>
+            <a:off x="1017186" y="4646963"/>
             <a:ext cx="8965324" cy="1613903"/>
           </a:xfrm>
           <a:prstGeom prst="rect">
@@ -20301,7 +20237,7 @@
             </a:pPr>
             <a:r>
               <a:rPr lang="en-US" sz="2400" dirty="0"/>
-              <a:t>Describe at a high level, how you would deploy this trained model so it is available as a web service that can be integrated with the rest of the solution. What Azure Service(s) would be involved?</a:t>
+              <a:t>Describe how you would deploy this trained model at a high level to be available as a web service integrated with the rest of the solution. What Azure Service(s) would be involved?</a:t>
             </a:r>
           </a:p>
           <a:p>
@@ -20616,7 +20552,7 @@
               <a:rPr lang="en-US" sz="2200" dirty="0">
                 <a:latin typeface="+mn-lt"/>
               </a:rPr>
-              <a:t>A value closer to 0 is interpreted as strongly negative sentiment, near 0.5 as neutral sentiment and closer to 1 as strongly positive sentiment</a:t>
+              <a:t>A value closer to 0 is interpreted as strongly negative sentiment, near 0.5 as neutral sentiment and closer to 1 as strongly positive.</a:t>
             </a:r>
             <a:endParaRPr lang="en-US" sz="2400" dirty="0">
               <a:solidFill>
@@ -23050,7 +22986,7 @@
               <a:rPr lang="en-US" sz="2200" dirty="0">
                 <a:latin typeface="+mn-lt"/>
               </a:rPr>
-              <a:t>Contoso should use Azure Search to create an Index for the claim data as it enters their system, and augmented by the results of the text and image processing components</a:t>
+              <a:t>Contoso should use Azure Cognitive Search to create an Index for the claim data as it enters their system, and augmented by the results of the text and image processing components</a:t>
             </a:r>
             <a:endParaRPr lang="en-US" sz="2400" dirty="0">
               <a:latin typeface="+mn-lt"/>
@@ -23086,7 +23022,7 @@
               <a:rPr lang="en-US" sz="2200" dirty="0">
                 <a:latin typeface="+mn-lt"/>
               </a:rPr>
-              <a:t>Yes, the data in the Azure Search index would augment the data already stored in their SQL Database. The data in the Azure Search index would tie back to the data in SQL Database via values used as the primary key in the SQL Database (such as the claim ID, image ID, attachment ID, etc.).</a:t>
+              <a:t>Yes, the data in the Azure Cognitive Search index would augment the data already stored in their SQL Database. The data in the Azure Cognitive Search index would tie back to the data in SQL Database via values used as the primary key in the SQL Database (such as the claim ID, image ID, attachment ID, etc.).</a:t>
             </a:r>
             <a:br>
               <a:rPr lang="en-US" sz="2400" dirty="0">
@@ -23218,7 +23154,7 @@
             </a:pPr>
             <a:r>
               <a:rPr lang="en-US" sz="2800" dirty="0"/>
-              <a:t>We are skeptical about all the hype surrounding these “AI” solutions. It’s hard to know what is feasible versus what not possible with today’s technology and Azure.</a:t>
+              <a:t>We are skeptical about all the hype surrounding these "AI" solutions. It's hard to know what is feasible versus what is not possible with today's technology and Azure.</a:t>
             </a:r>
           </a:p>
           <a:p>
@@ -23234,7 +23170,7 @@
                 </a:solidFill>
                 <a:latin typeface="+mn-lt"/>
               </a:rPr>
-              <a:t>While it is true there is a lot of hype around AI, the ability to deploy solutions that use data, machine learning, and deep learning to create an application with “AI” capabilities is real, and is possible in Azure</a:t>
+              <a:t>While it is true there is a lot of hype around AI, the ability to deploy solutions that use data, machine learning, and deep learning to create an application with “AI” capabilities is real and is possible in Azure.</a:t>
             </a:r>
           </a:p>
           <a:p>
@@ -23250,7 +23186,7 @@
                 </a:solidFill>
                 <a:latin typeface="+mn-lt"/>
               </a:rPr>
-              <a:t>Azure provides a wide range of services to address the needs of AI from pre-built AI capabilities in Cognitive Services to services that help you to build, train, and deploy your custom AI capabilities using Azure Machine Learning and other services from the Microsoft AI stack</a:t>
+              <a:t>Azure provides a wide range of services to address the needs of AI, from pre-built AI capabilities in Cognitive Services to services that help you to build, train, and deploy your custom AI capabilities using the Azure Machine Learning service and other services from the Microsoft AI stack.</a:t>
             </a:r>
           </a:p>
         </p:txBody>
@@ -23366,7 +23302,7 @@
             </a:pPr>
             <a:r>
               <a:rPr lang="en-US" sz="2800" dirty="0"/>
-              <a:t>We know that are both pre-built AI and custom AI options. We are confused as to when to choose one over the other. </a:t>
+              <a:t>We know that there are both pre-built AI and custom AI options. We are confused as to when to choose one over the other. </a:t>
             </a:r>
           </a:p>
           <a:p>
@@ -23382,7 +23318,7 @@
                 </a:solidFill>
                 <a:latin typeface="+mn-lt"/>
               </a:rPr>
-              <a:t>You should consider pre-built AI options first, and only having ruled them out as not fitting your requirements should you then explore the custom AI options</a:t>
+              <a:t>It would be best if you considered the pre-built AI options first. However, if you rule them out because they do not fit your requirements, you should explore the custom AI options.</a:t>
             </a:r>
           </a:p>
           <a:p>
@@ -23391,6 +23327,19 @@
                 <a:spcPts val="882"/>
               </a:spcAft>
             </a:pPr>
+            <a:endParaRPr lang="en-US" sz="2400" dirty="0">
+              <a:solidFill>
+                <a:schemeClr val="tx1"/>
+              </a:solidFill>
+              <a:latin typeface="+mn-lt"/>
+            </a:endParaRPr>
+          </a:p>
+          <a:p>
+            <a:pPr>
+              <a:spcAft>
+                <a:spcPts val="882"/>
+              </a:spcAft>
+            </a:pPr>
             <a:r>
               <a:rPr lang="en-US" sz="2400" dirty="0">
                 <a:solidFill>
@@ -23398,7 +23347,7 @@
                 </a:solidFill>
                 <a:latin typeface="+mn-lt"/>
               </a:rPr>
-              <a:t>The advantage of pre-built AI options like Cognitive Services is that the models they use under the covers do not need to be trained by you, and you do not need to have the data to train them as a pre-requisite</a:t>
+              <a:t>The advantage of pre-built AI options like Cognitive Services is that the models they use under the covers do not need to be trained by you, and you do not need to have the data to train them as a pre-requisite.</a:t>
             </a:r>
           </a:p>
         </p:txBody>
@@ -23505,7 +23454,7 @@
             </a:pPr>
             <a:r>
               <a:rPr lang="en-US" sz="2800" dirty="0"/>
-              <a:t>We expect some part of our solution would require deep learning, do you have any prescriptive guidance on how we might choose between investing in learning and using TensorFlow or the Microsoft Cognitive Toolkit (CNTK)?</a:t>
+              <a:t>We expect some part of our solution would require deep learning. Do you have any prescriptive guidance on how we might choose between investing in understanding and using TensorFlow or the Microsoft Cognitive Toolkit (CNTK)?</a:t>
             </a:r>
           </a:p>
           <a:p>
@@ -23521,7 +23470,7 @@
                 </a:solidFill>
                 <a:latin typeface="+mn-lt"/>
               </a:rPr>
-              <a:t>Both TensorFlow and the Microsoft Cognitive Toolkit solve similar problems and have been used successfully by many companies for deep learning</a:t>
+              <a:t>Both TensorFlow and the Microsoft Cognitive Toolkit solve similar problems and have been used successfully by many companies for deep learning solutions.</a:t>
             </a:r>
           </a:p>
           <a:p>
@@ -24224,6 +24173,117 @@
           </a:p>
         </p:txBody>
       </p:sp>
+      <p:sp>
+        <p:nvSpPr>
+          <p:cNvPr id="3" name="Content Placeholder 2"/>
+          <p:cNvSpPr>
+            <a:spLocks noGrp="1"/>
+          </p:cNvSpPr>
+          <p:nvPr>
+            <p:ph type="body" sz="quarter" idx="10"/>
+          </p:nvPr>
+        </p:nvSpPr>
+        <p:spPr>
+          <a:xfrm>
+            <a:off x="269240" y="1189177"/>
+            <a:ext cx="11302076" cy="1236086"/>
+          </a:xfrm>
+        </p:spPr>
+        <p:txBody>
+          <a:bodyPr>
+            <a:noAutofit/>
+          </a:bodyPr>
+          <a:lstStyle/>
+          <a:p>
+            <a:pPr marL="0" indent="0">
+              <a:buNone/>
+            </a:pPr>
+            <a:r>
+              <a:rPr lang="en-US" sz="3600" dirty="0"/>
+              <a:t>Two sets of issues where they envision amplifying the capabilities of their agents with AI:</a:t>
+            </a:r>
+            <a:endParaRPr lang="en-US" sz="2800" dirty="0"/>
+          </a:p>
+        </p:txBody>
+      </p:sp>
+      <p:pic>
+        <p:nvPicPr>
+          <p:cNvPr id="9" name="Graphic 8" descr="Document icon" title="Document icon">
+            <a:extLst>
+              <a:ext uri="{FF2B5EF4-FFF2-40B4-BE49-F238E27FC236}">
+                <a16:creationId xmlns:a16="http://schemas.microsoft.com/office/drawing/2014/main" id="{3921AFBD-AD85-44C2-84BD-B02CA71ACC29}"/>
+              </a:ext>
+            </a:extLst>
+          </p:cNvPr>
+          <p:cNvPicPr>
+            <a:picLocks noChangeAspect="1"/>
+          </p:cNvPicPr>
+          <p:nvPr/>
+        </p:nvPicPr>
+        <p:blipFill>
+          <a:blip r:embed="rId3" cstate="print">
+            <a:extLst>
+              <a:ext uri="{28A0092B-C50C-407E-A947-70E740481C1C}">
+                <a14:useLocalDpi xmlns:a14="http://schemas.microsoft.com/office/drawing/2010/main" val="0"/>
+              </a:ext>
+              <a:ext uri="{96DAC541-7B7A-43D3-8B79-37D633B846F1}">
+                <asvg:svgBlip xmlns:asvg="http://schemas.microsoft.com/office/drawing/2016/SVG/main" r:embed="rId4"/>
+              </a:ext>
+            </a:extLst>
+          </a:blip>
+          <a:stretch>
+            <a:fillRect/>
+          </a:stretch>
+        </p:blipFill>
+        <p:spPr>
+          <a:xfrm>
+            <a:off x="888542" y="2672136"/>
+            <a:ext cx="1213946" cy="1213946"/>
+          </a:xfrm>
+          <a:prstGeom prst="rect">
+            <a:avLst/>
+          </a:prstGeom>
+        </p:spPr>
+      </p:pic>
+      <p:pic>
+        <p:nvPicPr>
+          <p:cNvPr id="6" name="Graphic 5" descr="Camera icon" title="Camera icon">
+            <a:extLst>
+              <a:ext uri="{FF2B5EF4-FFF2-40B4-BE49-F238E27FC236}">
+                <a16:creationId xmlns:a16="http://schemas.microsoft.com/office/drawing/2014/main" id="{CB31A0D8-66D0-4EA6-85BA-5BDB60A60FB5}"/>
+              </a:ext>
+            </a:extLst>
+          </p:cNvPr>
+          <p:cNvPicPr>
+            <a:picLocks noChangeAspect="1"/>
+          </p:cNvPicPr>
+          <p:nvPr/>
+        </p:nvPicPr>
+        <p:blipFill>
+          <a:blip r:embed="rId5" cstate="print">
+            <a:extLst>
+              <a:ext uri="{28A0092B-C50C-407E-A947-70E740481C1C}">
+                <a14:useLocalDpi xmlns:a14="http://schemas.microsoft.com/office/drawing/2010/main" val="0"/>
+              </a:ext>
+              <a:ext uri="{96DAC541-7B7A-43D3-8B79-37D633B846F1}">
+                <asvg:svgBlip xmlns:asvg="http://schemas.microsoft.com/office/drawing/2016/SVG/main" r:embed="rId6"/>
+              </a:ext>
+            </a:extLst>
+          </a:blip>
+          <a:stretch>
+            <a:fillRect/>
+          </a:stretch>
+        </p:blipFill>
+        <p:spPr>
+          <a:xfrm>
+            <a:off x="759386" y="4625853"/>
+            <a:ext cx="1486376" cy="1486376"/>
+          </a:xfrm>
+          <a:prstGeom prst="rect">
+            <a:avLst/>
+          </a:prstGeom>
+        </p:spPr>
+      </p:pic>
       <p:sp>
         <p:nvSpPr>
           <p:cNvPr id="10" name="Content Placeholder 2">
@@ -24478,7 +24538,7 @@
               <a:rPr lang="en-US" sz="2800" dirty="0">
                 <a:latin typeface="+mn-lt"/>
               </a:rPr>
-              <a:t>Processing free text responses:</a:t>
+              <a:t>Processing free-text responses:</a:t>
             </a:r>
           </a:p>
           <a:p>
@@ -24499,7 +24559,7 @@
             <a:pPr lvl="1"/>
             <a:r>
               <a:rPr lang="en-US" sz="2400" dirty="0"/>
-              <a:t>Summarize long claim text</a:t>
+              <a:t>Summarizing long claim text</a:t>
             </a:r>
             <a:br>
               <a:rPr lang="en-US" sz="2000" dirty="0"/>
@@ -24559,120 +24619,6 @@
           </a:p>
         </p:txBody>
       </p:sp>
-      <p:sp>
-        <p:nvSpPr>
-          <p:cNvPr id="3" name="Content Placeholder 2"/>
-          <p:cNvSpPr>
-            <a:spLocks noGrp="1"/>
-          </p:cNvSpPr>
-          <p:nvPr>
-            <p:ph type="body" sz="quarter" idx="10"/>
-          </p:nvPr>
-        </p:nvSpPr>
-        <p:spPr>
-          <a:xfrm>
-            <a:off x="269240" y="1189177"/>
-            <a:ext cx="11302076" cy="4990906"/>
-          </a:xfrm>
-        </p:spPr>
-        <p:txBody>
-          <a:bodyPr>
-            <a:noAutofit/>
-          </a:bodyPr>
-          <a:lstStyle/>
-          <a:p>
-            <a:pPr marL="0" indent="0">
-              <a:buNone/>
-            </a:pPr>
-            <a:r>
-              <a:rPr lang="en-US" sz="3600" dirty="0"/>
-              <a:t>Two sets of issues where they envision amplifying the capabilities of their agents with AI:</a:t>
-            </a:r>
-            <a:br>
-              <a:rPr lang="en-US" sz="2800" dirty="0"/>
-            </a:br>
-            <a:endParaRPr lang="en-US" sz="2800" dirty="0"/>
-          </a:p>
-        </p:txBody>
-      </p:sp>
-      <p:pic>
-        <p:nvPicPr>
-          <p:cNvPr id="9" name="Graphic 8" descr="Document icon" title="Document icon">
-            <a:extLst>
-              <a:ext uri="{FF2B5EF4-FFF2-40B4-BE49-F238E27FC236}">
-                <a16:creationId xmlns:a16="http://schemas.microsoft.com/office/drawing/2014/main" id="{3921AFBD-AD85-44C2-84BD-B02CA71ACC29}"/>
-              </a:ext>
-            </a:extLst>
-          </p:cNvPr>
-          <p:cNvPicPr>
-            <a:picLocks noChangeAspect="1"/>
-          </p:cNvPicPr>
-          <p:nvPr/>
-        </p:nvPicPr>
-        <p:blipFill>
-          <a:blip r:embed="rId3" cstate="print">
-            <a:extLst>
-              <a:ext uri="{28A0092B-C50C-407E-A947-70E740481C1C}">
-                <a14:useLocalDpi xmlns:a14="http://schemas.microsoft.com/office/drawing/2010/main" val="0"/>
-              </a:ext>
-              <a:ext uri="{96DAC541-7B7A-43D3-8B79-37D633B846F1}">
-                <asvg:svgBlip xmlns:asvg="http://schemas.microsoft.com/office/drawing/2016/SVG/main" r:embed="rId4"/>
-              </a:ext>
-            </a:extLst>
-          </a:blip>
-          <a:stretch>
-            <a:fillRect/>
-          </a:stretch>
-        </p:blipFill>
-        <p:spPr>
-          <a:xfrm>
-            <a:off x="888542" y="2672136"/>
-            <a:ext cx="1213946" cy="1213946"/>
-          </a:xfrm>
-          <a:prstGeom prst="rect">
-            <a:avLst/>
-          </a:prstGeom>
-        </p:spPr>
-      </p:pic>
-      <p:pic>
-        <p:nvPicPr>
-          <p:cNvPr id="6" name="Graphic 5" descr="Camera icon" title="Camera icon">
-            <a:extLst>
-              <a:ext uri="{FF2B5EF4-FFF2-40B4-BE49-F238E27FC236}">
-                <a16:creationId xmlns:a16="http://schemas.microsoft.com/office/drawing/2014/main" id="{CB31A0D8-66D0-4EA6-85BA-5BDB60A60FB5}"/>
-              </a:ext>
-            </a:extLst>
-          </p:cNvPr>
-          <p:cNvPicPr>
-            <a:picLocks noChangeAspect="1"/>
-          </p:cNvPicPr>
-          <p:nvPr/>
-        </p:nvPicPr>
-        <p:blipFill>
-          <a:blip r:embed="rId5" cstate="print">
-            <a:extLst>
-              <a:ext uri="{28A0092B-C50C-407E-A947-70E740481C1C}">
-                <a14:useLocalDpi xmlns:a14="http://schemas.microsoft.com/office/drawing/2010/main" val="0"/>
-              </a:ext>
-              <a:ext uri="{96DAC541-7B7A-43D3-8B79-37D633B846F1}">
-                <asvg:svgBlip xmlns:asvg="http://schemas.microsoft.com/office/drawing/2016/SVG/main" r:embed="rId6"/>
-              </a:ext>
-            </a:extLst>
-          </a:blip>
-          <a:stretch>
-            <a:fillRect/>
-          </a:stretch>
-        </p:blipFill>
-        <p:spPr>
-          <a:xfrm>
-            <a:off x="759386" y="4625853"/>
-            <a:ext cx="1486376" cy="1486376"/>
-          </a:xfrm>
-          <a:prstGeom prst="rect">
-            <a:avLst/>
-          </a:prstGeom>
-        </p:spPr>
-      </p:pic>
     </p:spTree>
     <p:extLst>
       <p:ext uri="{BB962C8B-B14F-4D97-AF65-F5344CB8AC3E}">
@@ -24764,7 +24710,12 @@
             <p:ph type="body" sz="quarter" idx="10"/>
           </p:nvPr>
         </p:nvSpPr>
-        <p:spPr/>
+        <p:spPr>
+          <a:xfrm>
+            <a:off x="269239" y="1189177"/>
+            <a:ext cx="11653523" cy="5145882"/>
+          </a:xfrm>
+        </p:spPr>
         <p:txBody>
           <a:bodyPr>
             <a:noAutofit/>
@@ -24776,13 +24727,11 @@
               <a:rPr lang="en-US" sz="2400" dirty="0">
                 <a:latin typeface="+mn-lt"/>
               </a:rPr>
-              <a:t>We receive a lot of useful information in the free text responses, but because they can be long agents sometimes skip over them, miss important details or must spend too much time looking for a particular detail when returning to a claim. We aren’t certain this can be automated, but we would like to have a standardized process the identifies the key entities in a claim and pulls them out into a separate list that agents can more easily review and then select to view the entity in the context of the claim. </a:t>
-            </a:r>
-            <a:br>
-              <a:rPr lang="en-US" sz="2400" dirty="0">
-                <a:latin typeface="+mn-lt"/>
-              </a:rPr>
-            </a:br>
+              <a:t>We receive a lot of useful information in the free-text responses. However, because the free-text responses can be lengthy, agents sometimes skip over them and miss vital details or spend too much time looking for a particular point when returning to a claim. We aren't confident we can automate this step. Still, we would like to have a standardized process that identifies the key entities in a claim and pulls them out into a separate list that agents can more easily review and then view the entity in the claim's context. </a:t>
+            </a:r>
+          </a:p>
+          <a:p>
+            <a:pPr lvl="0"/>
             <a:endParaRPr lang="en-US" sz="2400" dirty="0">
               <a:latin typeface="+mn-lt"/>
             </a:endParaRPr>
@@ -24793,13 +24742,11 @@
               <a:rPr lang="en-US" sz="2400" dirty="0">
                 <a:latin typeface="+mn-lt"/>
               </a:rPr>
-              <a:t>We need a solution that can “look” at a photo and give us a description of the content of the photo, and tag the photo with keywords so agents can more easily find and refer to the photo later.</a:t>
-            </a:r>
-            <a:br>
-              <a:rPr lang="en-US" sz="2400" dirty="0">
-                <a:latin typeface="+mn-lt"/>
-              </a:rPr>
-            </a:br>
+              <a:t>We need a solution that can "look" at a photo and provide a description of the photos' contents and tag the images with keywords, so agents can more easily find and refer to the picture later.</a:t>
+            </a:r>
+          </a:p>
+          <a:p>
+            <a:pPr lvl="0"/>
             <a:endParaRPr lang="en-US" sz="2400" dirty="0">
               <a:latin typeface="+mn-lt"/>
             </a:endParaRPr>
@@ -24810,16 +24757,8 @@
               <a:rPr lang="en-US" sz="2400" dirty="0">
                 <a:latin typeface="+mn-lt"/>
               </a:rPr>
-              <a:t>We are looking to amplify the capabilities of our agents and improve their claims processing capabilities- not replace them. We want a solution that does the same.</a:t>
-            </a:r>
-          </a:p>
-          <a:p>
-            <a:pPr marL="0" indent="0">
-              <a:spcAft>
-                <a:spcPts val="882"/>
-              </a:spcAft>
-              <a:buNone/>
-            </a:pPr>
+              <a:t>We are looking to amplify our agents' capabilities and improve their claims processing capabilities - not replace them. We want a solution that does the same.</a:t>
+            </a:r>
             <a:endParaRPr lang="en-US" sz="2400" dirty="0">
               <a:solidFill>
                 <a:schemeClr val="tx1"/>
@@ -24917,7 +24856,12 @@
             <p:ph type="body" sz="quarter" idx="10"/>
           </p:nvPr>
         </p:nvSpPr>
-        <p:spPr/>
+        <p:spPr>
+          <a:xfrm>
+            <a:off x="269239" y="1189176"/>
+            <a:ext cx="11653523" cy="5325923"/>
+          </a:xfrm>
+        </p:spPr>
         <p:txBody>
           <a:bodyPr>
             <a:noAutofit/>
@@ -24930,14 +24874,11 @@
                 <a:latin typeface="+mn-lt"/>
                 <a:cs typeface="Segoe UI Light" panose="020B0502040204020203" pitchFamily="34" charset="0"/>
               </a:rPr>
-              <a:t>We are skeptical about all the hype surrounding these “AI” solutions. It’s hard to know what is feasible versus what is not possible with today’s technology and Azure.</a:t>
-            </a:r>
-            <a:br>
-              <a:rPr lang="en-US" sz="2800" dirty="0">
-                <a:latin typeface="+mn-lt"/>
-                <a:cs typeface="Segoe UI Light" panose="020B0502040204020203" pitchFamily="34" charset="0"/>
-              </a:rPr>
-            </a:br>
+              <a:t>We are skeptical about all the hype surrounding these "AI" solutions. It's hard to know what is feasible versus what is not possible with today's technology and Azure.</a:t>
+            </a:r>
+          </a:p>
+          <a:p>
+            <a:pPr lvl="0"/>
             <a:endParaRPr lang="en-US" sz="2800" dirty="0">
               <a:latin typeface="+mn-lt"/>
               <a:cs typeface="Segoe UI Light" panose="020B0502040204020203" pitchFamily="34" charset="0"/>
@@ -24950,14 +24891,11 @@
                 <a:latin typeface="+mn-lt"/>
                 <a:cs typeface="Segoe UI Light" panose="020B0502040204020203" pitchFamily="34" charset="0"/>
               </a:rPr>
-              <a:t>We know that are both pre-built AI and custom AI options. We are confused as to when to choose one over the other.  </a:t>
-            </a:r>
-            <a:br>
-              <a:rPr lang="en-US" sz="2800" dirty="0">
-                <a:latin typeface="+mn-lt"/>
-                <a:cs typeface="Segoe UI Light" panose="020B0502040204020203" pitchFamily="34" charset="0"/>
-              </a:rPr>
-            </a:br>
+              <a:t>We know that are both pre-built AI and custom AI options available. We are confused as to when to choose one over the other.</a:t>
+            </a:r>
+          </a:p>
+          <a:p>
+            <a:pPr lvl="0"/>
             <a:endParaRPr lang="en-US" sz="2800" dirty="0">
               <a:latin typeface="+mn-lt"/>
               <a:cs typeface="Segoe UI Light" panose="020B0502040204020203" pitchFamily="34" charset="0"/>
@@ -24970,16 +24908,8 @@
                 <a:latin typeface="+mn-lt"/>
                 <a:cs typeface="Segoe UI Light" panose="020B0502040204020203" pitchFamily="34" charset="0"/>
               </a:rPr>
-              <a:t>We expect some part of our solution would require deep learning; do you have any prescriptive guidance on how we might choose between investing in learning and using TensorFlow or the Microsoft Cognitive Toolkit (CNTK)?</a:t>
-            </a:r>
-          </a:p>
-          <a:p>
-            <a:pPr marL="0" indent="0">
-              <a:spcAft>
-                <a:spcPts val="882"/>
-              </a:spcAft>
-              <a:buNone/>
-            </a:pPr>
+              <a:t>We expect some part of our solution would require deep learning. Do you have any prescriptive guidance on how we might choose between investing in understanding and using TensorFlow or the Microsoft Cognitive Toolkit (CNTK)?</a:t>
+            </a:r>
             <a:endParaRPr lang="en-US" sz="2400" dirty="0">
               <a:solidFill>
                 <a:schemeClr val="tx1"/>

--- a/Whiteboard design session/WDS trainer presentation - Cognitive Services and deep learning.pptx
+++ b/Whiteboard design session/WDS trainer presentation - Cognitive Services and deep learning.pptx
@@ -6,7 +6,7 @@
     <p:sldMasterId id="2147483665" r:id="rId2"/>
   </p:sldMasterIdLst>
   <p:notesMasterIdLst>
-    <p:notesMasterId r:id="rId38"/>
+    <p:notesMasterId r:id="rId35"/>
   </p:notesMasterIdLst>
   <p:sldIdLst>
     <p:sldId id="300" r:id="rId3"/>
@@ -32,18 +32,15 @@
     <p:sldId id="328" r:id="rId23"/>
     <p:sldId id="329" r:id="rId24"/>
     <p:sldId id="330" r:id="rId25"/>
-    <p:sldId id="331" r:id="rId26"/>
-    <p:sldId id="332" r:id="rId27"/>
-    <p:sldId id="333" r:id="rId28"/>
-    <p:sldId id="334" r:id="rId29"/>
-    <p:sldId id="335" r:id="rId30"/>
-    <p:sldId id="336" r:id="rId31"/>
-    <p:sldId id="337" r:id="rId32"/>
-    <p:sldId id="338" r:id="rId33"/>
-    <p:sldId id="340" r:id="rId34"/>
-    <p:sldId id="341" r:id="rId35"/>
-    <p:sldId id="339" r:id="rId36"/>
-    <p:sldId id="315" r:id="rId37"/>
+    <p:sldId id="346" r:id="rId26"/>
+    <p:sldId id="345" r:id="rId27"/>
+    <p:sldId id="331" r:id="rId28"/>
+    <p:sldId id="332" r:id="rId29"/>
+    <p:sldId id="338" r:id="rId30"/>
+    <p:sldId id="340" r:id="rId31"/>
+    <p:sldId id="341" r:id="rId32"/>
+    <p:sldId id="339" r:id="rId33"/>
+    <p:sldId id="315" r:id="rId34"/>
   </p:sldIdLst>
   <p:sldSz cx="12192000" cy="6858000"/>
   <p:notesSz cx="6858000" cy="9144000"/>
@@ -235,7 +232,7 @@
           <a:p>
             <a:fld id="{52A13B17-C506-4D51-BB37-16B365906619}" type="datetimeFigureOut">
               <a:rPr lang="en-US" smtClean="0"/>
-              <a:t>1/27/2021</a:t>
+              <a:t>10/20/21</a:t>
             </a:fld>
             <a:endParaRPr lang="en-US" dirty="0"/>
           </a:p>
@@ -1084,7 +1081,7 @@
               <a:defRPr/>
             </a:pPr>
             <a:r>
-              <a:rPr lang="en-US" sz="1200" kern="1200" dirty="0">
+              <a:rPr lang="en-US" sz="1200" b="0" kern="1200" dirty="0">
                 <a:solidFill>
                   <a:schemeClr val="tx1"/>
                 </a:solidFill>
@@ -1093,8 +1090,41 @@
                 <a:ea typeface="+mn-ea"/>
                 <a:cs typeface="+mn-cs"/>
               </a:rPr>
-              <a:t>After speaking with its team at Microsoft, Contoso decided to design their PoC solution in Azure. They would continue to use the web app and SQL database they already have running in Azure to handle claim submissions. They could build a claim enrichment pipeline by invoking a sequence of Azure Functions, where each of the coordinates calls to various AI-powered services.</a:t>
-            </a:r>
+              <a:t>After speaking with its team at Microsoft, Contoso decided to design their </a:t>
+            </a:r>
+            <a:r>
+              <a:rPr lang="en-US" sz="1200" b="0" kern="1200" dirty="0" err="1">
+                <a:solidFill>
+                  <a:schemeClr val="tx1"/>
+                </a:solidFill>
+                <a:effectLst/>
+                <a:latin typeface="+mn-lt"/>
+                <a:ea typeface="+mn-ea"/>
+                <a:cs typeface="+mn-cs"/>
+              </a:rPr>
+              <a:t>PoC</a:t>
+            </a:r>
+            <a:r>
+              <a:rPr lang="en-US" sz="1200" b="0" kern="1200" dirty="0">
+                <a:solidFill>
+                  <a:schemeClr val="tx1"/>
+                </a:solidFill>
+                <a:effectLst/>
+                <a:latin typeface="+mn-lt"/>
+                <a:ea typeface="+mn-ea"/>
+                <a:cs typeface="+mn-cs"/>
+              </a:rPr>
+              <a:t> solution in Azure. They would continue to use the web app and SQL database they already have running in Azure to handle claim submissions. They could build a claim enrichment pipeline by invoking a sequence of Text Analytics APIs and custom AI in the form of services built and deployed with Azure Machine Learning services.</a:t>
+            </a:r>
+            <a:endParaRPr lang="en-US" sz="1200" kern="1200" dirty="0">
+              <a:solidFill>
+                <a:schemeClr val="tx1"/>
+              </a:solidFill>
+              <a:effectLst/>
+              <a:latin typeface="+mn-lt"/>
+              <a:ea typeface="+mn-ea"/>
+              <a:cs typeface="+mn-cs"/>
+            </a:endParaRPr>
           </a:p>
           <a:p>
             <a:pPr marL="0" marR="0" lvl="0" indent="0" algn="l" defTabSz="914400" rtl="0" eaLnBrk="1" fontAlgn="auto" latinLnBrk="0" hangingPunct="1">
@@ -1117,6 +1147,23 @@
             <a:endParaRPr lang="en-US" dirty="0"/>
           </a:p>
           <a:p>
+            <a:pPr marL="0" marR="0" lvl="0" indent="0" algn="l" defTabSz="914400" rtl="0" eaLnBrk="1" fontAlgn="auto" latinLnBrk="0" hangingPunct="1">
+              <a:lnSpc>
+                <a:spcPct val="100000"/>
+              </a:lnSpc>
+              <a:spcBef>
+                <a:spcPts val="0"/>
+              </a:spcBef>
+              <a:spcAft>
+                <a:spcPts val="0"/>
+              </a:spcAft>
+              <a:buClrTx/>
+              <a:buSzTx/>
+              <a:buFontTx/>
+              <a:buNone/>
+              <a:tabLst/>
+              <a:defRPr/>
+            </a:pPr>
             <a:r>
               <a:rPr lang="en-US" sz="1200" b="0" kern="1200" dirty="0">
                 <a:solidFill>
@@ -1127,26 +1174,8 @@
                 <a:ea typeface="+mn-ea"/>
                 <a:cs typeface="+mn-cs"/>
               </a:rPr>
-              <a:t>The claim image processing functions would invoke the Computer Vision Cognitive Service for automatically creating the caption and the tags from any supplied claim images. A mixture of pre-built AI, in the form of Cognitive Services and custom AI in the form of Azure ML services, would be used to process the claim text. The models used for processing claims' text would be trained in Azure Machine Learning compute instance. These models could also be directly deployed from Azure Machine Learning compute instance using the Azure Machine Learning Service Python SDK. Azure Functions would coordinate the calls to the classifications and summary AI services, which would run as containerized web services in Azure Container Service. Simultaneously, the Text Analytics API could be invoked directly to provide a sentiment score for each claim text.</a:t>
-            </a:r>
-          </a:p>
-          <a:p>
-            <a:endParaRPr lang="en-US" dirty="0"/>
-          </a:p>
-          <a:p>
-            <a:r>
-              <a:rPr lang="en-US" sz="1200" kern="1200" dirty="0">
-                <a:solidFill>
-                  <a:schemeClr val="tx1"/>
-                </a:solidFill>
-                <a:effectLst/>
-                <a:latin typeface="+mn-lt"/>
-                <a:ea typeface="+mn-ea"/>
-                <a:cs typeface="+mn-cs"/>
-              </a:rPr>
-              <a:t>Once all claim processing has been completed, one final Azure Function could be used to insert the complete claim document into Azure Cognitive Search. The inserted document would contain the claim number as a field to always be tied back to the record store in Azure SQL Database.</a:t>
-            </a:r>
-            <a:endParaRPr lang="en-US" dirty="0"/>
+              <a:t>The claim processing pipeline would invoke a mixture of pre-built AI, in the form of Cognitive Services Text Analytics APIs and custom AI in the form of Azure ML services, to process the claim text. The custom models used for processing claims' text would be trained in Azure Machine Learning compute clusters. These models could also be directly deployed to containerized services such as Azure Container Instance (ACI) or Azure Kubernetes Service (AKS) using the Azure Machine Learning Service Python SDK. The Text Analytics APIs could be invoked to provide key analytics such as, sentiment analysis, opinion mining, key phrase extraction, and language and PII detection. The enriched claims data is then saved in the SQL database to serve the Agent Web portal.</a:t>
+            </a:r>
           </a:p>
         </p:txBody>
       </p:sp>
@@ -2112,7 +2141,7 @@
     </p:spTree>
     <p:extLst>
       <p:ext uri="{BB962C8B-B14F-4D97-AF65-F5344CB8AC3E}">
-        <p14:creationId xmlns:p14="http://schemas.microsoft.com/office/powerpoint/2010/main" val="2715782299"/>
+        <p14:creationId xmlns:p14="http://schemas.microsoft.com/office/powerpoint/2010/main" val="1249990101"/>
       </p:ext>
     </p:extLst>
   </p:cSld>
@@ -2196,7 +2225,7 @@
     </p:spTree>
     <p:extLst>
       <p:ext uri="{BB962C8B-B14F-4D97-AF65-F5344CB8AC3E}">
-        <p14:creationId xmlns:p14="http://schemas.microsoft.com/office/powerpoint/2010/main" val="183691693"/>
+        <p14:creationId xmlns:p14="http://schemas.microsoft.com/office/powerpoint/2010/main" val="3161907704"/>
       </p:ext>
     </p:extLst>
   </p:cSld>
@@ -2280,7 +2309,7 @@
     </p:spTree>
     <p:extLst>
       <p:ext uri="{BB962C8B-B14F-4D97-AF65-F5344CB8AC3E}">
-        <p14:creationId xmlns:p14="http://schemas.microsoft.com/office/powerpoint/2010/main" val="1879846257"/>
+        <p14:creationId xmlns:p14="http://schemas.microsoft.com/office/powerpoint/2010/main" val="2715782299"/>
       </p:ext>
     </p:extLst>
   </p:cSld>
@@ -2364,7 +2393,7 @@
     </p:spTree>
     <p:extLst>
       <p:ext uri="{BB962C8B-B14F-4D97-AF65-F5344CB8AC3E}">
-        <p14:creationId xmlns:p14="http://schemas.microsoft.com/office/powerpoint/2010/main" val="3096093301"/>
+        <p14:creationId xmlns:p14="http://schemas.microsoft.com/office/powerpoint/2010/main" val="183691693"/>
       </p:ext>
     </p:extLst>
   </p:cSld>
@@ -2448,7 +2477,7 @@
     </p:spTree>
     <p:extLst>
       <p:ext uri="{BB962C8B-B14F-4D97-AF65-F5344CB8AC3E}">
-        <p14:creationId xmlns:p14="http://schemas.microsoft.com/office/powerpoint/2010/main" val="4275802852"/>
+        <p14:creationId xmlns:p14="http://schemas.microsoft.com/office/powerpoint/2010/main" val="376445730"/>
       </p:ext>
     </p:extLst>
   </p:cSld>
@@ -2532,7 +2561,7 @@
     </p:spTree>
     <p:extLst>
       <p:ext uri="{BB962C8B-B14F-4D97-AF65-F5344CB8AC3E}">
-        <p14:creationId xmlns:p14="http://schemas.microsoft.com/office/powerpoint/2010/main" val="1449139343"/>
+        <p14:creationId xmlns:p14="http://schemas.microsoft.com/office/powerpoint/2010/main" val="366044158"/>
       </p:ext>
     </p:extLst>
   </p:cSld>
@@ -2700,7 +2729,7 @@
     </p:spTree>
     <p:extLst>
       <p:ext uri="{BB962C8B-B14F-4D97-AF65-F5344CB8AC3E}">
-        <p14:creationId xmlns:p14="http://schemas.microsoft.com/office/powerpoint/2010/main" val="2700474992"/>
+        <p14:creationId xmlns:p14="http://schemas.microsoft.com/office/powerpoint/2010/main" val="2866128362"/>
       </p:ext>
     </p:extLst>
   </p:cSld>
@@ -2784,7 +2813,7 @@
     </p:spTree>
     <p:extLst>
       <p:ext uri="{BB962C8B-B14F-4D97-AF65-F5344CB8AC3E}">
-        <p14:creationId xmlns:p14="http://schemas.microsoft.com/office/powerpoint/2010/main" val="376445730"/>
+        <p14:creationId xmlns:p14="http://schemas.microsoft.com/office/powerpoint/2010/main" val="2007135944"/>
       </p:ext>
     </p:extLst>
   </p:cSld>
@@ -2795,258 +2824,6 @@
 </file>
 
 <file path=ppt/notesSlides/notesSlide32.xml><?xml version="1.0" encoding="utf-8"?>
-<p:notes xmlns:a="http://schemas.openxmlformats.org/drawingml/2006/main" xmlns:r="http://schemas.openxmlformats.org/officeDocument/2006/relationships" xmlns:p="http://schemas.openxmlformats.org/presentationml/2006/main">
-  <p:cSld>
-    <p:spTree>
-      <p:nvGrpSpPr>
-        <p:cNvPr id="1" name=""/>
-        <p:cNvGrpSpPr/>
-        <p:nvPr/>
-      </p:nvGrpSpPr>
-      <p:grpSpPr>
-        <a:xfrm>
-          <a:off x="0" y="0"/>
-          <a:ext cx="0" cy="0"/>
-          <a:chOff x="0" y="0"/>
-          <a:chExt cx="0" cy="0"/>
-        </a:xfrm>
-      </p:grpSpPr>
-      <p:sp>
-        <p:nvSpPr>
-          <p:cNvPr id="2" name="Slide Image Placeholder 1"/>
-          <p:cNvSpPr>
-            <a:spLocks noGrp="1" noRot="1" noChangeAspect="1"/>
-          </p:cNvSpPr>
-          <p:nvPr>
-            <p:ph type="sldImg"/>
-          </p:nvPr>
-        </p:nvSpPr>
-        <p:spPr/>
-      </p:sp>
-      <p:sp>
-        <p:nvSpPr>
-          <p:cNvPr id="3" name="Notes Placeholder 2"/>
-          <p:cNvSpPr>
-            <a:spLocks noGrp="1"/>
-          </p:cNvSpPr>
-          <p:nvPr>
-            <p:ph type="body" idx="1"/>
-          </p:nvPr>
-        </p:nvSpPr>
-        <p:spPr/>
-        <p:txBody>
-          <a:bodyPr/>
-          <a:lstStyle/>
-          <a:p>
-            <a:endParaRPr lang="en-US" dirty="0"/>
-          </a:p>
-        </p:txBody>
-      </p:sp>
-      <p:sp>
-        <p:nvSpPr>
-          <p:cNvPr id="4" name="Slide Number Placeholder 3"/>
-          <p:cNvSpPr>
-            <a:spLocks noGrp="1"/>
-          </p:cNvSpPr>
-          <p:nvPr>
-            <p:ph type="sldNum" sz="quarter" idx="10"/>
-          </p:nvPr>
-        </p:nvSpPr>
-        <p:spPr/>
-        <p:txBody>
-          <a:bodyPr/>
-          <a:lstStyle/>
-          <a:p>
-            <a:fld id="{0998D5BB-B127-481F-BC0A-2F77C576BB34}" type="slidenum">
-              <a:rPr lang="en-US" smtClean="0"/>
-              <a:t>32</a:t>
-            </a:fld>
-            <a:endParaRPr lang="en-US" dirty="0"/>
-          </a:p>
-        </p:txBody>
-      </p:sp>
-    </p:spTree>
-    <p:extLst>
-      <p:ext uri="{BB962C8B-B14F-4D97-AF65-F5344CB8AC3E}">
-        <p14:creationId xmlns:p14="http://schemas.microsoft.com/office/powerpoint/2010/main" val="366044158"/>
-      </p:ext>
-    </p:extLst>
-  </p:cSld>
-  <p:clrMapOvr>
-    <a:masterClrMapping/>
-  </p:clrMapOvr>
-</p:notes>
-</file>
-
-<file path=ppt/notesSlides/notesSlide33.xml><?xml version="1.0" encoding="utf-8"?>
-<p:notes xmlns:a="http://schemas.openxmlformats.org/drawingml/2006/main" xmlns:r="http://schemas.openxmlformats.org/officeDocument/2006/relationships" xmlns:p="http://schemas.openxmlformats.org/presentationml/2006/main">
-  <p:cSld>
-    <p:spTree>
-      <p:nvGrpSpPr>
-        <p:cNvPr id="1" name=""/>
-        <p:cNvGrpSpPr/>
-        <p:nvPr/>
-      </p:nvGrpSpPr>
-      <p:grpSpPr>
-        <a:xfrm>
-          <a:off x="0" y="0"/>
-          <a:ext cx="0" cy="0"/>
-          <a:chOff x="0" y="0"/>
-          <a:chExt cx="0" cy="0"/>
-        </a:xfrm>
-      </p:grpSpPr>
-      <p:sp>
-        <p:nvSpPr>
-          <p:cNvPr id="2" name="Slide Image Placeholder 1"/>
-          <p:cNvSpPr>
-            <a:spLocks noGrp="1" noRot="1" noChangeAspect="1"/>
-          </p:cNvSpPr>
-          <p:nvPr>
-            <p:ph type="sldImg"/>
-          </p:nvPr>
-        </p:nvSpPr>
-        <p:spPr/>
-      </p:sp>
-      <p:sp>
-        <p:nvSpPr>
-          <p:cNvPr id="3" name="Notes Placeholder 2"/>
-          <p:cNvSpPr>
-            <a:spLocks noGrp="1"/>
-          </p:cNvSpPr>
-          <p:nvPr>
-            <p:ph type="body" idx="1"/>
-          </p:nvPr>
-        </p:nvSpPr>
-        <p:spPr/>
-        <p:txBody>
-          <a:bodyPr/>
-          <a:lstStyle/>
-          <a:p>
-            <a:endParaRPr lang="en-US" dirty="0"/>
-          </a:p>
-        </p:txBody>
-      </p:sp>
-      <p:sp>
-        <p:nvSpPr>
-          <p:cNvPr id="4" name="Slide Number Placeholder 3"/>
-          <p:cNvSpPr>
-            <a:spLocks noGrp="1"/>
-          </p:cNvSpPr>
-          <p:nvPr>
-            <p:ph type="sldNum" sz="quarter" idx="10"/>
-          </p:nvPr>
-        </p:nvSpPr>
-        <p:spPr/>
-        <p:txBody>
-          <a:bodyPr/>
-          <a:lstStyle/>
-          <a:p>
-            <a:fld id="{0998D5BB-B127-481F-BC0A-2F77C576BB34}" type="slidenum">
-              <a:rPr lang="en-US" smtClean="0"/>
-              <a:t>33</a:t>
-            </a:fld>
-            <a:endParaRPr lang="en-US" dirty="0"/>
-          </a:p>
-        </p:txBody>
-      </p:sp>
-    </p:spTree>
-    <p:extLst>
-      <p:ext uri="{BB962C8B-B14F-4D97-AF65-F5344CB8AC3E}">
-        <p14:creationId xmlns:p14="http://schemas.microsoft.com/office/powerpoint/2010/main" val="2866128362"/>
-      </p:ext>
-    </p:extLst>
-  </p:cSld>
-  <p:clrMapOvr>
-    <a:masterClrMapping/>
-  </p:clrMapOvr>
-</p:notes>
-</file>
-
-<file path=ppt/notesSlides/notesSlide34.xml><?xml version="1.0" encoding="utf-8"?>
-<p:notes xmlns:a="http://schemas.openxmlformats.org/drawingml/2006/main" xmlns:r="http://schemas.openxmlformats.org/officeDocument/2006/relationships" xmlns:p="http://schemas.openxmlformats.org/presentationml/2006/main">
-  <p:cSld>
-    <p:spTree>
-      <p:nvGrpSpPr>
-        <p:cNvPr id="1" name=""/>
-        <p:cNvGrpSpPr/>
-        <p:nvPr/>
-      </p:nvGrpSpPr>
-      <p:grpSpPr>
-        <a:xfrm>
-          <a:off x="0" y="0"/>
-          <a:ext cx="0" cy="0"/>
-          <a:chOff x="0" y="0"/>
-          <a:chExt cx="0" cy="0"/>
-        </a:xfrm>
-      </p:grpSpPr>
-      <p:sp>
-        <p:nvSpPr>
-          <p:cNvPr id="2" name="Slide Image Placeholder 1"/>
-          <p:cNvSpPr>
-            <a:spLocks noGrp="1" noRot="1" noChangeAspect="1"/>
-          </p:cNvSpPr>
-          <p:nvPr>
-            <p:ph type="sldImg"/>
-          </p:nvPr>
-        </p:nvSpPr>
-        <p:spPr/>
-      </p:sp>
-      <p:sp>
-        <p:nvSpPr>
-          <p:cNvPr id="3" name="Notes Placeholder 2"/>
-          <p:cNvSpPr>
-            <a:spLocks noGrp="1"/>
-          </p:cNvSpPr>
-          <p:nvPr>
-            <p:ph type="body" idx="1"/>
-          </p:nvPr>
-        </p:nvSpPr>
-        <p:spPr/>
-        <p:txBody>
-          <a:bodyPr/>
-          <a:lstStyle/>
-          <a:p>
-            <a:endParaRPr lang="en-US" dirty="0"/>
-          </a:p>
-        </p:txBody>
-      </p:sp>
-      <p:sp>
-        <p:nvSpPr>
-          <p:cNvPr id="4" name="Slide Number Placeholder 3"/>
-          <p:cNvSpPr>
-            <a:spLocks noGrp="1"/>
-          </p:cNvSpPr>
-          <p:nvPr>
-            <p:ph type="sldNum" sz="quarter" idx="10"/>
-          </p:nvPr>
-        </p:nvSpPr>
-        <p:spPr/>
-        <p:txBody>
-          <a:bodyPr/>
-          <a:lstStyle/>
-          <a:p>
-            <a:fld id="{0998D5BB-B127-481F-BC0A-2F77C576BB34}" type="slidenum">
-              <a:rPr lang="en-US" smtClean="0"/>
-              <a:t>34</a:t>
-            </a:fld>
-            <a:endParaRPr lang="en-US" dirty="0"/>
-          </a:p>
-        </p:txBody>
-      </p:sp>
-    </p:spTree>
-    <p:extLst>
-      <p:ext uri="{BB962C8B-B14F-4D97-AF65-F5344CB8AC3E}">
-        <p14:creationId xmlns:p14="http://schemas.microsoft.com/office/powerpoint/2010/main" val="2007135944"/>
-      </p:ext>
-    </p:extLst>
-  </p:cSld>
-  <p:clrMapOvr>
-    <a:masterClrMapping/>
-  </p:clrMapOvr>
-</p:notes>
-</file>
-
-<file path=ppt/notesSlides/notesSlide35.xml><?xml version="1.0" encoding="utf-8"?>
 <p:notes xmlns:a="http://schemas.openxmlformats.org/drawingml/2006/main" xmlns:r="http://schemas.openxmlformats.org/officeDocument/2006/relationships" xmlns:p="http://schemas.openxmlformats.org/presentationml/2006/main">
   <p:cSld>
     <p:spTree>
@@ -3153,7 +2930,7 @@
                   <a:prstClr val="black"/>
                 </a:solidFill>
               </a:rPr>
-              <a:t>1/27/2021 1:37 PM</a:t>
+              <a:t>10/20/21 12:54 PM</a:t>
             </a:fld>
             <a:endParaRPr lang="en-US" dirty="0">
               <a:solidFill>
@@ -3185,7 +2962,7 @@
                 </a:solidFill>
               </a:rPr>
               <a:pPr/>
-              <a:t>35</a:t>
+              <a:t>32</a:t>
             </a:fld>
             <a:endParaRPr lang="en-US" dirty="0">
               <a:solidFill>
@@ -17076,10 +16853,10 @@
       </p:sp>
       <p:pic>
         <p:nvPicPr>
-          <p:cNvPr id="4" name="Picture 3" descr="High level architecture diagram of the preferred solution.">
+          <p:cNvPr id="5" name="Picture 4" descr="The claim processing pipeline would invoke a mixture of pre-built AI, in the form of Cognitive Services Text Analytics APIs and custom AI in the form of Azure ML services, to process the claim text.">
             <a:extLst>
               <a:ext uri="{FF2B5EF4-FFF2-40B4-BE49-F238E27FC236}">
-                <a16:creationId xmlns:a16="http://schemas.microsoft.com/office/drawing/2014/main" id="{3AF682CB-71B7-144B-B00C-C6E80DA789D0}"/>
+                <a16:creationId xmlns:a16="http://schemas.microsoft.com/office/drawing/2014/main" id="{2F863223-FB3E-8A46-B7D4-6867DA416FBB}"/>
               </a:ext>
             </a:extLst>
           </p:cNvPr>
@@ -17102,54 +16879,12 @@
         </p:blipFill>
         <p:spPr>
           <a:xfrm>
-            <a:off x="1256245" y="1833724"/>
-            <a:ext cx="5440680" cy="4836160"/>
+            <a:off x="5203989" y="0"/>
+            <a:ext cx="6500399" cy="6858000"/>
           </a:xfrm>
           <a:prstGeom prst="rect">
             <a:avLst/>
           </a:prstGeom>
-        </p:spPr>
-      </p:pic>
-      <p:pic>
-        <p:nvPicPr>
-          <p:cNvPr id="7" name="Picture 6" descr="In the Claim image processing diagram, Function (claim text processing) points to Sentiment, classification and summary, Text Analytics, and Containerized services comprised of Classification Service and Summary Service." title="Claim image processing diagram">
-            <a:extLst>
-              <a:ext uri="{FF2B5EF4-FFF2-40B4-BE49-F238E27FC236}">
-                <a16:creationId xmlns:a16="http://schemas.microsoft.com/office/drawing/2014/main" id="{EB1E5909-A8CD-4039-B641-66A3CDC82706}"/>
-              </a:ext>
-            </a:extLst>
-          </p:cNvPr>
-          <p:cNvPicPr/>
-          <p:nvPr/>
-        </p:nvPicPr>
-        <p:blipFill>
-          <a:blip r:embed="rId4">
-            <a:extLst>
-              <a:ext uri="{28A0092B-C50C-407E-A947-70E740481C1C}">
-                <a14:useLocalDpi xmlns:a14="http://schemas.microsoft.com/office/drawing/2010/main" val="0"/>
-              </a:ext>
-            </a:extLst>
-          </a:blip>
-          <a:stretch>
-            <a:fillRect/>
-          </a:stretch>
-        </p:blipFill>
-        <p:spPr>
-          <a:xfrm>
-            <a:off x="7472855" y="2308548"/>
-            <a:ext cx="3657600" cy="2912745"/>
-          </a:xfrm>
-          <a:prstGeom prst="rect">
-            <a:avLst/>
-          </a:prstGeom>
-          <a:ln>
-            <a:solidFill>
-              <a:schemeClr val="tx1">
-                <a:lumMod val="60000"/>
-                <a:lumOff val="40000"/>
-              </a:schemeClr>
-            </a:solidFill>
-          </a:ln>
         </p:spPr>
       </p:pic>
     </p:spTree>
@@ -18582,7 +18317,7 @@
         <p:spPr>
           <a:xfrm>
             <a:off x="269240" y="1189176"/>
-            <a:ext cx="10748129" cy="4727448"/>
+            <a:ext cx="10748129" cy="5281446"/>
           </a:xfrm>
           <a:prstGeom prst="rect">
             <a:avLst/>
@@ -18597,11 +18332,10 @@
           <a:p>
             <a:r>
               <a:rPr lang="en-US" dirty="0"/>
-              <a:t>In this workshop, you learn to combine both pre-built artificial intelligence (AI) in the form of various Cognitive Services with custom AI in the form of services built and deployed with Azure Machine Learning service. You will learn to create intelligent solutions atop unstructured text data by designing and implementing a text analytics pipeline. You will also learn how to build a binary classifier using a recurrent neural network that can be used to classify the textual data. You will also learn how to deploy multiple kinds of predictive services using Azure Machine Learning and learn to integrate with the Computer Vision API and the Text Analytics API from Cognitive Services.</a:t>
-            </a:r>
-            <a:br>
-              <a:rPr lang="en-US" dirty="0"/>
-            </a:br>
+              <a:t>In this workshop, you learn to combine both pre-built artificial intelligence (AI) in the form of various Cognitive Services with custom AI in the form of services built and deployed with Azure Machine Learning service. You will learn to create intelligent solutions atop unstructured text data by designing and implementing a text analytics pipeline. You will learn how to build a binary classifier using a recurrent neural network that can be used to classify the textual data. You will also learn to build Automated Machine Learning models in Azure Machine Learning studio for the purposes of text classification. Finally, you learn how to deploy multiple kinds of predictive services using Azure Machine Learning and learn to integrate with the Text Analytics API from Cognitive Services. At the end of this workshop, you will be better able to present solutions leveraging Azure Machine Learning service, and Cognitive Services.</a:t>
+            </a:r>
+          </a:p>
+          <a:p>
             <a:endParaRPr lang="en-US" dirty="0"/>
           </a:p>
           <a:p>
@@ -18627,7 +18361,7 @@
             </a:pPr>
             <a:r>
               <a:rPr lang="en-US" dirty="0"/>
-              <a:t>Cognitive Services</a:t>
+              <a:t>Automated Machine Learning</a:t>
             </a:r>
           </a:p>
           <a:p>
@@ -18637,7 +18371,7 @@
             </a:pPr>
             <a:r>
               <a:rPr lang="en-US" dirty="0"/>
-              <a:t>Computer Vision API</a:t>
+              <a:t>Cognitive Services</a:t>
             </a:r>
           </a:p>
           <a:p>
@@ -20236,7 +19970,11 @@
               <a:buNone/>
             </a:pPr>
             <a:r>
-              <a:rPr lang="en-US" sz="2400" dirty="0"/>
+              <a:rPr lang="en-US" sz="2400" dirty="0">
+                <a:solidFill>
+                  <a:schemeClr val="tx1"/>
+                </a:solidFill>
+              </a:rPr>
               <a:t>Describe how you would deploy this trained model at a high level to be available as a web service integrated with the rest of the solution. What Azure Service(s) would be involved?</a:t>
             </a:r>
           </a:p>
@@ -20244,7 +19982,11 @@
             <a:pPr marL="0" indent="0">
               <a:buNone/>
             </a:pPr>
-            <a:endParaRPr lang="en-US" sz="1800" dirty="0"/>
+            <a:endParaRPr lang="en-US" sz="1800" dirty="0">
+              <a:solidFill>
+                <a:schemeClr val="tx1"/>
+              </a:solidFill>
+            </a:endParaRPr>
           </a:p>
           <a:p>
             <a:r>
@@ -20372,7 +20114,7 @@
         <p:spPr/>
         <p:txBody>
           <a:bodyPr>
-            <a:normAutofit/>
+            <a:normAutofit fontScale="90000"/>
           </a:bodyPr>
           <a:lstStyle/>
           <a:p>
@@ -20384,6 +20126,14 @@
               </a:rPr>
               <a:t>Preferred solution</a:t>
             </a:r>
+            <a:br>
+              <a:rPr lang="en-US" dirty="0">
+                <a:solidFill>
+                  <a:schemeClr val="tx1"/>
+                </a:solidFill>
+                <a:latin typeface="Segoe UI" panose="020B0502040204020203" pitchFamily="34" charset="0"/>
+              </a:rPr>
+            </a:br>
             <a:endParaRPr lang="en-US" sz="3236" dirty="0">
               <a:solidFill>
                 <a:schemeClr val="tx1"/>
@@ -20453,7 +20203,7 @@
                 </a:solidFill>
                 <a:latin typeface="+mn-lt"/>
               </a:rPr>
-              <a:t>Identifying free-text sentiment</a:t>
+              <a:t>Automated machine learning</a:t>
             </a:r>
           </a:p>
         </p:txBody>
@@ -20470,8 +20220,8 @@
         </p:nvSpPr>
         <p:spPr>
           <a:xfrm>
-            <a:off x="269240" y="1689920"/>
-            <a:ext cx="11781246" cy="5379312"/>
+            <a:off x="269240" y="2207849"/>
+            <a:ext cx="11653523" cy="3985231"/>
           </a:xfrm>
         </p:spPr>
         <p:txBody>
@@ -20484,81 +20234,40 @@
               <a:buNone/>
             </a:pPr>
             <a:r>
-              <a:rPr lang="en-US" sz="2400" dirty="0"/>
-              <a:t>How would you recommend Contoso identify the sentiment in the free-response text provided associated with a claim? Would this require you to build a custom AI model is there a pre-built AI service you could use?</a:t>
-            </a:r>
-            <a:br>
-              <a:rPr lang="en-US" sz="2400" dirty="0">
-                <a:latin typeface="+mn-lt"/>
-              </a:rPr>
-            </a:br>
+              <a:rPr lang="en-US" sz="2800" dirty="0">
+                <a:solidFill>
+                  <a:schemeClr val="tx1"/>
+                </a:solidFill>
+              </a:rPr>
+              <a:t>Can they apply automated machine learning for text classification?</a:t>
+            </a:r>
             <a:endParaRPr lang="en-US" sz="1800" dirty="0">
-              <a:latin typeface="+mn-lt"/>
-            </a:endParaRPr>
-          </a:p>
-          <a:p>
-            <a:r>
-              <a:rPr lang="en-US" sz="2200" dirty="0">
-                <a:latin typeface="+mn-lt"/>
-              </a:rPr>
-              <a:t>Use the Text Analytics API from Cognitive Services for scoring the sentiment of the claim text </a:t>
-            </a:r>
-          </a:p>
-          <a:p>
-            <a:r>
-              <a:rPr lang="en-US" sz="2200" dirty="0">
-                <a:latin typeface="+mn-lt"/>
-              </a:rPr>
-              <a:t>By doing so, they would not have to build or train a custom model, nor have the requirement of having the data to do so</a:t>
-            </a:r>
-            <a:br>
-              <a:rPr lang="en-US" sz="2400" dirty="0">
-                <a:latin typeface="+mn-lt"/>
-              </a:rPr>
-            </a:br>
-            <a:endParaRPr lang="en-US" sz="2400" dirty="0">
               <a:solidFill>
                 <a:schemeClr val="tx1"/>
               </a:solidFill>
             </a:endParaRPr>
           </a:p>
           <a:p>
-            <a:pPr marL="0" indent="0">
-              <a:buNone/>
-            </a:pPr>
-            <a:r>
-              <a:rPr lang="en-US" sz="2400" dirty="0"/>
-              <a:t>For the solution you propose, what is the range of value of the sentiment score and how would you interpret that value? </a:t>
-            </a:r>
-            <a:br>
+            <a:r>
+              <a:rPr lang="en-US" sz="2000" dirty="0">
+                <a:solidFill>
+                  <a:schemeClr val="tx1"/>
+                </a:solidFill>
+              </a:rPr>
+              <a:t>A</a:t>
+            </a:r>
+            <a:r>
               <a:rPr lang="en-US" sz="2400" dirty="0">
-                <a:latin typeface="+mn-lt"/>
-              </a:rPr>
-            </a:br>
+                <a:solidFill>
+                  <a:schemeClr val="tx1"/>
+                </a:solidFill>
+              </a:rPr>
+              <a:t>zure automated machine learning can be applied for text classification problems such as automatically classifying the claims text as either home or auto</a:t>
+            </a:r>
             <a:endParaRPr lang="en-US" sz="1800" dirty="0">
-              <a:latin typeface="+mn-lt"/>
-            </a:endParaRPr>
-          </a:p>
-          <a:p>
-            <a:r>
-              <a:rPr lang="en-US" sz="2200" dirty="0">
-                <a:latin typeface="+mn-lt"/>
-              </a:rPr>
-              <a:t>The Text Analytics API returns values in the range of 0 to 1. </a:t>
-            </a:r>
-          </a:p>
-          <a:p>
-            <a:r>
-              <a:rPr lang="en-US" sz="2200" dirty="0">
-                <a:latin typeface="+mn-lt"/>
-              </a:rPr>
-              <a:t>A value closer to 0 is interpreted as strongly negative sentiment, near 0.5 as neutral sentiment and closer to 1 as strongly positive.</a:t>
-            </a:r>
-            <a:endParaRPr lang="en-US" sz="2400" dirty="0">
               <a:solidFill>
                 <a:schemeClr val="tx1"/>
               </a:solidFill>
-              <a:latin typeface="+mn-lt"/>
             </a:endParaRPr>
           </a:p>
           <a:p>
@@ -20581,7 +20290,73 @@
               </a:spcAft>
               <a:buNone/>
             </a:pPr>
-            <a:endParaRPr lang="en-US" sz="1800" dirty="0">
+            <a:r>
+              <a:rPr lang="en-US" sz="2800" dirty="0">
+                <a:solidFill>
+                  <a:schemeClr val="tx1"/>
+                </a:solidFill>
+              </a:rPr>
+              <a:t>Can they really expect a non-data scientist to create performant models using automated machine learning?</a:t>
+            </a:r>
+            <a:endParaRPr lang="en-US" sz="2000" dirty="0">
+              <a:solidFill>
+                <a:schemeClr val="tx1"/>
+              </a:solidFill>
+            </a:endParaRPr>
+          </a:p>
+          <a:p>
+            <a:pPr>
+              <a:spcAft>
+                <a:spcPts val="882"/>
+              </a:spcAft>
+            </a:pPr>
+            <a:r>
+              <a:rPr lang="en-US" sz="2400" dirty="0">
+                <a:solidFill>
+                  <a:schemeClr val="tx1"/>
+                </a:solidFill>
+              </a:rPr>
+              <a:t>You can create and run automated machine learning experiments in code using the </a:t>
+            </a:r>
+            <a:r>
+              <a:rPr lang="en-US" sz="2400" dirty="0">
+                <a:solidFill>
+                  <a:schemeClr val="tx1"/>
+                </a:solidFill>
+                <a:hlinkClick r:id="rId3">
+                  <a:extLst>
+                    <a:ext uri="{A12FA001-AC4F-418D-AE19-62706E023703}">
+                      <ahyp:hlinkClr xmlns:ahyp="http://schemas.microsoft.com/office/drawing/2018/hyperlinkcolor" val="tx"/>
+                    </a:ext>
+                  </a:extLst>
+                </a:hlinkClick>
+              </a:rPr>
+              <a:t>Azure ML Python SDK</a:t>
+            </a:r>
+            <a:r>
+              <a:rPr lang="en-US" sz="2400" dirty="0">
+                <a:solidFill>
+                  <a:schemeClr val="tx1"/>
+                </a:solidFill>
+              </a:rPr>
+              <a:t> or if you prefer a no code experience, you can also Create your automated machine learning experiments in the </a:t>
+            </a:r>
+            <a:r>
+              <a:rPr lang="en-US" sz="2400" dirty="0">
+                <a:solidFill>
+                  <a:schemeClr val="tx1"/>
+                </a:solidFill>
+                <a:hlinkClick r:id="rId4">
+                  <a:extLst>
+                    <a:ext uri="{A12FA001-AC4F-418D-AE19-62706E023703}">
+                      <ahyp:hlinkClr xmlns:ahyp="http://schemas.microsoft.com/office/drawing/2018/hyperlinkcolor" val="tx"/>
+                    </a:ext>
+                  </a:extLst>
+                </a:hlinkClick>
+              </a:rPr>
+              <a:t>Azure portal</a:t>
+            </a:r>
+            <a:endParaRPr lang="en-US" sz="2400" dirty="0">
               <a:solidFill>
                 <a:schemeClr val="tx1"/>
               </a:solidFill>
@@ -20592,7 +20367,7 @@
     </p:spTree>
     <p:extLst>
       <p:ext uri="{BB962C8B-B14F-4D97-AF65-F5344CB8AC3E}">
-        <p14:creationId xmlns:p14="http://schemas.microsoft.com/office/powerpoint/2010/main" val="447957864"/>
+        <p14:creationId xmlns:p14="http://schemas.microsoft.com/office/powerpoint/2010/main" val="567164256"/>
       </p:ext>
     </p:extLst>
   </p:cSld>
@@ -20645,14 +20420,14 @@
           <a:lstStyle/>
           <a:p>
             <a:r>
-              <a:rPr lang="en-US" sz="4400" dirty="0">
+              <a:rPr lang="en-US" sz="4900" dirty="0">
                 <a:solidFill>
                   <a:schemeClr val="tx1"/>
                 </a:solidFill>
               </a:rPr>
               <a:t>Preferred solution</a:t>
             </a:r>
-            <a:endParaRPr lang="en-US" sz="4400" dirty="0">
+            <a:endParaRPr lang="en-US" sz="3236" dirty="0">
               <a:solidFill>
                 <a:schemeClr val="tx1"/>
               </a:solidFill>
@@ -20671,7 +20446,7 @@
         </p:nvSpPr>
         <p:spPr>
           <a:xfrm>
-            <a:off x="266923" y="1127711"/>
+            <a:off x="269240" y="1073991"/>
             <a:ext cx="11655840" cy="899665"/>
           </a:xfrm>
           <a:prstGeom prst="rect">
@@ -20719,23 +20494,10 @@
                 <a:solidFill>
                   <a:schemeClr val="tx1"/>
                 </a:solidFill>
-              </a:rPr>
-              <a:t>Summarizing claim text</a:t>
-            </a:r>
-            <a:br>
-              <a:rPr lang="en-US" sz="3600" dirty="0">
-                <a:solidFill>
-                  <a:schemeClr val="tx1"/>
-                </a:solidFill>
-                <a:latin typeface="Segoe UI" panose="020B0502040204020203" pitchFamily="34" charset="0"/>
-              </a:rPr>
-            </a:br>
-            <a:endParaRPr lang="en-US" sz="3600" dirty="0">
-              <a:solidFill>
-                <a:schemeClr val="tx1"/>
-              </a:solidFill>
-              <a:latin typeface="Segoe UI" panose="020B0502040204020203" pitchFamily="34" charset="0"/>
-            </a:endParaRPr>
+                <a:latin typeface="+mn-lt"/>
+              </a:rPr>
+              <a:t>Free-text Analytics</a:t>
+            </a:r>
           </a:p>
         </p:txBody>
       </p:sp>
@@ -20751,8 +20513,8 @@
         </p:nvSpPr>
         <p:spPr>
           <a:xfrm>
-            <a:off x="264606" y="1907633"/>
-            <a:ext cx="11653523" cy="5379312"/>
+            <a:off x="269240" y="1689920"/>
+            <a:ext cx="11781246" cy="5379312"/>
           </a:xfrm>
         </p:spPr>
         <p:txBody>
@@ -20765,41 +20527,116 @@
               <a:buNone/>
             </a:pPr>
             <a:r>
-              <a:rPr lang="en-US" sz="2800" dirty="0"/>
-              <a:t>Can they deploy a predictive web service to Azure Machine Learning services that does not utilize an external model (as in the case with Gensim for summarization) or would support an unsupervised approach (such as clustering)?</a:t>
+              <a:rPr lang="en-US" sz="2400" dirty="0">
+                <a:solidFill>
+                  <a:schemeClr val="tx1"/>
+                </a:solidFill>
+              </a:rPr>
+              <a:t>How would you recommend Contoso identify the sentiment, opinions, and key phrases in the free-response text provided associated with a claim? Would this require you to build a custom AI model? Is there a pre-built AI service you could use?</a:t>
             </a:r>
             <a:br>
-              <a:rPr lang="en-US" sz="2800" dirty="0">
+              <a:rPr lang="en-US" sz="2400" dirty="0">
+                <a:solidFill>
+                  <a:schemeClr val="tx1"/>
+                </a:solidFill>
                 <a:latin typeface="+mn-lt"/>
               </a:rPr>
             </a:br>
-            <a:endParaRPr lang="en-US" sz="2800" dirty="0">
+            <a:endParaRPr lang="en-US" sz="1800" dirty="0">
+              <a:solidFill>
+                <a:schemeClr val="tx1"/>
+              </a:solidFill>
               <a:latin typeface="+mn-lt"/>
             </a:endParaRPr>
           </a:p>
           <a:p>
             <a:r>
+              <a:rPr lang="en-US" sz="2200" dirty="0">
+                <a:solidFill>
+                  <a:schemeClr val="tx1"/>
+                </a:solidFill>
+                <a:latin typeface="+mn-lt"/>
+              </a:rPr>
+              <a:t>Use the Text Analytics API from Cognitive Services for scoring the sentiment , extracting opinion, and identifying key phrases of the claim text </a:t>
+            </a:r>
+          </a:p>
+          <a:p>
+            <a:r>
+              <a:rPr lang="en-US" sz="2200" dirty="0">
+                <a:solidFill>
+                  <a:schemeClr val="tx1"/>
+                </a:solidFill>
+                <a:latin typeface="+mn-lt"/>
+              </a:rPr>
+              <a:t>By doing so, they would not have to build or train a custom model, nor have the requirement of having the data to do so</a:t>
+            </a:r>
+            <a:endParaRPr lang="en-US" sz="2400" dirty="0">
+              <a:solidFill>
+                <a:schemeClr val="tx1"/>
+              </a:solidFill>
+              <a:latin typeface="+mn-lt"/>
+            </a:endParaRPr>
+          </a:p>
+          <a:p>
+            <a:pPr marL="0" indent="0">
+              <a:buNone/>
+            </a:pPr>
+            <a:endParaRPr lang="en-US" sz="2400" dirty="0">
+              <a:solidFill>
+                <a:schemeClr val="tx1"/>
+              </a:solidFill>
+            </a:endParaRPr>
+          </a:p>
+          <a:p>
+            <a:pPr marL="0" indent="0">
+              <a:buNone/>
+            </a:pPr>
+            <a:r>
               <a:rPr lang="en-US" sz="2400" dirty="0">
+                <a:solidFill>
+                  <a:schemeClr val="tx1"/>
+                </a:solidFill>
+              </a:rPr>
+              <a:t>For the solution you propose, what is the range of value of the sentiment score and how would you interpret that value? </a:t>
+            </a:r>
+            <a:br>
+              <a:rPr lang="en-US" sz="2400" dirty="0">
+                <a:solidFill>
+                  <a:schemeClr val="tx1"/>
+                </a:solidFill>
                 <a:latin typeface="+mn-lt"/>
               </a:rPr>
-              <a:t>Azure Machine Learning services can be used to deploy web services that do not have a model</a:t>
-            </a:r>
-          </a:p>
-          <a:p>
-            <a:r>
-              <a:rPr lang="en-US" sz="2400" dirty="0">
+            </a:br>
+            <a:endParaRPr lang="en-US" sz="1800" dirty="0">
+              <a:solidFill>
+                <a:schemeClr val="tx1"/>
+              </a:solidFill>
+              <a:latin typeface="+mn-lt"/>
+            </a:endParaRPr>
+          </a:p>
+          <a:p>
+            <a:r>
+              <a:rPr lang="en-US" sz="2200" dirty="0">
+                <a:solidFill>
+                  <a:schemeClr val="tx1"/>
+                </a:solidFill>
                 <a:latin typeface="+mn-lt"/>
               </a:rPr>
-              <a:t>While the API used to perform the deployment requires a model argument, the argument can refer to any file, and it does not require the use of the file during the web service runtime</a:t>
-            </a:r>
-          </a:p>
-          <a:p>
-            <a:r>
-              <a:rPr lang="en-US" sz="2400" dirty="0">
+              <a:t>The Text Analytics API returns confidence scores from 0 to 1 for sentiments</a:t>
+            </a:r>
+          </a:p>
+          <a:p>
+            <a:r>
+              <a:rPr lang="en-US" sz="2200" dirty="0">
+                <a:solidFill>
+                  <a:schemeClr val="tx1"/>
+                </a:solidFill>
                 <a:latin typeface="+mn-lt"/>
               </a:rPr>
-              <a:t>Therefore, Contoso could deploy a web service that uses Gensim to perform summarization</a:t>
-            </a:r>
+              <a:t>Higher confidence score for a given sentiment implies higher probability of that sentiment being present in the text</a:t>
+            </a:r>
+          </a:p>
+          <a:p>
             <a:endParaRPr lang="en-US" sz="2400" dirty="0">
               <a:solidFill>
                 <a:schemeClr val="tx1"/>
@@ -20838,7 +20675,7 @@
     </p:spTree>
     <p:extLst>
       <p:ext uri="{BB962C8B-B14F-4D97-AF65-F5344CB8AC3E}">
-        <p14:creationId xmlns:p14="http://schemas.microsoft.com/office/powerpoint/2010/main" val="3128972092"/>
+        <p14:creationId xmlns:p14="http://schemas.microsoft.com/office/powerpoint/2010/main" val="2284458745"/>
       </p:ext>
     </p:extLst>
   </p:cSld>
@@ -20883,12 +20720,7 @@
             <p:ph type="title"/>
           </p:nvPr>
         </p:nvSpPr>
-        <p:spPr>
-          <a:xfrm>
-            <a:off x="421640" y="1341576"/>
-            <a:ext cx="11655840" cy="899665"/>
-          </a:xfrm>
-        </p:spPr>
+        <p:spPr/>
         <p:txBody>
           <a:bodyPr>
             <a:normAutofit/>
@@ -20896,14 +20728,14 @@
           <a:lstStyle/>
           <a:p>
             <a:r>
-              <a:rPr lang="en-US" sz="3600" dirty="0">
+              <a:rPr lang="en-US" sz="4900" dirty="0">
                 <a:solidFill>
                   <a:schemeClr val="tx1"/>
                 </a:solidFill>
               </a:rPr>
-              <a:t>Captions, tags, and “reading” images</a:t>
-            </a:r>
-            <a:endParaRPr lang="en-US" sz="3600" dirty="0">
+              <a:t>Preferred solution</a:t>
+            </a:r>
+            <a:endParaRPr lang="en-US" sz="3236" dirty="0">
               <a:solidFill>
                 <a:schemeClr val="tx1"/>
               </a:solidFill>
@@ -20922,7 +20754,7 @@
         </p:nvSpPr>
         <p:spPr>
           <a:xfrm>
-            <a:off x="421640" y="441911"/>
+            <a:off x="269240" y="1073991"/>
             <a:ext cx="11655840" cy="899665"/>
           </a:xfrm>
           <a:prstGeom prst="rect">
@@ -20931,7 +20763,7 @@
         </p:spPr>
         <p:txBody>
           <a:bodyPr vert="horz" wrap="square" lIns="146304" tIns="91440" rIns="146304" bIns="91440" rtlCol="0" anchor="t">
-            <a:normAutofit fontScale="97500"/>
+            <a:noAutofit/>
           </a:bodyPr>
           <a:lstStyle>
             <a:lvl1pPr algn="l" defTabSz="914367" rtl="0" eaLnBrk="1" latinLnBrk="0" hangingPunct="1">
@@ -20966,19 +20798,14 @@
           </a:lstStyle>
           <a:p>
             <a:r>
-              <a:rPr lang="en-US" sz="4400" dirty="0">
+              <a:rPr lang="en-US" sz="3600" dirty="0">
                 <a:solidFill>
                   <a:schemeClr val="tx1"/>
                 </a:solidFill>
-              </a:rPr>
-              <a:t>Preferred solution</a:t>
-            </a:r>
-            <a:endParaRPr lang="en-US" sz="4400" dirty="0">
-              <a:solidFill>
-                <a:schemeClr val="tx1"/>
-              </a:solidFill>
-              <a:latin typeface="Segoe UI" panose="020B0502040204020203" pitchFamily="34" charset="0"/>
-            </a:endParaRPr>
+                <a:latin typeface="+mn-lt"/>
+              </a:rPr>
+              <a:t>Free-text Analytics</a:t>
+            </a:r>
           </a:p>
         </p:txBody>
       </p:sp>
@@ -20994,8 +20821,8 @@
         </p:nvSpPr>
         <p:spPr>
           <a:xfrm>
-            <a:off x="421640" y="2360984"/>
-            <a:ext cx="10216609" cy="5379312"/>
+            <a:off x="269240" y="1689920"/>
+            <a:ext cx="11781246" cy="4878569"/>
           </a:xfrm>
         </p:spPr>
         <p:txBody>
@@ -21008,37 +20835,412 @@
               <a:buNone/>
             </a:pPr>
             <a:r>
-              <a:rPr lang="en-US" sz="2800" dirty="0"/>
-              <a:t>How would you recommend Contoso implement support for automatically creating captions and tagging the claim photos? </a:t>
+              <a:rPr lang="en-US" sz="2400" dirty="0">
+                <a:solidFill>
+                  <a:schemeClr val="tx1"/>
+                </a:solidFill>
+              </a:rPr>
+              <a:t>Pseudo code on how to use the Text Analytics Python APIs for their text analytics use cases</a:t>
             </a:r>
             <a:br>
-              <a:rPr lang="en-US" sz="2800" dirty="0">
+              <a:rPr lang="en-US" sz="2400" dirty="0">
+                <a:solidFill>
+                  <a:schemeClr val="tx1"/>
+                </a:solidFill>
                 <a:latin typeface="+mn-lt"/>
               </a:rPr>
-            </a:br>
-            <a:endParaRPr lang="en-US" sz="2800" dirty="0">
-              <a:latin typeface="+mn-lt"/>
-            </a:endParaRPr>
-          </a:p>
-          <a:p>
-            <a:r>
-              <a:rPr lang="en-US" sz="2400" dirty="0">
-                <a:latin typeface="+mn-lt"/>
-              </a:rPr>
-              <a:t>Contoso should use the analyze feature of the Computer Vision API from Cognitive Services</a:t>
-            </a:r>
-            <a:br>
-              <a:rPr lang="en-US" sz="2800" dirty="0">
-                <a:latin typeface="+mn-lt"/>
-              </a:rPr>
-            </a:br>
-            <a:br>
-              <a:rPr lang="en-US" sz="2400" dirty="0"/>
             </a:br>
             <a:endParaRPr lang="en-US" sz="1800" dirty="0">
               <a:solidFill>
                 <a:schemeClr val="tx1"/>
               </a:solidFill>
+              <a:latin typeface="+mn-lt"/>
+            </a:endParaRPr>
+          </a:p>
+          <a:p>
+            <a:pPr marL="0" indent="0">
+              <a:buNone/>
+            </a:pPr>
+            <a:r>
+              <a:rPr lang="en-US" sz="1800" dirty="0">
+                <a:solidFill>
+                  <a:schemeClr val="tx1"/>
+                </a:solidFill>
+                <a:latin typeface="+mn-lt"/>
+              </a:rPr>
+              <a:t>from </a:t>
+            </a:r>
+            <a:r>
+              <a:rPr lang="en-US" sz="1800" dirty="0" err="1">
+                <a:solidFill>
+                  <a:schemeClr val="tx1"/>
+                </a:solidFill>
+                <a:latin typeface="+mn-lt"/>
+              </a:rPr>
+              <a:t>azure.core.credentials</a:t>
+            </a:r>
+            <a:r>
+              <a:rPr lang="en-US" sz="1800" dirty="0">
+                <a:solidFill>
+                  <a:schemeClr val="tx1"/>
+                </a:solidFill>
+                <a:latin typeface="+mn-lt"/>
+              </a:rPr>
+              <a:t> import </a:t>
+            </a:r>
+            <a:r>
+              <a:rPr lang="en-US" sz="1800" dirty="0" err="1">
+                <a:solidFill>
+                  <a:schemeClr val="tx1"/>
+                </a:solidFill>
+                <a:latin typeface="+mn-lt"/>
+              </a:rPr>
+              <a:t>AzureKeyCredential</a:t>
+            </a:r>
+            <a:endParaRPr lang="en-US" sz="1800" dirty="0">
+              <a:solidFill>
+                <a:schemeClr val="tx1"/>
+              </a:solidFill>
+              <a:latin typeface="+mn-lt"/>
+            </a:endParaRPr>
+          </a:p>
+          <a:p>
+            <a:pPr marL="0" indent="0">
+              <a:buNone/>
+            </a:pPr>
+            <a:r>
+              <a:rPr lang="en-US" sz="1800" dirty="0">
+                <a:solidFill>
+                  <a:schemeClr val="tx1"/>
+                </a:solidFill>
+                <a:latin typeface="+mn-lt"/>
+              </a:rPr>
+              <a:t>from </a:t>
+            </a:r>
+            <a:r>
+              <a:rPr lang="en-US" sz="1800" dirty="0" err="1">
+                <a:solidFill>
+                  <a:schemeClr val="tx1"/>
+                </a:solidFill>
+                <a:latin typeface="+mn-lt"/>
+              </a:rPr>
+              <a:t>azure.ai.textanalytics</a:t>
+            </a:r>
+            <a:r>
+              <a:rPr lang="en-US" sz="1800" dirty="0">
+                <a:solidFill>
+                  <a:schemeClr val="tx1"/>
+                </a:solidFill>
+                <a:latin typeface="+mn-lt"/>
+              </a:rPr>
+              <a:t> import </a:t>
+            </a:r>
+            <a:r>
+              <a:rPr lang="en-US" sz="1800" dirty="0" err="1">
+                <a:solidFill>
+                  <a:schemeClr val="tx1"/>
+                </a:solidFill>
+                <a:latin typeface="+mn-lt"/>
+              </a:rPr>
+              <a:t>TextAnalyticsClient</a:t>
+            </a:r>
+            <a:endParaRPr lang="en-US" sz="1800" dirty="0">
+              <a:solidFill>
+                <a:schemeClr val="tx1"/>
+              </a:solidFill>
+              <a:latin typeface="+mn-lt"/>
+            </a:endParaRPr>
+          </a:p>
+          <a:p>
+            <a:pPr marL="0" indent="0">
+              <a:buNone/>
+            </a:pPr>
+            <a:r>
+              <a:rPr lang="en-US" sz="1800" dirty="0">
+                <a:solidFill>
+                  <a:schemeClr val="tx1"/>
+                </a:solidFill>
+                <a:latin typeface="+mn-lt"/>
+              </a:rPr>
+              <a:t># Create the Text Analytics Client</a:t>
+            </a:r>
+          </a:p>
+          <a:p>
+            <a:pPr marL="0" indent="0">
+              <a:buNone/>
+            </a:pPr>
+            <a:r>
+              <a:rPr lang="en-US" sz="1800" dirty="0">
+                <a:solidFill>
+                  <a:schemeClr val="tx1"/>
+                </a:solidFill>
+                <a:latin typeface="+mn-lt"/>
+              </a:rPr>
+              <a:t>credential = </a:t>
+            </a:r>
+            <a:r>
+              <a:rPr lang="en-US" sz="1800" dirty="0" err="1">
+                <a:solidFill>
+                  <a:schemeClr val="tx1"/>
+                </a:solidFill>
+                <a:latin typeface="+mn-lt"/>
+              </a:rPr>
+              <a:t>AzureKeyCredential</a:t>
+            </a:r>
+            <a:r>
+              <a:rPr lang="en-US" sz="1800" dirty="0">
+                <a:solidFill>
+                  <a:schemeClr val="tx1"/>
+                </a:solidFill>
+                <a:latin typeface="+mn-lt"/>
+              </a:rPr>
+              <a:t>(key)</a:t>
+            </a:r>
+          </a:p>
+          <a:p>
+            <a:pPr marL="0" indent="0">
+              <a:buNone/>
+            </a:pPr>
+            <a:r>
+              <a:rPr lang="en-US" sz="1800" dirty="0">
+                <a:solidFill>
+                  <a:schemeClr val="tx1"/>
+                </a:solidFill>
+                <a:latin typeface="+mn-lt"/>
+              </a:rPr>
+              <a:t>client = </a:t>
+            </a:r>
+            <a:r>
+              <a:rPr lang="en-US" sz="1800" dirty="0" err="1">
+                <a:solidFill>
+                  <a:schemeClr val="tx1"/>
+                </a:solidFill>
+                <a:latin typeface="+mn-lt"/>
+              </a:rPr>
+              <a:t>TextAnalyticsClient</a:t>
+            </a:r>
+            <a:r>
+              <a:rPr lang="en-US" sz="1800" dirty="0">
+                <a:solidFill>
+                  <a:schemeClr val="tx1"/>
+                </a:solidFill>
+                <a:latin typeface="+mn-lt"/>
+              </a:rPr>
+              <a:t>(endpoint=endpoint, credential=credential)</a:t>
+            </a:r>
+          </a:p>
+          <a:p>
+            <a:pPr marL="0" indent="0">
+              <a:buNone/>
+            </a:pPr>
+            <a:r>
+              <a:rPr lang="en-US" sz="1800" dirty="0">
+                <a:solidFill>
+                  <a:schemeClr val="tx1"/>
+                </a:solidFill>
+                <a:latin typeface="+mn-lt"/>
+              </a:rPr>
+              <a:t> # Analyze sentiments in the claims text</a:t>
+            </a:r>
+          </a:p>
+          <a:p>
+            <a:pPr marL="0" indent="0">
+              <a:buNone/>
+            </a:pPr>
+            <a:r>
+              <a:rPr lang="en-US" sz="1800" dirty="0">
+                <a:solidFill>
+                  <a:schemeClr val="tx1"/>
+                </a:solidFill>
+                <a:latin typeface="+mn-lt"/>
+              </a:rPr>
+              <a:t>claim = "..."</a:t>
+            </a:r>
+          </a:p>
+          <a:p>
+            <a:pPr marL="0" indent="0">
+              <a:buNone/>
+            </a:pPr>
+            <a:r>
+              <a:rPr lang="en-US" sz="1800" dirty="0">
+                <a:solidFill>
+                  <a:schemeClr val="tx1"/>
+                </a:solidFill>
+                <a:latin typeface="+mn-lt"/>
+              </a:rPr>
+              <a:t>response = </a:t>
+            </a:r>
+            <a:r>
+              <a:rPr lang="en-US" sz="1800" dirty="0" err="1">
+                <a:solidFill>
+                  <a:schemeClr val="tx1"/>
+                </a:solidFill>
+                <a:latin typeface="+mn-lt"/>
+              </a:rPr>
+              <a:t>client.analyze_sentiment</a:t>
+            </a:r>
+            <a:r>
+              <a:rPr lang="en-US" sz="1800" dirty="0">
+                <a:solidFill>
+                  <a:schemeClr val="tx1"/>
+                </a:solidFill>
+                <a:latin typeface="+mn-lt"/>
+              </a:rPr>
+              <a:t>(documents=[claim])[0]</a:t>
+            </a:r>
+          </a:p>
+          <a:p>
+            <a:pPr marL="0" indent="0">
+              <a:buNone/>
+            </a:pPr>
+            <a:r>
+              <a:rPr lang="en-US" sz="1800" dirty="0">
+                <a:solidFill>
+                  <a:schemeClr val="tx1"/>
+                </a:solidFill>
+                <a:latin typeface="+mn-lt"/>
+              </a:rPr>
+              <a:t># Retrieve the sentiment scores from the response</a:t>
+            </a:r>
+          </a:p>
+          <a:p>
+            <a:pPr marL="0" indent="0">
+              <a:buNone/>
+            </a:pPr>
+            <a:r>
+              <a:rPr lang="en-US" sz="1800" dirty="0" err="1">
+                <a:solidFill>
+                  <a:schemeClr val="tx1"/>
+                </a:solidFill>
+                <a:latin typeface="+mn-lt"/>
+              </a:rPr>
+              <a:t>overall_positive_score</a:t>
+            </a:r>
+            <a:r>
+              <a:rPr lang="en-US" sz="1800" dirty="0">
+                <a:solidFill>
+                  <a:schemeClr val="tx1"/>
+                </a:solidFill>
+                <a:latin typeface="+mn-lt"/>
+              </a:rPr>
+              <a:t> = </a:t>
+            </a:r>
+            <a:r>
+              <a:rPr lang="en-US" sz="1800" dirty="0" err="1">
+                <a:solidFill>
+                  <a:schemeClr val="tx1"/>
+                </a:solidFill>
+                <a:latin typeface="+mn-lt"/>
+              </a:rPr>
+              <a:t>response.confidence_scores.positive</a:t>
+            </a:r>
+            <a:endParaRPr lang="en-US" sz="1800" dirty="0">
+              <a:solidFill>
+                <a:schemeClr val="tx1"/>
+              </a:solidFill>
+              <a:latin typeface="+mn-lt"/>
+            </a:endParaRPr>
+          </a:p>
+          <a:p>
+            <a:pPr marL="0" indent="0">
+              <a:buNone/>
+            </a:pPr>
+            <a:r>
+              <a:rPr lang="en-US" sz="1800" dirty="0" err="1">
+                <a:solidFill>
+                  <a:schemeClr val="tx1"/>
+                </a:solidFill>
+                <a:latin typeface="+mn-lt"/>
+              </a:rPr>
+              <a:t>overall_neutral_score</a:t>
+            </a:r>
+            <a:r>
+              <a:rPr lang="en-US" sz="1800" dirty="0">
+                <a:solidFill>
+                  <a:schemeClr val="tx1"/>
+                </a:solidFill>
+                <a:latin typeface="+mn-lt"/>
+              </a:rPr>
+              <a:t> = </a:t>
+            </a:r>
+            <a:r>
+              <a:rPr lang="en-US" sz="1800" dirty="0" err="1">
+                <a:solidFill>
+                  <a:schemeClr val="tx1"/>
+                </a:solidFill>
+                <a:latin typeface="+mn-lt"/>
+              </a:rPr>
+              <a:t>response.confidence_scores.neutral</a:t>
+            </a:r>
+            <a:endParaRPr lang="en-US" sz="1800" dirty="0">
+              <a:solidFill>
+                <a:schemeClr val="tx1"/>
+              </a:solidFill>
+              <a:latin typeface="+mn-lt"/>
+            </a:endParaRPr>
+          </a:p>
+          <a:p>
+            <a:pPr marL="0" indent="0">
+              <a:buNone/>
+            </a:pPr>
+            <a:r>
+              <a:rPr lang="en-US" sz="1800" dirty="0" err="1">
+                <a:solidFill>
+                  <a:schemeClr val="tx1"/>
+                </a:solidFill>
+                <a:latin typeface="+mn-lt"/>
+              </a:rPr>
+              <a:t>overall_negative_score</a:t>
+            </a:r>
+            <a:r>
+              <a:rPr lang="en-US" sz="1800" dirty="0">
+                <a:solidFill>
+                  <a:schemeClr val="tx1"/>
+                </a:solidFill>
+                <a:latin typeface="+mn-lt"/>
+              </a:rPr>
+              <a:t> = </a:t>
+            </a:r>
+            <a:r>
+              <a:rPr lang="en-US" sz="1800" dirty="0" err="1">
+                <a:solidFill>
+                  <a:schemeClr val="tx1"/>
+                </a:solidFill>
+                <a:latin typeface="+mn-lt"/>
+              </a:rPr>
+              <a:t>response.confidence_scores.negative</a:t>
+            </a:r>
+            <a:endParaRPr lang="en-US" sz="2400" dirty="0">
+              <a:solidFill>
+                <a:schemeClr val="tx1"/>
+              </a:solidFill>
+              <a:latin typeface="+mn-lt"/>
+            </a:endParaRPr>
+          </a:p>
+          <a:p>
+            <a:pPr marL="0" indent="0">
+              <a:spcAft>
+                <a:spcPts val="882"/>
+              </a:spcAft>
+              <a:buNone/>
+            </a:pPr>
+            <a:endParaRPr lang="en-US" sz="1800" dirty="0">
+              <a:solidFill>
+                <a:schemeClr val="tx1"/>
+              </a:solidFill>
+            </a:endParaRPr>
+          </a:p>
+          <a:p>
+            <a:pPr marL="0" indent="0">
+              <a:spcAft>
+                <a:spcPts val="882"/>
+              </a:spcAft>
+              <a:buNone/>
+            </a:pPr>
+            <a:endParaRPr lang="en-US" sz="1800" dirty="0">
+              <a:solidFill>
+                <a:schemeClr val="tx1"/>
+              </a:solidFill>
             </a:endParaRPr>
           </a:p>
         </p:txBody>
@@ -21046,7 +21248,7 @@
     </p:spTree>
     <p:extLst>
       <p:ext uri="{BB962C8B-B14F-4D97-AF65-F5344CB8AC3E}">
-        <p14:creationId xmlns:p14="http://schemas.microsoft.com/office/powerpoint/2010/main" val="1655860408"/>
+        <p14:creationId xmlns:p14="http://schemas.microsoft.com/office/powerpoint/2010/main" val="447957864"/>
       </p:ext>
     </p:extLst>
   </p:cSld>
@@ -21094,27 +21296,19 @@
         <p:spPr/>
         <p:txBody>
           <a:bodyPr>
-            <a:normAutofit fontScale="90000"/>
+            <a:normAutofit/>
           </a:bodyPr>
           <a:lstStyle/>
           <a:p>
             <a:r>
-              <a:rPr lang="en-US" sz="4900" dirty="0">
+              <a:rPr lang="en-US" sz="4400" dirty="0">
                 <a:solidFill>
                   <a:schemeClr val="tx1"/>
                 </a:solidFill>
               </a:rPr>
               <a:t>Preferred solution</a:t>
             </a:r>
-            <a:br>
-              <a:rPr lang="en-US" dirty="0">
-                <a:solidFill>
-                  <a:schemeClr val="tx1"/>
-                </a:solidFill>
-                <a:latin typeface="Segoe UI" panose="020B0502040204020203" pitchFamily="34" charset="0"/>
-              </a:rPr>
-            </a:br>
-            <a:endParaRPr lang="en-US" sz="3236" dirty="0">
+            <a:endParaRPr lang="en-US" sz="4400" dirty="0">
               <a:solidFill>
                 <a:schemeClr val="tx1"/>
               </a:solidFill>
@@ -21125,7 +21319,7 @@
       </p:sp>
       <p:sp>
         <p:nvSpPr>
-          <p:cNvPr id="5" name="Title 1"/>
+          <p:cNvPr id="4" name="Title 1"/>
           <p:cNvSpPr txBox="1">
             <a:spLocks/>
           </p:cNvSpPr>
@@ -21133,8 +21327,8 @@
         </p:nvSpPr>
         <p:spPr>
           <a:xfrm>
-            <a:off x="269240" y="1175081"/>
-            <a:ext cx="11655840" cy="899665"/>
+            <a:off x="266923" y="1127712"/>
+            <a:ext cx="11655840" cy="508584"/>
           </a:xfrm>
           <a:prstGeom prst="rect">
             <a:avLst/>
@@ -21142,7 +21336,7 @@
         </p:spPr>
         <p:txBody>
           <a:bodyPr vert="horz" wrap="square" lIns="146304" tIns="91440" rIns="146304" bIns="91440" rtlCol="0" anchor="t">
-            <a:normAutofit/>
+            <a:noAutofit/>
           </a:bodyPr>
           <a:lstStyle>
             <a:lvl1pPr algn="l" defTabSz="914367" rtl="0" eaLnBrk="1" latinLnBrk="0" hangingPunct="1">
@@ -21182,8 +21376,16 @@
                   <a:schemeClr val="tx1"/>
                 </a:solidFill>
               </a:rPr>
-              <a:t>Captions, tags, and “reading” images</a:t>
-            </a:r>
+              <a:t>Summarizing claim text</a:t>
+            </a:r>
+            <a:br>
+              <a:rPr lang="en-US" sz="3600" dirty="0">
+                <a:solidFill>
+                  <a:schemeClr val="tx1"/>
+                </a:solidFill>
+                <a:latin typeface="Segoe UI" panose="020B0502040204020203" pitchFamily="34" charset="0"/>
+              </a:rPr>
+            </a:br>
             <a:endParaRPr lang="en-US" sz="3600" dirty="0">
               <a:solidFill>
                 <a:schemeClr val="tx1"/>
@@ -21205,8 +21407,8 @@
         </p:nvSpPr>
         <p:spPr>
           <a:xfrm>
-            <a:off x="338651" y="2074746"/>
-            <a:ext cx="5490430" cy="4943439"/>
+            <a:off x="264606" y="1667003"/>
+            <a:ext cx="11653523" cy="5379312"/>
           </a:xfrm>
         </p:spPr>
         <p:txBody>
@@ -21220,113 +21422,51 @@
             </a:pPr>
             <a:r>
               <a:rPr lang="en-US" sz="2800" dirty="0">
-                <a:gradFill>
-                  <a:gsLst>
-                    <a:gs pos="1250">
-                      <a:srgbClr val="FFFFFF"/>
-                    </a:gs>
-                    <a:gs pos="100000">
-                      <a:srgbClr val="FFFFFF"/>
-                    </a:gs>
-                  </a:gsLst>
-                  <a:lin ang="5400000" scaled="0"/>
-                </a:gradFill>
-                <a:latin typeface="+mn-lt"/>
-              </a:rPr>
-              <a:t>Describe the flow of processing of an image as input, to what value is returned by each component in your proposed solution for captioning and tagging images.</a:t>
-            </a:r>
-          </a:p>
-          <a:p>
-            <a:pPr marL="0" indent="0">
-              <a:buNone/>
-            </a:pPr>
-            <a:endParaRPr lang="en-US" sz="1800" dirty="0">
-              <a:gradFill>
-                <a:gsLst>
-                  <a:gs pos="1250">
-                    <a:srgbClr val="FFFFFF"/>
-                  </a:gs>
-                  <a:gs pos="100000">
-                    <a:srgbClr val="FFFFFF"/>
-                  </a:gs>
-                </a:gsLst>
-                <a:lin ang="5400000" scaled="0"/>
-              </a:gradFill>
-            </a:endParaRPr>
-          </a:p>
-          <a:p>
-            <a:r>
-              <a:rPr lang="en-US" sz="2400" dirty="0">
-                <a:gradFill>
-                  <a:gsLst>
-                    <a:gs pos="1250">
-                      <a:srgbClr val="FFFFFF"/>
-                    </a:gs>
-                    <a:gs pos="100000">
-                      <a:srgbClr val="FFFFFF"/>
-                    </a:gs>
-                  </a:gsLst>
-                  <a:lin ang="5400000" scaled="0"/>
-                </a:gradFill>
-                <a:latin typeface="+mn-lt"/>
-              </a:rPr>
-              <a:t>Either the binary image data or a URL pointing to a publicly accessible image can be supplied</a:t>
-            </a:r>
-            <a:br>
-              <a:rPr lang="en-US" sz="2400" dirty="0">
-                <a:gradFill>
-                  <a:gsLst>
-                    <a:gs pos="1250">
-                      <a:srgbClr val="FFFFFF"/>
-                    </a:gs>
-                    <a:gs pos="100000">
-                      <a:srgbClr val="FFFFFF"/>
-                    </a:gs>
-                  </a:gsLst>
-                  <a:lin ang="5400000" scaled="0"/>
-                </a:gradFill>
-                <a:latin typeface="+mn-lt"/>
-              </a:rPr>
-            </a:br>
-            <a:endParaRPr lang="en-US" sz="1800" dirty="0">
-              <a:gradFill>
-                <a:gsLst>
-                  <a:gs pos="1250">
-                    <a:srgbClr val="FFFFFF"/>
-                  </a:gs>
-                  <a:gs pos="100000">
-                    <a:srgbClr val="FFFFFF"/>
-                  </a:gs>
-                </a:gsLst>
-                <a:lin ang="5400000" scaled="0"/>
-              </a:gradFill>
-              <a:latin typeface="+mn-lt"/>
-            </a:endParaRPr>
-          </a:p>
-          <a:p>
-            <a:r>
-              <a:rPr lang="en-US" sz="2400" dirty="0">
-                <a:gradFill>
-                  <a:gsLst>
-                    <a:gs pos="1250">
-                      <a:srgbClr val="FFFFFF"/>
-                    </a:gs>
-                    <a:gs pos="100000">
-                      <a:srgbClr val="FFFFFF"/>
-                    </a:gs>
-                  </a:gsLst>
-                  <a:lin ang="5400000" scaled="0"/>
-                </a:gradFill>
-                <a:latin typeface="+mn-lt"/>
-              </a:rPr>
-              <a:t>A JSON response document is returned</a:t>
-            </a:r>
-            <a:endParaRPr lang="en-US" sz="2400" dirty="0">
+                <a:solidFill>
+                  <a:schemeClr val="tx1"/>
+                </a:solidFill>
+              </a:rPr>
+              <a:t>Can they deploy a predictive web service to Azure Machine Learning services that does not utilize an external model (as in the case with Gensim for summarization) or would support an unsupervised approach (such as clustering)?</a:t>
+            </a:r>
+            <a:endParaRPr lang="en-US" sz="2800" dirty="0">
               <a:solidFill>
                 <a:schemeClr val="tx1"/>
               </a:solidFill>
               <a:latin typeface="+mn-lt"/>
             </a:endParaRPr>
+          </a:p>
+          <a:p>
+            <a:r>
+              <a:rPr lang="en-US" sz="2200" dirty="0">
+                <a:solidFill>
+                  <a:schemeClr val="tx1"/>
+                </a:solidFill>
+                <a:latin typeface="+mn-lt"/>
+              </a:rPr>
+              <a:t>Azure Machine Learning services can be used to deploy web services that do not have a model</a:t>
+            </a:r>
+          </a:p>
+          <a:p>
+            <a:r>
+              <a:rPr lang="en-US" sz="2200" dirty="0">
+                <a:solidFill>
+                  <a:schemeClr val="tx1"/>
+                </a:solidFill>
+                <a:latin typeface="+mn-lt"/>
+              </a:rPr>
+              <a:t>While the API used to perform the deployment requires a model argument, the argument can refer to any file, and it does not require the use of the file during the web service runtime. Therefore, Contoso could deploy a web service that uses Gensim to perform summarization</a:t>
+            </a:r>
+          </a:p>
+          <a:p>
+            <a:r>
+              <a:rPr lang="en-US" sz="2200" dirty="0">
+                <a:solidFill>
+                  <a:schemeClr val="tx1"/>
+                </a:solidFill>
+                <a:latin typeface="+mn-lt"/>
+              </a:rPr>
+              <a:t>The extractive summarization is a feature in Azure Text Analytics produces a summary by extracting sentences that collectively represent the most important or relevant information within the original content. It is currently in preview capability and once it’s becomes GA it can be leveraged in a similar fashion as the other Text Analytics APIs</a:t>
+            </a:r>
           </a:p>
           <a:p>
             <a:pPr marL="0" indent="0">
@@ -21341,544 +21481,17 @@
               </a:solidFill>
             </a:endParaRPr>
           </a:p>
-        </p:txBody>
-      </p:sp>
-      <p:sp>
-        <p:nvSpPr>
-          <p:cNvPr id="4" name="Rectangle 3" descr="An example of the JSON response from the processing.">
-            <a:extLst>
-              <a:ext uri="{FF2B5EF4-FFF2-40B4-BE49-F238E27FC236}">
-                <a16:creationId xmlns:a16="http://schemas.microsoft.com/office/drawing/2014/main" id="{2834E07D-362C-4CBB-B7E4-ABD61E2A0F03}"/>
-              </a:ext>
-            </a:extLst>
-          </p:cNvPr>
-          <p:cNvSpPr/>
-          <p:nvPr/>
-        </p:nvSpPr>
-        <p:spPr>
-          <a:xfrm>
-            <a:off x="5829081" y="2074746"/>
-            <a:ext cx="6095999" cy="4381649"/>
-          </a:xfrm>
-          <a:prstGeom prst="rect">
-            <a:avLst/>
-          </a:prstGeom>
-        </p:spPr>
-        <p:txBody>
-          <a:bodyPr wrap="square">
-            <a:spAutoFit/>
-          </a:bodyPr>
-          <a:lstStyle/>
-          <a:p>
-            <a:pPr marL="457200" marR="43815">
-              <a:lnSpc>
-                <a:spcPct val="104000"/>
-              </a:lnSpc>
-              <a:spcBef>
-                <a:spcPts val="0"/>
-              </a:spcBef>
+          <a:p>
+            <a:pPr marL="0" indent="0">
               <a:spcAft>
-                <a:spcPts val="105"/>
+                <a:spcPts val="882"/>
               </a:spcAft>
+              <a:buNone/>
             </a:pPr>
-            <a:r>
-              <a:rPr lang="en-US" sz="1200" dirty="0">
-                <a:latin typeface="Consolas" panose="020B0609020204030204" pitchFamily="49" charset="0"/>
-                <a:cs typeface="Segoe UI" panose="020B0502040204020203" pitchFamily="34" charset="0"/>
-              </a:rPr>
-              <a:t>{'categories': [{'name': 'others_', 'score': 0.39453125},</a:t>
-            </a:r>
-            <a:endParaRPr lang="en-US" sz="1200" dirty="0"/>
-          </a:p>
-          <a:p>
-            <a:pPr marL="457200" marR="43815">
-              <a:lnSpc>
-                <a:spcPct val="104000"/>
-              </a:lnSpc>
-              <a:spcBef>
-                <a:spcPts val="0"/>
-              </a:spcBef>
-              <a:spcAft>
-                <a:spcPts val="105"/>
-              </a:spcAft>
-            </a:pPr>
-            <a:r>
-              <a:rPr lang="en-US" sz="1200" dirty="0">
-                <a:latin typeface="Consolas" panose="020B0609020204030204" pitchFamily="49" charset="0"/>
-                <a:cs typeface="Segoe UI" panose="020B0502040204020203" pitchFamily="34" charset="0"/>
-              </a:rPr>
-              <a:t>  {'name': 'trans_car', 'score': 0.44140625}],</a:t>
-            </a:r>
-            <a:endParaRPr lang="en-US" sz="1200" dirty="0"/>
-          </a:p>
-          <a:p>
-            <a:pPr marL="457200" marR="43815">
-              <a:lnSpc>
-                <a:spcPct val="104000"/>
-              </a:lnSpc>
-              <a:spcBef>
-                <a:spcPts val="0"/>
-              </a:spcBef>
-              <a:spcAft>
-                <a:spcPts val="105"/>
-              </a:spcAft>
-            </a:pPr>
-            <a:r>
-              <a:rPr lang="en-US" sz="1200" dirty="0">
-                <a:latin typeface="Consolas" panose="020B0609020204030204" pitchFamily="49" charset="0"/>
-                <a:cs typeface="Segoe UI" panose="020B0502040204020203" pitchFamily="34" charset="0"/>
-              </a:rPr>
-              <a:t> 'color': {'accentColor': '895D42',</a:t>
-            </a:r>
-            <a:endParaRPr lang="en-US" sz="1200" dirty="0"/>
-          </a:p>
-          <a:p>
-            <a:pPr marL="457200" marR="43815">
-              <a:lnSpc>
-                <a:spcPct val="104000"/>
-              </a:lnSpc>
-              <a:spcBef>
-                <a:spcPts val="0"/>
-              </a:spcBef>
-              <a:spcAft>
-                <a:spcPts val="105"/>
-              </a:spcAft>
-            </a:pPr>
-            <a:r>
-              <a:rPr lang="en-US" sz="1200" dirty="0">
-                <a:latin typeface="Consolas" panose="020B0609020204030204" pitchFamily="49" charset="0"/>
-                <a:cs typeface="Segoe UI" panose="020B0502040204020203" pitchFamily="34" charset="0"/>
-              </a:rPr>
-              <a:t>  'dominantColorBackground': 'White',</a:t>
-            </a:r>
-            <a:endParaRPr lang="en-US" sz="1200" dirty="0"/>
-          </a:p>
-          <a:p>
-            <a:pPr marL="457200" marR="43815">
-              <a:lnSpc>
-                <a:spcPct val="104000"/>
-              </a:lnSpc>
-              <a:spcBef>
-                <a:spcPts val="0"/>
-              </a:spcBef>
-              <a:spcAft>
-                <a:spcPts val="105"/>
-              </a:spcAft>
-            </a:pPr>
-            <a:r>
-              <a:rPr lang="en-US" sz="1200" dirty="0">
-                <a:latin typeface="Consolas" panose="020B0609020204030204" pitchFamily="49" charset="0"/>
-                <a:cs typeface="Segoe UI" panose="020B0502040204020203" pitchFamily="34" charset="0"/>
-              </a:rPr>
-              <a:t>  'dominantColorForeground': 'White',</a:t>
-            </a:r>
-            <a:endParaRPr lang="en-US" sz="1200" dirty="0"/>
-          </a:p>
-          <a:p>
-            <a:pPr marL="457200" marR="43815">
-              <a:lnSpc>
-                <a:spcPct val="104000"/>
-              </a:lnSpc>
-              <a:spcBef>
-                <a:spcPts val="0"/>
-              </a:spcBef>
-              <a:spcAft>
-                <a:spcPts val="105"/>
-              </a:spcAft>
-            </a:pPr>
-            <a:r>
-              <a:rPr lang="en-US" sz="1200" dirty="0">
-                <a:latin typeface="Consolas" panose="020B0609020204030204" pitchFamily="49" charset="0"/>
-                <a:cs typeface="Segoe UI" panose="020B0502040204020203" pitchFamily="34" charset="0"/>
-              </a:rPr>
-              <a:t>  'dominantColors': ['White'],</a:t>
-            </a:r>
-            <a:endParaRPr lang="en-US" sz="1200" dirty="0"/>
-          </a:p>
-          <a:p>
-            <a:pPr marL="457200" marR="43815">
-              <a:lnSpc>
-                <a:spcPct val="104000"/>
-              </a:lnSpc>
-              <a:spcBef>
-                <a:spcPts val="0"/>
-              </a:spcBef>
-              <a:spcAft>
-                <a:spcPts val="105"/>
-              </a:spcAft>
-            </a:pPr>
-            <a:r>
-              <a:rPr lang="en-US" sz="1200" dirty="0">
-                <a:latin typeface="Consolas" panose="020B0609020204030204" pitchFamily="49" charset="0"/>
-                <a:cs typeface="Segoe UI" panose="020B0502040204020203" pitchFamily="34" charset="0"/>
-              </a:rPr>
-              <a:t>  'isBwImg': False},</a:t>
-            </a:r>
-            <a:endParaRPr lang="en-US" sz="1200" dirty="0"/>
-          </a:p>
-          <a:p>
-            <a:pPr marL="457200" marR="43815">
-              <a:lnSpc>
-                <a:spcPct val="104000"/>
-              </a:lnSpc>
-              <a:spcBef>
-                <a:spcPts val="0"/>
-              </a:spcBef>
-              <a:spcAft>
-                <a:spcPts val="105"/>
-              </a:spcAft>
-            </a:pPr>
-            <a:r>
-              <a:rPr lang="en-US" sz="1200" dirty="0">
-                <a:latin typeface="Consolas" panose="020B0609020204030204" pitchFamily="49" charset="0"/>
-                <a:cs typeface="Segoe UI" panose="020B0502040204020203" pitchFamily="34" charset="0"/>
-              </a:rPr>
-              <a:t> 'description': </a:t>
-            </a:r>
-            <a:r>
-              <a:rPr lang="en-US" sz="1200" dirty="0">
-                <a:solidFill>
-                  <a:srgbClr val="FFFF00"/>
-                </a:solidFill>
-                <a:latin typeface="Consolas" panose="020B0609020204030204" pitchFamily="49" charset="0"/>
-                <a:cs typeface="Segoe UI" panose="020B0502040204020203" pitchFamily="34" charset="0"/>
-              </a:rPr>
-              <a:t>{'captions': [{'confidence': 0.9485308427051494,</a:t>
-            </a:r>
-            <a:endParaRPr lang="en-US" sz="1200" dirty="0">
+            <a:endParaRPr lang="en-US" sz="1800" dirty="0">
               <a:solidFill>
-                <a:srgbClr val="FFFF00"/>
+                <a:schemeClr val="tx1"/>
               </a:solidFill>
-            </a:endParaRPr>
-          </a:p>
-          <a:p>
-            <a:pPr marL="457200" marR="43815">
-              <a:lnSpc>
-                <a:spcPct val="104000"/>
-              </a:lnSpc>
-              <a:spcBef>
-                <a:spcPts val="0"/>
-              </a:spcBef>
-              <a:spcAft>
-                <a:spcPts val="105"/>
-              </a:spcAft>
-            </a:pPr>
-            <a:r>
-              <a:rPr lang="en-US" sz="1200" dirty="0">
-                <a:solidFill>
-                  <a:srgbClr val="FFFF00"/>
-                </a:solidFill>
-                <a:latin typeface="Consolas" panose="020B0609020204030204" pitchFamily="49" charset="0"/>
-                <a:cs typeface="Segoe UI" panose="020B0502040204020203" pitchFamily="34" charset="0"/>
-              </a:rPr>
-              <a:t>    'text': 'a truck is parked on the side of a road'}</a:t>
-            </a:r>
-            <a:r>
-              <a:rPr lang="en-US" sz="1200" dirty="0">
-                <a:latin typeface="Consolas" panose="020B0609020204030204" pitchFamily="49" charset="0"/>
-                <a:cs typeface="Segoe UI" panose="020B0502040204020203" pitchFamily="34" charset="0"/>
-              </a:rPr>
-              <a:t>],</a:t>
-            </a:r>
-            <a:endParaRPr lang="en-US" sz="1200" dirty="0"/>
-          </a:p>
-          <a:p>
-            <a:pPr marL="457200" marR="43815">
-              <a:lnSpc>
-                <a:spcPct val="104000"/>
-              </a:lnSpc>
-              <a:spcBef>
-                <a:spcPts val="0"/>
-              </a:spcBef>
-              <a:spcAft>
-                <a:spcPts val="105"/>
-              </a:spcAft>
-            </a:pPr>
-            <a:r>
-              <a:rPr lang="en-US" sz="1200" dirty="0">
-                <a:latin typeface="Consolas" panose="020B0609020204030204" pitchFamily="49" charset="0"/>
-                <a:cs typeface="Segoe UI" panose="020B0502040204020203" pitchFamily="34" charset="0"/>
-              </a:rPr>
-              <a:t>  </a:t>
-            </a:r>
-            <a:r>
-              <a:rPr lang="en-US" sz="1200" dirty="0">
-                <a:solidFill>
-                  <a:srgbClr val="FFFF00"/>
-                </a:solidFill>
-                <a:latin typeface="Consolas" panose="020B0609020204030204" pitchFamily="49" charset="0"/>
-                <a:cs typeface="Segoe UI" panose="020B0502040204020203" pitchFamily="34" charset="0"/>
-              </a:rPr>
-              <a:t>'tags': ['outdoor',</a:t>
-            </a:r>
-            <a:endParaRPr lang="en-US" sz="1200" dirty="0">
-              <a:solidFill>
-                <a:srgbClr val="FFFF00"/>
-              </a:solidFill>
-            </a:endParaRPr>
-          </a:p>
-          <a:p>
-            <a:pPr marL="457200" marR="43815">
-              <a:lnSpc>
-                <a:spcPct val="104000"/>
-              </a:lnSpc>
-              <a:spcBef>
-                <a:spcPts val="0"/>
-              </a:spcBef>
-              <a:spcAft>
-                <a:spcPts val="105"/>
-              </a:spcAft>
-            </a:pPr>
-            <a:r>
-              <a:rPr lang="en-US" sz="1200" dirty="0">
-                <a:solidFill>
-                  <a:srgbClr val="FFFF00"/>
-                </a:solidFill>
-                <a:latin typeface="Consolas" panose="020B0609020204030204" pitchFamily="49" charset="0"/>
-                <a:cs typeface="Segoe UI" panose="020B0502040204020203" pitchFamily="34" charset="0"/>
-              </a:rPr>
-              <a:t>   'road',</a:t>
-            </a:r>
-            <a:endParaRPr lang="en-US" sz="1200" dirty="0">
-              <a:solidFill>
-                <a:srgbClr val="FFFF00"/>
-              </a:solidFill>
-            </a:endParaRPr>
-          </a:p>
-          <a:p>
-            <a:pPr marL="457200" marR="43815">
-              <a:lnSpc>
-                <a:spcPct val="104000"/>
-              </a:lnSpc>
-              <a:spcBef>
-                <a:spcPts val="0"/>
-              </a:spcBef>
-              <a:spcAft>
-                <a:spcPts val="105"/>
-              </a:spcAft>
-            </a:pPr>
-            <a:r>
-              <a:rPr lang="en-US" sz="1200" dirty="0">
-                <a:solidFill>
-                  <a:srgbClr val="FFFF00"/>
-                </a:solidFill>
-                <a:latin typeface="Consolas" panose="020B0609020204030204" pitchFamily="49" charset="0"/>
-                <a:cs typeface="Segoe UI" panose="020B0502040204020203" pitchFamily="34" charset="0"/>
-              </a:rPr>
-              <a:t>   'truck',</a:t>
-            </a:r>
-            <a:endParaRPr lang="en-US" sz="1200" dirty="0">
-              <a:solidFill>
-                <a:srgbClr val="FFFF00"/>
-              </a:solidFill>
-            </a:endParaRPr>
-          </a:p>
-          <a:p>
-            <a:pPr marL="457200" marR="43815">
-              <a:lnSpc>
-                <a:spcPct val="104000"/>
-              </a:lnSpc>
-              <a:spcBef>
-                <a:spcPts val="0"/>
-              </a:spcBef>
-              <a:spcAft>
-                <a:spcPts val="105"/>
-              </a:spcAft>
-            </a:pPr>
-            <a:r>
-              <a:rPr lang="en-US" sz="1200" dirty="0">
-                <a:solidFill>
-                  <a:srgbClr val="FFFF00"/>
-                </a:solidFill>
-                <a:latin typeface="Consolas" panose="020B0609020204030204" pitchFamily="49" charset="0"/>
-                <a:cs typeface="Segoe UI" panose="020B0502040204020203" pitchFamily="34" charset="0"/>
-              </a:rPr>
-              <a:t>   'car',</a:t>
-            </a:r>
-            <a:endParaRPr lang="en-US" sz="1200" dirty="0">
-              <a:solidFill>
-                <a:srgbClr val="FFFF00"/>
-              </a:solidFill>
-            </a:endParaRPr>
-          </a:p>
-          <a:p>
-            <a:pPr marL="457200" marR="43815">
-              <a:lnSpc>
-                <a:spcPct val="104000"/>
-              </a:lnSpc>
-              <a:spcBef>
-                <a:spcPts val="0"/>
-              </a:spcBef>
-              <a:spcAft>
-                <a:spcPts val="105"/>
-              </a:spcAft>
-            </a:pPr>
-            <a:r>
-              <a:rPr lang="en-US" sz="1200" dirty="0">
-                <a:solidFill>
-                  <a:srgbClr val="FFFF00"/>
-                </a:solidFill>
-                <a:latin typeface="Consolas" panose="020B0609020204030204" pitchFamily="49" charset="0"/>
-                <a:cs typeface="Segoe UI" panose="020B0502040204020203" pitchFamily="34" charset="0"/>
-              </a:rPr>
-              <a:t>   'traffic']</a:t>
-            </a:r>
-            <a:r>
-              <a:rPr lang="en-US" sz="1200" dirty="0">
-                <a:latin typeface="Consolas" panose="020B0609020204030204" pitchFamily="49" charset="0"/>
-                <a:cs typeface="Segoe UI" panose="020B0502040204020203" pitchFamily="34" charset="0"/>
-              </a:rPr>
-              <a:t>},</a:t>
-            </a:r>
-            <a:endParaRPr lang="en-US" sz="1200" dirty="0"/>
-          </a:p>
-          <a:p>
-            <a:pPr marL="457200" marR="43815">
-              <a:lnSpc>
-                <a:spcPct val="104000"/>
-              </a:lnSpc>
-              <a:spcBef>
-                <a:spcPts val="0"/>
-              </a:spcBef>
-              <a:spcAft>
-                <a:spcPts val="105"/>
-              </a:spcAft>
-            </a:pPr>
-            <a:r>
-              <a:rPr lang="en-US" sz="1200" dirty="0">
-                <a:latin typeface="Consolas" panose="020B0609020204030204" pitchFamily="49" charset="0"/>
-                <a:cs typeface="Segoe UI" panose="020B0502040204020203" pitchFamily="34" charset="0"/>
-              </a:rPr>
-              <a:t> 'metadata': {'format': 'Jpeg', 'height': 1080, 'width': 1920},</a:t>
-            </a:r>
-            <a:endParaRPr lang="en-US" sz="1200" dirty="0"/>
-          </a:p>
-          <a:p>
-            <a:pPr marL="457200" marR="43815">
-              <a:lnSpc>
-                <a:spcPct val="104000"/>
-              </a:lnSpc>
-              <a:spcBef>
-                <a:spcPts val="0"/>
-              </a:spcBef>
-              <a:spcAft>
-                <a:spcPts val="105"/>
-              </a:spcAft>
-            </a:pPr>
-            <a:r>
-              <a:rPr lang="en-US" sz="1200" dirty="0">
-                <a:latin typeface="Consolas" panose="020B0609020204030204" pitchFamily="49" charset="0"/>
-                <a:cs typeface="Segoe UI" panose="020B0502040204020203" pitchFamily="34" charset="0"/>
-              </a:rPr>
-              <a:t> 'requestId': '2236f0b9-044f-415f-b772-a9a4ce15728d',</a:t>
-            </a:r>
-            <a:endParaRPr lang="en-US" sz="1200" dirty="0"/>
-          </a:p>
-          <a:p>
-            <a:pPr marL="457200" marR="43815">
-              <a:lnSpc>
-                <a:spcPct val="104000"/>
-              </a:lnSpc>
-              <a:spcBef>
-                <a:spcPts val="0"/>
-              </a:spcBef>
-              <a:spcAft>
-                <a:spcPts val="105"/>
-              </a:spcAft>
-            </a:pPr>
-            <a:r>
-              <a:rPr lang="en-US" sz="1200" dirty="0">
-                <a:latin typeface="Consolas" panose="020B0609020204030204" pitchFamily="49" charset="0"/>
-                <a:cs typeface="Segoe UI" panose="020B0502040204020203" pitchFamily="34" charset="0"/>
-              </a:rPr>
-              <a:t> 'tags': [{'confidence': 0.9950141310691833, 'name': 'outdoor'},</a:t>
-            </a:r>
-            <a:endParaRPr lang="en-US" sz="1200" dirty="0"/>
-          </a:p>
-          <a:p>
-            <a:pPr marL="457200" marR="43815">
-              <a:lnSpc>
-                <a:spcPct val="104000"/>
-              </a:lnSpc>
-              <a:spcBef>
-                <a:spcPts val="0"/>
-              </a:spcBef>
-              <a:spcAft>
-                <a:spcPts val="105"/>
-              </a:spcAft>
-            </a:pPr>
-            <a:r>
-              <a:rPr lang="en-US" sz="1200" dirty="0">
-                <a:latin typeface="Consolas" panose="020B0609020204030204" pitchFamily="49" charset="0"/>
-                <a:cs typeface="Segoe UI" panose="020B0502040204020203" pitchFamily="34" charset="0"/>
-              </a:rPr>
-              <a:t>  {'confidence': 0.9936342239379883, 'name': 'road'},</a:t>
-            </a:r>
-            <a:endParaRPr lang="en-US" sz="1200" dirty="0"/>
-          </a:p>
-          <a:p>
-            <a:pPr marL="457200" marR="43815">
-              <a:lnSpc>
-                <a:spcPct val="104000"/>
-              </a:lnSpc>
-              <a:spcBef>
-                <a:spcPts val="0"/>
-              </a:spcBef>
-              <a:spcAft>
-                <a:spcPts val="105"/>
-              </a:spcAft>
-            </a:pPr>
-            <a:r>
-              <a:rPr lang="en-US" sz="1200" dirty="0">
-                <a:latin typeface="Consolas" panose="020B0609020204030204" pitchFamily="49" charset="0"/>
-                <a:cs typeface="Segoe UI" panose="020B0502040204020203" pitchFamily="34" charset="0"/>
-              </a:rPr>
-              <a:t>  {'confidence': 0.981715738773346, 'name': 'truck'},</a:t>
-            </a:r>
-            <a:endParaRPr lang="en-US" sz="1200" dirty="0"/>
-          </a:p>
-          <a:p>
-            <a:pPr marL="457200" marR="43815">
-              <a:lnSpc>
-                <a:spcPct val="104000"/>
-              </a:lnSpc>
-              <a:spcBef>
-                <a:spcPts val="0"/>
-              </a:spcBef>
-              <a:spcAft>
-                <a:spcPts val="105"/>
-              </a:spcAft>
-            </a:pPr>
-            <a:r>
-              <a:rPr lang="en-US" sz="1200" dirty="0">
-                <a:latin typeface="Consolas" panose="020B0609020204030204" pitchFamily="49" charset="0"/>
-                <a:cs typeface="Segoe UI" panose="020B0502040204020203" pitchFamily="34" charset="0"/>
-              </a:rPr>
-              <a:t>  {'confidence': 0.749627411365509, 'name': 'transport'},</a:t>
-            </a:r>
-            <a:endParaRPr lang="en-US" sz="1200" dirty="0"/>
-          </a:p>
-          <a:p>
-            <a:pPr marL="457200" marR="43815">
-              <a:lnSpc>
-                <a:spcPct val="104000"/>
-              </a:lnSpc>
-              <a:spcBef>
-                <a:spcPts val="0"/>
-              </a:spcBef>
-              <a:spcAft>
-                <a:spcPts val="105"/>
-              </a:spcAft>
-            </a:pPr>
-            <a:r>
-              <a:rPr lang="en-US" sz="1200" dirty="0">
-                <a:latin typeface="Consolas" panose="020B0609020204030204" pitchFamily="49" charset="0"/>
-                <a:cs typeface="Segoe UI" panose="020B0502040204020203" pitchFamily="34" charset="0"/>
-              </a:rPr>
-              <a:t>  {'confidence': 0.16133838891983032, 'name': 'trailer'}]}</a:t>
-            </a:r>
-            <a:endParaRPr lang="en-US" sz="1200" dirty="0">
-              <a:effectLst/>
             </a:endParaRPr>
           </a:p>
         </p:txBody>
@@ -21886,7 +21499,7 @@
     </p:spTree>
     <p:extLst>
       <p:ext uri="{BB962C8B-B14F-4D97-AF65-F5344CB8AC3E}">
-        <p14:creationId xmlns:p14="http://schemas.microsoft.com/office/powerpoint/2010/main" val="4066244700"/>
+        <p14:creationId xmlns:p14="http://schemas.microsoft.com/office/powerpoint/2010/main" val="3128972092"/>
       </p:ext>
     </p:extLst>
   </p:cSld>
@@ -21934,7 +21547,7 @@
         <p:spPr/>
         <p:txBody>
           <a:bodyPr>
-            <a:normAutofit/>
+            <a:normAutofit fontScale="90000"/>
           </a:bodyPr>
           <a:lstStyle/>
           <a:p>
@@ -21943,80 +21556,19 @@
                 <a:solidFill>
                   <a:schemeClr val="tx1"/>
                 </a:solidFill>
-              </a:rPr>
-              <a:t>Preferred solution</a:t>
-            </a:r>
-            <a:endParaRPr lang="en-US" sz="3236" dirty="0">
-              <a:solidFill>
-                <a:schemeClr val="tx1"/>
-              </a:solidFill>
-              <a:latin typeface="Segoe UI" panose="020B0502040204020203" pitchFamily="34" charset="0"/>
-            </a:endParaRPr>
-          </a:p>
-        </p:txBody>
-      </p:sp>
-      <p:sp>
-        <p:nvSpPr>
-          <p:cNvPr id="4" name="Title 1"/>
-          <p:cNvSpPr txBox="1">
-            <a:spLocks/>
-          </p:cNvSpPr>
-          <p:nvPr/>
-        </p:nvSpPr>
-        <p:spPr>
-          <a:xfrm>
-            <a:off x="266921" y="1287148"/>
-            <a:ext cx="11655840" cy="899665"/>
-          </a:xfrm>
-          <a:prstGeom prst="rect">
-            <a:avLst/>
-          </a:prstGeom>
-        </p:spPr>
-        <p:txBody>
-          <a:bodyPr vert="horz" wrap="square" lIns="146304" tIns="91440" rIns="146304" bIns="91440" rtlCol="0" anchor="t">
-            <a:normAutofit/>
-          </a:bodyPr>
-          <a:lstStyle>
-            <a:lvl1pPr algn="l" defTabSz="914367" rtl="0" eaLnBrk="1" latinLnBrk="0" hangingPunct="1">
-              <a:lnSpc>
-                <a:spcPct val="90000"/>
-              </a:lnSpc>
-              <a:spcBef>
-                <a:spcPct val="0"/>
-              </a:spcBef>
-              <a:buNone/>
-              <a:defRPr lang="en-US" sz="4705" b="0" kern="1200" cap="none" spc="-100" baseline="0" dirty="0" smtClean="0">
-                <a:ln w="3175">
-                  <a:noFill/>
-                </a:ln>
-                <a:gradFill>
-                  <a:gsLst>
-                    <a:gs pos="1250">
-                      <a:schemeClr val="tx1"/>
-                    </a:gs>
-                    <a:gs pos="100000">
-                      <a:schemeClr val="tx1"/>
-                    </a:gs>
-                  </a:gsLst>
-                  <a:lin ang="5400000" scaled="0"/>
-                </a:gradFill>
-                <a:effectLst/>
-                <a:latin typeface="+mj-lt"/>
-                <a:ea typeface="+mn-ea"/>
-                <a:cs typeface="Segoe UI" pitchFamily="34" charset="0"/>
-              </a:defRPr>
-            </a:lvl1pPr>
-          </a:lstStyle>
-          <a:p>
-            <a:r>
-              <a:rPr lang="en-US" sz="3600" dirty="0">
+                <a:cs typeface="Segoe UI" panose="020B0502040204020203" pitchFamily="34" charset="0"/>
+              </a:rPr>
+              <a:t>Preferred objections handling</a:t>
+            </a:r>
+            <a:br>
+              <a:rPr lang="en-US" dirty="0">
                 <a:solidFill>
                   <a:schemeClr val="tx1"/>
                 </a:solidFill>
-              </a:rPr>
-              <a:t>Captions, tags, and “reading” images</a:t>
-            </a:r>
-            <a:endParaRPr lang="en-US" sz="3600" dirty="0">
+                <a:latin typeface="Segoe UI" panose="020B0502040204020203" pitchFamily="34" charset="0"/>
+              </a:rPr>
+            </a:br>
+            <a:endParaRPr lang="en-US" sz="3236" dirty="0">
               <a:solidFill>
                 <a:schemeClr val="tx1"/>
               </a:solidFill>
@@ -22037,8 +21589,8 @@
         </p:nvSpPr>
         <p:spPr>
           <a:xfrm>
-            <a:off x="266922" y="2446972"/>
-            <a:ext cx="11108650" cy="3798459"/>
+            <a:off x="269240" y="1189176"/>
+            <a:ext cx="11215190" cy="5179873"/>
           </a:xfrm>
         </p:spPr>
         <p:txBody>
@@ -22048,48 +21600,58 @@
           <a:lstStyle/>
           <a:p>
             <a:pPr marL="0" indent="0">
+              <a:spcAft>
+                <a:spcPts val="882"/>
+              </a:spcAft>
               <a:buNone/>
             </a:pPr>
             <a:r>
-              <a:rPr lang="en-US" sz="2800" dirty="0"/>
-              <a:t>How would you recommend Contoso implement support for “reading” any text that appears within an image, so that it could be searched later? Would this require you to build a custom AI model is there a pre-built AI service you could use?</a:t>
-            </a:r>
-          </a:p>
-          <a:p>
-            <a:pPr marL="0" indent="0">
-              <a:buNone/>
+              <a:rPr lang="en-US" sz="2800" dirty="0">
+                <a:solidFill>
+                  <a:schemeClr val="tx1"/>
+                </a:solidFill>
+              </a:rPr>
+              <a:t>We are skeptical about all the hype surrounding these "AI" solutions. It's hard to know what is feasible versus what is not possible with today's technology and Azure.</a:t>
+            </a:r>
+          </a:p>
+          <a:p>
+            <a:pPr>
+              <a:spcAft>
+                <a:spcPts val="882"/>
+              </a:spcAft>
             </a:pPr>
-            <a:endParaRPr lang="en-US" sz="2800" dirty="0">
-              <a:latin typeface="+mn-lt"/>
-            </a:endParaRPr>
-          </a:p>
-          <a:p>
             <a:r>
               <a:rPr lang="en-US" sz="2400" dirty="0">
+                <a:solidFill>
+                  <a:schemeClr val="tx1"/>
+                </a:solidFill>
                 <a:latin typeface="+mn-lt"/>
               </a:rPr>
-              <a:t>Contoso could use the OCR feature of the Computer Vision API</a:t>
-            </a:r>
-            <a:br>
-              <a:rPr lang="en-US" sz="2800" dirty="0">
+              <a:t>While it is true there is a lot of hype around AI, the ability to deploy solutions that use data, machine learning, and deep learning to create an application with “AI” capabilities is real and is possible in Azure.</a:t>
+            </a:r>
+          </a:p>
+          <a:p>
+            <a:pPr>
+              <a:spcAft>
+                <a:spcPts val="882"/>
+              </a:spcAft>
+            </a:pPr>
+            <a:r>
+              <a:rPr lang="en-US" sz="2400" dirty="0">
+                <a:solidFill>
+                  <a:schemeClr val="tx1"/>
+                </a:solidFill>
                 <a:latin typeface="+mn-lt"/>
               </a:rPr>
-            </a:br>
-            <a:br>
-              <a:rPr lang="en-US" sz="2400" dirty="0"/>
-            </a:br>
-            <a:endParaRPr lang="en-US" sz="1800" dirty="0">
-              <a:solidFill>
-                <a:schemeClr val="tx1"/>
-              </a:solidFill>
-            </a:endParaRPr>
+              <a:t>Azure provides a wide range of services to address the needs of AI, from pre-built AI capabilities in Cognitive Services to services that help you to build, train, and deploy your custom AI capabilities using the Azure Machine Learning service and other services from the Microsoft AI stack.</a:t>
+            </a:r>
           </a:p>
         </p:txBody>
       </p:sp>
     </p:spTree>
     <p:extLst>
       <p:ext uri="{BB962C8B-B14F-4D97-AF65-F5344CB8AC3E}">
-        <p14:creationId xmlns:p14="http://schemas.microsoft.com/office/powerpoint/2010/main" val="2262063157"/>
+        <p14:creationId xmlns:p14="http://schemas.microsoft.com/office/powerpoint/2010/main" val="1491462391"/>
       </p:ext>
     </p:extLst>
   </p:cSld>
@@ -22146,8 +21708,9 @@
                 <a:solidFill>
                   <a:schemeClr val="tx1"/>
                 </a:solidFill>
-              </a:rPr>
-              <a:t>Preferred solution</a:t>
+                <a:cs typeface="Segoe UI" panose="020B0502040204020203" pitchFamily="34" charset="0"/>
+              </a:rPr>
+              <a:t>Preferred objections handling</a:t>
             </a:r>
             <a:br>
               <a:rPr lang="en-US" dirty="0">
@@ -22158,76 +21721,6 @@
               </a:rPr>
             </a:br>
             <a:endParaRPr lang="en-US" sz="3236" dirty="0">
-              <a:solidFill>
-                <a:schemeClr val="tx1"/>
-              </a:solidFill>
-              <a:latin typeface="Segoe UI" panose="020B0502040204020203" pitchFamily="34" charset="0"/>
-            </a:endParaRPr>
-          </a:p>
-        </p:txBody>
-      </p:sp>
-      <p:sp>
-        <p:nvSpPr>
-          <p:cNvPr id="5" name="Title 1"/>
-          <p:cNvSpPr txBox="1">
-            <a:spLocks/>
-          </p:cNvSpPr>
-          <p:nvPr/>
-        </p:nvSpPr>
-        <p:spPr>
-          <a:xfrm>
-            <a:off x="269240" y="1159029"/>
-            <a:ext cx="11655840" cy="899665"/>
-          </a:xfrm>
-          <a:prstGeom prst="rect">
-            <a:avLst/>
-          </a:prstGeom>
-        </p:spPr>
-        <p:txBody>
-          <a:bodyPr vert="horz" wrap="square" lIns="146304" tIns="91440" rIns="146304" bIns="91440" rtlCol="0" anchor="t">
-            <a:normAutofit/>
-          </a:bodyPr>
-          <a:lstStyle>
-            <a:lvl1pPr algn="l" defTabSz="914367" rtl="0" eaLnBrk="1" latinLnBrk="0" hangingPunct="1">
-              <a:lnSpc>
-                <a:spcPct val="90000"/>
-              </a:lnSpc>
-              <a:spcBef>
-                <a:spcPct val="0"/>
-              </a:spcBef>
-              <a:buNone/>
-              <a:defRPr lang="en-US" sz="4705" b="0" kern="1200" cap="none" spc="-100" baseline="0" dirty="0" smtClean="0">
-                <a:ln w="3175">
-                  <a:noFill/>
-                </a:ln>
-                <a:gradFill>
-                  <a:gsLst>
-                    <a:gs pos="1250">
-                      <a:schemeClr val="tx1"/>
-                    </a:gs>
-                    <a:gs pos="100000">
-                      <a:schemeClr val="tx1"/>
-                    </a:gs>
-                  </a:gsLst>
-                  <a:lin ang="5400000" scaled="0"/>
-                </a:gradFill>
-                <a:effectLst/>
-                <a:latin typeface="+mj-lt"/>
-                <a:ea typeface="+mn-ea"/>
-                <a:cs typeface="Segoe UI" pitchFamily="34" charset="0"/>
-              </a:defRPr>
-            </a:lvl1pPr>
-          </a:lstStyle>
-          <a:p>
-            <a:r>
-              <a:rPr lang="en-US" sz="3600" dirty="0">
-                <a:solidFill>
-                  <a:schemeClr val="tx1"/>
-                </a:solidFill>
-              </a:rPr>
-              <a:t>Captions, tags, and “reading” images</a:t>
-            </a:r>
-            <a:endParaRPr lang="en-US" sz="3600" dirty="0">
               <a:solidFill>
                 <a:schemeClr val="tx1"/>
               </a:solidFill>
@@ -22248,8 +21741,8 @@
         </p:nvSpPr>
         <p:spPr>
           <a:xfrm>
-            <a:off x="269240" y="2155691"/>
-            <a:ext cx="5006953" cy="4546213"/>
+            <a:off x="269240" y="1189176"/>
+            <a:ext cx="10649132" cy="5179873"/>
           </a:xfrm>
         </p:spPr>
         <p:txBody>
@@ -22259,362 +21752,66 @@
           <a:lstStyle/>
           <a:p>
             <a:pPr marL="0" indent="0">
-              <a:buNone/>
-            </a:pPr>
-            <a:r>
-              <a:rPr lang="en-US" sz="2400" dirty="0">
-                <a:gradFill>
-                  <a:gsLst>
-                    <a:gs pos="1250">
-                      <a:srgbClr val="FFFFFF"/>
-                    </a:gs>
-                    <a:gs pos="100000">
-                      <a:srgbClr val="FFFFFF"/>
-                    </a:gs>
-                  </a:gsLst>
-                  <a:lin ang="5400000" scaled="0"/>
-                </a:gradFill>
-              </a:rPr>
-              <a:t>Describe the flow of processing of an image as input, to what value returned by each component in your proposed solution for “reading” images.</a:t>
-            </a:r>
-            <a:br>
-              <a:rPr lang="en-US" sz="2400" dirty="0">
-                <a:gradFill>
-                  <a:gsLst>
-                    <a:gs pos="1250">
-                      <a:srgbClr val="FFFFFF"/>
-                    </a:gs>
-                    <a:gs pos="100000">
-                      <a:srgbClr val="FFFFFF"/>
-                    </a:gs>
-                  </a:gsLst>
-                  <a:lin ang="5400000" scaled="0"/>
-                </a:gradFill>
-                <a:latin typeface="+mn-lt"/>
-              </a:rPr>
-            </a:br>
-            <a:endParaRPr lang="en-US" sz="2400" dirty="0">
-              <a:gradFill>
-                <a:gsLst>
-                  <a:gs pos="1250">
-                    <a:srgbClr val="FFFFFF"/>
-                  </a:gs>
-                  <a:gs pos="100000">
-                    <a:srgbClr val="FFFFFF"/>
-                  </a:gs>
-                </a:gsLst>
-                <a:lin ang="5400000" scaled="0"/>
-              </a:gradFill>
-              <a:latin typeface="+mn-lt"/>
-            </a:endParaRPr>
-          </a:p>
-          <a:p>
-            <a:r>
-              <a:rPr lang="en-US" sz="2200" dirty="0">
-                <a:gradFill>
-                  <a:gsLst>
-                    <a:gs pos="1250">
-                      <a:srgbClr val="FFFFFF"/>
-                    </a:gs>
-                    <a:gs pos="100000">
-                      <a:srgbClr val="FFFFFF"/>
-                    </a:gs>
-                  </a:gsLst>
-                  <a:lin ang="5400000" scaled="0"/>
-                </a:gradFill>
-                <a:latin typeface="+mn-lt"/>
-              </a:rPr>
-              <a:t>Either the binary image data or a URL pointing to a publicly accessible image can be supplied</a:t>
-            </a:r>
-            <a:br>
-              <a:rPr lang="en-US" sz="2200" dirty="0">
-                <a:gradFill>
-                  <a:gsLst>
-                    <a:gs pos="1250">
-                      <a:srgbClr val="FFFFFF"/>
-                    </a:gs>
-                    <a:gs pos="100000">
-                      <a:srgbClr val="FFFFFF"/>
-                    </a:gs>
-                  </a:gsLst>
-                  <a:lin ang="5400000" scaled="0"/>
-                </a:gradFill>
-                <a:latin typeface="+mn-lt"/>
-              </a:rPr>
-            </a:br>
-            <a:endParaRPr lang="en-US" sz="2200" dirty="0">
-              <a:gradFill>
-                <a:gsLst>
-                  <a:gs pos="1250">
-                    <a:srgbClr val="FFFFFF"/>
-                  </a:gs>
-                  <a:gs pos="100000">
-                    <a:srgbClr val="FFFFFF"/>
-                  </a:gs>
-                </a:gsLst>
-                <a:lin ang="5400000" scaled="0"/>
-              </a:gradFill>
-              <a:latin typeface="+mn-lt"/>
-            </a:endParaRPr>
-          </a:p>
-          <a:p>
-            <a:r>
-              <a:rPr lang="en-US" sz="2200" dirty="0">
-                <a:gradFill>
-                  <a:gsLst>
-                    <a:gs pos="1250">
-                      <a:srgbClr val="FFFFFF"/>
-                    </a:gs>
-                    <a:gs pos="100000">
-                      <a:srgbClr val="FFFFFF"/>
-                    </a:gs>
-                  </a:gsLst>
-                  <a:lin ang="5400000" scaled="0"/>
-                </a:gradFill>
-                <a:latin typeface="+mn-lt"/>
-              </a:rPr>
-              <a:t>A JSON response document is returned.</a:t>
-            </a:r>
-            <a:endParaRPr lang="en-US" sz="2200" dirty="0">
-              <a:solidFill>
-                <a:schemeClr val="tx1"/>
-              </a:solidFill>
-              <a:latin typeface="+mn-lt"/>
-            </a:endParaRPr>
-          </a:p>
-          <a:p>
-            <a:pPr marL="0" indent="0">
               <a:spcAft>
                 <a:spcPts val="882"/>
               </a:spcAft>
               <a:buNone/>
             </a:pPr>
-            <a:endParaRPr lang="en-US" sz="1800" dirty="0">
-              <a:solidFill>
-                <a:schemeClr val="tx1"/>
-              </a:solidFill>
-            </a:endParaRPr>
-          </a:p>
-        </p:txBody>
-      </p:sp>
-      <p:sp>
-        <p:nvSpPr>
-          <p:cNvPr id="4" name="Rectangle 3" descr="An example of the JSON response from the processing.">
-            <a:extLst>
-              <a:ext uri="{FF2B5EF4-FFF2-40B4-BE49-F238E27FC236}">
-                <a16:creationId xmlns:a16="http://schemas.microsoft.com/office/drawing/2014/main" id="{2834E07D-362C-4CBB-B7E4-ABD61E2A0F03}"/>
-              </a:ext>
-            </a:extLst>
-          </p:cNvPr>
-          <p:cNvSpPr/>
-          <p:nvPr/>
-        </p:nvSpPr>
-        <p:spPr>
-          <a:xfrm>
-            <a:off x="4820219" y="2491331"/>
-            <a:ext cx="7371781" cy="3368936"/>
-          </a:xfrm>
-          <a:prstGeom prst="rect">
-            <a:avLst/>
-          </a:prstGeom>
-        </p:spPr>
-        <p:txBody>
-          <a:bodyPr wrap="square">
-            <a:spAutoFit/>
-          </a:bodyPr>
-          <a:lstStyle/>
-          <a:p>
-            <a:pPr marL="457200" marR="43815">
-              <a:lnSpc>
-                <a:spcPct val="104000"/>
-              </a:lnSpc>
-              <a:spcBef>
-                <a:spcPts val="0"/>
-              </a:spcBef>
+            <a:r>
+              <a:rPr lang="en-US" sz="2800" dirty="0">
+                <a:solidFill>
+                  <a:schemeClr val="tx1"/>
+                </a:solidFill>
+              </a:rPr>
+              <a:t>We know that there are both pre-built AI and custom AI options. We are confused as to when to choose one over the other. </a:t>
+            </a:r>
+          </a:p>
+          <a:p>
+            <a:pPr>
               <a:spcAft>
-                <a:spcPts val="105"/>
+                <a:spcPts val="882"/>
               </a:spcAft>
             </a:pPr>
             <a:r>
-              <a:rPr lang="en-US" sz="2000" dirty="0">
-                <a:latin typeface="Consolas" panose="020B0609020204030204" pitchFamily="49" charset="0"/>
-                <a:cs typeface="Segoe UI" panose="020B0502040204020203" pitchFamily="34" charset="0"/>
-              </a:rPr>
-              <a:t>{'language': 'en',</a:t>
-            </a:r>
-          </a:p>
-          <a:p>
-            <a:pPr marL="457200" marR="43815">
-              <a:lnSpc>
-                <a:spcPct val="104000"/>
-              </a:lnSpc>
-              <a:spcBef>
-                <a:spcPts val="0"/>
-              </a:spcBef>
+              <a:rPr lang="en-US" sz="2400" dirty="0">
+                <a:solidFill>
+                  <a:schemeClr val="tx1"/>
+                </a:solidFill>
+                <a:latin typeface="+mn-lt"/>
+              </a:rPr>
+              <a:t>It would be best if you considered the pre-built AI and Automated Machine Learning options first. However, if you rule them out because they do not fit your requirements, you should explore the custom AI options.</a:t>
+            </a:r>
+          </a:p>
+          <a:p>
+            <a:pPr>
               <a:spcAft>
-                <a:spcPts val="105"/>
+                <a:spcPts val="882"/>
               </a:spcAft>
             </a:pPr>
             <a:r>
-              <a:rPr lang="en-US" sz="2000" dirty="0">
-                <a:latin typeface="Consolas" panose="020B0609020204030204" pitchFamily="49" charset="0"/>
-                <a:cs typeface="Segoe UI" panose="020B0502040204020203" pitchFamily="34" charset="0"/>
-              </a:rPr>
-              <a:t> 'orientation': 'Up',</a:t>
-            </a:r>
-          </a:p>
-          <a:p>
-            <a:pPr marL="457200" marR="43815">
-              <a:lnSpc>
-                <a:spcPct val="104000"/>
-              </a:lnSpc>
-              <a:spcBef>
-                <a:spcPts val="0"/>
-              </a:spcBef>
+              <a:rPr lang="en-US" sz="2400" dirty="0">
+                <a:solidFill>
+                  <a:schemeClr val="tx1"/>
+                </a:solidFill>
+                <a:latin typeface="+mn-lt"/>
+              </a:rPr>
+              <a:t>The advantage of pre-built AI options like Cognitive Services is that the models they use under the covers do not need to be trained by you, and you do not need to have the data to train them as a pre-requisite.</a:t>
+            </a:r>
+          </a:p>
+          <a:p>
+            <a:pPr>
               <a:spcAft>
-                <a:spcPts val="105"/>
+                <a:spcPts val="882"/>
               </a:spcAft>
             </a:pPr>
             <a:r>
-              <a:rPr lang="en-US" sz="2000" dirty="0">
-                <a:latin typeface="Consolas" panose="020B0609020204030204" pitchFamily="49" charset="0"/>
-                <a:cs typeface="Segoe UI" panose="020B0502040204020203" pitchFamily="34" charset="0"/>
-              </a:rPr>
-              <a:t> 'regions': [{'boundingBox': '365,127,937,78',</a:t>
-            </a:r>
-          </a:p>
-          <a:p>
-            <a:pPr marL="457200" marR="43815">
-              <a:lnSpc>
-                <a:spcPct val="104000"/>
-              </a:lnSpc>
-              <a:spcBef>
-                <a:spcPts val="0"/>
-              </a:spcBef>
-              <a:spcAft>
-                <a:spcPts val="105"/>
-              </a:spcAft>
-            </a:pPr>
-            <a:r>
-              <a:rPr lang="en-US" sz="2000" dirty="0">
-                <a:latin typeface="Consolas" panose="020B0609020204030204" pitchFamily="49" charset="0"/>
-                <a:cs typeface="Segoe UI" panose="020B0502040204020203" pitchFamily="34" charset="0"/>
-              </a:rPr>
-              <a:t>   'lines': [{'boundingBox': '1028,127,274,49',</a:t>
-            </a:r>
-          </a:p>
-          <a:p>
-            <a:pPr marL="457200" marR="43815">
-              <a:lnSpc>
-                <a:spcPct val="104000"/>
-              </a:lnSpc>
-              <a:spcBef>
-                <a:spcPts val="0"/>
-              </a:spcBef>
-              <a:spcAft>
-                <a:spcPts val="105"/>
-              </a:spcAft>
-            </a:pPr>
-            <a:r>
-              <a:rPr lang="en-US" sz="2000" dirty="0">
-                <a:latin typeface="Consolas" panose="020B0609020204030204" pitchFamily="49" charset="0"/>
-                <a:cs typeface="Segoe UI" panose="020B0502040204020203" pitchFamily="34" charset="0"/>
-              </a:rPr>
-              <a:t>     'words': [{'boundingBox': '1028,141,184,35', </a:t>
-            </a:r>
-            <a:r>
-              <a:rPr lang="en-US" sz="2000" dirty="0">
+              <a:rPr lang="en-US" sz="2400" dirty="0">
                 <a:solidFill>
-                  <a:srgbClr val="FFFF00"/>
+                  <a:schemeClr val="tx1"/>
                 </a:solidFill>
-                <a:latin typeface="Consolas" panose="020B0609020204030204" pitchFamily="49" charset="0"/>
-                <a:cs typeface="Segoe UI" panose="020B0502040204020203" pitchFamily="34" charset="0"/>
-              </a:rPr>
-              <a:t>'text': 'POLICE'</a:t>
-            </a:r>
-            <a:r>
-              <a:rPr lang="en-US" sz="2000" dirty="0">
-                <a:latin typeface="Consolas" panose="020B0609020204030204" pitchFamily="49" charset="0"/>
-                <a:cs typeface="Segoe UI" panose="020B0502040204020203" pitchFamily="34" charset="0"/>
-              </a:rPr>
-              <a:t>}]},</a:t>
-            </a:r>
-          </a:p>
-          <a:p>
-            <a:pPr marL="457200" marR="43815">
-              <a:lnSpc>
-                <a:spcPct val="104000"/>
-              </a:lnSpc>
-              <a:spcBef>
-                <a:spcPts val="0"/>
-              </a:spcBef>
-              <a:spcAft>
-                <a:spcPts val="105"/>
-              </a:spcAft>
-            </a:pPr>
-            <a:r>
-              <a:rPr lang="en-US" sz="2000" dirty="0">
-                <a:latin typeface="Consolas" panose="020B0609020204030204" pitchFamily="49" charset="0"/>
-                <a:cs typeface="Segoe UI" panose="020B0502040204020203" pitchFamily="34" charset="0"/>
-              </a:rPr>
-              <a:t>    {'boundingBox': '365,171,318,34',</a:t>
-            </a:r>
-          </a:p>
-          <a:p>
-            <a:pPr marL="457200" marR="43815">
-              <a:lnSpc>
-                <a:spcPct val="104000"/>
-              </a:lnSpc>
-              <a:spcBef>
-                <a:spcPts val="0"/>
-              </a:spcBef>
-              <a:spcAft>
-                <a:spcPts val="105"/>
-              </a:spcAft>
-            </a:pPr>
-            <a:r>
-              <a:rPr lang="en-US" sz="2000" dirty="0">
-                <a:latin typeface="Consolas" panose="020B0609020204030204" pitchFamily="49" charset="0"/>
-                <a:cs typeface="Segoe UI" panose="020B0502040204020203" pitchFamily="34" charset="0"/>
-              </a:rPr>
-              <a:t>     'words': [{'boundingBox': '365,171,318,34', </a:t>
-            </a:r>
-            <a:r>
-              <a:rPr lang="en-US" sz="2000" dirty="0">
-                <a:solidFill>
-                  <a:srgbClr val="FFFF00"/>
-                </a:solidFill>
-                <a:latin typeface="Consolas" panose="020B0609020204030204" pitchFamily="49" charset="0"/>
-                <a:cs typeface="Segoe UI" panose="020B0502040204020203" pitchFamily="34" charset="0"/>
-              </a:rPr>
-              <a:t>'text': 'EMERGENCY'</a:t>
-            </a:r>
-            <a:r>
-              <a:rPr lang="en-US" sz="2000" dirty="0">
-                <a:latin typeface="Consolas" panose="020B0609020204030204" pitchFamily="49" charset="0"/>
-                <a:cs typeface="Segoe UI" panose="020B0502040204020203" pitchFamily="34" charset="0"/>
-              </a:rPr>
-              <a:t>}]}]}],</a:t>
-            </a:r>
-          </a:p>
-          <a:p>
-            <a:pPr marL="457200" marR="43815">
-              <a:lnSpc>
-                <a:spcPct val="104000"/>
-              </a:lnSpc>
-              <a:spcBef>
-                <a:spcPts val="0"/>
-              </a:spcBef>
-              <a:spcAft>
-                <a:spcPts val="105"/>
-              </a:spcAft>
-            </a:pPr>
-            <a:r>
-              <a:rPr lang="en-US" sz="2000" dirty="0">
-                <a:latin typeface="Consolas" panose="020B0609020204030204" pitchFamily="49" charset="0"/>
-                <a:cs typeface="Segoe UI" panose="020B0502040204020203" pitchFamily="34" charset="0"/>
-              </a:rPr>
-              <a:t> 'textAngle': 0.0}</a:t>
+                <a:latin typeface="+mn-lt"/>
+              </a:rPr>
+              <a:t>Automated machine learning picks an algorithm and hyperparameters and thus simplifies and expedite the process of producing a performant model, and you can create your model training experiments in Azure Machine Learning studio without writing a single line of code.</a:t>
             </a:r>
           </a:p>
         </p:txBody>
@@ -22622,7 +21819,7 @@
     </p:spTree>
     <p:extLst>
       <p:ext uri="{BB962C8B-B14F-4D97-AF65-F5344CB8AC3E}">
-        <p14:creationId xmlns:p14="http://schemas.microsoft.com/office/powerpoint/2010/main" val="2080938092"/>
+        <p14:creationId xmlns:p14="http://schemas.microsoft.com/office/powerpoint/2010/main" val="1459427465"/>
       </p:ext>
     </p:extLst>
   </p:cSld>
@@ -22862,79 +22059,9 @@
                   <a:schemeClr val="tx1"/>
                 </a:solidFill>
               </a:rPr>
-              <a:t>Preferred solution</a:t>
+              <a:t>Preferred objections handling</a:t>
             </a:r>
             <a:endParaRPr lang="en-US" sz="4400" dirty="0">
-              <a:solidFill>
-                <a:schemeClr val="tx1"/>
-              </a:solidFill>
-              <a:latin typeface="Segoe UI" panose="020B0502040204020203" pitchFamily="34" charset="0"/>
-            </a:endParaRPr>
-          </a:p>
-        </p:txBody>
-      </p:sp>
-      <p:sp>
-        <p:nvSpPr>
-          <p:cNvPr id="5" name="Title 1"/>
-          <p:cNvSpPr txBox="1">
-            <a:spLocks/>
-          </p:cNvSpPr>
-          <p:nvPr/>
-        </p:nvSpPr>
-        <p:spPr>
-          <a:xfrm>
-            <a:off x="269240" y="1189176"/>
-            <a:ext cx="11655840" cy="899665"/>
-          </a:xfrm>
-          <a:prstGeom prst="rect">
-            <a:avLst/>
-          </a:prstGeom>
-        </p:spPr>
-        <p:txBody>
-          <a:bodyPr vert="horz" wrap="square" lIns="146304" tIns="91440" rIns="146304" bIns="91440" rtlCol="0" anchor="t">
-            <a:normAutofit/>
-          </a:bodyPr>
-          <a:lstStyle>
-            <a:lvl1pPr algn="l" defTabSz="914367" rtl="0" eaLnBrk="1" latinLnBrk="0" hangingPunct="1">
-              <a:lnSpc>
-                <a:spcPct val="90000"/>
-              </a:lnSpc>
-              <a:spcBef>
-                <a:spcPct val="0"/>
-              </a:spcBef>
-              <a:buNone/>
-              <a:defRPr lang="en-US" sz="4705" b="0" kern="1200" cap="none" spc="-100" baseline="0" dirty="0" smtClean="0">
-                <a:ln w="3175">
-                  <a:noFill/>
-                </a:ln>
-                <a:gradFill>
-                  <a:gsLst>
-                    <a:gs pos="1250">
-                      <a:schemeClr val="tx1"/>
-                    </a:gs>
-                    <a:gs pos="100000">
-                      <a:schemeClr val="tx1"/>
-                    </a:gs>
-                  </a:gsLst>
-                  <a:lin ang="5400000" scaled="0"/>
-                </a:gradFill>
-                <a:effectLst/>
-                <a:latin typeface="+mj-lt"/>
-                <a:ea typeface="+mn-ea"/>
-                <a:cs typeface="Segoe UI" pitchFamily="34" charset="0"/>
-              </a:defRPr>
-            </a:lvl1pPr>
-          </a:lstStyle>
-          <a:p>
-            <a:r>
-              <a:rPr lang="en-US" sz="3600" dirty="0">
-                <a:solidFill>
-                  <a:schemeClr val="tx1"/>
-                </a:solidFill>
-              </a:rPr>
-              <a:t>Enabling search</a:t>
-            </a:r>
-            <a:endParaRPr lang="en-US" sz="3600" dirty="0">
               <a:solidFill>
                 <a:schemeClr val="tx1"/>
               </a:solidFill>
@@ -22955,8 +22082,8 @@
         </p:nvSpPr>
         <p:spPr>
           <a:xfrm>
-            <a:off x="269240" y="1972948"/>
-            <a:ext cx="11653523" cy="5379312"/>
+            <a:off x="269239" y="1189176"/>
+            <a:ext cx="11160761" cy="5179873"/>
           </a:xfrm>
         </p:spPr>
         <p:txBody>
@@ -22966,74 +22093,94 @@
           <a:lstStyle/>
           <a:p>
             <a:pPr marL="0" indent="0">
+              <a:spcAft>
+                <a:spcPts val="882"/>
+              </a:spcAft>
               <a:buNone/>
             </a:pPr>
             <a:r>
-              <a:rPr lang="en-US" sz="2400" dirty="0"/>
-              <a:t>What service would you recommend Contoso use to enable greater searchability over the claim data, inclusive of the new data fields created by your text processing and image processing components?</a:t>
-            </a:r>
-            <a:br>
+              <a:rPr lang="en-US" sz="2800" dirty="0">
+                <a:solidFill>
+                  <a:schemeClr val="tx1"/>
+                </a:solidFill>
+              </a:rPr>
+              <a:t>We expect some part of our solution would require deep learning. Do you have any prescriptive guidance on how we might choose between investing in understanding and using TensorFlow or the Microsoft Cognitive Toolkit (CNTK)?</a:t>
+            </a:r>
+          </a:p>
+          <a:p>
+            <a:pPr>
+              <a:spcAft>
+                <a:spcPts val="882"/>
+              </a:spcAft>
+            </a:pPr>
+            <a:r>
               <a:rPr lang="en-US" sz="2400" dirty="0">
+                <a:solidFill>
+                  <a:schemeClr val="tx1"/>
+                </a:solidFill>
                 <a:latin typeface="+mn-lt"/>
               </a:rPr>
-            </a:br>
-            <a:endParaRPr lang="en-US" sz="1800" dirty="0">
-              <a:latin typeface="+mn-lt"/>
-            </a:endParaRPr>
-          </a:p>
-          <a:p>
-            <a:r>
-              <a:rPr lang="en-US" sz="2200" dirty="0">
+              <a:t>Both TensorFlow and the Microsoft Cognitive Toolkit solve similar problems and have been used successfully by many companies for deep learning solutions.</a:t>
+            </a:r>
+          </a:p>
+          <a:p>
+            <a:pPr>
+              <a:spcAft>
+                <a:spcPts val="882"/>
+              </a:spcAft>
+            </a:pPr>
+            <a:r>
+              <a:rPr lang="en-US" sz="2400" dirty="0">
+                <a:solidFill>
+                  <a:schemeClr val="tx1"/>
+                </a:solidFill>
                 <a:latin typeface="+mn-lt"/>
               </a:rPr>
-              <a:t>Contoso should use Azure Cognitive Search to create an Index for the claim data as it enters their system, and augmented by the results of the text and image processing components</a:t>
-            </a:r>
-            <a:endParaRPr lang="en-US" sz="2400" dirty="0">
-              <a:latin typeface="+mn-lt"/>
-            </a:endParaRPr>
-          </a:p>
-          <a:p>
-            <a:pPr marL="0" indent="0">
-              <a:buNone/>
+              <a:t>At present, it appears that TensorFlow has a much larger community interest level, which can be measured by the number of stars it has in its GitHub project (which is an order of magnitude larger than that of the Microsoft Cognitive Toolkit)</a:t>
+            </a:r>
+          </a:p>
+          <a:p>
+            <a:pPr>
+              <a:spcAft>
+                <a:spcPts val="882"/>
+              </a:spcAft>
             </a:pPr>
-            <a:endParaRPr lang="en-US" sz="1800" dirty="0">
-              <a:latin typeface="+mn-lt"/>
-            </a:endParaRPr>
-          </a:p>
-          <a:p>
-            <a:pPr marL="0" indent="0">
-              <a:buNone/>
-            </a:pPr>
-            <a:r>
-              <a:rPr lang="en-US" sz="2400" dirty="0"/>
-              <a:t>Would they be able to keep their claims data in the existing database and layer in this search capability? If so, explain how.</a:t>
-            </a:r>
-            <a:br>
+            <a:r>
               <a:rPr lang="en-US" sz="2400" dirty="0">
+                <a:solidFill>
+                  <a:schemeClr val="tx1"/>
+                </a:solidFill>
                 <a:latin typeface="+mn-lt"/>
               </a:rPr>
-            </a:br>
-            <a:endParaRPr lang="en-US" sz="1800" dirty="0">
-              <a:latin typeface="+mn-lt"/>
-            </a:endParaRPr>
-          </a:p>
-          <a:p>
-            <a:r>
-              <a:rPr lang="en-US" sz="2200" dirty="0">
+              <a:t>The size of the community means that is likely you will more easily find help online for issues with </a:t>
+            </a:r>
+            <a:r>
+              <a:rPr lang="en-US" sz="2400" dirty="0" err="1">
+                <a:solidFill>
+                  <a:schemeClr val="tx1"/>
+                </a:solidFill>
                 <a:latin typeface="+mn-lt"/>
               </a:rPr>
-              <a:t>Yes, the data in the Azure Cognitive Search index would augment the data already stored in their SQL Database. The data in the Azure Cognitive Search index would tie back to the data in SQL Database via values used as the primary key in the SQL Database (such as the claim ID, image ID, attachment ID, etc.).</a:t>
-            </a:r>
-            <a:br>
+              <a:t>TensorFlow</a:t>
+            </a:r>
+            <a:r>
               <a:rPr lang="en-US" sz="2400" dirty="0">
+                <a:solidFill>
+                  <a:schemeClr val="tx1"/>
+                </a:solidFill>
                 <a:latin typeface="+mn-lt"/>
               </a:rPr>
-            </a:br>
-            <a:br>
-              <a:rPr lang="en-US" sz="2400" dirty="0">
+              <a:t> versus the Microsoft Cognitive Toolkit, which is why it may be a good reason to start with </a:t>
+            </a:r>
+            <a:r>
+              <a:rPr lang="en-US" sz="2400" dirty="0" err="1">
+                <a:solidFill>
+                  <a:schemeClr val="tx1"/>
+                </a:solidFill>
                 <a:latin typeface="+mn-lt"/>
               </a:rPr>
-            </a:br>
+              <a:t>TensorFlow</a:t>
+            </a:r>
             <a:endParaRPr lang="en-US" sz="2400" dirty="0">
               <a:solidFill>
                 <a:schemeClr val="tx1"/>
@@ -23046,7 +22193,7 @@
     </p:spTree>
     <p:extLst>
       <p:ext uri="{BB962C8B-B14F-4D97-AF65-F5344CB8AC3E}">
-        <p14:creationId xmlns:p14="http://schemas.microsoft.com/office/powerpoint/2010/main" val="2266996835"/>
+        <p14:creationId xmlns:p14="http://schemas.microsoft.com/office/powerpoint/2010/main" val="4153529075"/>
       </p:ext>
     </p:extLst>
   </p:cSld>
@@ -23105,503 +22252,6 @@
                 </a:solidFill>
                 <a:cs typeface="Segoe UI" panose="020B0502040204020203" pitchFamily="34" charset="0"/>
               </a:rPr>
-              <a:t>Preferred objections handling</a:t>
-            </a:r>
-            <a:br>
-              <a:rPr lang="en-US" dirty="0">
-                <a:solidFill>
-                  <a:schemeClr val="tx1"/>
-                </a:solidFill>
-                <a:latin typeface="Segoe UI" panose="020B0502040204020203" pitchFamily="34" charset="0"/>
-              </a:rPr>
-            </a:br>
-            <a:endParaRPr lang="en-US" sz="3236" dirty="0">
-              <a:solidFill>
-                <a:schemeClr val="tx1"/>
-              </a:solidFill>
-              <a:latin typeface="Segoe UI" panose="020B0502040204020203" pitchFamily="34" charset="0"/>
-            </a:endParaRPr>
-          </a:p>
-        </p:txBody>
-      </p:sp>
-      <p:sp>
-        <p:nvSpPr>
-          <p:cNvPr id="3" name="Content Placeholder 2"/>
-          <p:cNvSpPr>
-            <a:spLocks noGrp="1"/>
-          </p:cNvSpPr>
-          <p:nvPr>
-            <p:ph type="body" sz="quarter" idx="10"/>
-          </p:nvPr>
-        </p:nvSpPr>
-        <p:spPr>
-          <a:xfrm>
-            <a:off x="269240" y="1189176"/>
-            <a:ext cx="11215190" cy="5179873"/>
-          </a:xfrm>
-        </p:spPr>
-        <p:txBody>
-          <a:bodyPr>
-            <a:noAutofit/>
-          </a:bodyPr>
-          <a:lstStyle/>
-          <a:p>
-            <a:pPr marL="0" indent="0">
-              <a:spcAft>
-                <a:spcPts val="882"/>
-              </a:spcAft>
-              <a:buNone/>
-            </a:pPr>
-            <a:r>
-              <a:rPr lang="en-US" sz="2800" dirty="0"/>
-              <a:t>We are skeptical about all the hype surrounding these "AI" solutions. It's hard to know what is feasible versus what is not possible with today's technology and Azure.</a:t>
-            </a:r>
-          </a:p>
-          <a:p>
-            <a:pPr>
-              <a:spcAft>
-                <a:spcPts val="882"/>
-              </a:spcAft>
-            </a:pPr>
-            <a:r>
-              <a:rPr lang="en-US" sz="2400" dirty="0">
-                <a:solidFill>
-                  <a:schemeClr val="tx1"/>
-                </a:solidFill>
-                <a:latin typeface="+mn-lt"/>
-              </a:rPr>
-              <a:t>While it is true there is a lot of hype around AI, the ability to deploy solutions that use data, machine learning, and deep learning to create an application with “AI” capabilities is real and is possible in Azure.</a:t>
-            </a:r>
-          </a:p>
-          <a:p>
-            <a:pPr>
-              <a:spcAft>
-                <a:spcPts val="882"/>
-              </a:spcAft>
-            </a:pPr>
-            <a:r>
-              <a:rPr lang="en-US" sz="2400" dirty="0">
-                <a:solidFill>
-                  <a:schemeClr val="tx1"/>
-                </a:solidFill>
-                <a:latin typeface="+mn-lt"/>
-              </a:rPr>
-              <a:t>Azure provides a wide range of services to address the needs of AI, from pre-built AI capabilities in Cognitive Services to services that help you to build, train, and deploy your custom AI capabilities using the Azure Machine Learning service and other services from the Microsoft AI stack.</a:t>
-            </a:r>
-          </a:p>
-        </p:txBody>
-      </p:sp>
-    </p:spTree>
-    <p:extLst>
-      <p:ext uri="{BB962C8B-B14F-4D97-AF65-F5344CB8AC3E}">
-        <p14:creationId xmlns:p14="http://schemas.microsoft.com/office/powerpoint/2010/main" val="1491462391"/>
-      </p:ext>
-    </p:extLst>
-  </p:cSld>
-  <p:clrMapOvr>
-    <a:masterClrMapping/>
-  </p:clrMapOvr>
-  <mc:AlternateContent xmlns:mc="http://schemas.openxmlformats.org/markup-compatibility/2006" xmlns:p14="http://schemas.microsoft.com/office/powerpoint/2010/main">
-    <mc:Choice Requires="p14">
-      <p:transition p14:dur="0"/>
-    </mc:Choice>
-    <mc:Fallback xmlns="">
-      <p:transition/>
-    </mc:Fallback>
-  </mc:AlternateContent>
-</p:sld>
-</file>
-
-<file path=ppt/slides/slide32.xml><?xml version="1.0" encoding="utf-8"?>
-<p:sld xmlns:a="http://schemas.openxmlformats.org/drawingml/2006/main" xmlns:r="http://schemas.openxmlformats.org/officeDocument/2006/relationships" xmlns:p="http://schemas.openxmlformats.org/presentationml/2006/main">
-  <p:cSld>
-    <p:spTree>
-      <p:nvGrpSpPr>
-        <p:cNvPr id="1" name=""/>
-        <p:cNvGrpSpPr/>
-        <p:nvPr/>
-      </p:nvGrpSpPr>
-      <p:grpSpPr>
-        <a:xfrm>
-          <a:off x="0" y="0"/>
-          <a:ext cx="0" cy="0"/>
-          <a:chOff x="0" y="0"/>
-          <a:chExt cx="0" cy="0"/>
-        </a:xfrm>
-      </p:grpSpPr>
-      <p:sp>
-        <p:nvSpPr>
-          <p:cNvPr id="2" name="Title 1"/>
-          <p:cNvSpPr>
-            <a:spLocks noGrp="1"/>
-          </p:cNvSpPr>
-          <p:nvPr>
-            <p:ph type="title"/>
-          </p:nvPr>
-        </p:nvSpPr>
-        <p:spPr/>
-        <p:txBody>
-          <a:bodyPr>
-            <a:normAutofit fontScale="90000"/>
-          </a:bodyPr>
-          <a:lstStyle/>
-          <a:p>
-            <a:r>
-              <a:rPr lang="en-US" sz="4900" dirty="0">
-                <a:solidFill>
-                  <a:schemeClr val="tx1"/>
-                </a:solidFill>
-                <a:cs typeface="Segoe UI" panose="020B0502040204020203" pitchFamily="34" charset="0"/>
-              </a:rPr>
-              <a:t>Preferred objections handling</a:t>
-            </a:r>
-            <a:br>
-              <a:rPr lang="en-US" dirty="0">
-                <a:solidFill>
-                  <a:schemeClr val="tx1"/>
-                </a:solidFill>
-                <a:latin typeface="Segoe UI" panose="020B0502040204020203" pitchFamily="34" charset="0"/>
-              </a:rPr>
-            </a:br>
-            <a:endParaRPr lang="en-US" sz="3236" dirty="0">
-              <a:solidFill>
-                <a:schemeClr val="tx1"/>
-              </a:solidFill>
-              <a:latin typeface="Segoe UI" panose="020B0502040204020203" pitchFamily="34" charset="0"/>
-            </a:endParaRPr>
-          </a:p>
-        </p:txBody>
-      </p:sp>
-      <p:sp>
-        <p:nvSpPr>
-          <p:cNvPr id="3" name="Content Placeholder 2"/>
-          <p:cNvSpPr>
-            <a:spLocks noGrp="1"/>
-          </p:cNvSpPr>
-          <p:nvPr>
-            <p:ph type="body" sz="quarter" idx="10"/>
-          </p:nvPr>
-        </p:nvSpPr>
-        <p:spPr>
-          <a:xfrm>
-            <a:off x="269240" y="1189176"/>
-            <a:ext cx="10649132" cy="5179873"/>
-          </a:xfrm>
-        </p:spPr>
-        <p:txBody>
-          <a:bodyPr>
-            <a:noAutofit/>
-          </a:bodyPr>
-          <a:lstStyle/>
-          <a:p>
-            <a:pPr marL="0" indent="0">
-              <a:spcAft>
-                <a:spcPts val="882"/>
-              </a:spcAft>
-              <a:buNone/>
-            </a:pPr>
-            <a:r>
-              <a:rPr lang="en-US" sz="2800" dirty="0"/>
-              <a:t>We know that there are both pre-built AI and custom AI options. We are confused as to when to choose one over the other. </a:t>
-            </a:r>
-          </a:p>
-          <a:p>
-            <a:pPr>
-              <a:spcAft>
-                <a:spcPts val="882"/>
-              </a:spcAft>
-            </a:pPr>
-            <a:r>
-              <a:rPr lang="en-US" sz="2400" dirty="0">
-                <a:solidFill>
-                  <a:schemeClr val="tx1"/>
-                </a:solidFill>
-                <a:latin typeface="+mn-lt"/>
-              </a:rPr>
-              <a:t>It would be best if you considered the pre-built AI options first. However, if you rule them out because they do not fit your requirements, you should explore the custom AI options.</a:t>
-            </a:r>
-          </a:p>
-          <a:p>
-            <a:pPr>
-              <a:spcAft>
-                <a:spcPts val="882"/>
-              </a:spcAft>
-            </a:pPr>
-            <a:endParaRPr lang="en-US" sz="2400" dirty="0">
-              <a:solidFill>
-                <a:schemeClr val="tx1"/>
-              </a:solidFill>
-              <a:latin typeface="+mn-lt"/>
-            </a:endParaRPr>
-          </a:p>
-          <a:p>
-            <a:pPr>
-              <a:spcAft>
-                <a:spcPts val="882"/>
-              </a:spcAft>
-            </a:pPr>
-            <a:r>
-              <a:rPr lang="en-US" sz="2400" dirty="0">
-                <a:solidFill>
-                  <a:schemeClr val="tx1"/>
-                </a:solidFill>
-                <a:latin typeface="+mn-lt"/>
-              </a:rPr>
-              <a:t>The advantage of pre-built AI options like Cognitive Services is that the models they use under the covers do not need to be trained by you, and you do not need to have the data to train them as a pre-requisite.</a:t>
-            </a:r>
-          </a:p>
-        </p:txBody>
-      </p:sp>
-    </p:spTree>
-    <p:extLst>
-      <p:ext uri="{BB962C8B-B14F-4D97-AF65-F5344CB8AC3E}">
-        <p14:creationId xmlns:p14="http://schemas.microsoft.com/office/powerpoint/2010/main" val="1459427465"/>
-      </p:ext>
-    </p:extLst>
-  </p:cSld>
-  <p:clrMapOvr>
-    <a:masterClrMapping/>
-  </p:clrMapOvr>
-  <mc:AlternateContent xmlns:mc="http://schemas.openxmlformats.org/markup-compatibility/2006" xmlns:p14="http://schemas.microsoft.com/office/powerpoint/2010/main">
-    <mc:Choice Requires="p14">
-      <p:transition p14:dur="0"/>
-    </mc:Choice>
-    <mc:Fallback xmlns="">
-      <p:transition/>
-    </mc:Fallback>
-  </mc:AlternateContent>
-</p:sld>
-</file>
-
-<file path=ppt/slides/slide33.xml><?xml version="1.0" encoding="utf-8"?>
-<p:sld xmlns:a="http://schemas.openxmlformats.org/drawingml/2006/main" xmlns:r="http://schemas.openxmlformats.org/officeDocument/2006/relationships" xmlns:p="http://schemas.openxmlformats.org/presentationml/2006/main">
-  <p:cSld>
-    <p:spTree>
-      <p:nvGrpSpPr>
-        <p:cNvPr id="1" name=""/>
-        <p:cNvGrpSpPr/>
-        <p:nvPr/>
-      </p:nvGrpSpPr>
-      <p:grpSpPr>
-        <a:xfrm>
-          <a:off x="0" y="0"/>
-          <a:ext cx="0" cy="0"/>
-          <a:chOff x="0" y="0"/>
-          <a:chExt cx="0" cy="0"/>
-        </a:xfrm>
-      </p:grpSpPr>
-      <p:sp>
-        <p:nvSpPr>
-          <p:cNvPr id="2" name="Title 1"/>
-          <p:cNvSpPr>
-            <a:spLocks noGrp="1"/>
-          </p:cNvSpPr>
-          <p:nvPr>
-            <p:ph type="title"/>
-          </p:nvPr>
-        </p:nvSpPr>
-        <p:spPr/>
-        <p:txBody>
-          <a:bodyPr>
-            <a:normAutofit/>
-          </a:bodyPr>
-          <a:lstStyle/>
-          <a:p>
-            <a:r>
-              <a:rPr lang="en-US" sz="4400" dirty="0">
-                <a:solidFill>
-                  <a:schemeClr val="tx1"/>
-                </a:solidFill>
-              </a:rPr>
-              <a:t>Preferred objections handling</a:t>
-            </a:r>
-            <a:endParaRPr lang="en-US" sz="4400" dirty="0">
-              <a:solidFill>
-                <a:schemeClr val="tx1"/>
-              </a:solidFill>
-              <a:latin typeface="Segoe UI" panose="020B0502040204020203" pitchFamily="34" charset="0"/>
-            </a:endParaRPr>
-          </a:p>
-        </p:txBody>
-      </p:sp>
-      <p:sp>
-        <p:nvSpPr>
-          <p:cNvPr id="3" name="Content Placeholder 2"/>
-          <p:cNvSpPr>
-            <a:spLocks noGrp="1"/>
-          </p:cNvSpPr>
-          <p:nvPr>
-            <p:ph type="body" sz="quarter" idx="10"/>
-          </p:nvPr>
-        </p:nvSpPr>
-        <p:spPr>
-          <a:xfrm>
-            <a:off x="269239" y="1189176"/>
-            <a:ext cx="11160761" cy="5179873"/>
-          </a:xfrm>
-        </p:spPr>
-        <p:txBody>
-          <a:bodyPr>
-            <a:noAutofit/>
-          </a:bodyPr>
-          <a:lstStyle/>
-          <a:p>
-            <a:pPr marL="0" indent="0">
-              <a:spcAft>
-                <a:spcPts val="882"/>
-              </a:spcAft>
-              <a:buNone/>
-            </a:pPr>
-            <a:r>
-              <a:rPr lang="en-US" sz="2800" dirty="0"/>
-              <a:t>We expect some part of our solution would require deep learning. Do you have any prescriptive guidance on how we might choose between investing in understanding and using TensorFlow or the Microsoft Cognitive Toolkit (CNTK)?</a:t>
-            </a:r>
-          </a:p>
-          <a:p>
-            <a:pPr>
-              <a:spcAft>
-                <a:spcPts val="882"/>
-              </a:spcAft>
-            </a:pPr>
-            <a:r>
-              <a:rPr lang="en-US" sz="2400" dirty="0">
-                <a:solidFill>
-                  <a:schemeClr val="tx1"/>
-                </a:solidFill>
-                <a:latin typeface="+mn-lt"/>
-              </a:rPr>
-              <a:t>Both TensorFlow and the Microsoft Cognitive Toolkit solve similar problems and have been used successfully by many companies for deep learning solutions.</a:t>
-            </a:r>
-          </a:p>
-          <a:p>
-            <a:pPr>
-              <a:spcAft>
-                <a:spcPts val="882"/>
-              </a:spcAft>
-            </a:pPr>
-            <a:r>
-              <a:rPr lang="en-US" sz="2400" dirty="0">
-                <a:solidFill>
-                  <a:schemeClr val="tx1"/>
-                </a:solidFill>
-                <a:latin typeface="+mn-lt"/>
-              </a:rPr>
-              <a:t>At present, it appears that TensorFlow has a much larger community interest level, which can be measured by the number of stars it has in its GitHub project (which is an order of magnitude larger than that of the Microsoft Cognitive Toolkit)</a:t>
-            </a:r>
-          </a:p>
-          <a:p>
-            <a:pPr>
-              <a:spcAft>
-                <a:spcPts val="882"/>
-              </a:spcAft>
-            </a:pPr>
-            <a:r>
-              <a:rPr lang="en-US" sz="2400" dirty="0">
-                <a:solidFill>
-                  <a:schemeClr val="tx1"/>
-                </a:solidFill>
-                <a:latin typeface="+mn-lt"/>
-              </a:rPr>
-              <a:t>The size of the community means that is likely you will more easily find help online for issues with </a:t>
-            </a:r>
-            <a:r>
-              <a:rPr lang="en-US" sz="2400" dirty="0" err="1">
-                <a:solidFill>
-                  <a:schemeClr val="tx1"/>
-                </a:solidFill>
-                <a:latin typeface="+mn-lt"/>
-              </a:rPr>
-              <a:t>TensorFlow</a:t>
-            </a:r>
-            <a:r>
-              <a:rPr lang="en-US" sz="2400" dirty="0">
-                <a:solidFill>
-                  <a:schemeClr val="tx1"/>
-                </a:solidFill>
-                <a:latin typeface="+mn-lt"/>
-              </a:rPr>
-              <a:t> versus the Microsoft Cognitive Toolkit, which is why it may be a good reason to start with </a:t>
-            </a:r>
-            <a:r>
-              <a:rPr lang="en-US" sz="2400" dirty="0" err="1">
-                <a:solidFill>
-                  <a:schemeClr val="tx1"/>
-                </a:solidFill>
-                <a:latin typeface="+mn-lt"/>
-              </a:rPr>
-              <a:t>TensorFlow</a:t>
-            </a:r>
-            <a:endParaRPr lang="en-US" sz="2400" dirty="0">
-              <a:solidFill>
-                <a:schemeClr val="tx1"/>
-              </a:solidFill>
-              <a:latin typeface="+mn-lt"/>
-            </a:endParaRPr>
-          </a:p>
-        </p:txBody>
-      </p:sp>
-    </p:spTree>
-    <p:extLst>
-      <p:ext uri="{BB962C8B-B14F-4D97-AF65-F5344CB8AC3E}">
-        <p14:creationId xmlns:p14="http://schemas.microsoft.com/office/powerpoint/2010/main" val="4153529075"/>
-      </p:ext>
-    </p:extLst>
-  </p:cSld>
-  <p:clrMapOvr>
-    <a:masterClrMapping/>
-  </p:clrMapOvr>
-  <mc:AlternateContent xmlns:mc="http://schemas.openxmlformats.org/markup-compatibility/2006" xmlns:p14="http://schemas.microsoft.com/office/powerpoint/2010/main">
-    <mc:Choice Requires="p14">
-      <p:transition p14:dur="0"/>
-    </mc:Choice>
-    <mc:Fallback xmlns="">
-      <p:transition/>
-    </mc:Fallback>
-  </mc:AlternateContent>
-</p:sld>
-</file>
-
-<file path=ppt/slides/slide34.xml><?xml version="1.0" encoding="utf-8"?>
-<p:sld xmlns:a="http://schemas.openxmlformats.org/drawingml/2006/main" xmlns:r="http://schemas.openxmlformats.org/officeDocument/2006/relationships" xmlns:p="http://schemas.openxmlformats.org/presentationml/2006/main">
-  <p:cSld>
-    <p:spTree>
-      <p:nvGrpSpPr>
-        <p:cNvPr id="1" name=""/>
-        <p:cNvGrpSpPr/>
-        <p:nvPr/>
-      </p:nvGrpSpPr>
-      <p:grpSpPr>
-        <a:xfrm>
-          <a:off x="0" y="0"/>
-          <a:ext cx="0" cy="0"/>
-          <a:chOff x="0" y="0"/>
-          <a:chExt cx="0" cy="0"/>
-        </a:xfrm>
-      </p:grpSpPr>
-      <p:sp>
-        <p:nvSpPr>
-          <p:cNvPr id="2" name="Title 1"/>
-          <p:cNvSpPr>
-            <a:spLocks noGrp="1"/>
-          </p:cNvSpPr>
-          <p:nvPr>
-            <p:ph type="title"/>
-          </p:nvPr>
-        </p:nvSpPr>
-        <p:spPr/>
-        <p:txBody>
-          <a:bodyPr>
-            <a:normAutofit fontScale="90000"/>
-          </a:bodyPr>
-          <a:lstStyle/>
-          <a:p>
-            <a:r>
-              <a:rPr lang="en-US" sz="4900" dirty="0">
-                <a:solidFill>
-                  <a:schemeClr val="tx1"/>
-                </a:solidFill>
-                <a:cs typeface="Segoe UI" panose="020B0502040204020203" pitchFamily="34" charset="0"/>
-              </a:rPr>
               <a:t>Customer quote</a:t>
             </a:r>
             <a:br>
@@ -23728,7 +22378,7 @@
 </p:sld>
 </file>
 
-<file path=ppt/slides/slide35.xml><?xml version="1.0" encoding="utf-8"?>
+<file path=ppt/slides/slide32.xml><?xml version="1.0" encoding="utf-8"?>
 <p:sld xmlns:a="http://schemas.openxmlformats.org/drawingml/2006/main" xmlns:r="http://schemas.openxmlformats.org/officeDocument/2006/relationships" xmlns:p="http://schemas.openxmlformats.org/presentationml/2006/main">
   <p:cSld>
     <p:bg>
@@ -23850,8 +22500,8 @@
         </p:nvSpPr>
         <p:spPr>
           <a:xfrm>
-            <a:off x="269238" y="1189177"/>
-            <a:ext cx="7986865" cy="5238128"/>
+            <a:off x="269238" y="1622311"/>
+            <a:ext cx="7986865" cy="4489728"/>
           </a:xfrm>
         </p:spPr>
         <p:txBody>
@@ -23935,47 +22585,6 @@
               </a:rPr>
               <a:t>Concerned that it currently takes significant time for an agent to read through and process the content submitted with each claim</a:t>
             </a:r>
-            <a:br>
-              <a:rPr lang="en-US" sz="2400" dirty="0">
-                <a:solidFill>
-                  <a:schemeClr val="tx1"/>
-                </a:solidFill>
-                <a:latin typeface="+mn-lt"/>
-              </a:rPr>
-            </a:br>
-            <a:endParaRPr lang="en-US" sz="2400" dirty="0">
-              <a:solidFill>
-                <a:schemeClr val="tx1"/>
-              </a:solidFill>
-              <a:latin typeface="+mn-lt"/>
-            </a:endParaRPr>
-          </a:p>
-          <a:p>
-            <a:r>
-              <a:rPr lang="en-US" sz="2400" dirty="0">
-                <a:solidFill>
-                  <a:schemeClr val="tx1"/>
-                </a:solidFill>
-                <a:latin typeface="+mn-lt"/>
-              </a:rPr>
-              <a:t>Finding that it is difficult for agents to find particular claim artifacts when returning to a claim after a while</a:t>
-            </a:r>
-            <a:br>
-              <a:rPr lang="en-US" sz="2400" dirty="0">
-                <a:solidFill>
-                  <a:schemeClr val="tx1"/>
-                </a:solidFill>
-                <a:latin typeface="+mn-lt"/>
-              </a:rPr>
-            </a:br>
-            <a:br>
-              <a:rPr lang="en-US" sz="2400" dirty="0">
-                <a:solidFill>
-                  <a:schemeClr val="tx1"/>
-                </a:solidFill>
-                <a:latin typeface="+mn-lt"/>
-              </a:rPr>
-            </a:br>
             <a:br>
               <a:rPr lang="en-US" sz="2400" dirty="0">
                 <a:solidFill>
@@ -24200,90 +22809,12 @@
             </a:pPr>
             <a:r>
               <a:rPr lang="en-US" sz="3600" dirty="0"/>
-              <a:t>Two sets of issues where they envision amplifying the capabilities of their agents with AI:</a:t>
+              <a:t>A sets of issues where they envision amplifying the capabilities of their agents with AI:</a:t>
             </a:r>
             <a:endParaRPr lang="en-US" sz="2800" dirty="0"/>
           </a:p>
         </p:txBody>
       </p:sp>
-      <p:pic>
-        <p:nvPicPr>
-          <p:cNvPr id="9" name="Graphic 8" descr="Document icon" title="Document icon">
-            <a:extLst>
-              <a:ext uri="{FF2B5EF4-FFF2-40B4-BE49-F238E27FC236}">
-                <a16:creationId xmlns:a16="http://schemas.microsoft.com/office/drawing/2014/main" id="{3921AFBD-AD85-44C2-84BD-B02CA71ACC29}"/>
-              </a:ext>
-            </a:extLst>
-          </p:cNvPr>
-          <p:cNvPicPr>
-            <a:picLocks noChangeAspect="1"/>
-          </p:cNvPicPr>
-          <p:nvPr/>
-        </p:nvPicPr>
-        <p:blipFill>
-          <a:blip r:embed="rId3" cstate="print">
-            <a:extLst>
-              <a:ext uri="{28A0092B-C50C-407E-A947-70E740481C1C}">
-                <a14:useLocalDpi xmlns:a14="http://schemas.microsoft.com/office/drawing/2010/main" val="0"/>
-              </a:ext>
-              <a:ext uri="{96DAC541-7B7A-43D3-8B79-37D633B846F1}">
-                <asvg:svgBlip xmlns:asvg="http://schemas.microsoft.com/office/drawing/2016/SVG/main" r:embed="rId4"/>
-              </a:ext>
-            </a:extLst>
-          </a:blip>
-          <a:stretch>
-            <a:fillRect/>
-          </a:stretch>
-        </p:blipFill>
-        <p:spPr>
-          <a:xfrm>
-            <a:off x="888542" y="2672136"/>
-            <a:ext cx="1213946" cy="1213946"/>
-          </a:xfrm>
-          <a:prstGeom prst="rect">
-            <a:avLst/>
-          </a:prstGeom>
-        </p:spPr>
-      </p:pic>
-      <p:pic>
-        <p:nvPicPr>
-          <p:cNvPr id="6" name="Graphic 5" descr="Camera icon" title="Camera icon">
-            <a:extLst>
-              <a:ext uri="{FF2B5EF4-FFF2-40B4-BE49-F238E27FC236}">
-                <a16:creationId xmlns:a16="http://schemas.microsoft.com/office/drawing/2014/main" id="{CB31A0D8-66D0-4EA6-85BA-5BDB60A60FB5}"/>
-              </a:ext>
-            </a:extLst>
-          </p:cNvPr>
-          <p:cNvPicPr>
-            <a:picLocks noChangeAspect="1"/>
-          </p:cNvPicPr>
-          <p:nvPr/>
-        </p:nvPicPr>
-        <p:blipFill>
-          <a:blip r:embed="rId5" cstate="print">
-            <a:extLst>
-              <a:ext uri="{28A0092B-C50C-407E-A947-70E740481C1C}">
-                <a14:useLocalDpi xmlns:a14="http://schemas.microsoft.com/office/drawing/2010/main" val="0"/>
-              </a:ext>
-              <a:ext uri="{96DAC541-7B7A-43D3-8B79-37D633B846F1}">
-                <asvg:svgBlip xmlns:asvg="http://schemas.microsoft.com/office/drawing/2016/SVG/main" r:embed="rId6"/>
-              </a:ext>
-            </a:extLst>
-          </a:blip>
-          <a:stretch>
-            <a:fillRect/>
-          </a:stretch>
-        </p:blipFill>
-        <p:spPr>
-          <a:xfrm>
-            <a:off x="759386" y="4625853"/>
-            <a:ext cx="1486376" cy="1486376"/>
-          </a:xfrm>
-          <a:prstGeom prst="rect">
-            <a:avLst/>
-          </a:prstGeom>
-        </p:spPr>
-      </p:pic>
       <p:sp>
         <p:nvSpPr>
           <p:cNvPr id="10" name="Content Placeholder 2">
@@ -24300,8 +22831,8 @@
         </p:nvSpPr>
         <p:spPr>
           <a:xfrm>
-            <a:off x="2858997" y="2425263"/>
-            <a:ext cx="7434843" cy="3754820"/>
+            <a:off x="1294892" y="2555328"/>
+            <a:ext cx="8210055" cy="3754820"/>
           </a:xfrm>
           <a:prstGeom prst="rect">
             <a:avLst/>
@@ -24535,83 +23066,53 @@
           </a:lstStyle>
           <a:p>
             <a:r>
+              <a:rPr lang="en-US" sz="2800" dirty="0"/>
+              <a:t>Analyze sentiments in the claim text</a:t>
+            </a:r>
+          </a:p>
+          <a:p>
+            <a:r>
+              <a:rPr lang="en-US" sz="2800" dirty="0"/>
+              <a:t>Mine for opinions expressed in the claim text</a:t>
+            </a:r>
+          </a:p>
+          <a:p>
+            <a:r>
+              <a:rPr lang="en-US" sz="2800" dirty="0"/>
+              <a:t>Identify key concepts in the claim text</a:t>
+            </a:r>
+          </a:p>
+          <a:p>
+            <a:r>
+              <a:rPr lang="en-US" sz="2800" dirty="0"/>
+              <a:t>Detect language of the claim text</a:t>
+            </a:r>
+          </a:p>
+          <a:p>
+            <a:r>
+              <a:rPr lang="en-US" sz="2800" dirty="0"/>
+              <a:t>Detect PII information in the claim text</a:t>
+            </a:r>
+          </a:p>
+          <a:p>
+            <a:r>
+              <a:rPr lang="en-US" sz="2800" dirty="0"/>
+              <a:t>Classifying claims as “home” or “auto”</a:t>
+            </a:r>
+          </a:p>
+          <a:p>
+            <a:r>
+              <a:rPr lang="en-US" sz="2800" dirty="0"/>
+              <a:t>Summarizing long claim text</a:t>
+            </a:r>
+            <a:br>
               <a:rPr lang="en-US" sz="2800" dirty="0">
-                <a:latin typeface="+mn-lt"/>
-              </a:rPr>
-              <a:t>Processing free-text responses:</a:t>
-            </a:r>
-          </a:p>
-          <a:p>
-            <a:pPr lvl="1"/>
-            <a:r>
-              <a:rPr lang="en-US" sz="2400" dirty="0"/>
-              <a:t>Classifying claims as “home” or “auto”</a:t>
-            </a:r>
-          </a:p>
-          <a:p>
-            <a:pPr lvl="1"/>
-            <a:r>
-              <a:rPr lang="en-US" sz="2400" dirty="0"/>
-              <a:t>Scoring claim sentiment</a:t>
-            </a:r>
-          </a:p>
-          <a:p>
-            <a:pPr lvl="1"/>
-            <a:r>
-              <a:rPr lang="en-US" sz="2400" dirty="0"/>
-              <a:t>Summarizing long claim text</a:t>
-            </a:r>
-            <a:br>
-              <a:rPr lang="en-US" sz="2000" dirty="0"/>
-            </a:br>
-            <a:endParaRPr lang="en-US" sz="2000" dirty="0"/>
-          </a:p>
-          <a:p>
-            <a:r>
-              <a:rPr lang="en-US" sz="2800" dirty="0">
-                <a:latin typeface="+mn-lt"/>
-              </a:rPr>
-              <a:t>Processing images for searchability:</a:t>
-            </a:r>
-          </a:p>
-          <a:p>
-            <a:pPr lvl="1"/>
-            <a:r>
-              <a:rPr lang="en-US" sz="2400" dirty="0"/>
-              <a:t>Automatic captioning of image contents</a:t>
-            </a:r>
-          </a:p>
-          <a:p>
-            <a:pPr lvl="1"/>
-            <a:r>
-              <a:rPr lang="en-US" sz="2400" dirty="0"/>
-              <a:t>Tagging of images</a:t>
-            </a:r>
-          </a:p>
-          <a:p>
-            <a:pPr lvl="1"/>
-            <a:r>
-              <a:rPr lang="en-US" sz="2400" dirty="0"/>
-              <a:t>Extracting any text in the image</a:t>
-            </a:r>
-            <a:br>
-              <a:rPr lang="en-US" sz="1232" dirty="0"/>
-            </a:br>
-            <a:br>
-              <a:rPr lang="en-US" sz="1232" dirty="0">
                 <a:solidFill>
                   <a:schemeClr val="tx1"/>
                 </a:solidFill>
               </a:rPr>
             </a:br>
-            <a:br>
-              <a:rPr lang="en-US" sz="1232" dirty="0">
-                <a:solidFill>
-                  <a:schemeClr val="tx1"/>
-                </a:solidFill>
-              </a:rPr>
-            </a:br>
-            <a:endParaRPr lang="en-US" sz="1232" dirty="0">
+            <a:endParaRPr lang="en-US" sz="2800" dirty="0">
               <a:solidFill>
                 <a:schemeClr val="tx1"/>
               </a:solidFill>
@@ -24713,7 +23214,7 @@
         <p:spPr>
           <a:xfrm>
             <a:off x="269239" y="1189177"/>
-            <a:ext cx="11653523" cy="5145882"/>
+            <a:ext cx="11653523" cy="5379312"/>
           </a:xfrm>
         </p:spPr>
         <p:txBody>
@@ -24722,44 +23223,30 @@
           </a:bodyPr>
           <a:lstStyle/>
           <a:p>
-            <a:pPr lvl="0"/>
-            <a:r>
-              <a:rPr lang="en-US" sz="2400" dirty="0">
+            <a:r>
+              <a:rPr lang="en-US" sz="2800" dirty="0">
                 <a:latin typeface="+mn-lt"/>
               </a:rPr>
-              <a:t>We receive a lot of useful information in the free-text responses. However, because the free-text responses can be lengthy, agents sometimes skip over them and miss vital details or spend too much time looking for a particular point when returning to a claim. We aren't confident we can automate this step. Still, we would like to have a standardized process that identifies the key entities in a claim and pulls them out into a separate list that agents can more easily review and then view the entity in the claim's context. </a:t>
-            </a:r>
-          </a:p>
-          <a:p>
-            <a:pPr lvl="0"/>
-            <a:endParaRPr lang="en-US" sz="2400" dirty="0">
+              <a:t>We receive a lot of useful information in the free-text responses. However, because the free-text responses can be lengthy, agents sometimes skip over them and miss vital details or spend too much time looking for a particular point when returning to a claim. We aren't confident we can automate this step. Still, we would like to have a standardized process that identifies the key units of actionable information in a claim and pulls these units of information out into a separate sections that agents can more easily review and then be able to view and read both the summary and the entire text of the claims.</a:t>
+            </a:r>
+          </a:p>
+          <a:p>
+            <a:pPr marL="0" lvl="0" indent="0">
+              <a:buNone/>
+            </a:pPr>
+            <a:endParaRPr lang="en-US" sz="2800" dirty="0">
               <a:latin typeface="+mn-lt"/>
             </a:endParaRPr>
           </a:p>
           <a:p>
             <a:pPr lvl="0"/>
             <a:r>
-              <a:rPr lang="en-US" sz="2400" dirty="0">
+              <a:rPr lang="en-US" sz="2800" dirty="0">
                 <a:latin typeface="+mn-lt"/>
               </a:rPr>
-              <a:t>We need a solution that can "look" at a photo and provide a description of the photos' contents and tag the images with keywords, so agents can more easily find and refer to the picture later.</a:t>
-            </a:r>
-          </a:p>
-          <a:p>
-            <a:pPr lvl="0"/>
-            <a:endParaRPr lang="en-US" sz="2400" dirty="0">
-              <a:latin typeface="+mn-lt"/>
-            </a:endParaRPr>
-          </a:p>
-          <a:p>
-            <a:pPr lvl="0"/>
-            <a:r>
-              <a:rPr lang="en-US" sz="2400" dirty="0">
-                <a:latin typeface="+mn-lt"/>
-              </a:rPr>
               <a:t>We are looking to amplify our agents' capabilities and improve their claims processing capabilities - not replace them. We want a solution that does the same.</a:t>
             </a:r>
-            <a:endParaRPr lang="en-US" sz="2400" dirty="0">
+            <a:endParaRPr lang="en-US" sz="2800" dirty="0">
               <a:solidFill>
                 <a:schemeClr val="tx1"/>
               </a:solidFill>
@@ -24885,13 +23372,11 @@
             </a:endParaRPr>
           </a:p>
           <a:p>
-            <a:pPr lvl="0"/>
             <a:r>
               <a:rPr lang="en-US" sz="2800" dirty="0">
                 <a:latin typeface="+mn-lt"/>
-                <a:cs typeface="Segoe UI Light" panose="020B0502040204020203" pitchFamily="34" charset="0"/>
-              </a:rPr>
-              <a:t>We know that are both pre-built AI and custom AI options available. We are confused as to when to choose one over the other.</a:t>
+              </a:rPr>
+              <a:t>We know that there are pre-built AI, Automated ML, and custom AI options available. We are confused as to when to choose one over the other.</a:t>
             </a:r>
           </a:p>
           <a:p>

--- a/Whiteboard design session/WDS trainer presentation - Cognitive Services and deep learning.pptx
+++ b/Whiteboard design session/WDS trainer presentation - Cognitive Services and deep learning.pptx
@@ -6,7 +6,7 @@
     <p:sldMasterId id="2147483665" r:id="rId2"/>
   </p:sldMasterIdLst>
   <p:notesMasterIdLst>
-    <p:notesMasterId r:id="rId35"/>
+    <p:notesMasterId r:id="rId36"/>
   </p:notesMasterIdLst>
   <p:sldIdLst>
     <p:sldId id="300" r:id="rId3"/>
@@ -35,12 +35,13 @@
     <p:sldId id="346" r:id="rId26"/>
     <p:sldId id="345" r:id="rId27"/>
     <p:sldId id="331" r:id="rId28"/>
-    <p:sldId id="332" r:id="rId29"/>
-    <p:sldId id="338" r:id="rId30"/>
-    <p:sldId id="340" r:id="rId31"/>
-    <p:sldId id="341" r:id="rId32"/>
-    <p:sldId id="339" r:id="rId33"/>
-    <p:sldId id="315" r:id="rId34"/>
+    <p:sldId id="347" r:id="rId29"/>
+    <p:sldId id="332" r:id="rId30"/>
+    <p:sldId id="338" r:id="rId31"/>
+    <p:sldId id="340" r:id="rId32"/>
+    <p:sldId id="341" r:id="rId33"/>
+    <p:sldId id="339" r:id="rId34"/>
+    <p:sldId id="315" r:id="rId35"/>
   </p:sldIdLst>
   <p:sldSz cx="12192000" cy="6858000"/>
   <p:notesSz cx="6858000" cy="9144000"/>
@@ -232,7 +233,7 @@
           <a:p>
             <a:fld id="{52A13B17-C506-4D51-BB37-16B365906619}" type="datetimeFigureOut">
               <a:rPr lang="en-US" smtClean="0"/>
-              <a:t>10/20/21</a:t>
+              <a:t>11/10/21</a:t>
             </a:fld>
             <a:endParaRPr lang="en-US" dirty="0"/>
           </a:p>
@@ -2393,7 +2394,7 @@
     </p:spTree>
     <p:extLst>
       <p:ext uri="{BB962C8B-B14F-4D97-AF65-F5344CB8AC3E}">
-        <p14:creationId xmlns:p14="http://schemas.microsoft.com/office/powerpoint/2010/main" val="183691693"/>
+        <p14:creationId xmlns:p14="http://schemas.microsoft.com/office/powerpoint/2010/main" val="1554850918"/>
       </p:ext>
     </p:extLst>
   </p:cSld>
@@ -2477,7 +2478,7 @@
     </p:spTree>
     <p:extLst>
       <p:ext uri="{BB962C8B-B14F-4D97-AF65-F5344CB8AC3E}">
-        <p14:creationId xmlns:p14="http://schemas.microsoft.com/office/powerpoint/2010/main" val="376445730"/>
+        <p14:creationId xmlns:p14="http://schemas.microsoft.com/office/powerpoint/2010/main" val="183691693"/>
       </p:ext>
     </p:extLst>
   </p:cSld>
@@ -2561,7 +2562,7 @@
     </p:spTree>
     <p:extLst>
       <p:ext uri="{BB962C8B-B14F-4D97-AF65-F5344CB8AC3E}">
-        <p14:creationId xmlns:p14="http://schemas.microsoft.com/office/powerpoint/2010/main" val="366044158"/>
+        <p14:creationId xmlns:p14="http://schemas.microsoft.com/office/powerpoint/2010/main" val="376445730"/>
       </p:ext>
     </p:extLst>
   </p:cSld>
@@ -2729,7 +2730,7 @@
     </p:spTree>
     <p:extLst>
       <p:ext uri="{BB962C8B-B14F-4D97-AF65-F5344CB8AC3E}">
-        <p14:creationId xmlns:p14="http://schemas.microsoft.com/office/powerpoint/2010/main" val="2866128362"/>
+        <p14:creationId xmlns:p14="http://schemas.microsoft.com/office/powerpoint/2010/main" val="366044158"/>
       </p:ext>
     </p:extLst>
   </p:cSld>
@@ -2813,6 +2814,90 @@
     </p:spTree>
     <p:extLst>
       <p:ext uri="{BB962C8B-B14F-4D97-AF65-F5344CB8AC3E}">
+        <p14:creationId xmlns:p14="http://schemas.microsoft.com/office/powerpoint/2010/main" val="2866128362"/>
+      </p:ext>
+    </p:extLst>
+  </p:cSld>
+  <p:clrMapOvr>
+    <a:masterClrMapping/>
+  </p:clrMapOvr>
+</p:notes>
+</file>
+
+<file path=ppt/notesSlides/notesSlide32.xml><?xml version="1.0" encoding="utf-8"?>
+<p:notes xmlns:a="http://schemas.openxmlformats.org/drawingml/2006/main" xmlns:r="http://schemas.openxmlformats.org/officeDocument/2006/relationships" xmlns:p="http://schemas.openxmlformats.org/presentationml/2006/main">
+  <p:cSld>
+    <p:spTree>
+      <p:nvGrpSpPr>
+        <p:cNvPr id="1" name=""/>
+        <p:cNvGrpSpPr/>
+        <p:nvPr/>
+      </p:nvGrpSpPr>
+      <p:grpSpPr>
+        <a:xfrm>
+          <a:off x="0" y="0"/>
+          <a:ext cx="0" cy="0"/>
+          <a:chOff x="0" y="0"/>
+          <a:chExt cx="0" cy="0"/>
+        </a:xfrm>
+      </p:grpSpPr>
+      <p:sp>
+        <p:nvSpPr>
+          <p:cNvPr id="2" name="Slide Image Placeholder 1"/>
+          <p:cNvSpPr>
+            <a:spLocks noGrp="1" noRot="1" noChangeAspect="1"/>
+          </p:cNvSpPr>
+          <p:nvPr>
+            <p:ph type="sldImg"/>
+          </p:nvPr>
+        </p:nvSpPr>
+        <p:spPr/>
+      </p:sp>
+      <p:sp>
+        <p:nvSpPr>
+          <p:cNvPr id="3" name="Notes Placeholder 2"/>
+          <p:cNvSpPr>
+            <a:spLocks noGrp="1"/>
+          </p:cNvSpPr>
+          <p:nvPr>
+            <p:ph type="body" idx="1"/>
+          </p:nvPr>
+        </p:nvSpPr>
+        <p:spPr/>
+        <p:txBody>
+          <a:bodyPr/>
+          <a:lstStyle/>
+          <a:p>
+            <a:endParaRPr lang="en-US" dirty="0"/>
+          </a:p>
+        </p:txBody>
+      </p:sp>
+      <p:sp>
+        <p:nvSpPr>
+          <p:cNvPr id="4" name="Slide Number Placeholder 3"/>
+          <p:cNvSpPr>
+            <a:spLocks noGrp="1"/>
+          </p:cNvSpPr>
+          <p:nvPr>
+            <p:ph type="sldNum" sz="quarter" idx="10"/>
+          </p:nvPr>
+        </p:nvSpPr>
+        <p:spPr/>
+        <p:txBody>
+          <a:bodyPr/>
+          <a:lstStyle/>
+          <a:p>
+            <a:fld id="{0998D5BB-B127-481F-BC0A-2F77C576BB34}" type="slidenum">
+              <a:rPr lang="en-US" smtClean="0"/>
+              <a:t>32</a:t>
+            </a:fld>
+            <a:endParaRPr lang="en-US" dirty="0"/>
+          </a:p>
+        </p:txBody>
+      </p:sp>
+    </p:spTree>
+    <p:extLst>
+      <p:ext uri="{BB962C8B-B14F-4D97-AF65-F5344CB8AC3E}">
         <p14:creationId xmlns:p14="http://schemas.microsoft.com/office/powerpoint/2010/main" val="2007135944"/>
       </p:ext>
     </p:extLst>
@@ -2823,7 +2908,7 @@
 </p:notes>
 </file>
 
-<file path=ppt/notesSlides/notesSlide32.xml><?xml version="1.0" encoding="utf-8"?>
+<file path=ppt/notesSlides/notesSlide33.xml><?xml version="1.0" encoding="utf-8"?>
 <p:notes xmlns:a="http://schemas.openxmlformats.org/drawingml/2006/main" xmlns:r="http://schemas.openxmlformats.org/officeDocument/2006/relationships" xmlns:p="http://schemas.openxmlformats.org/presentationml/2006/main">
   <p:cSld>
     <p:spTree>
@@ -2930,7 +3015,7 @@
                   <a:prstClr val="black"/>
                 </a:solidFill>
               </a:rPr>
-              <a:t>10/20/21 12:54 PM</a:t>
+              <a:t>11/10/21 9:54 AM</a:t>
             </a:fld>
             <a:endParaRPr lang="en-US" dirty="0">
               <a:solidFill>
@@ -2962,7 +3047,7 @@
                 </a:solidFill>
               </a:rPr>
               <a:pPr/>
-              <a:t>32</a:t>
+              <a:t>33</a:t>
             </a:fld>
             <a:endParaRPr lang="en-US" dirty="0">
               <a:solidFill>
@@ -20296,7 +20381,7 @@
                   <a:schemeClr val="tx1"/>
                 </a:solidFill>
               </a:rPr>
-              <a:t>Can they really expect a non-data scientist to create performant models using automated machine learning?</a:t>
+              <a:t>Can they really expect to create performant models using automated machine learning?</a:t>
             </a:r>
             <a:endParaRPr lang="en-US" sz="2000" dirty="0">
               <a:solidFill>
@@ -20840,7 +20925,7 @@
                   <a:schemeClr val="tx1"/>
                 </a:solidFill>
               </a:rPr>
-              <a:t>Pseudo code on how to use the Text Analytics Python APIs for their text analytics use cases</a:t>
+              <a:t>Pseudo code on how to use the Text Analytics Python APIs for their text analytics use cases (The actual solution may use the Python SDK or REST APIs)</a:t>
             </a:r>
             <a:br>
               <a:rPr lang="en-US" sz="2400" dirty="0">
@@ -20862,381 +20947,104 @@
               <a:buNone/>
             </a:pPr>
             <a:r>
-              <a:rPr lang="en-US" sz="1800" dirty="0">
+              <a:rPr lang="en-US" sz="2400" dirty="0">
                 <a:solidFill>
                   <a:schemeClr val="tx1"/>
                 </a:solidFill>
                 <a:latin typeface="+mn-lt"/>
               </a:rPr>
-              <a:t>from </a:t>
-            </a:r>
-            <a:r>
-              <a:rPr lang="en-US" sz="1800" dirty="0" err="1">
+              <a:t>The steps required to use the Text Analytics APIs is as follows:</a:t>
+            </a:r>
+          </a:p>
+          <a:p>
+            <a:pPr marL="457200" indent="-457200">
+              <a:buFont typeface="+mj-lt"/>
+              <a:buAutoNum type="arabicPeriod"/>
+            </a:pPr>
+            <a:r>
+              <a:rPr lang="en-US" sz="2400" dirty="0">
                 <a:solidFill>
                   <a:schemeClr val="tx1"/>
                 </a:solidFill>
                 <a:latin typeface="+mn-lt"/>
               </a:rPr>
-              <a:t>azure.core.credentials</a:t>
-            </a:r>
-            <a:r>
-              <a:rPr lang="en-US" sz="1800" dirty="0">
+              <a:t>Import the dependent libraries</a:t>
+            </a:r>
+          </a:p>
+          <a:p>
+            <a:pPr marL="457200" indent="-457200">
+              <a:buFont typeface="+mj-lt"/>
+              <a:buAutoNum type="arabicPeriod"/>
+            </a:pPr>
+            <a:r>
+              <a:rPr lang="en-US" sz="2400" dirty="0">
                 <a:solidFill>
                   <a:schemeClr val="tx1"/>
                 </a:solidFill>
                 <a:latin typeface="+mn-lt"/>
               </a:rPr>
-              <a:t> import </a:t>
-            </a:r>
-            <a:r>
-              <a:rPr lang="en-US" sz="1800" dirty="0" err="1">
+              <a:t>Create a "client" in the code to interact with the web service</a:t>
+            </a:r>
+          </a:p>
+          <a:p>
+            <a:pPr marL="457200" indent="-457200">
+              <a:buFont typeface="+mj-lt"/>
+              <a:buAutoNum type="arabicPeriod"/>
+            </a:pPr>
+            <a:r>
+              <a:rPr lang="en-US" sz="2400" dirty="0">
                 <a:solidFill>
                   <a:schemeClr val="tx1"/>
                 </a:solidFill>
                 <a:latin typeface="+mn-lt"/>
               </a:rPr>
-              <a:t>AzureKeyCredential</a:t>
-            </a:r>
-            <a:endParaRPr lang="en-US" sz="1800" dirty="0">
-              <a:solidFill>
-                <a:schemeClr val="tx1"/>
-              </a:solidFill>
-              <a:latin typeface="+mn-lt"/>
-            </a:endParaRPr>
-          </a:p>
-          <a:p>
-            <a:pPr marL="0" indent="0">
-              <a:buNone/>
+              <a:t>Read in the claim(s)</a:t>
+            </a:r>
+          </a:p>
+          <a:p>
+            <a:pPr marL="457200" indent="-457200">
+              <a:buFont typeface="+mj-lt"/>
+              <a:buAutoNum type="arabicPeriod"/>
             </a:pPr>
             <a:r>
-              <a:rPr lang="en-US" sz="1800" dirty="0">
+              <a:rPr lang="en-US" sz="2400" dirty="0">
                 <a:solidFill>
                   <a:schemeClr val="tx1"/>
                 </a:solidFill>
                 <a:latin typeface="+mn-lt"/>
               </a:rPr>
-              <a:t>from </a:t>
-            </a:r>
-            <a:r>
-              <a:rPr lang="en-US" sz="1800" dirty="0" err="1">
+              <a:t>Send the claim text to the Text Analytics API to retrieve the information specifically needed (i.e. sentiments, extract key phrases, etc.)</a:t>
+            </a:r>
+          </a:p>
+          <a:p>
+            <a:pPr marL="457200" indent="-457200">
+              <a:buFont typeface="+mj-lt"/>
+              <a:buAutoNum type="arabicPeriod"/>
+            </a:pPr>
+            <a:r>
+              <a:rPr lang="en-US" sz="2400" dirty="0">
                 <a:solidFill>
                   <a:schemeClr val="tx1"/>
                 </a:solidFill>
                 <a:latin typeface="+mn-lt"/>
               </a:rPr>
-              <a:t>azure.ai.textanalytics</a:t>
-            </a:r>
-            <a:r>
-              <a:rPr lang="en-US" sz="1800" dirty="0">
+              <a:t>Retrieve the results</a:t>
+            </a:r>
+          </a:p>
+          <a:p>
+            <a:pPr marL="457200" indent="-457200">
+              <a:buFont typeface="+mj-lt"/>
+              <a:buAutoNum type="arabicPeriod"/>
+            </a:pPr>
+            <a:r>
+              <a:rPr lang="en-US" sz="2400" dirty="0">
                 <a:solidFill>
                   <a:schemeClr val="tx1"/>
                 </a:solidFill>
                 <a:latin typeface="+mn-lt"/>
               </a:rPr>
-              <a:t> import </a:t>
-            </a:r>
-            <a:r>
-              <a:rPr lang="en-US" sz="1800" dirty="0" err="1">
-                <a:solidFill>
-                  <a:schemeClr val="tx1"/>
-                </a:solidFill>
-                <a:latin typeface="+mn-lt"/>
-              </a:rPr>
-              <a:t>TextAnalyticsClient</a:t>
-            </a:r>
-            <a:endParaRPr lang="en-US" sz="1800" dirty="0">
-              <a:solidFill>
-                <a:schemeClr val="tx1"/>
-              </a:solidFill>
-              <a:latin typeface="+mn-lt"/>
-            </a:endParaRPr>
-          </a:p>
-          <a:p>
-            <a:pPr marL="0" indent="0">
-              <a:buNone/>
-            </a:pPr>
-            <a:r>
-              <a:rPr lang="en-US" sz="1800" dirty="0">
-                <a:solidFill>
-                  <a:schemeClr val="tx1"/>
-                </a:solidFill>
-                <a:latin typeface="+mn-lt"/>
-              </a:rPr>
-              <a:t># Create the Text Analytics Client</a:t>
-            </a:r>
-          </a:p>
-          <a:p>
-            <a:pPr marL="0" indent="0">
-              <a:buNone/>
-            </a:pPr>
-            <a:r>
-              <a:rPr lang="en-US" sz="1800" dirty="0">
-                <a:solidFill>
-                  <a:schemeClr val="tx1"/>
-                </a:solidFill>
-                <a:latin typeface="+mn-lt"/>
-              </a:rPr>
-              <a:t>credential = </a:t>
-            </a:r>
-            <a:r>
-              <a:rPr lang="en-US" sz="1800" dirty="0" err="1">
-                <a:solidFill>
-                  <a:schemeClr val="tx1"/>
-                </a:solidFill>
-                <a:latin typeface="+mn-lt"/>
-              </a:rPr>
-              <a:t>AzureKeyCredential</a:t>
-            </a:r>
-            <a:r>
-              <a:rPr lang="en-US" sz="1800" dirty="0">
-                <a:solidFill>
-                  <a:schemeClr val="tx1"/>
-                </a:solidFill>
-                <a:latin typeface="+mn-lt"/>
-              </a:rPr>
-              <a:t>(key)</a:t>
-            </a:r>
-          </a:p>
-          <a:p>
-            <a:pPr marL="0" indent="0">
-              <a:buNone/>
-            </a:pPr>
-            <a:r>
-              <a:rPr lang="en-US" sz="1800" dirty="0">
-                <a:solidFill>
-                  <a:schemeClr val="tx1"/>
-                </a:solidFill>
-                <a:latin typeface="+mn-lt"/>
-              </a:rPr>
-              <a:t>client = </a:t>
-            </a:r>
-            <a:r>
-              <a:rPr lang="en-US" sz="1800" dirty="0" err="1">
-                <a:solidFill>
-                  <a:schemeClr val="tx1"/>
-                </a:solidFill>
-                <a:latin typeface="+mn-lt"/>
-              </a:rPr>
-              <a:t>TextAnalyticsClient</a:t>
-            </a:r>
-            <a:r>
-              <a:rPr lang="en-US" sz="1800" dirty="0">
-                <a:solidFill>
-                  <a:schemeClr val="tx1"/>
-                </a:solidFill>
-                <a:latin typeface="+mn-lt"/>
-              </a:rPr>
-              <a:t>(endpoint=endpoint, credential=credential)</a:t>
-            </a:r>
-          </a:p>
-          <a:p>
-            <a:pPr marL="0" indent="0">
-              <a:buNone/>
-            </a:pPr>
-            <a:r>
-              <a:rPr lang="en-US" sz="1800" dirty="0">
-                <a:solidFill>
-                  <a:schemeClr val="tx1"/>
-                </a:solidFill>
-                <a:latin typeface="+mn-lt"/>
-              </a:rPr>
-              <a:t> # Analyze sentiments in the claims text</a:t>
-            </a:r>
-          </a:p>
-          <a:p>
-            <a:pPr marL="0" indent="0">
-              <a:buNone/>
-            </a:pPr>
-            <a:r>
-              <a:rPr lang="en-US" sz="1800" dirty="0">
-                <a:solidFill>
-                  <a:schemeClr val="tx1"/>
-                </a:solidFill>
-                <a:latin typeface="+mn-lt"/>
-              </a:rPr>
-              <a:t>claim = "..."</a:t>
-            </a:r>
-          </a:p>
-          <a:p>
-            <a:pPr marL="0" indent="0">
-              <a:buNone/>
-            </a:pPr>
-            <a:r>
-              <a:rPr lang="en-US" sz="1800" dirty="0">
-                <a:solidFill>
-                  <a:schemeClr val="tx1"/>
-                </a:solidFill>
-                <a:latin typeface="+mn-lt"/>
-              </a:rPr>
-              <a:t>response = </a:t>
-            </a:r>
-            <a:r>
-              <a:rPr lang="en-US" sz="1800" dirty="0" err="1">
-                <a:solidFill>
-                  <a:schemeClr val="tx1"/>
-                </a:solidFill>
-                <a:latin typeface="+mn-lt"/>
-              </a:rPr>
-              <a:t>client.analyze_sentiment</a:t>
-            </a:r>
-            <a:r>
-              <a:rPr lang="en-US" sz="1800" dirty="0">
-                <a:solidFill>
-                  <a:schemeClr val="tx1"/>
-                </a:solidFill>
-                <a:latin typeface="+mn-lt"/>
-              </a:rPr>
-              <a:t>(documents=[claim])[0]</a:t>
-            </a:r>
-          </a:p>
-          <a:p>
-            <a:pPr marL="0" indent="0">
-              <a:buNone/>
-            </a:pPr>
-            <a:r>
-              <a:rPr lang="en-US" sz="1800" dirty="0">
-                <a:solidFill>
-                  <a:schemeClr val="tx1"/>
-                </a:solidFill>
-                <a:latin typeface="+mn-lt"/>
-              </a:rPr>
-              <a:t># Retrieve the sentiment scores from the response</a:t>
-            </a:r>
-          </a:p>
-          <a:p>
-            <a:pPr marL="0" indent="0">
-              <a:buNone/>
-            </a:pPr>
-            <a:r>
-              <a:rPr lang="en-US" sz="1800" dirty="0" err="1">
-                <a:solidFill>
-                  <a:schemeClr val="tx1"/>
-                </a:solidFill>
-                <a:latin typeface="+mn-lt"/>
-              </a:rPr>
-              <a:t>overall_positive_score</a:t>
-            </a:r>
-            <a:r>
-              <a:rPr lang="en-US" sz="1800" dirty="0">
-                <a:solidFill>
-                  <a:schemeClr val="tx1"/>
-                </a:solidFill>
-                <a:latin typeface="+mn-lt"/>
-              </a:rPr>
-              <a:t> = </a:t>
-            </a:r>
-            <a:r>
-              <a:rPr lang="en-US" sz="1800" dirty="0" err="1">
-                <a:solidFill>
-                  <a:schemeClr val="tx1"/>
-                </a:solidFill>
-                <a:latin typeface="+mn-lt"/>
-              </a:rPr>
-              <a:t>response.confidence_scores.positive</a:t>
-            </a:r>
-            <a:endParaRPr lang="en-US" sz="1800" dirty="0">
-              <a:solidFill>
-                <a:schemeClr val="tx1"/>
-              </a:solidFill>
-              <a:latin typeface="+mn-lt"/>
-            </a:endParaRPr>
-          </a:p>
-          <a:p>
-            <a:pPr marL="0" indent="0">
-              <a:buNone/>
-            </a:pPr>
-            <a:r>
-              <a:rPr lang="en-US" sz="1800" dirty="0" err="1">
-                <a:solidFill>
-                  <a:schemeClr val="tx1"/>
-                </a:solidFill>
-                <a:latin typeface="+mn-lt"/>
-              </a:rPr>
-              <a:t>overall_neutral_score</a:t>
-            </a:r>
-            <a:r>
-              <a:rPr lang="en-US" sz="1800" dirty="0">
-                <a:solidFill>
-                  <a:schemeClr val="tx1"/>
-                </a:solidFill>
-                <a:latin typeface="+mn-lt"/>
-              </a:rPr>
-              <a:t> = </a:t>
-            </a:r>
-            <a:r>
-              <a:rPr lang="en-US" sz="1800" dirty="0" err="1">
-                <a:solidFill>
-                  <a:schemeClr val="tx1"/>
-                </a:solidFill>
-                <a:latin typeface="+mn-lt"/>
-              </a:rPr>
-              <a:t>response.confidence_scores.neutral</a:t>
-            </a:r>
-            <a:endParaRPr lang="en-US" sz="1800" dirty="0">
-              <a:solidFill>
-                <a:schemeClr val="tx1"/>
-              </a:solidFill>
-              <a:latin typeface="+mn-lt"/>
-            </a:endParaRPr>
-          </a:p>
-          <a:p>
-            <a:pPr marL="0" indent="0">
-              <a:buNone/>
-            </a:pPr>
-            <a:r>
-              <a:rPr lang="en-US" sz="1800" dirty="0" err="1">
-                <a:solidFill>
-                  <a:schemeClr val="tx1"/>
-                </a:solidFill>
-                <a:latin typeface="+mn-lt"/>
-              </a:rPr>
-              <a:t>overall_negative_score</a:t>
-            </a:r>
-            <a:r>
-              <a:rPr lang="en-US" sz="1800" dirty="0">
-                <a:solidFill>
-                  <a:schemeClr val="tx1"/>
-                </a:solidFill>
-                <a:latin typeface="+mn-lt"/>
-              </a:rPr>
-              <a:t> = </a:t>
-            </a:r>
-            <a:r>
-              <a:rPr lang="en-US" sz="1800" dirty="0" err="1">
-                <a:solidFill>
-                  <a:schemeClr val="tx1"/>
-                </a:solidFill>
-                <a:latin typeface="+mn-lt"/>
-              </a:rPr>
-              <a:t>response.confidence_scores.negative</a:t>
-            </a:r>
-            <a:endParaRPr lang="en-US" sz="2400" dirty="0">
-              <a:solidFill>
-                <a:schemeClr val="tx1"/>
-              </a:solidFill>
-              <a:latin typeface="+mn-lt"/>
-            </a:endParaRPr>
-          </a:p>
-          <a:p>
-            <a:pPr marL="0" indent="0">
-              <a:spcAft>
-                <a:spcPts val="882"/>
-              </a:spcAft>
-              <a:buNone/>
-            </a:pPr>
-            <a:endParaRPr lang="en-US" sz="1800" dirty="0">
-              <a:solidFill>
-                <a:schemeClr val="tx1"/>
-              </a:solidFill>
-            </a:endParaRPr>
-          </a:p>
-          <a:p>
-            <a:pPr marL="0" indent="0">
-              <a:spcAft>
-                <a:spcPts val="882"/>
-              </a:spcAft>
-              <a:buNone/>
-            </a:pPr>
+              <a:t>Parse the returned values and send them to the next step of the solution chain</a:t>
+            </a:r>
             <a:endParaRPr lang="en-US" sz="1800" dirty="0">
               <a:solidFill>
                 <a:schemeClr val="tx1"/>
@@ -21301,6 +21109,579 @@
           <a:lstStyle/>
           <a:p>
             <a:r>
+              <a:rPr lang="en-US" sz="4900" dirty="0">
+                <a:solidFill>
+                  <a:schemeClr val="tx1"/>
+                </a:solidFill>
+              </a:rPr>
+              <a:t>Preferred solution</a:t>
+            </a:r>
+            <a:endParaRPr lang="en-US" sz="3236" dirty="0">
+              <a:solidFill>
+                <a:schemeClr val="tx1"/>
+              </a:solidFill>
+              <a:latin typeface="Segoe UI" panose="020B0502040204020203" pitchFamily="34" charset="0"/>
+            </a:endParaRPr>
+          </a:p>
+        </p:txBody>
+      </p:sp>
+      <p:sp>
+        <p:nvSpPr>
+          <p:cNvPr id="4" name="Title 1"/>
+          <p:cNvSpPr txBox="1">
+            <a:spLocks/>
+          </p:cNvSpPr>
+          <p:nvPr/>
+        </p:nvSpPr>
+        <p:spPr>
+          <a:xfrm>
+            <a:off x="269240" y="1073991"/>
+            <a:ext cx="11655840" cy="899665"/>
+          </a:xfrm>
+          <a:prstGeom prst="rect">
+            <a:avLst/>
+          </a:prstGeom>
+        </p:spPr>
+        <p:txBody>
+          <a:bodyPr vert="horz" wrap="square" lIns="146304" tIns="91440" rIns="146304" bIns="91440" rtlCol="0" anchor="t">
+            <a:noAutofit/>
+          </a:bodyPr>
+          <a:lstStyle>
+            <a:lvl1pPr algn="l" defTabSz="914367" rtl="0" eaLnBrk="1" latinLnBrk="0" hangingPunct="1">
+              <a:lnSpc>
+                <a:spcPct val="90000"/>
+              </a:lnSpc>
+              <a:spcBef>
+                <a:spcPct val="0"/>
+              </a:spcBef>
+              <a:buNone/>
+              <a:defRPr lang="en-US" sz="4705" b="0" kern="1200" cap="none" spc="-100" baseline="0" dirty="0" smtClean="0">
+                <a:ln w="3175">
+                  <a:noFill/>
+                </a:ln>
+                <a:gradFill>
+                  <a:gsLst>
+                    <a:gs pos="1250">
+                      <a:schemeClr val="tx1"/>
+                    </a:gs>
+                    <a:gs pos="100000">
+                      <a:schemeClr val="tx1"/>
+                    </a:gs>
+                  </a:gsLst>
+                  <a:lin ang="5400000" scaled="0"/>
+                </a:gradFill>
+                <a:effectLst/>
+                <a:latin typeface="+mj-lt"/>
+                <a:ea typeface="+mn-ea"/>
+                <a:cs typeface="Segoe UI" pitchFamily="34" charset="0"/>
+              </a:defRPr>
+            </a:lvl1pPr>
+          </a:lstStyle>
+          <a:p>
+            <a:r>
+              <a:rPr lang="en-US" sz="3600" dirty="0">
+                <a:solidFill>
+                  <a:schemeClr val="tx1"/>
+                </a:solidFill>
+                <a:latin typeface="+mn-lt"/>
+              </a:rPr>
+              <a:t>Free-text Analytics</a:t>
+            </a:r>
+          </a:p>
+        </p:txBody>
+      </p:sp>
+      <p:sp>
+        <p:nvSpPr>
+          <p:cNvPr id="3" name="Content Placeholder 2"/>
+          <p:cNvSpPr>
+            <a:spLocks noGrp="1"/>
+          </p:cNvSpPr>
+          <p:nvPr>
+            <p:ph type="body" sz="quarter" idx="10"/>
+          </p:nvPr>
+        </p:nvSpPr>
+        <p:spPr>
+          <a:xfrm>
+            <a:off x="269240" y="1689920"/>
+            <a:ext cx="11781246" cy="4878569"/>
+          </a:xfrm>
+        </p:spPr>
+        <p:txBody>
+          <a:bodyPr>
+            <a:noAutofit/>
+          </a:bodyPr>
+          <a:lstStyle/>
+          <a:p>
+            <a:pPr marL="0" indent="0">
+              <a:buNone/>
+            </a:pPr>
+            <a:r>
+              <a:rPr lang="en-US" sz="2400" dirty="0">
+                <a:solidFill>
+                  <a:schemeClr val="tx1"/>
+                </a:solidFill>
+              </a:rPr>
+              <a:t>Pseudo code on how to use the Text Analytics Python APIs for their text analytics use cases (The actual solution may use the Python SDK or REST APIs)</a:t>
+            </a:r>
+            <a:br>
+              <a:rPr lang="en-US" sz="2400" dirty="0">
+                <a:solidFill>
+                  <a:schemeClr val="tx1"/>
+                </a:solidFill>
+                <a:latin typeface="+mn-lt"/>
+              </a:rPr>
+            </a:br>
+            <a:endParaRPr lang="en-US" sz="1800" dirty="0">
+              <a:solidFill>
+                <a:schemeClr val="tx1"/>
+              </a:solidFill>
+              <a:latin typeface="+mn-lt"/>
+            </a:endParaRPr>
+          </a:p>
+          <a:p>
+            <a:pPr marL="0" indent="0">
+              <a:buNone/>
+            </a:pPr>
+            <a:r>
+              <a:rPr lang="en-US" sz="1800" dirty="0">
+                <a:solidFill>
+                  <a:schemeClr val="tx1"/>
+                </a:solidFill>
+                <a:latin typeface="+mn-lt"/>
+              </a:rPr>
+              <a:t>from </a:t>
+            </a:r>
+            <a:r>
+              <a:rPr lang="en-US" sz="1800" dirty="0" err="1">
+                <a:solidFill>
+                  <a:schemeClr val="tx1"/>
+                </a:solidFill>
+                <a:latin typeface="+mn-lt"/>
+              </a:rPr>
+              <a:t>azure.core.credentials</a:t>
+            </a:r>
+            <a:r>
+              <a:rPr lang="en-US" sz="1800" dirty="0">
+                <a:solidFill>
+                  <a:schemeClr val="tx1"/>
+                </a:solidFill>
+                <a:latin typeface="+mn-lt"/>
+              </a:rPr>
+              <a:t> import </a:t>
+            </a:r>
+            <a:r>
+              <a:rPr lang="en-US" sz="1800" dirty="0" err="1">
+                <a:solidFill>
+                  <a:schemeClr val="tx1"/>
+                </a:solidFill>
+                <a:latin typeface="+mn-lt"/>
+              </a:rPr>
+              <a:t>AzureKeyCredential</a:t>
+            </a:r>
+            <a:endParaRPr lang="en-US" sz="1800" dirty="0">
+              <a:solidFill>
+                <a:schemeClr val="tx1"/>
+              </a:solidFill>
+              <a:latin typeface="+mn-lt"/>
+            </a:endParaRPr>
+          </a:p>
+          <a:p>
+            <a:pPr marL="0" indent="0">
+              <a:buNone/>
+            </a:pPr>
+            <a:r>
+              <a:rPr lang="en-US" sz="1800" dirty="0">
+                <a:solidFill>
+                  <a:schemeClr val="tx1"/>
+                </a:solidFill>
+                <a:latin typeface="+mn-lt"/>
+              </a:rPr>
+              <a:t>from </a:t>
+            </a:r>
+            <a:r>
+              <a:rPr lang="en-US" sz="1800" dirty="0" err="1">
+                <a:solidFill>
+                  <a:schemeClr val="tx1"/>
+                </a:solidFill>
+                <a:latin typeface="+mn-lt"/>
+              </a:rPr>
+              <a:t>azure.ai.textanalytics</a:t>
+            </a:r>
+            <a:r>
+              <a:rPr lang="en-US" sz="1800" dirty="0">
+                <a:solidFill>
+                  <a:schemeClr val="tx1"/>
+                </a:solidFill>
+                <a:latin typeface="+mn-lt"/>
+              </a:rPr>
+              <a:t> import </a:t>
+            </a:r>
+            <a:r>
+              <a:rPr lang="en-US" sz="1800" dirty="0" err="1">
+                <a:solidFill>
+                  <a:schemeClr val="tx1"/>
+                </a:solidFill>
+                <a:latin typeface="+mn-lt"/>
+              </a:rPr>
+              <a:t>TextAnalyticsClient</a:t>
+            </a:r>
+            <a:endParaRPr lang="en-US" sz="1800" dirty="0">
+              <a:solidFill>
+                <a:schemeClr val="tx1"/>
+              </a:solidFill>
+              <a:latin typeface="+mn-lt"/>
+            </a:endParaRPr>
+          </a:p>
+          <a:p>
+            <a:pPr marL="0" indent="0">
+              <a:buNone/>
+            </a:pPr>
+            <a:r>
+              <a:rPr lang="en-US" sz="1800" dirty="0">
+                <a:solidFill>
+                  <a:schemeClr val="tx1"/>
+                </a:solidFill>
+                <a:latin typeface="+mn-lt"/>
+              </a:rPr>
+              <a:t># Create the Text Analytics Client</a:t>
+            </a:r>
+          </a:p>
+          <a:p>
+            <a:pPr marL="0" indent="0">
+              <a:buNone/>
+            </a:pPr>
+            <a:r>
+              <a:rPr lang="en-US" sz="1800" dirty="0">
+                <a:solidFill>
+                  <a:schemeClr val="tx1"/>
+                </a:solidFill>
+                <a:latin typeface="+mn-lt"/>
+              </a:rPr>
+              <a:t>credential = </a:t>
+            </a:r>
+            <a:r>
+              <a:rPr lang="en-US" sz="1800" dirty="0" err="1">
+                <a:solidFill>
+                  <a:schemeClr val="tx1"/>
+                </a:solidFill>
+                <a:latin typeface="+mn-lt"/>
+              </a:rPr>
+              <a:t>AzureKeyCredential</a:t>
+            </a:r>
+            <a:r>
+              <a:rPr lang="en-US" sz="1800" dirty="0">
+                <a:solidFill>
+                  <a:schemeClr val="tx1"/>
+                </a:solidFill>
+                <a:latin typeface="+mn-lt"/>
+              </a:rPr>
+              <a:t>(key)</a:t>
+            </a:r>
+          </a:p>
+          <a:p>
+            <a:pPr marL="0" indent="0">
+              <a:buNone/>
+            </a:pPr>
+            <a:r>
+              <a:rPr lang="en-US" sz="1800" dirty="0">
+                <a:solidFill>
+                  <a:schemeClr val="tx1"/>
+                </a:solidFill>
+                <a:latin typeface="+mn-lt"/>
+              </a:rPr>
+              <a:t>client = </a:t>
+            </a:r>
+            <a:r>
+              <a:rPr lang="en-US" sz="1800" dirty="0" err="1">
+                <a:solidFill>
+                  <a:schemeClr val="tx1"/>
+                </a:solidFill>
+                <a:latin typeface="+mn-lt"/>
+              </a:rPr>
+              <a:t>TextAnalyticsClient</a:t>
+            </a:r>
+            <a:r>
+              <a:rPr lang="en-US" sz="1800" dirty="0">
+                <a:solidFill>
+                  <a:schemeClr val="tx1"/>
+                </a:solidFill>
+                <a:latin typeface="+mn-lt"/>
+              </a:rPr>
+              <a:t>(endpoint=endpoint, credential=credential)</a:t>
+            </a:r>
+          </a:p>
+          <a:p>
+            <a:pPr marL="0" indent="0">
+              <a:buNone/>
+            </a:pPr>
+            <a:r>
+              <a:rPr lang="en-US" sz="1800" dirty="0">
+                <a:solidFill>
+                  <a:schemeClr val="tx1"/>
+                </a:solidFill>
+                <a:latin typeface="+mn-lt"/>
+              </a:rPr>
+              <a:t> # Analyze sentiments in the claims text</a:t>
+            </a:r>
+          </a:p>
+          <a:p>
+            <a:pPr marL="0" indent="0">
+              <a:buNone/>
+            </a:pPr>
+            <a:r>
+              <a:rPr lang="en-US" sz="1800" dirty="0">
+                <a:solidFill>
+                  <a:schemeClr val="tx1"/>
+                </a:solidFill>
+                <a:latin typeface="+mn-lt"/>
+              </a:rPr>
+              <a:t>claim = "..."</a:t>
+            </a:r>
+          </a:p>
+          <a:p>
+            <a:pPr marL="0" indent="0">
+              <a:buNone/>
+            </a:pPr>
+            <a:r>
+              <a:rPr lang="en-US" sz="1800" dirty="0">
+                <a:solidFill>
+                  <a:schemeClr val="tx1"/>
+                </a:solidFill>
+                <a:latin typeface="+mn-lt"/>
+              </a:rPr>
+              <a:t>response = </a:t>
+            </a:r>
+            <a:r>
+              <a:rPr lang="en-US" sz="1800" dirty="0" err="1">
+                <a:solidFill>
+                  <a:schemeClr val="tx1"/>
+                </a:solidFill>
+                <a:latin typeface="+mn-lt"/>
+              </a:rPr>
+              <a:t>client.analyze_sentiment</a:t>
+            </a:r>
+            <a:r>
+              <a:rPr lang="en-US" sz="1800" dirty="0">
+                <a:solidFill>
+                  <a:schemeClr val="tx1"/>
+                </a:solidFill>
+                <a:latin typeface="+mn-lt"/>
+              </a:rPr>
+              <a:t>(documents=[claim])[0]</a:t>
+            </a:r>
+          </a:p>
+          <a:p>
+            <a:pPr marL="0" indent="0">
+              <a:buNone/>
+            </a:pPr>
+            <a:r>
+              <a:rPr lang="en-US" sz="1800" dirty="0">
+                <a:solidFill>
+                  <a:schemeClr val="tx1"/>
+                </a:solidFill>
+                <a:latin typeface="+mn-lt"/>
+              </a:rPr>
+              <a:t># Retrieve the sentiment scores from the response</a:t>
+            </a:r>
+          </a:p>
+          <a:p>
+            <a:pPr marL="0" indent="0">
+              <a:buNone/>
+            </a:pPr>
+            <a:r>
+              <a:rPr lang="en-US" sz="1800" dirty="0" err="1">
+                <a:solidFill>
+                  <a:schemeClr val="tx1"/>
+                </a:solidFill>
+                <a:latin typeface="+mn-lt"/>
+              </a:rPr>
+              <a:t>overall_positive_score</a:t>
+            </a:r>
+            <a:r>
+              <a:rPr lang="en-US" sz="1800" dirty="0">
+                <a:solidFill>
+                  <a:schemeClr val="tx1"/>
+                </a:solidFill>
+                <a:latin typeface="+mn-lt"/>
+              </a:rPr>
+              <a:t> = </a:t>
+            </a:r>
+            <a:r>
+              <a:rPr lang="en-US" sz="1800" dirty="0" err="1">
+                <a:solidFill>
+                  <a:schemeClr val="tx1"/>
+                </a:solidFill>
+                <a:latin typeface="+mn-lt"/>
+              </a:rPr>
+              <a:t>response.confidence_scores.positive</a:t>
+            </a:r>
+            <a:endParaRPr lang="en-US" sz="1800" dirty="0">
+              <a:solidFill>
+                <a:schemeClr val="tx1"/>
+              </a:solidFill>
+              <a:latin typeface="+mn-lt"/>
+            </a:endParaRPr>
+          </a:p>
+          <a:p>
+            <a:pPr marL="0" indent="0">
+              <a:buNone/>
+            </a:pPr>
+            <a:r>
+              <a:rPr lang="en-US" sz="1800" dirty="0" err="1">
+                <a:solidFill>
+                  <a:schemeClr val="tx1"/>
+                </a:solidFill>
+                <a:latin typeface="+mn-lt"/>
+              </a:rPr>
+              <a:t>overall_neutral_score</a:t>
+            </a:r>
+            <a:r>
+              <a:rPr lang="en-US" sz="1800" dirty="0">
+                <a:solidFill>
+                  <a:schemeClr val="tx1"/>
+                </a:solidFill>
+                <a:latin typeface="+mn-lt"/>
+              </a:rPr>
+              <a:t> = </a:t>
+            </a:r>
+            <a:r>
+              <a:rPr lang="en-US" sz="1800" dirty="0" err="1">
+                <a:solidFill>
+                  <a:schemeClr val="tx1"/>
+                </a:solidFill>
+                <a:latin typeface="+mn-lt"/>
+              </a:rPr>
+              <a:t>response.confidence_scores.neutral</a:t>
+            </a:r>
+            <a:endParaRPr lang="en-US" sz="1800" dirty="0">
+              <a:solidFill>
+                <a:schemeClr val="tx1"/>
+              </a:solidFill>
+              <a:latin typeface="+mn-lt"/>
+            </a:endParaRPr>
+          </a:p>
+          <a:p>
+            <a:pPr marL="0" indent="0">
+              <a:buNone/>
+            </a:pPr>
+            <a:r>
+              <a:rPr lang="en-US" sz="1800" dirty="0" err="1">
+                <a:solidFill>
+                  <a:schemeClr val="tx1"/>
+                </a:solidFill>
+                <a:latin typeface="+mn-lt"/>
+              </a:rPr>
+              <a:t>overall_negative_score</a:t>
+            </a:r>
+            <a:r>
+              <a:rPr lang="en-US" sz="1800" dirty="0">
+                <a:solidFill>
+                  <a:schemeClr val="tx1"/>
+                </a:solidFill>
+                <a:latin typeface="+mn-lt"/>
+              </a:rPr>
+              <a:t> = </a:t>
+            </a:r>
+            <a:r>
+              <a:rPr lang="en-US" sz="1800" dirty="0" err="1">
+                <a:solidFill>
+                  <a:schemeClr val="tx1"/>
+                </a:solidFill>
+                <a:latin typeface="+mn-lt"/>
+              </a:rPr>
+              <a:t>response.confidence_scores.negative</a:t>
+            </a:r>
+            <a:endParaRPr lang="en-US" sz="2400" dirty="0">
+              <a:solidFill>
+                <a:schemeClr val="tx1"/>
+              </a:solidFill>
+              <a:latin typeface="+mn-lt"/>
+            </a:endParaRPr>
+          </a:p>
+          <a:p>
+            <a:pPr marL="0" indent="0">
+              <a:spcAft>
+                <a:spcPts val="882"/>
+              </a:spcAft>
+              <a:buNone/>
+            </a:pPr>
+            <a:endParaRPr lang="en-US" sz="1800" dirty="0">
+              <a:solidFill>
+                <a:schemeClr val="tx1"/>
+              </a:solidFill>
+            </a:endParaRPr>
+          </a:p>
+          <a:p>
+            <a:pPr marL="0" indent="0">
+              <a:spcAft>
+                <a:spcPts val="882"/>
+              </a:spcAft>
+              <a:buNone/>
+            </a:pPr>
+            <a:endParaRPr lang="en-US" sz="1800" dirty="0">
+              <a:solidFill>
+                <a:schemeClr val="tx1"/>
+              </a:solidFill>
+            </a:endParaRPr>
+          </a:p>
+        </p:txBody>
+      </p:sp>
+    </p:spTree>
+    <p:extLst>
+      <p:ext uri="{BB962C8B-B14F-4D97-AF65-F5344CB8AC3E}">
+        <p14:creationId xmlns:p14="http://schemas.microsoft.com/office/powerpoint/2010/main" val="500176663"/>
+      </p:ext>
+    </p:extLst>
+  </p:cSld>
+  <p:clrMapOvr>
+    <a:masterClrMapping/>
+  </p:clrMapOvr>
+  <mc:AlternateContent xmlns:mc="http://schemas.openxmlformats.org/markup-compatibility/2006" xmlns:p14="http://schemas.microsoft.com/office/powerpoint/2010/main">
+    <mc:Choice Requires="p14">
+      <p:transition p14:dur="0"/>
+    </mc:Choice>
+    <mc:Fallback xmlns="">
+      <p:transition/>
+    </mc:Fallback>
+  </mc:AlternateContent>
+</p:sld>
+</file>
+
+<file path=ppt/slides/slide28.xml><?xml version="1.0" encoding="utf-8"?>
+<p:sld xmlns:a="http://schemas.openxmlformats.org/drawingml/2006/main" xmlns:r="http://schemas.openxmlformats.org/officeDocument/2006/relationships" xmlns:p="http://schemas.openxmlformats.org/presentationml/2006/main">
+  <p:cSld>
+    <p:spTree>
+      <p:nvGrpSpPr>
+        <p:cNvPr id="1" name=""/>
+        <p:cNvGrpSpPr/>
+        <p:nvPr/>
+      </p:nvGrpSpPr>
+      <p:grpSpPr>
+        <a:xfrm>
+          <a:off x="0" y="0"/>
+          <a:ext cx="0" cy="0"/>
+          <a:chOff x="0" y="0"/>
+          <a:chExt cx="0" cy="0"/>
+        </a:xfrm>
+      </p:grpSpPr>
+      <p:sp>
+        <p:nvSpPr>
+          <p:cNvPr id="2" name="Title 1"/>
+          <p:cNvSpPr>
+            <a:spLocks noGrp="1"/>
+          </p:cNvSpPr>
+          <p:nvPr>
+            <p:ph type="title"/>
+          </p:nvPr>
+        </p:nvSpPr>
+        <p:spPr/>
+        <p:txBody>
+          <a:bodyPr>
+            <a:normAutofit/>
+          </a:bodyPr>
+          <a:lstStyle/>
+          <a:p>
+            <a:r>
               <a:rPr lang="en-US" sz="4400" dirty="0">
                 <a:solidFill>
                   <a:schemeClr val="tx1"/>
@@ -21465,7 +21846,7 @@
                 </a:solidFill>
                 <a:latin typeface="+mn-lt"/>
               </a:rPr>
-              <a:t>The extractive summarization is a feature in Azure Text Analytics produces a summary by extracting sentences that collectively represent the most important or relevant information within the original content. It is currently in preview capability and once it’s becomes GA it can be leveraged in a similar fashion as the other Text Analytics APIs</a:t>
+              <a:t>The extractive summarization is a feature in Azure Text Analytics produces a summary by extracting sentences that collectively represent the most important or relevant information within the original content. Text Analytics extractive summarization is a preview capability (as of Nov 2021) and once it’s becomes GA it can be leveraged in a similar fashion as the other Text Analytics APIs</a:t>
             </a:r>
           </a:p>
           <a:p>
@@ -21500,158 +21881,6 @@
     <p:extLst>
       <p:ext uri="{BB962C8B-B14F-4D97-AF65-F5344CB8AC3E}">
         <p14:creationId xmlns:p14="http://schemas.microsoft.com/office/powerpoint/2010/main" val="3128972092"/>
-      </p:ext>
-    </p:extLst>
-  </p:cSld>
-  <p:clrMapOvr>
-    <a:masterClrMapping/>
-  </p:clrMapOvr>
-  <mc:AlternateContent xmlns:mc="http://schemas.openxmlformats.org/markup-compatibility/2006" xmlns:p14="http://schemas.microsoft.com/office/powerpoint/2010/main">
-    <mc:Choice Requires="p14">
-      <p:transition p14:dur="0"/>
-    </mc:Choice>
-    <mc:Fallback xmlns="">
-      <p:transition/>
-    </mc:Fallback>
-  </mc:AlternateContent>
-</p:sld>
-</file>
-
-<file path=ppt/slides/slide28.xml><?xml version="1.0" encoding="utf-8"?>
-<p:sld xmlns:a="http://schemas.openxmlformats.org/drawingml/2006/main" xmlns:r="http://schemas.openxmlformats.org/officeDocument/2006/relationships" xmlns:p="http://schemas.openxmlformats.org/presentationml/2006/main">
-  <p:cSld>
-    <p:spTree>
-      <p:nvGrpSpPr>
-        <p:cNvPr id="1" name=""/>
-        <p:cNvGrpSpPr/>
-        <p:nvPr/>
-      </p:nvGrpSpPr>
-      <p:grpSpPr>
-        <a:xfrm>
-          <a:off x="0" y="0"/>
-          <a:ext cx="0" cy="0"/>
-          <a:chOff x="0" y="0"/>
-          <a:chExt cx="0" cy="0"/>
-        </a:xfrm>
-      </p:grpSpPr>
-      <p:sp>
-        <p:nvSpPr>
-          <p:cNvPr id="2" name="Title 1"/>
-          <p:cNvSpPr>
-            <a:spLocks noGrp="1"/>
-          </p:cNvSpPr>
-          <p:nvPr>
-            <p:ph type="title"/>
-          </p:nvPr>
-        </p:nvSpPr>
-        <p:spPr/>
-        <p:txBody>
-          <a:bodyPr>
-            <a:normAutofit fontScale="90000"/>
-          </a:bodyPr>
-          <a:lstStyle/>
-          <a:p>
-            <a:r>
-              <a:rPr lang="en-US" sz="4900" dirty="0">
-                <a:solidFill>
-                  <a:schemeClr val="tx1"/>
-                </a:solidFill>
-                <a:cs typeface="Segoe UI" panose="020B0502040204020203" pitchFamily="34" charset="0"/>
-              </a:rPr>
-              <a:t>Preferred objections handling</a:t>
-            </a:r>
-            <a:br>
-              <a:rPr lang="en-US" dirty="0">
-                <a:solidFill>
-                  <a:schemeClr val="tx1"/>
-                </a:solidFill>
-                <a:latin typeface="Segoe UI" panose="020B0502040204020203" pitchFamily="34" charset="0"/>
-              </a:rPr>
-            </a:br>
-            <a:endParaRPr lang="en-US" sz="3236" dirty="0">
-              <a:solidFill>
-                <a:schemeClr val="tx1"/>
-              </a:solidFill>
-              <a:latin typeface="Segoe UI" panose="020B0502040204020203" pitchFamily="34" charset="0"/>
-            </a:endParaRPr>
-          </a:p>
-        </p:txBody>
-      </p:sp>
-      <p:sp>
-        <p:nvSpPr>
-          <p:cNvPr id="3" name="Content Placeholder 2"/>
-          <p:cNvSpPr>
-            <a:spLocks noGrp="1"/>
-          </p:cNvSpPr>
-          <p:nvPr>
-            <p:ph type="body" sz="quarter" idx="10"/>
-          </p:nvPr>
-        </p:nvSpPr>
-        <p:spPr>
-          <a:xfrm>
-            <a:off x="269240" y="1189176"/>
-            <a:ext cx="11215190" cy="5179873"/>
-          </a:xfrm>
-        </p:spPr>
-        <p:txBody>
-          <a:bodyPr>
-            <a:noAutofit/>
-          </a:bodyPr>
-          <a:lstStyle/>
-          <a:p>
-            <a:pPr marL="0" indent="0">
-              <a:spcAft>
-                <a:spcPts val="882"/>
-              </a:spcAft>
-              <a:buNone/>
-            </a:pPr>
-            <a:r>
-              <a:rPr lang="en-US" sz="2800" dirty="0">
-                <a:solidFill>
-                  <a:schemeClr val="tx1"/>
-                </a:solidFill>
-              </a:rPr>
-              <a:t>We are skeptical about all the hype surrounding these "AI" solutions. It's hard to know what is feasible versus what is not possible with today's technology and Azure.</a:t>
-            </a:r>
-          </a:p>
-          <a:p>
-            <a:pPr>
-              <a:spcAft>
-                <a:spcPts val="882"/>
-              </a:spcAft>
-            </a:pPr>
-            <a:r>
-              <a:rPr lang="en-US" sz="2400" dirty="0">
-                <a:solidFill>
-                  <a:schemeClr val="tx1"/>
-                </a:solidFill>
-                <a:latin typeface="+mn-lt"/>
-              </a:rPr>
-              <a:t>While it is true there is a lot of hype around AI, the ability to deploy solutions that use data, machine learning, and deep learning to create an application with “AI” capabilities is real and is possible in Azure.</a:t>
-            </a:r>
-          </a:p>
-          <a:p>
-            <a:pPr>
-              <a:spcAft>
-                <a:spcPts val="882"/>
-              </a:spcAft>
-            </a:pPr>
-            <a:r>
-              <a:rPr lang="en-US" sz="2400" dirty="0">
-                <a:solidFill>
-                  <a:schemeClr val="tx1"/>
-                </a:solidFill>
-                <a:latin typeface="+mn-lt"/>
-              </a:rPr>
-              <a:t>Azure provides a wide range of services to address the needs of AI, from pre-built AI capabilities in Cognitive Services to services that help you to build, train, and deploy your custom AI capabilities using the Azure Machine Learning service and other services from the Microsoft AI stack.</a:t>
-            </a:r>
-          </a:p>
-        </p:txBody>
-      </p:sp>
-    </p:spTree>
-    <p:extLst>
-      <p:ext uri="{BB962C8B-B14F-4D97-AF65-F5344CB8AC3E}">
-        <p14:creationId xmlns:p14="http://schemas.microsoft.com/office/powerpoint/2010/main" val="1491462391"/>
       </p:ext>
     </p:extLst>
   </p:cSld>
@@ -21742,7 +21971,7 @@
         <p:spPr>
           <a:xfrm>
             <a:off x="269240" y="1189176"/>
-            <a:ext cx="10649132" cy="5179873"/>
+            <a:ext cx="11215190" cy="5179873"/>
           </a:xfrm>
         </p:spPr>
         <p:txBody>
@@ -21763,7 +21992,7 @@
                   <a:schemeClr val="tx1"/>
                 </a:solidFill>
               </a:rPr>
-              <a:t>We know that there are both pre-built AI and custom AI options. We are confused as to when to choose one over the other. </a:t>
+              <a:t>We are skeptical about all the hype surrounding these "AI" solutions. It's hard to know what is feasible versus what is not possible with today's technology and Azure.</a:t>
             </a:r>
           </a:p>
           <a:p>
@@ -21779,7 +22008,7 @@
                 </a:solidFill>
                 <a:latin typeface="+mn-lt"/>
               </a:rPr>
-              <a:t>It would be best if you considered the pre-built AI and Automated Machine Learning options first. However, if you rule them out because they do not fit your requirements, you should explore the custom AI options.</a:t>
+              <a:t>While it is true there is a lot of hype around AI, the ability to deploy solutions that use data, machine learning, and deep learning to create an application with “AI” capabilities is real and is possible in Azure.</a:t>
             </a:r>
           </a:p>
           <a:p>
@@ -21795,23 +22024,7 @@
                 </a:solidFill>
                 <a:latin typeface="+mn-lt"/>
               </a:rPr>
-              <a:t>The advantage of pre-built AI options like Cognitive Services is that the models they use under the covers do not need to be trained by you, and you do not need to have the data to train them as a pre-requisite.</a:t>
-            </a:r>
-          </a:p>
-          <a:p>
-            <a:pPr>
-              <a:spcAft>
-                <a:spcPts val="882"/>
-              </a:spcAft>
-            </a:pPr>
-            <a:r>
-              <a:rPr lang="en-US" sz="2400" dirty="0">
-                <a:solidFill>
-                  <a:schemeClr val="tx1"/>
-                </a:solidFill>
-                <a:latin typeface="+mn-lt"/>
-              </a:rPr>
-              <a:t>Automated machine learning picks an algorithm and hyperparameters and thus simplifies and expedite the process of producing a performant model, and you can create your model training experiments in Azure Machine Learning studio without writing a single line of code.</a:t>
+              <a:t>Azure provides a wide range of services to address the needs of AI, from pre-built AI capabilities in Cognitive Services to services that help you to build, train, and deploy your custom AI capabilities using the Azure Machine Learning service and other services from the Microsoft AI stack.</a:t>
             </a:r>
           </a:p>
         </p:txBody>
@@ -21819,7 +22032,7 @@
     </p:spTree>
     <p:extLst>
       <p:ext uri="{BB962C8B-B14F-4D97-AF65-F5344CB8AC3E}">
-        <p14:creationId xmlns:p14="http://schemas.microsoft.com/office/powerpoint/2010/main" val="1459427465"/>
+        <p14:creationId xmlns:p14="http://schemas.microsoft.com/office/powerpoint/2010/main" val="1491462391"/>
       </p:ext>
     </p:extLst>
   </p:cSld>
@@ -22049,19 +22262,28 @@
         <p:spPr/>
         <p:txBody>
           <a:bodyPr>
-            <a:normAutofit/>
+            <a:normAutofit fontScale="90000"/>
           </a:bodyPr>
           <a:lstStyle/>
           <a:p>
             <a:r>
-              <a:rPr lang="en-US" sz="4400" dirty="0">
+              <a:rPr lang="en-US" sz="4900" dirty="0">
                 <a:solidFill>
                   <a:schemeClr val="tx1"/>
                 </a:solidFill>
+                <a:cs typeface="Segoe UI" panose="020B0502040204020203" pitchFamily="34" charset="0"/>
               </a:rPr>
               <a:t>Preferred objections handling</a:t>
             </a:r>
-            <a:endParaRPr lang="en-US" sz="4400" dirty="0">
+            <a:br>
+              <a:rPr lang="en-US" dirty="0">
+                <a:solidFill>
+                  <a:schemeClr val="tx1"/>
+                </a:solidFill>
+                <a:latin typeface="Segoe UI" panose="020B0502040204020203" pitchFamily="34" charset="0"/>
+              </a:rPr>
+            </a:br>
+            <a:endParaRPr lang="en-US" sz="3236" dirty="0">
               <a:solidFill>
                 <a:schemeClr val="tx1"/>
               </a:solidFill>
@@ -22082,8 +22304,8 @@
         </p:nvSpPr>
         <p:spPr>
           <a:xfrm>
-            <a:off x="269239" y="1189176"/>
-            <a:ext cx="11160761" cy="5179873"/>
+            <a:off x="269240" y="1189176"/>
+            <a:ext cx="10649132" cy="5179873"/>
           </a:xfrm>
         </p:spPr>
         <p:txBody>
@@ -22104,7 +22326,7 @@
                   <a:schemeClr val="tx1"/>
                 </a:solidFill>
               </a:rPr>
-              <a:t>We expect some part of our solution would require deep learning. Do you have any prescriptive guidance on how we might choose between investing in understanding and using TensorFlow or the Microsoft Cognitive Toolkit (CNTK)?</a:t>
+              <a:t>We know that there are both pre-built AI and custom AI options. We are confused as to when to choose one over the other. </a:t>
             </a:r>
           </a:p>
           <a:p>
@@ -22120,80 +22342,15 @@
                 </a:solidFill>
                 <a:latin typeface="+mn-lt"/>
               </a:rPr>
-              <a:t>Both TensorFlow and the Microsoft Cognitive Toolkit solve similar problems and have been used successfully by many companies for deep learning solutions.</a:t>
-            </a:r>
-          </a:p>
-          <a:p>
-            <a:pPr>
-              <a:spcAft>
-                <a:spcPts val="882"/>
-              </a:spcAft>
-            </a:pPr>
-            <a:r>
-              <a:rPr lang="en-US" sz="2400" dirty="0">
-                <a:solidFill>
-                  <a:schemeClr val="tx1"/>
-                </a:solidFill>
-                <a:latin typeface="+mn-lt"/>
-              </a:rPr>
-              <a:t>At present, it appears that TensorFlow has a much larger community interest level, which can be measured by the number of stars it has in its GitHub project (which is an order of magnitude larger than that of the Microsoft Cognitive Toolkit)</a:t>
-            </a:r>
-          </a:p>
-          <a:p>
-            <a:pPr>
-              <a:spcAft>
-                <a:spcPts val="882"/>
-              </a:spcAft>
-            </a:pPr>
-            <a:r>
-              <a:rPr lang="en-US" sz="2400" dirty="0">
-                <a:solidFill>
-                  <a:schemeClr val="tx1"/>
-                </a:solidFill>
-                <a:latin typeface="+mn-lt"/>
-              </a:rPr>
-              <a:t>The size of the community means that is likely you will more easily find help online for issues with </a:t>
-            </a:r>
-            <a:r>
-              <a:rPr lang="en-US" sz="2400" dirty="0" err="1">
-                <a:solidFill>
-                  <a:schemeClr val="tx1"/>
-                </a:solidFill>
-                <a:latin typeface="+mn-lt"/>
-              </a:rPr>
-              <a:t>TensorFlow</a:t>
-            </a:r>
-            <a:r>
-              <a:rPr lang="en-US" sz="2400" dirty="0">
-                <a:solidFill>
-                  <a:schemeClr val="tx1"/>
-                </a:solidFill>
-                <a:latin typeface="+mn-lt"/>
-              </a:rPr>
-              <a:t> versus the Microsoft Cognitive Toolkit, which is why it may be a good reason to start with </a:t>
-            </a:r>
-            <a:r>
-              <a:rPr lang="en-US" sz="2400" dirty="0" err="1">
-                <a:solidFill>
-                  <a:schemeClr val="tx1"/>
-                </a:solidFill>
-                <a:latin typeface="+mn-lt"/>
-              </a:rPr>
-              <a:t>TensorFlow</a:t>
-            </a:r>
-            <a:endParaRPr lang="en-US" sz="2400" dirty="0">
-              <a:solidFill>
-                <a:schemeClr val="tx1"/>
-              </a:solidFill>
-              <a:latin typeface="+mn-lt"/>
-            </a:endParaRPr>
+              <a:t>When proving the value of an A.I. or machine learning solution, it can be helpful to start with ready-to-use solutions and then progress into more customized solutions. So, in the case of Azure A.I. services, start with cognitive services like, the Text Analytics API. If more control is needed, try Auto ML. For a fully customizable solution, consider building your own model in Azure ML.</a:t>
+            </a:r>
           </a:p>
         </p:txBody>
       </p:sp>
     </p:spTree>
     <p:extLst>
       <p:ext uri="{BB962C8B-B14F-4D97-AF65-F5344CB8AC3E}">
-        <p14:creationId xmlns:p14="http://schemas.microsoft.com/office/powerpoint/2010/main" val="4153529075"/>
+        <p14:creationId xmlns:p14="http://schemas.microsoft.com/office/powerpoint/2010/main" val="1459427465"/>
       </p:ext>
     </p:extLst>
   </p:cSld>
@@ -22241,6 +22398,198 @@
         <p:spPr/>
         <p:txBody>
           <a:bodyPr>
+            <a:normAutofit/>
+          </a:bodyPr>
+          <a:lstStyle/>
+          <a:p>
+            <a:r>
+              <a:rPr lang="en-US" sz="4400" dirty="0">
+                <a:solidFill>
+                  <a:schemeClr val="tx1"/>
+                </a:solidFill>
+              </a:rPr>
+              <a:t>Preferred objections handling</a:t>
+            </a:r>
+            <a:endParaRPr lang="en-US" sz="4400" dirty="0">
+              <a:solidFill>
+                <a:schemeClr val="tx1"/>
+              </a:solidFill>
+              <a:latin typeface="Segoe UI" panose="020B0502040204020203" pitchFamily="34" charset="0"/>
+            </a:endParaRPr>
+          </a:p>
+        </p:txBody>
+      </p:sp>
+      <p:sp>
+        <p:nvSpPr>
+          <p:cNvPr id="3" name="Content Placeholder 2"/>
+          <p:cNvSpPr>
+            <a:spLocks noGrp="1"/>
+          </p:cNvSpPr>
+          <p:nvPr>
+            <p:ph type="body" sz="quarter" idx="10"/>
+          </p:nvPr>
+        </p:nvSpPr>
+        <p:spPr>
+          <a:xfrm>
+            <a:off x="269239" y="1189176"/>
+            <a:ext cx="11160761" cy="5179873"/>
+          </a:xfrm>
+        </p:spPr>
+        <p:txBody>
+          <a:bodyPr>
+            <a:noAutofit/>
+          </a:bodyPr>
+          <a:lstStyle/>
+          <a:p>
+            <a:pPr marL="0" indent="0">
+              <a:spcAft>
+                <a:spcPts val="882"/>
+              </a:spcAft>
+              <a:buNone/>
+            </a:pPr>
+            <a:r>
+              <a:rPr lang="en-US" sz="2800" dirty="0">
+                <a:solidFill>
+                  <a:schemeClr val="tx1"/>
+                </a:solidFill>
+              </a:rPr>
+              <a:t>We expect some part of our solution would require deep learning. Do you have any prescriptive guidance on how we might choose between investing in understanding and using TensorFlow or the Microsoft Cognitive Toolkit (CNTK)?</a:t>
+            </a:r>
+          </a:p>
+          <a:p>
+            <a:pPr>
+              <a:spcAft>
+                <a:spcPts val="882"/>
+              </a:spcAft>
+            </a:pPr>
+            <a:r>
+              <a:rPr lang="en-US" sz="2400" dirty="0">
+                <a:solidFill>
+                  <a:schemeClr val="tx1"/>
+                </a:solidFill>
+                <a:latin typeface="+mn-lt"/>
+              </a:rPr>
+              <a:t>Both TensorFlow and the Microsoft Cognitive Toolkit solve similar problems and have been used successfully by many companies for deep learning solutions.</a:t>
+            </a:r>
+          </a:p>
+          <a:p>
+            <a:pPr>
+              <a:spcAft>
+                <a:spcPts val="882"/>
+              </a:spcAft>
+            </a:pPr>
+            <a:r>
+              <a:rPr lang="en-US" sz="2400" dirty="0">
+                <a:solidFill>
+                  <a:schemeClr val="tx1"/>
+                </a:solidFill>
+                <a:latin typeface="+mn-lt"/>
+              </a:rPr>
+              <a:t>At present, it appears that TensorFlow has a much larger community interest level, which can be measured by the number of stars it has in its GitHub project (which is an order of magnitude larger than that of the Microsoft Cognitive Toolkit)</a:t>
+            </a:r>
+          </a:p>
+          <a:p>
+            <a:pPr>
+              <a:spcAft>
+                <a:spcPts val="882"/>
+              </a:spcAft>
+            </a:pPr>
+            <a:r>
+              <a:rPr lang="en-US" sz="2400" dirty="0">
+                <a:solidFill>
+                  <a:schemeClr val="tx1"/>
+                </a:solidFill>
+                <a:latin typeface="+mn-lt"/>
+              </a:rPr>
+              <a:t>The size of the community means that is likely you will more easily find help online for issues with </a:t>
+            </a:r>
+            <a:r>
+              <a:rPr lang="en-US" sz="2400" dirty="0" err="1">
+                <a:solidFill>
+                  <a:schemeClr val="tx1"/>
+                </a:solidFill>
+                <a:latin typeface="+mn-lt"/>
+              </a:rPr>
+              <a:t>TensorFlow</a:t>
+            </a:r>
+            <a:r>
+              <a:rPr lang="en-US" sz="2400" dirty="0">
+                <a:solidFill>
+                  <a:schemeClr val="tx1"/>
+                </a:solidFill>
+                <a:latin typeface="+mn-lt"/>
+              </a:rPr>
+              <a:t> versus the Microsoft Cognitive Toolkit, which is why it may be a good reason to start with </a:t>
+            </a:r>
+            <a:r>
+              <a:rPr lang="en-US" sz="2400" dirty="0" err="1">
+                <a:solidFill>
+                  <a:schemeClr val="tx1"/>
+                </a:solidFill>
+                <a:latin typeface="+mn-lt"/>
+              </a:rPr>
+              <a:t>TensorFlow</a:t>
+            </a:r>
+            <a:endParaRPr lang="en-US" sz="2400" dirty="0">
+              <a:solidFill>
+                <a:schemeClr val="tx1"/>
+              </a:solidFill>
+              <a:latin typeface="+mn-lt"/>
+            </a:endParaRPr>
+          </a:p>
+        </p:txBody>
+      </p:sp>
+    </p:spTree>
+    <p:extLst>
+      <p:ext uri="{BB962C8B-B14F-4D97-AF65-F5344CB8AC3E}">
+        <p14:creationId xmlns:p14="http://schemas.microsoft.com/office/powerpoint/2010/main" val="4153529075"/>
+      </p:ext>
+    </p:extLst>
+  </p:cSld>
+  <p:clrMapOvr>
+    <a:masterClrMapping/>
+  </p:clrMapOvr>
+  <mc:AlternateContent xmlns:mc="http://schemas.openxmlformats.org/markup-compatibility/2006" xmlns:p14="http://schemas.microsoft.com/office/powerpoint/2010/main">
+    <mc:Choice Requires="p14">
+      <p:transition p14:dur="0"/>
+    </mc:Choice>
+    <mc:Fallback xmlns="">
+      <p:transition/>
+    </mc:Fallback>
+  </mc:AlternateContent>
+</p:sld>
+</file>
+
+<file path=ppt/slides/slide32.xml><?xml version="1.0" encoding="utf-8"?>
+<p:sld xmlns:a="http://schemas.openxmlformats.org/drawingml/2006/main" xmlns:r="http://schemas.openxmlformats.org/officeDocument/2006/relationships" xmlns:p="http://schemas.openxmlformats.org/presentationml/2006/main">
+  <p:cSld>
+    <p:spTree>
+      <p:nvGrpSpPr>
+        <p:cNvPr id="1" name=""/>
+        <p:cNvGrpSpPr/>
+        <p:nvPr/>
+      </p:nvGrpSpPr>
+      <p:grpSpPr>
+        <a:xfrm>
+          <a:off x="0" y="0"/>
+          <a:ext cx="0" cy="0"/>
+          <a:chOff x="0" y="0"/>
+          <a:chExt cx="0" cy="0"/>
+        </a:xfrm>
+      </p:grpSpPr>
+      <p:sp>
+        <p:nvSpPr>
+          <p:cNvPr id="2" name="Title 1"/>
+          <p:cNvSpPr>
+            <a:spLocks noGrp="1"/>
+          </p:cNvSpPr>
+          <p:nvPr>
+            <p:ph type="title"/>
+          </p:nvPr>
+        </p:nvSpPr>
+        <p:spPr/>
+        <p:txBody>
+          <a:bodyPr>
             <a:normAutofit fontScale="90000"/>
           </a:bodyPr>
           <a:lstStyle/>
@@ -22378,7 +22727,7 @@
 </p:sld>
 </file>
 
-<file path=ppt/slides/slide32.xml><?xml version="1.0" encoding="utf-8"?>
+<file path=ppt/slides/slide33.xml><?xml version="1.0" encoding="utf-8"?>
 <p:sld xmlns:a="http://schemas.openxmlformats.org/drawingml/2006/main" xmlns:r="http://schemas.openxmlformats.org/officeDocument/2006/relationships" xmlns:p="http://schemas.openxmlformats.org/presentationml/2006/main">
   <p:cSld>
     <p:bg>

--- a/Whiteboard design session/WDS trainer presentation - Cognitive Services and deep learning.pptx
+++ b/Whiteboard design session/WDS trainer presentation - Cognitive Services and deep learning.pptx
@@ -233,7 +233,7 @@
           <a:p>
             <a:fld id="{52A13B17-C506-4D51-BB37-16B365906619}" type="datetimeFigureOut">
               <a:rPr lang="en-US" smtClean="0"/>
-              <a:t>11/10/21</a:t>
+              <a:t>11/12/21</a:t>
             </a:fld>
             <a:endParaRPr lang="en-US" dirty="0"/>
           </a:p>
@@ -3015,7 +3015,7 @@
                   <a:prstClr val="black"/>
                 </a:solidFill>
               </a:rPr>
-              <a:t>11/10/21 9:54 AM</a:t>
+              <a:t>11/12/21 9:55 AM</a:t>
             </a:fld>
             <a:endParaRPr lang="en-US" dirty="0">
               <a:solidFill>
@@ -15529,7 +15529,7 @@
         </p:nvSpPr>
         <p:spPr>
           <a:xfrm>
-            <a:off x="269302" y="2084187"/>
+            <a:off x="269301" y="2080090"/>
             <a:ext cx="7171335" cy="899336"/>
           </a:xfrm>
         </p:spPr>
@@ -15539,38 +15539,8 @@
           <a:p>
             <a:r>
               <a:rPr lang="en-US" dirty="0"/>
-              <a:t>Cognitive Services and deep learning</a:t>
-            </a:r>
-          </a:p>
-        </p:txBody>
-      </p:sp>
-      <p:sp>
-        <p:nvSpPr>
-          <p:cNvPr id="3" name="Text Placeholder 2">
-            <a:extLst>
-              <a:ext uri="{FF2B5EF4-FFF2-40B4-BE49-F238E27FC236}">
-                <a16:creationId xmlns:a16="http://schemas.microsoft.com/office/drawing/2014/main" id="{C83DC502-2B62-4F9B-A8B3-D2EF25BCD06C}"/>
-              </a:ext>
-            </a:extLst>
-          </p:cNvPr>
-          <p:cNvSpPr>
-            <a:spLocks noGrp="1"/>
-          </p:cNvSpPr>
-          <p:nvPr>
-            <p:ph type="body" sz="quarter" idx="12"/>
-          </p:nvPr>
-        </p:nvSpPr>
-        <p:spPr>
-          <a:xfrm>
-            <a:off x="269301" y="3878574"/>
-            <a:ext cx="7171337" cy="1792326"/>
-          </a:xfrm>
-        </p:spPr>
-        <p:txBody>
-          <a:bodyPr/>
-          <a:lstStyle/>
-          <a:p>
-            <a:endParaRPr lang="en-US" dirty="0"/>
+              <a:t>Analyzing text with Azure Machine Learning and Cognitive Services </a:t>
+            </a:r>
           </a:p>
         </p:txBody>
       </p:sp>
